--- a/_DCDemoFiles/DCSlajdy.pptx
+++ b/_DCDemoFiles/DCSlajdy.pptx
@@ -15,14 +15,17 @@
     <p:sldId id="268" r:id="rId9"/>
     <p:sldId id="272" r:id="rId10"/>
     <p:sldId id="274" r:id="rId11"/>
-    <p:sldId id="273" r:id="rId12"/>
-    <p:sldId id="275" r:id="rId13"/>
-    <p:sldId id="277" r:id="rId14"/>
-    <p:sldId id="278" r:id="rId15"/>
-    <p:sldId id="276" r:id="rId16"/>
-    <p:sldId id="260" r:id="rId17"/>
-    <p:sldId id="257" r:id="rId18"/>
-    <p:sldId id="258" r:id="rId19"/>
+    <p:sldId id="279" r:id="rId12"/>
+    <p:sldId id="281" r:id="rId13"/>
+    <p:sldId id="273" r:id="rId14"/>
+    <p:sldId id="282" r:id="rId15"/>
+    <p:sldId id="275" r:id="rId16"/>
+    <p:sldId id="277" r:id="rId17"/>
+    <p:sldId id="278" r:id="rId18"/>
+    <p:sldId id="276" r:id="rId19"/>
+    <p:sldId id="260" r:id="rId20"/>
+    <p:sldId id="257" r:id="rId21"/>
+    <p:sldId id="258" r:id="rId22"/>
   </p:sldIdLst>
   <p:sldSz cx="12192000" cy="6858000"/>
   <p:notesSz cx="6858000" cy="9144000"/>
@@ -5981,10 +5984,203 @@
   <p:clrMapOvr>
     <a:masterClrMapping/>
   </p:clrMapOvr>
+  <p:timing>
+    <p:tnLst>
+      <p:par>
+        <p:cTn id="1" dur="indefinite" restart="never" nodeType="tmRoot"/>
+      </p:par>
+    </p:tnLst>
+  </p:timing>
 </p:sld>
 </file>
 
 <file path=ppt/slides/slide11.xml><?xml version="1.0" encoding="utf-8"?>
+<p:sld xmlns:a="http://schemas.openxmlformats.org/drawingml/2006/main" xmlns:r="http://schemas.openxmlformats.org/officeDocument/2006/relationships" xmlns:p="http://schemas.openxmlformats.org/presentationml/2006/main">
+  <p:cSld>
+    <p:spTree>
+      <p:nvGrpSpPr>
+        <p:cNvPr id="1" name=""/>
+        <p:cNvGrpSpPr/>
+        <p:nvPr/>
+      </p:nvGrpSpPr>
+      <p:grpSpPr>
+        <a:xfrm>
+          <a:off x="0" y="0"/>
+          <a:ext cx="0" cy="0"/>
+          <a:chOff x="0" y="0"/>
+          <a:chExt cx="0" cy="0"/>
+        </a:xfrm>
+      </p:grpSpPr>
+      <p:sp>
+        <p:nvSpPr>
+          <p:cNvPr id="2" name="Title 1"/>
+          <p:cNvSpPr>
+            <a:spLocks noGrp="1"/>
+          </p:cNvSpPr>
+          <p:nvPr>
+            <p:ph type="title"/>
+          </p:nvPr>
+        </p:nvSpPr>
+        <p:spPr/>
+        <p:txBody>
+          <a:bodyPr/>
+          <a:lstStyle/>
+          <a:p>
+            <a:r>
+              <a:rPr lang="pl-PL" dirty="0" smtClean="0"/>
+              <a:t>SSAS DMV</a:t>
+            </a:r>
+            <a:endParaRPr lang="pl-PL" dirty="0"/>
+          </a:p>
+        </p:txBody>
+      </p:sp>
+      <p:sp>
+        <p:nvSpPr>
+          <p:cNvPr id="3" name="Content Placeholder 2"/>
+          <p:cNvSpPr>
+            <a:spLocks noGrp="1"/>
+          </p:cNvSpPr>
+          <p:nvPr>
+            <p:ph idx="1"/>
+          </p:nvPr>
+        </p:nvSpPr>
+        <p:spPr>
+          <a:xfrm>
+            <a:off x="677333" y="1930400"/>
+            <a:ext cx="8400763" cy="3086443"/>
+          </a:xfrm>
+        </p:spPr>
+        <p:txBody>
+          <a:bodyPr>
+            <a:normAutofit lnSpcReduction="10000"/>
+          </a:bodyPr>
+          <a:lstStyle/>
+          <a:p>
+            <a:r>
+              <a:rPr lang="en-US" dirty="0"/>
+              <a:t>Analysis Services Dynamic Management Views (DMV) are queries that return information about model objects, server operations, and server health. </a:t>
+            </a:r>
+            <a:endParaRPr lang="pl-PL" dirty="0" smtClean="0"/>
+          </a:p>
+          <a:p>
+            <a:r>
+              <a:rPr lang="en-US" dirty="0" smtClean="0"/>
+              <a:t>The </a:t>
+            </a:r>
+            <a:r>
+              <a:rPr lang="en-US" dirty="0"/>
+              <a:t>query, based on SQL, is an interface to </a:t>
+            </a:r>
+            <a:r>
+              <a:rPr lang="en-US" b="1" i="1" dirty="0"/>
+              <a:t>schema </a:t>
+            </a:r>
+            <a:r>
+              <a:rPr lang="en-US" b="1" i="1" dirty="0" err="1"/>
+              <a:t>rowsets</a:t>
+            </a:r>
+            <a:r>
+              <a:rPr lang="en-US" dirty="0"/>
+              <a:t>. Schema </a:t>
+            </a:r>
+            <a:r>
+              <a:rPr lang="en-US" dirty="0" err="1"/>
+              <a:t>rowsets</a:t>
+            </a:r>
+            <a:r>
+              <a:rPr lang="en-US" dirty="0"/>
+              <a:t> are </a:t>
+            </a:r>
+            <a:r>
+              <a:rPr lang="en-US" dirty="0" err="1"/>
+              <a:t>predescribed</a:t>
+            </a:r>
+            <a:r>
+              <a:rPr lang="en-US" dirty="0"/>
+              <a:t> tables that contain information about Analysis Services objects and server state, including database schema, active sessions, connections, commands, and jobs that are executing on the server.</a:t>
+            </a:r>
+          </a:p>
+          <a:p>
+            <a:r>
+              <a:rPr lang="en-US" dirty="0"/>
+              <a:t>DMV queries are an </a:t>
+            </a:r>
+            <a:r>
+              <a:rPr lang="en-US" b="1" dirty="0"/>
+              <a:t>alternative to running XML/A </a:t>
+            </a:r>
+            <a:r>
+              <a:rPr lang="en-US" dirty="0"/>
+              <a:t>Discover commands. For most administrators, writing a DMV query is simpler because the </a:t>
+            </a:r>
+            <a:r>
+              <a:rPr lang="en-US" b="1" dirty="0"/>
+              <a:t>syntax is based on SQL</a:t>
+            </a:r>
+            <a:r>
+              <a:rPr lang="en-US" dirty="0"/>
+              <a:t>. In addition, the result is </a:t>
+            </a:r>
+            <a:r>
+              <a:rPr lang="en-US" b="1" dirty="0"/>
+              <a:t>returned in a table format </a:t>
+            </a:r>
+            <a:r>
+              <a:rPr lang="en-US" dirty="0"/>
+              <a:t>that is easier to read and copy.</a:t>
+            </a:r>
+          </a:p>
+        </p:txBody>
+      </p:sp>
+      <p:sp>
+        <p:nvSpPr>
+          <p:cNvPr id="4" name="Rectangle 3"/>
+          <p:cNvSpPr/>
+          <p:nvPr/>
+        </p:nvSpPr>
+        <p:spPr>
+          <a:xfrm>
+            <a:off x="677334" y="5399041"/>
+            <a:ext cx="6096000" cy="369332"/>
+          </a:xfrm>
+          <a:prstGeom prst="rect">
+            <a:avLst/>
+          </a:prstGeom>
+        </p:spPr>
+        <p:txBody>
+          <a:bodyPr>
+            <a:spAutoFit/>
+          </a:bodyPr>
+          <a:lstStyle/>
+          <a:p>
+            <a:r>
+              <a:rPr lang="pl-PL" sz="900" dirty="0"/>
+              <a:t>https://docs.microsoft.com/en-us/sql/analysis-services/instances/use-dynamic-management-views-dmvs-to-monitor-analysis-services?view=sql-server-2017</a:t>
+            </a:r>
+          </a:p>
+        </p:txBody>
+      </p:sp>
+    </p:spTree>
+    <p:extLst>
+      <p:ext uri="{BB962C8B-B14F-4D97-AF65-F5344CB8AC3E}">
+        <p14:creationId xmlns:p14="http://schemas.microsoft.com/office/powerpoint/2010/main" val="3816221553"/>
+      </p:ext>
+    </p:extLst>
+  </p:cSld>
+  <p:clrMapOvr>
+    <a:masterClrMapping/>
+  </p:clrMapOvr>
+  <p:timing>
+    <p:tnLst>
+      <p:par>
+        <p:cTn id="1" dur="indefinite" restart="never" nodeType="tmRoot"/>
+      </p:par>
+    </p:tnLst>
+  </p:timing>
+</p:sld>
+</file>
+
+<file path=ppt/slides/slide12.xml><?xml version="1.0" encoding="utf-8"?>
 <p:sld xmlns:a="http://schemas.openxmlformats.org/drawingml/2006/main" xmlns:r="http://schemas.openxmlformats.org/officeDocument/2006/relationships" xmlns:p="http://schemas.openxmlformats.org/presentationml/2006/main">
   <p:cSld>
     <p:spTree>
@@ -6017,8 +6213,8 @@
         </p:blipFill>
         <p:spPr>
           <a:xfrm>
-            <a:off x="543697" y="579115"/>
-            <a:ext cx="8512003" cy="5011673"/>
+            <a:off x="2809103" y="-1"/>
+            <a:ext cx="9382897" cy="6860653"/>
           </a:xfrm>
           <a:prstGeom prst="rect">
             <a:avLst/>
@@ -6028,79 +6224,7 @@
     </p:spTree>
     <p:extLst>
       <p:ext uri="{BB962C8B-B14F-4D97-AF65-F5344CB8AC3E}">
-        <p14:creationId xmlns:p14="http://schemas.microsoft.com/office/powerpoint/2010/main" val="3651158010"/>
-      </p:ext>
-    </p:extLst>
-  </p:cSld>
-  <p:clrMapOvr>
-    <a:masterClrMapping/>
-  </p:clrMapOvr>
-</p:sld>
-</file>
-
-<file path=ppt/slides/slide12.xml><?xml version="1.0" encoding="utf-8"?>
-<p:sld xmlns:a="http://schemas.openxmlformats.org/drawingml/2006/main" xmlns:r="http://schemas.openxmlformats.org/officeDocument/2006/relationships" xmlns:p="http://schemas.openxmlformats.org/presentationml/2006/main">
-  <p:cSld>
-    <p:spTree>
-      <p:nvGrpSpPr>
-        <p:cNvPr id="1" name=""/>
-        <p:cNvGrpSpPr/>
-        <p:nvPr/>
-      </p:nvGrpSpPr>
-      <p:grpSpPr>
-        <a:xfrm>
-          <a:off x="0" y="0"/>
-          <a:ext cx="0" cy="0"/>
-          <a:chOff x="0" y="0"/>
-          <a:chExt cx="0" cy="0"/>
-        </a:xfrm>
-      </p:grpSpPr>
-      <p:sp>
-        <p:nvSpPr>
-          <p:cNvPr id="2" name="Title 1"/>
-          <p:cNvSpPr>
-            <a:spLocks noGrp="1"/>
-          </p:cNvSpPr>
-          <p:nvPr>
-            <p:ph type="title"/>
-          </p:nvPr>
-        </p:nvSpPr>
-        <p:spPr/>
-        <p:txBody>
-          <a:bodyPr/>
-          <a:lstStyle/>
-          <a:p>
-            <a:r>
-              <a:rPr lang="pl-PL" dirty="0" smtClean="0"/>
-              <a:t>Attempt #02: AMO</a:t>
-            </a:r>
-            <a:endParaRPr lang="pl-PL" dirty="0"/>
-          </a:p>
-        </p:txBody>
-      </p:sp>
-      <p:sp>
-        <p:nvSpPr>
-          <p:cNvPr id="3" name="Text Placeholder 2"/>
-          <p:cNvSpPr>
-            <a:spLocks noGrp="1"/>
-          </p:cNvSpPr>
-          <p:nvPr>
-            <p:ph type="body" idx="1"/>
-          </p:nvPr>
-        </p:nvSpPr>
-        <p:spPr/>
-        <p:txBody>
-          <a:bodyPr/>
-          <a:lstStyle/>
-          <a:p>
-            <a:endParaRPr lang="pl-PL"/>
-          </a:p>
-        </p:txBody>
-      </p:sp>
-    </p:spTree>
-    <p:extLst>
-      <p:ext uri="{BB962C8B-B14F-4D97-AF65-F5344CB8AC3E}">
-        <p14:creationId xmlns:p14="http://schemas.microsoft.com/office/powerpoint/2010/main" val="587038185"/>
+        <p14:creationId xmlns:p14="http://schemas.microsoft.com/office/powerpoint/2010/main" val="584182787"/>
       </p:ext>
     </p:extLst>
   </p:cSld>
@@ -6134,151 +6258,34 @@
           <a:chExt cx="0" cy="0"/>
         </a:xfrm>
       </p:grpSpPr>
-      <p:sp>
-        <p:nvSpPr>
-          <p:cNvPr id="2" name="Title 1"/>
-          <p:cNvSpPr>
-            <a:spLocks noGrp="1"/>
-          </p:cNvSpPr>
-          <p:nvPr>
-            <p:ph type="title"/>
-          </p:nvPr>
-        </p:nvSpPr>
-        <p:spPr/>
-        <p:txBody>
-          <a:bodyPr/>
-          <a:lstStyle/>
-          <a:p>
-            <a:r>
-              <a:rPr lang="pl-PL" dirty="0" smtClean="0"/>
-              <a:t>dlls</a:t>
-            </a:r>
-            <a:endParaRPr lang="pl-PL" dirty="0"/>
-          </a:p>
-        </p:txBody>
-      </p:sp>
-      <p:sp>
-        <p:nvSpPr>
-          <p:cNvPr id="3" name="Content Placeholder 2"/>
-          <p:cNvSpPr>
-            <a:spLocks noGrp="1"/>
-          </p:cNvSpPr>
-          <p:nvPr>
-            <p:ph idx="1"/>
-          </p:nvPr>
-        </p:nvSpPr>
-        <p:spPr>
-          <a:xfrm>
-            <a:off x="677334" y="1930400"/>
-            <a:ext cx="5146817" cy="3880773"/>
-          </a:xfrm>
-        </p:spPr>
-        <p:txBody>
-          <a:bodyPr/>
-          <a:lstStyle/>
-          <a:p>
-            <a:pPr marL="0" indent="0">
-              <a:buNone/>
-            </a:pPr>
-            <a:r>
-              <a:rPr lang="en-US" b="1" dirty="0"/>
-              <a:t>Analysis Management Objects (AMO) </a:t>
-            </a:r>
-            <a:endParaRPr lang="pl-PL" b="1" dirty="0" smtClean="0"/>
-          </a:p>
-          <a:p>
-            <a:pPr marL="0" indent="0">
-              <a:buNone/>
-            </a:pPr>
-            <a:r>
-              <a:rPr lang="pl-PL" dirty="0" smtClean="0"/>
-              <a:t>A </a:t>
-            </a:r>
-            <a:r>
-              <a:rPr lang="en-US" dirty="0" smtClean="0"/>
-              <a:t>library </a:t>
-            </a:r>
-            <a:r>
-              <a:rPr lang="en-US" dirty="0"/>
-              <a:t>of classes designed to manage an instance of Microsoft SQL Server Analysis Services from a client application. AMO classes are classes that you will use to administer Analysis Services objects such as databases, dimensions, cubes, mining structures and models, roles and permissions, exceptions, and others</a:t>
-            </a:r>
-            <a:endParaRPr lang="pl-PL" b="1" dirty="0"/>
-          </a:p>
-        </p:txBody>
-      </p:sp>
       <p:pic>
         <p:nvPicPr>
-          <p:cNvPr id="1026" name="Picture 2" descr="Classes reviewed in AMO conceptual topics"/>
+          <p:cNvPr id="2" name="Picture 1"/>
           <p:cNvPicPr>
-            <a:picLocks noChangeAspect="1" noChangeArrowheads="1"/>
+            <a:picLocks noChangeAspect="1"/>
           </p:cNvPicPr>
           <p:nvPr/>
         </p:nvPicPr>
         <p:blipFill>
-          <a:blip r:embed="rId2">
-            <a:extLst>
-              <a:ext uri="{28A0092B-C50C-407E-A947-70E740481C1C}">
-                <a14:useLocalDpi xmlns:a14="http://schemas.microsoft.com/office/drawing/2010/main" val="0"/>
-              </a:ext>
-            </a:extLst>
-          </a:blip>
-          <a:srcRect/>
+          <a:blip r:embed="rId2"/>
           <a:stretch>
             <a:fillRect/>
           </a:stretch>
         </p:blipFill>
-        <p:spPr bwMode="auto">
-          <a:xfrm>
-            <a:off x="6639696" y="609600"/>
-            <a:ext cx="1894605" cy="5164326"/>
-          </a:xfrm>
-          <a:prstGeom prst="rect">
-            <a:avLst/>
-          </a:prstGeom>
-          <a:noFill/>
-          <a:extLst>
-            <a:ext uri="{909E8E84-426E-40DD-AFC4-6F175D3DCCD1}">
-              <a14:hiddenFill xmlns:a14="http://schemas.microsoft.com/office/drawing/2010/main">
-                <a:solidFill>
-                  <a:srgbClr val="FFFFFF"/>
-                </a:solidFill>
-              </a14:hiddenFill>
-            </a:ext>
-          </a:extLst>
-        </p:spPr>
-      </p:pic>
-      <p:sp>
-        <p:nvSpPr>
-          <p:cNvPr id="4" name="Rectangle 3"/>
-          <p:cNvSpPr/>
-          <p:nvPr/>
-        </p:nvSpPr>
         <p:spPr>
           <a:xfrm>
-            <a:off x="677334" y="5399041"/>
-            <a:ext cx="6096000" cy="369332"/>
+            <a:off x="1" y="-5105"/>
+            <a:ext cx="12192000" cy="6863105"/>
           </a:xfrm>
           <a:prstGeom prst="rect">
             <a:avLst/>
           </a:prstGeom>
         </p:spPr>
-        <p:txBody>
-          <a:bodyPr>
-            <a:spAutoFit/>
-          </a:bodyPr>
-          <a:lstStyle/>
-          <a:p>
-            <a:r>
-              <a:rPr lang="pl-PL" sz="900" dirty="0"/>
-              <a:t>https://docs.microsoft.com/en-us/sql/analysis-services/multidimensional-models/analysis-management-objects/amo-classes-introduction?view=sql-server-2017</a:t>
-            </a:r>
-          </a:p>
-        </p:txBody>
-      </p:sp>
+      </p:pic>
     </p:spTree>
     <p:extLst>
       <p:ext uri="{BB962C8B-B14F-4D97-AF65-F5344CB8AC3E}">
-        <p14:creationId xmlns:p14="http://schemas.microsoft.com/office/powerpoint/2010/main" val="1405567590"/>
+        <p14:creationId xmlns:p14="http://schemas.microsoft.com/office/powerpoint/2010/main" val="3651158010"/>
       </p:ext>
     </p:extLst>
   </p:cSld>
@@ -6329,7 +6336,7 @@
           <a:p>
             <a:r>
               <a:rPr lang="pl-PL" dirty="0" smtClean="0"/>
-              <a:t>dlls</a:t>
+              <a:t>demo #01</a:t>
             </a:r>
             <a:endParaRPr lang="pl-PL" dirty="0"/>
           </a:p>
@@ -6337,111 +6344,27 @@
       </p:sp>
       <p:sp>
         <p:nvSpPr>
-          <p:cNvPr id="3" name="Content Placeholder 2"/>
-          <p:cNvSpPr>
-            <a:spLocks noGrp="1"/>
-          </p:cNvSpPr>
-          <p:nvPr>
-            <p:ph idx="1"/>
-          </p:nvPr>
-        </p:nvSpPr>
-        <p:spPr>
-          <a:xfrm>
-            <a:off x="677334" y="1930400"/>
-            <a:ext cx="8334861" cy="3880773"/>
-          </a:xfrm>
-        </p:spPr>
+          <p:cNvPr id="3" name="Text Placeholder 2"/>
+          <p:cNvSpPr>
+            <a:spLocks noGrp="1"/>
+          </p:cNvSpPr>
+          <p:nvPr>
+            <p:ph type="body" idx="1"/>
+          </p:nvPr>
+        </p:nvSpPr>
+        <p:spPr/>
         <p:txBody>
           <a:bodyPr/>
           <a:lstStyle/>
           <a:p>
-            <a:pPr marL="0" indent="0">
-              <a:buNone/>
-            </a:pPr>
-            <a:r>
-              <a:rPr lang="pl-PL" dirty="0" smtClean="0"/>
-              <a:t>T</a:t>
-            </a:r>
-            <a:r>
-              <a:rPr lang="en-US" dirty="0" smtClean="0"/>
-              <a:t>he </a:t>
-            </a:r>
-            <a:r>
-              <a:rPr lang="en-US" b="1" dirty="0"/>
-              <a:t>ADOMD.NET</a:t>
-            </a:r>
-            <a:r>
-              <a:rPr lang="en-US" dirty="0"/>
-              <a:t> server objects are helper objects that can be used to create user defined functions (UDFs) or stored procedures in Microsoft SQL Server Analysis Services</a:t>
-            </a:r>
-            <a:r>
-              <a:rPr lang="en-US" dirty="0" smtClean="0"/>
-              <a:t>.</a:t>
-            </a:r>
-            <a:endParaRPr lang="pl-PL" dirty="0" smtClean="0"/>
-          </a:p>
-          <a:p>
-            <a:pPr marL="0" indent="0">
-              <a:buNone/>
-            </a:pPr>
-            <a:endParaRPr lang="pl-PL" b="1" dirty="0"/>
-          </a:p>
-          <a:p>
-            <a:pPr marL="0" indent="0">
-              <a:buNone/>
-            </a:pPr>
-            <a:r>
-              <a:rPr lang="pl-PL" dirty="0"/>
-              <a:t>The ADOMD.NET server components of ADOMD.NET reside within the </a:t>
-            </a:r>
-            <a:r>
-              <a:rPr lang="pl-PL" b="1" dirty="0"/>
-              <a:t>Microsoft.AnalysisServices.AdomdServer</a:t>
-            </a:r>
-            <a:r>
-              <a:rPr lang="pl-PL" dirty="0"/>
-              <a:t> namespace (in msmgdsrv.dll). You use these server components to create custom Multidimensional Expressions (MDX) functions and stored procedures that are run on an instance of Microsoft SQL Server Analysis Services.</a:t>
-            </a:r>
-            <a:endParaRPr lang="pl-PL" b="1" dirty="0"/>
-          </a:p>
-        </p:txBody>
-      </p:sp>
-      <p:sp>
-        <p:nvSpPr>
-          <p:cNvPr id="4" name="Rectangle 3"/>
-          <p:cNvSpPr/>
-          <p:nvPr/>
-        </p:nvSpPr>
-        <p:spPr>
-          <a:xfrm>
-            <a:off x="677334" y="5415517"/>
-            <a:ext cx="6096000" cy="392415"/>
-          </a:xfrm>
-          <a:prstGeom prst="rect">
-            <a:avLst/>
-          </a:prstGeom>
-        </p:spPr>
-        <p:txBody>
-          <a:bodyPr>
-            <a:spAutoFit/>
-          </a:bodyPr>
-          <a:lstStyle/>
-          <a:p>
-            <a:r>
-              <a:rPr lang="pl-PL" sz="1050" dirty="0"/>
-              <a:t>https://</a:t>
-            </a:r>
-            <a:r>
-              <a:rPr lang="pl-PL" sz="900" dirty="0"/>
-              <a:t>docs.microsoft.com/en-us/sql/analysis-services/multidimensional-models-adomd-net-server/adomd-net-server-object-architecture?view=sql-server-2017</a:t>
-            </a:r>
+            <a:endParaRPr lang="pl-PL"/>
           </a:p>
         </p:txBody>
       </p:sp>
     </p:spTree>
     <p:extLst>
       <p:ext uri="{BB962C8B-B14F-4D97-AF65-F5344CB8AC3E}">
-        <p14:creationId xmlns:p14="http://schemas.microsoft.com/office/powerpoint/2010/main" val="2226700345"/>
+        <p14:creationId xmlns:p14="http://schemas.microsoft.com/office/powerpoint/2010/main" val="156644176"/>
       </p:ext>
     </p:extLst>
   </p:cSld>
@@ -6492,6 +6415,426 @@
           <a:p>
             <a:r>
               <a:rPr lang="pl-PL" dirty="0" smtClean="0"/>
+              <a:t>Attempt #02: AMO</a:t>
+            </a:r>
+            <a:endParaRPr lang="pl-PL" dirty="0"/>
+          </a:p>
+        </p:txBody>
+      </p:sp>
+      <p:sp>
+        <p:nvSpPr>
+          <p:cNvPr id="3" name="Text Placeholder 2"/>
+          <p:cNvSpPr>
+            <a:spLocks noGrp="1"/>
+          </p:cNvSpPr>
+          <p:nvPr>
+            <p:ph type="body" idx="1"/>
+          </p:nvPr>
+        </p:nvSpPr>
+        <p:spPr/>
+        <p:txBody>
+          <a:bodyPr/>
+          <a:lstStyle/>
+          <a:p>
+            <a:endParaRPr lang="pl-PL"/>
+          </a:p>
+        </p:txBody>
+      </p:sp>
+    </p:spTree>
+    <p:extLst>
+      <p:ext uri="{BB962C8B-B14F-4D97-AF65-F5344CB8AC3E}">
+        <p14:creationId xmlns:p14="http://schemas.microsoft.com/office/powerpoint/2010/main" val="587038185"/>
+      </p:ext>
+    </p:extLst>
+  </p:cSld>
+  <p:clrMapOvr>
+    <a:masterClrMapping/>
+  </p:clrMapOvr>
+  <p:timing>
+    <p:tnLst>
+      <p:par>
+        <p:cTn id="1" dur="indefinite" restart="never" nodeType="tmRoot"/>
+      </p:par>
+    </p:tnLst>
+  </p:timing>
+</p:sld>
+</file>
+
+<file path=ppt/slides/slide16.xml><?xml version="1.0" encoding="utf-8"?>
+<p:sld xmlns:a="http://schemas.openxmlformats.org/drawingml/2006/main" xmlns:r="http://schemas.openxmlformats.org/officeDocument/2006/relationships" xmlns:p="http://schemas.openxmlformats.org/presentationml/2006/main">
+  <p:cSld>
+    <p:spTree>
+      <p:nvGrpSpPr>
+        <p:cNvPr id="1" name=""/>
+        <p:cNvGrpSpPr/>
+        <p:nvPr/>
+      </p:nvGrpSpPr>
+      <p:grpSpPr>
+        <a:xfrm>
+          <a:off x="0" y="0"/>
+          <a:ext cx="0" cy="0"/>
+          <a:chOff x="0" y="0"/>
+          <a:chExt cx="0" cy="0"/>
+        </a:xfrm>
+      </p:grpSpPr>
+      <p:sp>
+        <p:nvSpPr>
+          <p:cNvPr id="2" name="Title 1"/>
+          <p:cNvSpPr>
+            <a:spLocks noGrp="1"/>
+          </p:cNvSpPr>
+          <p:nvPr>
+            <p:ph type="title"/>
+          </p:nvPr>
+        </p:nvSpPr>
+        <p:spPr/>
+        <p:txBody>
+          <a:bodyPr/>
+          <a:lstStyle/>
+          <a:p>
+            <a:r>
+              <a:rPr lang="pl-PL" dirty="0" smtClean="0"/>
+              <a:t>dlls</a:t>
+            </a:r>
+            <a:endParaRPr lang="pl-PL" dirty="0"/>
+          </a:p>
+        </p:txBody>
+      </p:sp>
+      <p:sp>
+        <p:nvSpPr>
+          <p:cNvPr id="3" name="Content Placeholder 2"/>
+          <p:cNvSpPr>
+            <a:spLocks noGrp="1"/>
+          </p:cNvSpPr>
+          <p:nvPr>
+            <p:ph idx="1"/>
+          </p:nvPr>
+        </p:nvSpPr>
+        <p:spPr>
+          <a:xfrm>
+            <a:off x="677334" y="1930400"/>
+            <a:ext cx="5146817" cy="3880773"/>
+          </a:xfrm>
+        </p:spPr>
+        <p:txBody>
+          <a:bodyPr/>
+          <a:lstStyle/>
+          <a:p>
+            <a:pPr marL="0" indent="0">
+              <a:buNone/>
+            </a:pPr>
+            <a:r>
+              <a:rPr lang="en-US" b="1" dirty="0"/>
+              <a:t>Analysis Management Objects (AMO) </a:t>
+            </a:r>
+            <a:endParaRPr lang="pl-PL" b="1" dirty="0" smtClean="0"/>
+          </a:p>
+          <a:p>
+            <a:pPr marL="0" indent="0">
+              <a:buNone/>
+            </a:pPr>
+            <a:r>
+              <a:rPr lang="pl-PL" dirty="0" smtClean="0"/>
+              <a:t>A </a:t>
+            </a:r>
+            <a:r>
+              <a:rPr lang="en-US" dirty="0" smtClean="0"/>
+              <a:t>library </a:t>
+            </a:r>
+            <a:r>
+              <a:rPr lang="en-US" dirty="0"/>
+              <a:t>of classes designed to manage an instance of Microsoft SQL Server Analysis Services from a client application. AMO classes are classes that you will use to administer Analysis Services objects such as databases, dimensions, cubes, mining structures and models, roles and permissions, exceptions, and others</a:t>
+            </a:r>
+            <a:endParaRPr lang="pl-PL" b="1" dirty="0"/>
+          </a:p>
+        </p:txBody>
+      </p:sp>
+      <p:pic>
+        <p:nvPicPr>
+          <p:cNvPr id="1026" name="Picture 2" descr="Classes reviewed in AMO conceptual topics"/>
+          <p:cNvPicPr>
+            <a:picLocks noChangeAspect="1" noChangeArrowheads="1"/>
+          </p:cNvPicPr>
+          <p:nvPr/>
+        </p:nvPicPr>
+        <p:blipFill>
+          <a:blip r:embed="rId2">
+            <a:extLst>
+              <a:ext uri="{28A0092B-C50C-407E-A947-70E740481C1C}">
+                <a14:useLocalDpi xmlns:a14="http://schemas.microsoft.com/office/drawing/2010/main" val="0"/>
+              </a:ext>
+            </a:extLst>
+          </a:blip>
+          <a:srcRect/>
+          <a:stretch>
+            <a:fillRect/>
+          </a:stretch>
+        </p:blipFill>
+        <p:spPr bwMode="auto">
+          <a:xfrm>
+            <a:off x="6639696" y="609600"/>
+            <a:ext cx="1894605" cy="5164326"/>
+          </a:xfrm>
+          <a:prstGeom prst="rect">
+            <a:avLst/>
+          </a:prstGeom>
+          <a:noFill/>
+          <a:extLst>
+            <a:ext uri="{909E8E84-426E-40DD-AFC4-6F175D3DCCD1}">
+              <a14:hiddenFill xmlns:a14="http://schemas.microsoft.com/office/drawing/2010/main">
+                <a:solidFill>
+                  <a:srgbClr val="FFFFFF"/>
+                </a:solidFill>
+              </a14:hiddenFill>
+            </a:ext>
+          </a:extLst>
+        </p:spPr>
+      </p:pic>
+      <p:sp>
+        <p:nvSpPr>
+          <p:cNvPr id="4" name="Rectangle 3"/>
+          <p:cNvSpPr/>
+          <p:nvPr/>
+        </p:nvSpPr>
+        <p:spPr>
+          <a:xfrm>
+            <a:off x="677334" y="5399041"/>
+            <a:ext cx="6096000" cy="369332"/>
+          </a:xfrm>
+          <a:prstGeom prst="rect">
+            <a:avLst/>
+          </a:prstGeom>
+        </p:spPr>
+        <p:txBody>
+          <a:bodyPr>
+            <a:spAutoFit/>
+          </a:bodyPr>
+          <a:lstStyle/>
+          <a:p>
+            <a:r>
+              <a:rPr lang="pl-PL" sz="900" dirty="0"/>
+              <a:t>https://docs.microsoft.com/en-us/sql/analysis-services/multidimensional-models/analysis-management-objects/amo-classes-introduction?view=sql-server-2017</a:t>
+            </a:r>
+          </a:p>
+        </p:txBody>
+      </p:sp>
+    </p:spTree>
+    <p:extLst>
+      <p:ext uri="{BB962C8B-B14F-4D97-AF65-F5344CB8AC3E}">
+        <p14:creationId xmlns:p14="http://schemas.microsoft.com/office/powerpoint/2010/main" val="1405567590"/>
+      </p:ext>
+    </p:extLst>
+  </p:cSld>
+  <p:clrMapOvr>
+    <a:masterClrMapping/>
+  </p:clrMapOvr>
+  <p:timing>
+    <p:tnLst>
+      <p:par>
+        <p:cTn id="1" dur="indefinite" restart="never" nodeType="tmRoot"/>
+      </p:par>
+    </p:tnLst>
+  </p:timing>
+</p:sld>
+</file>
+
+<file path=ppt/slides/slide17.xml><?xml version="1.0" encoding="utf-8"?>
+<p:sld xmlns:a="http://schemas.openxmlformats.org/drawingml/2006/main" xmlns:r="http://schemas.openxmlformats.org/officeDocument/2006/relationships" xmlns:p="http://schemas.openxmlformats.org/presentationml/2006/main">
+  <p:cSld>
+    <p:spTree>
+      <p:nvGrpSpPr>
+        <p:cNvPr id="1" name=""/>
+        <p:cNvGrpSpPr/>
+        <p:nvPr/>
+      </p:nvGrpSpPr>
+      <p:grpSpPr>
+        <a:xfrm>
+          <a:off x="0" y="0"/>
+          <a:ext cx="0" cy="0"/>
+          <a:chOff x="0" y="0"/>
+          <a:chExt cx="0" cy="0"/>
+        </a:xfrm>
+      </p:grpSpPr>
+      <p:sp>
+        <p:nvSpPr>
+          <p:cNvPr id="2" name="Title 1"/>
+          <p:cNvSpPr>
+            <a:spLocks noGrp="1"/>
+          </p:cNvSpPr>
+          <p:nvPr>
+            <p:ph type="title"/>
+          </p:nvPr>
+        </p:nvSpPr>
+        <p:spPr/>
+        <p:txBody>
+          <a:bodyPr/>
+          <a:lstStyle/>
+          <a:p>
+            <a:r>
+              <a:rPr lang="pl-PL" dirty="0" smtClean="0"/>
+              <a:t>dlls</a:t>
+            </a:r>
+            <a:endParaRPr lang="pl-PL" dirty="0"/>
+          </a:p>
+        </p:txBody>
+      </p:sp>
+      <p:sp>
+        <p:nvSpPr>
+          <p:cNvPr id="3" name="Content Placeholder 2"/>
+          <p:cNvSpPr>
+            <a:spLocks noGrp="1"/>
+          </p:cNvSpPr>
+          <p:nvPr>
+            <p:ph idx="1"/>
+          </p:nvPr>
+        </p:nvSpPr>
+        <p:spPr>
+          <a:xfrm>
+            <a:off x="677334" y="1930400"/>
+            <a:ext cx="8334861" cy="3880773"/>
+          </a:xfrm>
+        </p:spPr>
+        <p:txBody>
+          <a:bodyPr/>
+          <a:lstStyle/>
+          <a:p>
+            <a:pPr marL="0" indent="0">
+              <a:buNone/>
+            </a:pPr>
+            <a:r>
+              <a:rPr lang="pl-PL" dirty="0" smtClean="0"/>
+              <a:t>T</a:t>
+            </a:r>
+            <a:r>
+              <a:rPr lang="en-US" dirty="0" smtClean="0"/>
+              <a:t>he </a:t>
+            </a:r>
+            <a:r>
+              <a:rPr lang="en-US" b="1" dirty="0"/>
+              <a:t>ADOMD.NET</a:t>
+            </a:r>
+            <a:r>
+              <a:rPr lang="en-US" dirty="0"/>
+              <a:t> server objects are helper objects that can be used to create user defined functions (UDFs) or stored procedures in Microsoft SQL Server Analysis Services</a:t>
+            </a:r>
+            <a:r>
+              <a:rPr lang="en-US" dirty="0" smtClean="0"/>
+              <a:t>.</a:t>
+            </a:r>
+            <a:endParaRPr lang="pl-PL" dirty="0" smtClean="0"/>
+          </a:p>
+          <a:p>
+            <a:pPr marL="0" indent="0">
+              <a:buNone/>
+            </a:pPr>
+            <a:endParaRPr lang="pl-PL" b="1" dirty="0"/>
+          </a:p>
+          <a:p>
+            <a:pPr marL="0" indent="0">
+              <a:buNone/>
+            </a:pPr>
+            <a:r>
+              <a:rPr lang="pl-PL" dirty="0"/>
+              <a:t>The ADOMD.NET server components of ADOMD.NET reside within the </a:t>
+            </a:r>
+            <a:r>
+              <a:rPr lang="pl-PL" b="1" dirty="0"/>
+              <a:t>Microsoft.AnalysisServices.AdomdServer</a:t>
+            </a:r>
+            <a:r>
+              <a:rPr lang="pl-PL" dirty="0"/>
+              <a:t> namespace (in msmgdsrv.dll). You use these server components to create custom Multidimensional Expressions (MDX) functions and stored procedures that are run on an instance of Microsoft SQL Server Analysis Services.</a:t>
+            </a:r>
+            <a:endParaRPr lang="pl-PL" b="1" dirty="0"/>
+          </a:p>
+        </p:txBody>
+      </p:sp>
+      <p:sp>
+        <p:nvSpPr>
+          <p:cNvPr id="4" name="Rectangle 3"/>
+          <p:cNvSpPr/>
+          <p:nvPr/>
+        </p:nvSpPr>
+        <p:spPr>
+          <a:xfrm>
+            <a:off x="677334" y="5415517"/>
+            <a:ext cx="6096000" cy="392415"/>
+          </a:xfrm>
+          <a:prstGeom prst="rect">
+            <a:avLst/>
+          </a:prstGeom>
+        </p:spPr>
+        <p:txBody>
+          <a:bodyPr>
+            <a:spAutoFit/>
+          </a:bodyPr>
+          <a:lstStyle/>
+          <a:p>
+            <a:r>
+              <a:rPr lang="pl-PL" sz="1050" dirty="0"/>
+              <a:t>https://</a:t>
+            </a:r>
+            <a:r>
+              <a:rPr lang="pl-PL" sz="900" dirty="0"/>
+              <a:t>docs.microsoft.com/en-us/sql/analysis-services/multidimensional-models-adomd-net-server/adomd-net-server-object-architecture?view=sql-server-2017</a:t>
+            </a:r>
+          </a:p>
+        </p:txBody>
+      </p:sp>
+    </p:spTree>
+    <p:extLst>
+      <p:ext uri="{BB962C8B-B14F-4D97-AF65-F5344CB8AC3E}">
+        <p14:creationId xmlns:p14="http://schemas.microsoft.com/office/powerpoint/2010/main" val="2226700345"/>
+      </p:ext>
+    </p:extLst>
+  </p:cSld>
+  <p:clrMapOvr>
+    <a:masterClrMapping/>
+  </p:clrMapOvr>
+  <p:timing>
+    <p:tnLst>
+      <p:par>
+        <p:cTn id="1" dur="indefinite" restart="never" nodeType="tmRoot"/>
+      </p:par>
+    </p:tnLst>
+  </p:timing>
+</p:sld>
+</file>
+
+<file path=ppt/slides/slide18.xml><?xml version="1.0" encoding="utf-8"?>
+<p:sld xmlns:a="http://schemas.openxmlformats.org/drawingml/2006/main" xmlns:r="http://schemas.openxmlformats.org/officeDocument/2006/relationships" xmlns:p="http://schemas.openxmlformats.org/presentationml/2006/main">
+  <p:cSld>
+    <p:spTree>
+      <p:nvGrpSpPr>
+        <p:cNvPr id="1" name=""/>
+        <p:cNvGrpSpPr/>
+        <p:nvPr/>
+      </p:nvGrpSpPr>
+      <p:grpSpPr>
+        <a:xfrm>
+          <a:off x="0" y="0"/>
+          <a:ext cx="0" cy="0"/>
+          <a:chOff x="0" y="0"/>
+          <a:chExt cx="0" cy="0"/>
+        </a:xfrm>
+      </p:grpSpPr>
+      <p:sp>
+        <p:nvSpPr>
+          <p:cNvPr id="2" name="Title 1"/>
+          <p:cNvSpPr>
+            <a:spLocks noGrp="1"/>
+          </p:cNvSpPr>
+          <p:nvPr>
+            <p:ph type="title"/>
+          </p:nvPr>
+        </p:nvSpPr>
+        <p:spPr/>
+        <p:txBody>
+          <a:bodyPr/>
+          <a:lstStyle/>
+          <a:p>
+            <a:r>
+              <a:rPr lang="pl-PL" dirty="0" smtClean="0"/>
               <a:t>Attempt #03: Parser</a:t>
             </a:r>
             <a:endParaRPr lang="pl-PL" dirty="0"/>
@@ -6537,7 +6880,7 @@
 </p:sld>
 </file>
 
-<file path=ppt/slides/slide16.xml><?xml version="1.0" encoding="utf-8"?>
+<file path=ppt/slides/slide19.xml><?xml version="1.0" encoding="utf-8"?>
 <p:sld xmlns:a="http://schemas.openxmlformats.org/drawingml/2006/main" xmlns:r="http://schemas.openxmlformats.org/officeDocument/2006/relationships" xmlns:p="http://schemas.openxmlformats.org/presentationml/2006/main">
   <p:cSld>
     <p:spTree>
@@ -6598,7 +6941,336 @@
 </p:sld>
 </file>
 
-<file path=ppt/slides/slide17.xml><?xml version="1.0" encoding="utf-8"?>
+<file path=ppt/slides/slide2.xml><?xml version="1.0" encoding="utf-8"?>
+<p:sld xmlns:a="http://schemas.openxmlformats.org/drawingml/2006/main" xmlns:r="http://schemas.openxmlformats.org/officeDocument/2006/relationships" xmlns:p="http://schemas.openxmlformats.org/presentationml/2006/main">
+  <p:cSld>
+    <p:spTree>
+      <p:nvGrpSpPr>
+        <p:cNvPr id="1" name=""/>
+        <p:cNvGrpSpPr/>
+        <p:nvPr/>
+      </p:nvGrpSpPr>
+      <p:grpSpPr>
+        <a:xfrm>
+          <a:off x="0" y="0"/>
+          <a:ext cx="0" cy="0"/>
+          <a:chOff x="0" y="0"/>
+          <a:chExt cx="0" cy="0"/>
+        </a:xfrm>
+      </p:grpSpPr>
+      <p:sp>
+        <p:nvSpPr>
+          <p:cNvPr id="2" name="Cube 1"/>
+          <p:cNvSpPr/>
+          <p:nvPr/>
+        </p:nvSpPr>
+        <p:spPr>
+          <a:xfrm>
+            <a:off x="5511114" y="4563760"/>
+            <a:ext cx="1532237" cy="1375719"/>
+          </a:xfrm>
+          <a:prstGeom prst="cube">
+            <a:avLst/>
+          </a:prstGeom>
+        </p:spPr>
+        <p:style>
+          <a:lnRef idx="2">
+            <a:schemeClr val="accent3">
+              <a:shade val="50000"/>
+            </a:schemeClr>
+          </a:lnRef>
+          <a:fillRef idx="1">
+            <a:schemeClr val="accent3"/>
+          </a:fillRef>
+          <a:effectRef idx="0">
+            <a:schemeClr val="accent3"/>
+          </a:effectRef>
+          <a:fontRef idx="minor">
+            <a:schemeClr val="lt1"/>
+          </a:fontRef>
+        </p:style>
+        <p:txBody>
+          <a:bodyPr rtlCol="0" anchor="ctr"/>
+          <a:lstStyle/>
+          <a:p>
+            <a:pPr algn="ctr"/>
+            <a:r>
+              <a:rPr lang="pl-PL" dirty="0" smtClean="0"/>
+              <a:t>OLAP MD</a:t>
+            </a:r>
+            <a:endParaRPr lang="pl-PL" dirty="0"/>
+          </a:p>
+        </p:txBody>
+      </p:sp>
+      <p:sp>
+        <p:nvSpPr>
+          <p:cNvPr id="3" name="Can 2"/>
+          <p:cNvSpPr/>
+          <p:nvPr/>
+        </p:nvSpPr>
+        <p:spPr>
+          <a:xfrm>
+            <a:off x="593125" y="2776149"/>
+            <a:ext cx="1540476" cy="1573427"/>
+          </a:xfrm>
+          <a:prstGeom prst="can">
+            <a:avLst/>
+          </a:prstGeom>
+        </p:spPr>
+        <p:style>
+          <a:lnRef idx="2">
+            <a:schemeClr val="accent6">
+              <a:shade val="50000"/>
+            </a:schemeClr>
+          </a:lnRef>
+          <a:fillRef idx="1">
+            <a:schemeClr val="accent6"/>
+          </a:fillRef>
+          <a:effectRef idx="0">
+            <a:schemeClr val="accent6"/>
+          </a:effectRef>
+          <a:fontRef idx="minor">
+            <a:schemeClr val="lt1"/>
+          </a:fontRef>
+        </p:style>
+        <p:txBody>
+          <a:bodyPr rtlCol="0" anchor="ctr"/>
+          <a:lstStyle/>
+          <a:p>
+            <a:pPr algn="ctr"/>
+            <a:r>
+              <a:rPr lang="pl-PL" dirty="0" smtClean="0"/>
+              <a:t>ERP System</a:t>
+            </a:r>
+            <a:endParaRPr lang="pl-PL" dirty="0"/>
+          </a:p>
+        </p:txBody>
+      </p:sp>
+      <p:sp>
+        <p:nvSpPr>
+          <p:cNvPr id="4" name="Can 3"/>
+          <p:cNvSpPr/>
+          <p:nvPr/>
+        </p:nvSpPr>
+        <p:spPr>
+          <a:xfrm>
+            <a:off x="4291914" y="2776149"/>
+            <a:ext cx="2438400" cy="1573427"/>
+          </a:xfrm>
+          <a:prstGeom prst="can">
+            <a:avLst/>
+          </a:prstGeom>
+        </p:spPr>
+        <p:style>
+          <a:lnRef idx="2">
+            <a:schemeClr val="accent1">
+              <a:shade val="50000"/>
+            </a:schemeClr>
+          </a:lnRef>
+          <a:fillRef idx="1">
+            <a:schemeClr val="accent1"/>
+          </a:fillRef>
+          <a:effectRef idx="0">
+            <a:schemeClr val="accent1"/>
+          </a:effectRef>
+          <a:fontRef idx="minor">
+            <a:schemeClr val="lt1"/>
+          </a:fontRef>
+        </p:style>
+        <p:txBody>
+          <a:bodyPr rtlCol="0" anchor="ctr"/>
+          <a:lstStyle/>
+          <a:p>
+            <a:pPr algn="ctr"/>
+            <a:r>
+              <a:rPr lang="pl-PL" dirty="0" smtClean="0"/>
+              <a:t>Data Mart</a:t>
+            </a:r>
+            <a:endParaRPr lang="pl-PL" dirty="0"/>
+          </a:p>
+        </p:txBody>
+      </p:sp>
+      <p:sp>
+        <p:nvSpPr>
+          <p:cNvPr id="8" name="Right Arrow 7"/>
+          <p:cNvSpPr/>
+          <p:nvPr/>
+        </p:nvSpPr>
+        <p:spPr>
+          <a:xfrm>
+            <a:off x="2549611" y="3266299"/>
+            <a:ext cx="1326292" cy="593125"/>
+          </a:xfrm>
+          <a:prstGeom prst="rightArrow">
+            <a:avLst/>
+          </a:prstGeom>
+        </p:spPr>
+        <p:style>
+          <a:lnRef idx="2">
+            <a:schemeClr val="accent2">
+              <a:shade val="50000"/>
+            </a:schemeClr>
+          </a:lnRef>
+          <a:fillRef idx="1">
+            <a:schemeClr val="accent2"/>
+          </a:fillRef>
+          <a:effectRef idx="0">
+            <a:schemeClr val="accent2"/>
+          </a:effectRef>
+          <a:fontRef idx="minor">
+            <a:schemeClr val="lt1"/>
+          </a:fontRef>
+        </p:style>
+        <p:txBody>
+          <a:bodyPr rtlCol="0" anchor="ctr"/>
+          <a:lstStyle/>
+          <a:p>
+            <a:pPr algn="ctr"/>
+            <a:r>
+              <a:rPr lang="pl-PL" dirty="0" smtClean="0"/>
+              <a:t>ETL</a:t>
+            </a:r>
+            <a:endParaRPr lang="pl-PL" dirty="0"/>
+          </a:p>
+        </p:txBody>
+      </p:sp>
+      <p:sp>
+        <p:nvSpPr>
+          <p:cNvPr id="9" name="Flowchart: Multidocument 8"/>
+          <p:cNvSpPr/>
+          <p:nvPr/>
+        </p:nvSpPr>
+        <p:spPr>
+          <a:xfrm>
+            <a:off x="7265773" y="3486664"/>
+            <a:ext cx="1746421" cy="1725824"/>
+          </a:xfrm>
+          <a:prstGeom prst="flowChartMultidocument">
+            <a:avLst/>
+          </a:prstGeom>
+        </p:spPr>
+        <p:style>
+          <a:lnRef idx="2">
+            <a:schemeClr val="accent4">
+              <a:shade val="50000"/>
+            </a:schemeClr>
+          </a:lnRef>
+          <a:fillRef idx="1">
+            <a:schemeClr val="accent4"/>
+          </a:fillRef>
+          <a:effectRef idx="0">
+            <a:schemeClr val="accent4"/>
+          </a:effectRef>
+          <a:fontRef idx="minor">
+            <a:schemeClr val="lt1"/>
+          </a:fontRef>
+        </p:style>
+        <p:txBody>
+          <a:bodyPr rtlCol="0" anchor="ctr"/>
+          <a:lstStyle/>
+          <a:p>
+            <a:pPr algn="ctr"/>
+            <a:r>
+              <a:rPr lang="pl-PL" dirty="0" smtClean="0"/>
+              <a:t>SSRS/ PBI/ XLS</a:t>
+            </a:r>
+            <a:endParaRPr lang="pl-PL" dirty="0"/>
+          </a:p>
+        </p:txBody>
+      </p:sp>
+      <p:sp>
+        <p:nvSpPr>
+          <p:cNvPr id="11" name="Right Brace 10"/>
+          <p:cNvSpPr/>
+          <p:nvPr/>
+        </p:nvSpPr>
+        <p:spPr>
+          <a:xfrm rot="16200000">
+            <a:off x="5416379" y="-947352"/>
+            <a:ext cx="729048" cy="6462583"/>
+          </a:xfrm>
+          <a:prstGeom prst="rightBrace">
+            <a:avLst>
+              <a:gd name="adj1" fmla="val 53531"/>
+              <a:gd name="adj2" fmla="val 68100"/>
+            </a:avLst>
+          </a:prstGeom>
+          <a:ln w="28575"/>
+        </p:spPr>
+        <p:style>
+          <a:lnRef idx="1">
+            <a:schemeClr val="accent1"/>
+          </a:lnRef>
+          <a:fillRef idx="0">
+            <a:schemeClr val="accent1"/>
+          </a:fillRef>
+          <a:effectRef idx="0">
+            <a:schemeClr val="accent1"/>
+          </a:effectRef>
+          <a:fontRef idx="minor">
+            <a:schemeClr val="tx1"/>
+          </a:fontRef>
+        </p:style>
+        <p:txBody>
+          <a:bodyPr rtlCol="0" anchor="ctr"/>
+          <a:lstStyle/>
+          <a:p>
+            <a:pPr algn="ctr"/>
+            <a:endParaRPr lang="pl-PL"/>
+          </a:p>
+        </p:txBody>
+      </p:sp>
+      <p:sp>
+        <p:nvSpPr>
+          <p:cNvPr id="12" name="TextBox 11"/>
+          <p:cNvSpPr txBox="1"/>
+          <p:nvPr/>
+        </p:nvSpPr>
+        <p:spPr>
+          <a:xfrm>
+            <a:off x="6384324" y="1335899"/>
+            <a:ext cx="2627870" cy="369332"/>
+          </a:xfrm>
+          <a:prstGeom prst="rect">
+            <a:avLst/>
+          </a:prstGeom>
+          <a:noFill/>
+        </p:spPr>
+        <p:txBody>
+          <a:bodyPr wrap="square" rtlCol="0">
+            <a:spAutoFit/>
+          </a:bodyPr>
+          <a:lstStyle/>
+          <a:p>
+            <a:r>
+              <a:rPr lang="pl-PL" b="1" dirty="0" smtClean="0"/>
+              <a:t>BI Module</a:t>
+            </a:r>
+            <a:endParaRPr lang="pl-PL" b="1" dirty="0"/>
+          </a:p>
+        </p:txBody>
+      </p:sp>
+    </p:spTree>
+    <p:extLst>
+      <p:ext uri="{BB962C8B-B14F-4D97-AF65-F5344CB8AC3E}">
+        <p14:creationId xmlns:p14="http://schemas.microsoft.com/office/powerpoint/2010/main" val="262424219"/>
+      </p:ext>
+    </p:extLst>
+  </p:cSld>
+  <p:clrMapOvr>
+    <a:masterClrMapping/>
+  </p:clrMapOvr>
+  <p:timing>
+    <p:tnLst>
+      <p:par>
+        <p:cTn id="1" dur="indefinite" restart="never" nodeType="tmRoot"/>
+      </p:par>
+    </p:tnLst>
+  </p:timing>
+</p:sld>
+</file>
+
+<file path=ppt/slides/slide20.xml><?xml version="1.0" encoding="utf-8"?>
 <p:sld xmlns:a="http://schemas.openxmlformats.org/drawingml/2006/main" xmlns:r="http://schemas.openxmlformats.org/officeDocument/2006/relationships" xmlns:p="http://schemas.openxmlformats.org/presentationml/2006/main">
   <p:cSld>
     <p:spTree>
@@ -6659,7 +7331,7 @@
 </p:sld>
 </file>
 
-<file path=ppt/slides/slide18.xml><?xml version="1.0" encoding="utf-8"?>
+<file path=ppt/slides/slide21.xml><?xml version="1.0" encoding="utf-8"?>
 <p:sld xmlns:a="http://schemas.openxmlformats.org/drawingml/2006/main" xmlns:r="http://schemas.openxmlformats.org/officeDocument/2006/relationships" xmlns:p="http://schemas.openxmlformats.org/presentationml/2006/main">
   <p:cSld>
     <p:spTree>
@@ -6704,335 +7376,6 @@
     <p:extLst>
       <p:ext uri="{BB962C8B-B14F-4D97-AF65-F5344CB8AC3E}">
         <p14:creationId xmlns:p14="http://schemas.microsoft.com/office/powerpoint/2010/main" val="3627034234"/>
-      </p:ext>
-    </p:extLst>
-  </p:cSld>
-  <p:clrMapOvr>
-    <a:masterClrMapping/>
-  </p:clrMapOvr>
-  <p:timing>
-    <p:tnLst>
-      <p:par>
-        <p:cTn id="1" dur="indefinite" restart="never" nodeType="tmRoot"/>
-      </p:par>
-    </p:tnLst>
-  </p:timing>
-</p:sld>
-</file>
-
-<file path=ppt/slides/slide2.xml><?xml version="1.0" encoding="utf-8"?>
-<p:sld xmlns:a="http://schemas.openxmlformats.org/drawingml/2006/main" xmlns:r="http://schemas.openxmlformats.org/officeDocument/2006/relationships" xmlns:p="http://schemas.openxmlformats.org/presentationml/2006/main">
-  <p:cSld>
-    <p:spTree>
-      <p:nvGrpSpPr>
-        <p:cNvPr id="1" name=""/>
-        <p:cNvGrpSpPr/>
-        <p:nvPr/>
-      </p:nvGrpSpPr>
-      <p:grpSpPr>
-        <a:xfrm>
-          <a:off x="0" y="0"/>
-          <a:ext cx="0" cy="0"/>
-          <a:chOff x="0" y="0"/>
-          <a:chExt cx="0" cy="0"/>
-        </a:xfrm>
-      </p:grpSpPr>
-      <p:sp>
-        <p:nvSpPr>
-          <p:cNvPr id="2" name="Cube 1"/>
-          <p:cNvSpPr/>
-          <p:nvPr/>
-        </p:nvSpPr>
-        <p:spPr>
-          <a:xfrm>
-            <a:off x="5511114" y="4563760"/>
-            <a:ext cx="1532237" cy="1375719"/>
-          </a:xfrm>
-          <a:prstGeom prst="cube">
-            <a:avLst/>
-          </a:prstGeom>
-        </p:spPr>
-        <p:style>
-          <a:lnRef idx="2">
-            <a:schemeClr val="accent3">
-              <a:shade val="50000"/>
-            </a:schemeClr>
-          </a:lnRef>
-          <a:fillRef idx="1">
-            <a:schemeClr val="accent3"/>
-          </a:fillRef>
-          <a:effectRef idx="0">
-            <a:schemeClr val="accent3"/>
-          </a:effectRef>
-          <a:fontRef idx="minor">
-            <a:schemeClr val="lt1"/>
-          </a:fontRef>
-        </p:style>
-        <p:txBody>
-          <a:bodyPr rtlCol="0" anchor="ctr"/>
-          <a:lstStyle/>
-          <a:p>
-            <a:pPr algn="ctr"/>
-            <a:r>
-              <a:rPr lang="pl-PL" dirty="0" smtClean="0"/>
-              <a:t>OLAP MD</a:t>
-            </a:r>
-            <a:endParaRPr lang="pl-PL" dirty="0"/>
-          </a:p>
-        </p:txBody>
-      </p:sp>
-      <p:sp>
-        <p:nvSpPr>
-          <p:cNvPr id="3" name="Can 2"/>
-          <p:cNvSpPr/>
-          <p:nvPr/>
-        </p:nvSpPr>
-        <p:spPr>
-          <a:xfrm>
-            <a:off x="593125" y="2776149"/>
-            <a:ext cx="1540476" cy="1573427"/>
-          </a:xfrm>
-          <a:prstGeom prst="can">
-            <a:avLst/>
-          </a:prstGeom>
-        </p:spPr>
-        <p:style>
-          <a:lnRef idx="2">
-            <a:schemeClr val="accent6">
-              <a:shade val="50000"/>
-            </a:schemeClr>
-          </a:lnRef>
-          <a:fillRef idx="1">
-            <a:schemeClr val="accent6"/>
-          </a:fillRef>
-          <a:effectRef idx="0">
-            <a:schemeClr val="accent6"/>
-          </a:effectRef>
-          <a:fontRef idx="minor">
-            <a:schemeClr val="lt1"/>
-          </a:fontRef>
-        </p:style>
-        <p:txBody>
-          <a:bodyPr rtlCol="0" anchor="ctr"/>
-          <a:lstStyle/>
-          <a:p>
-            <a:pPr algn="ctr"/>
-            <a:r>
-              <a:rPr lang="pl-PL" dirty="0" smtClean="0"/>
-              <a:t>ERP System</a:t>
-            </a:r>
-            <a:endParaRPr lang="pl-PL" dirty="0"/>
-          </a:p>
-        </p:txBody>
-      </p:sp>
-      <p:sp>
-        <p:nvSpPr>
-          <p:cNvPr id="4" name="Can 3"/>
-          <p:cNvSpPr/>
-          <p:nvPr/>
-        </p:nvSpPr>
-        <p:spPr>
-          <a:xfrm>
-            <a:off x="4291914" y="2776149"/>
-            <a:ext cx="2438400" cy="1573427"/>
-          </a:xfrm>
-          <a:prstGeom prst="can">
-            <a:avLst/>
-          </a:prstGeom>
-        </p:spPr>
-        <p:style>
-          <a:lnRef idx="2">
-            <a:schemeClr val="accent1">
-              <a:shade val="50000"/>
-            </a:schemeClr>
-          </a:lnRef>
-          <a:fillRef idx="1">
-            <a:schemeClr val="accent1"/>
-          </a:fillRef>
-          <a:effectRef idx="0">
-            <a:schemeClr val="accent1"/>
-          </a:effectRef>
-          <a:fontRef idx="minor">
-            <a:schemeClr val="lt1"/>
-          </a:fontRef>
-        </p:style>
-        <p:txBody>
-          <a:bodyPr rtlCol="0" anchor="ctr"/>
-          <a:lstStyle/>
-          <a:p>
-            <a:pPr algn="ctr"/>
-            <a:r>
-              <a:rPr lang="pl-PL" dirty="0" smtClean="0"/>
-              <a:t>Data Mart</a:t>
-            </a:r>
-            <a:endParaRPr lang="pl-PL" dirty="0"/>
-          </a:p>
-        </p:txBody>
-      </p:sp>
-      <p:sp>
-        <p:nvSpPr>
-          <p:cNvPr id="8" name="Right Arrow 7"/>
-          <p:cNvSpPr/>
-          <p:nvPr/>
-        </p:nvSpPr>
-        <p:spPr>
-          <a:xfrm>
-            <a:off x="2549611" y="3266299"/>
-            <a:ext cx="1326292" cy="593125"/>
-          </a:xfrm>
-          <a:prstGeom prst="rightArrow">
-            <a:avLst/>
-          </a:prstGeom>
-        </p:spPr>
-        <p:style>
-          <a:lnRef idx="2">
-            <a:schemeClr val="accent2">
-              <a:shade val="50000"/>
-            </a:schemeClr>
-          </a:lnRef>
-          <a:fillRef idx="1">
-            <a:schemeClr val="accent2"/>
-          </a:fillRef>
-          <a:effectRef idx="0">
-            <a:schemeClr val="accent2"/>
-          </a:effectRef>
-          <a:fontRef idx="minor">
-            <a:schemeClr val="lt1"/>
-          </a:fontRef>
-        </p:style>
-        <p:txBody>
-          <a:bodyPr rtlCol="0" anchor="ctr"/>
-          <a:lstStyle/>
-          <a:p>
-            <a:pPr algn="ctr"/>
-            <a:r>
-              <a:rPr lang="pl-PL" dirty="0" smtClean="0"/>
-              <a:t>ETL</a:t>
-            </a:r>
-            <a:endParaRPr lang="pl-PL" dirty="0"/>
-          </a:p>
-        </p:txBody>
-      </p:sp>
-      <p:sp>
-        <p:nvSpPr>
-          <p:cNvPr id="9" name="Flowchart: Multidocument 8"/>
-          <p:cNvSpPr/>
-          <p:nvPr/>
-        </p:nvSpPr>
-        <p:spPr>
-          <a:xfrm>
-            <a:off x="7265773" y="3486664"/>
-            <a:ext cx="1746421" cy="1725824"/>
-          </a:xfrm>
-          <a:prstGeom prst="flowChartMultidocument">
-            <a:avLst/>
-          </a:prstGeom>
-        </p:spPr>
-        <p:style>
-          <a:lnRef idx="2">
-            <a:schemeClr val="accent4">
-              <a:shade val="50000"/>
-            </a:schemeClr>
-          </a:lnRef>
-          <a:fillRef idx="1">
-            <a:schemeClr val="accent4"/>
-          </a:fillRef>
-          <a:effectRef idx="0">
-            <a:schemeClr val="accent4"/>
-          </a:effectRef>
-          <a:fontRef idx="minor">
-            <a:schemeClr val="lt1"/>
-          </a:fontRef>
-        </p:style>
-        <p:txBody>
-          <a:bodyPr rtlCol="0" anchor="ctr"/>
-          <a:lstStyle/>
-          <a:p>
-            <a:pPr algn="ctr"/>
-            <a:r>
-              <a:rPr lang="pl-PL" dirty="0" smtClean="0"/>
-              <a:t>SSRS/ PBI/ XLS</a:t>
-            </a:r>
-            <a:endParaRPr lang="pl-PL" dirty="0"/>
-          </a:p>
-        </p:txBody>
-      </p:sp>
-      <p:sp>
-        <p:nvSpPr>
-          <p:cNvPr id="11" name="Right Brace 10"/>
-          <p:cNvSpPr/>
-          <p:nvPr/>
-        </p:nvSpPr>
-        <p:spPr>
-          <a:xfrm rot="16200000">
-            <a:off x="5416379" y="-947352"/>
-            <a:ext cx="729048" cy="6462583"/>
-          </a:xfrm>
-          <a:prstGeom prst="rightBrace">
-            <a:avLst>
-              <a:gd name="adj1" fmla="val 53531"/>
-              <a:gd name="adj2" fmla="val 68100"/>
-            </a:avLst>
-          </a:prstGeom>
-          <a:ln w="28575"/>
-        </p:spPr>
-        <p:style>
-          <a:lnRef idx="1">
-            <a:schemeClr val="accent1"/>
-          </a:lnRef>
-          <a:fillRef idx="0">
-            <a:schemeClr val="accent1"/>
-          </a:fillRef>
-          <a:effectRef idx="0">
-            <a:schemeClr val="accent1"/>
-          </a:effectRef>
-          <a:fontRef idx="minor">
-            <a:schemeClr val="tx1"/>
-          </a:fontRef>
-        </p:style>
-        <p:txBody>
-          <a:bodyPr rtlCol="0" anchor="ctr"/>
-          <a:lstStyle/>
-          <a:p>
-            <a:pPr algn="ctr"/>
-            <a:endParaRPr lang="pl-PL"/>
-          </a:p>
-        </p:txBody>
-      </p:sp>
-      <p:sp>
-        <p:nvSpPr>
-          <p:cNvPr id="12" name="TextBox 11"/>
-          <p:cNvSpPr txBox="1"/>
-          <p:nvPr/>
-        </p:nvSpPr>
-        <p:spPr>
-          <a:xfrm>
-            <a:off x="6384324" y="1335899"/>
-            <a:ext cx="2627870" cy="369332"/>
-          </a:xfrm>
-          <a:prstGeom prst="rect">
-            <a:avLst/>
-          </a:prstGeom>
-          <a:noFill/>
-        </p:spPr>
-        <p:txBody>
-          <a:bodyPr wrap="square" rtlCol="0">
-            <a:spAutoFit/>
-          </a:bodyPr>
-          <a:lstStyle/>
-          <a:p>
-            <a:r>
-              <a:rPr lang="pl-PL" b="1" dirty="0" smtClean="0"/>
-              <a:t>BI Module</a:t>
-            </a:r>
-            <a:endParaRPr lang="pl-PL" b="1" dirty="0"/>
-          </a:p>
-        </p:txBody>
-      </p:sp>
-    </p:spTree>
-    <p:extLst>
-      <p:ext uri="{BB962C8B-B14F-4D97-AF65-F5344CB8AC3E}">
-        <p14:creationId xmlns:p14="http://schemas.microsoft.com/office/powerpoint/2010/main" val="262424219"/>
       </p:ext>
     </p:extLst>
   </p:cSld>

--- a/_DCDemoFiles/DCSlajdy.pptx
+++ b/_DCDemoFiles/DCSlajdy.pptx
@@ -9,23 +9,35 @@
     <p:sldId id="262" r:id="rId3"/>
     <p:sldId id="267" r:id="rId4"/>
     <p:sldId id="263" r:id="rId5"/>
-    <p:sldId id="266" r:id="rId6"/>
-    <p:sldId id="269" r:id="rId7"/>
-    <p:sldId id="270" r:id="rId8"/>
-    <p:sldId id="268" r:id="rId9"/>
-    <p:sldId id="272" r:id="rId10"/>
-    <p:sldId id="274" r:id="rId11"/>
-    <p:sldId id="279" r:id="rId12"/>
-    <p:sldId id="281" r:id="rId13"/>
-    <p:sldId id="273" r:id="rId14"/>
-    <p:sldId id="282" r:id="rId15"/>
-    <p:sldId id="275" r:id="rId16"/>
-    <p:sldId id="277" r:id="rId17"/>
-    <p:sldId id="278" r:id="rId18"/>
-    <p:sldId id="276" r:id="rId19"/>
-    <p:sldId id="260" r:id="rId20"/>
-    <p:sldId id="257" r:id="rId21"/>
-    <p:sldId id="258" r:id="rId22"/>
+    <p:sldId id="286" r:id="rId6"/>
+    <p:sldId id="266" r:id="rId7"/>
+    <p:sldId id="269" r:id="rId8"/>
+    <p:sldId id="270" r:id="rId9"/>
+    <p:sldId id="268" r:id="rId10"/>
+    <p:sldId id="272" r:id="rId11"/>
+    <p:sldId id="274" r:id="rId12"/>
+    <p:sldId id="279" r:id="rId13"/>
+    <p:sldId id="281" r:id="rId14"/>
+    <p:sldId id="283" r:id="rId15"/>
+    <p:sldId id="284" r:id="rId16"/>
+    <p:sldId id="285" r:id="rId17"/>
+    <p:sldId id="273" r:id="rId18"/>
+    <p:sldId id="282" r:id="rId19"/>
+    <p:sldId id="275" r:id="rId20"/>
+    <p:sldId id="277" r:id="rId21"/>
+    <p:sldId id="278" r:id="rId22"/>
+    <p:sldId id="293" r:id="rId23"/>
+    <p:sldId id="276" r:id="rId24"/>
+    <p:sldId id="287" r:id="rId25"/>
+    <p:sldId id="257" r:id="rId26"/>
+    <p:sldId id="260" r:id="rId27"/>
+    <p:sldId id="258" r:id="rId28"/>
+    <p:sldId id="288" r:id="rId29"/>
+    <p:sldId id="294" r:id="rId30"/>
+    <p:sldId id="289" r:id="rId31"/>
+    <p:sldId id="290" r:id="rId32"/>
+    <p:sldId id="291" r:id="rId33"/>
+    <p:sldId id="292" r:id="rId34"/>
   </p:sldIdLst>
   <p:sldSz cx="12192000" cy="6858000"/>
   <p:notesSz cx="6858000" cy="9144000"/>
@@ -854,7 +866,7 @@
           <a:p>
             <a:fld id="{39E3F47F-CCDF-491D-B164-0DC91E99E51C}" type="datetimeFigureOut">
               <a:rPr lang="pl-PL" smtClean="0"/>
-              <a:t>14.10.2018</a:t>
+              <a:t>15.10.2018</a:t>
             </a:fld>
             <a:endParaRPr lang="pl-PL"/>
           </a:p>
@@ -1105,7 +1117,7 @@
           <a:p>
             <a:fld id="{39E3F47F-CCDF-491D-B164-0DC91E99E51C}" type="datetimeFigureOut">
               <a:rPr lang="pl-PL" smtClean="0"/>
-              <a:t>14.10.2018</a:t>
+              <a:t>15.10.2018</a:t>
             </a:fld>
             <a:endParaRPr lang="pl-PL"/>
           </a:p>
@@ -1419,7 +1431,7 @@
           <a:p>
             <a:fld id="{39E3F47F-CCDF-491D-B164-0DC91E99E51C}" type="datetimeFigureOut">
               <a:rPr lang="pl-PL" smtClean="0"/>
-              <a:t>14.10.2018</a:t>
+              <a:t>15.10.2018</a:t>
             </a:fld>
             <a:endParaRPr lang="pl-PL"/>
           </a:p>
@@ -1760,7 +1772,7 @@
           <a:p>
             <a:fld id="{39E3F47F-CCDF-491D-B164-0DC91E99E51C}" type="datetimeFigureOut">
               <a:rPr lang="pl-PL" smtClean="0"/>
-              <a:t>14.10.2018</a:t>
+              <a:t>15.10.2018</a:t>
             </a:fld>
             <a:endParaRPr lang="pl-PL"/>
           </a:p>
@@ -2074,7 +2086,7 @@
           <a:p>
             <a:fld id="{39E3F47F-CCDF-491D-B164-0DC91E99E51C}" type="datetimeFigureOut">
               <a:rPr lang="pl-PL" smtClean="0"/>
-              <a:t>14.10.2018</a:t>
+              <a:t>15.10.2018</a:t>
             </a:fld>
             <a:endParaRPr lang="pl-PL"/>
           </a:p>
@@ -2467,7 +2479,7 @@
           <a:p>
             <a:fld id="{39E3F47F-CCDF-491D-B164-0DC91E99E51C}" type="datetimeFigureOut">
               <a:rPr lang="pl-PL" smtClean="0"/>
-              <a:t>14.10.2018</a:t>
+              <a:t>15.10.2018</a:t>
             </a:fld>
             <a:endParaRPr lang="pl-PL"/>
           </a:p>
@@ -2637,7 +2649,7 @@
           <a:p>
             <a:fld id="{39E3F47F-CCDF-491D-B164-0DC91E99E51C}" type="datetimeFigureOut">
               <a:rPr lang="pl-PL" smtClean="0"/>
-              <a:t>14.10.2018</a:t>
+              <a:t>15.10.2018</a:t>
             </a:fld>
             <a:endParaRPr lang="pl-PL"/>
           </a:p>
@@ -2817,7 +2829,7 @@
           <a:p>
             <a:fld id="{39E3F47F-CCDF-491D-B164-0DC91E99E51C}" type="datetimeFigureOut">
               <a:rPr lang="pl-PL" smtClean="0"/>
-              <a:t>14.10.2018</a:t>
+              <a:t>15.10.2018</a:t>
             </a:fld>
             <a:endParaRPr lang="pl-PL"/>
           </a:p>
@@ -2993,7 +3005,7 @@
           <a:p>
             <a:fld id="{39E3F47F-CCDF-491D-B164-0DC91E99E51C}" type="datetimeFigureOut">
               <a:rPr lang="pl-PL" smtClean="0"/>
-              <a:t>14.10.2018</a:t>
+              <a:t>15.10.2018</a:t>
             </a:fld>
             <a:endParaRPr lang="pl-PL"/>
           </a:p>
@@ -3240,7 +3252,7 @@
           <a:p>
             <a:fld id="{39E3F47F-CCDF-491D-B164-0DC91E99E51C}" type="datetimeFigureOut">
               <a:rPr lang="pl-PL" smtClean="0"/>
-              <a:t>14.10.2018</a:t>
+              <a:t>15.10.2018</a:t>
             </a:fld>
             <a:endParaRPr lang="pl-PL"/>
           </a:p>
@@ -3472,7 +3484,7 @@
           <a:p>
             <a:fld id="{39E3F47F-CCDF-491D-B164-0DC91E99E51C}" type="datetimeFigureOut">
               <a:rPr lang="pl-PL" smtClean="0"/>
-              <a:t>14.10.2018</a:t>
+              <a:t>15.10.2018</a:t>
             </a:fld>
             <a:endParaRPr lang="pl-PL"/>
           </a:p>
@@ -3846,7 +3858,7 @@
           <a:p>
             <a:fld id="{39E3F47F-CCDF-491D-B164-0DC91E99E51C}" type="datetimeFigureOut">
               <a:rPr lang="pl-PL" smtClean="0"/>
-              <a:t>14.10.2018</a:t>
+              <a:t>15.10.2018</a:t>
             </a:fld>
             <a:endParaRPr lang="pl-PL"/>
           </a:p>
@@ -3969,7 +3981,7 @@
           <a:p>
             <a:fld id="{39E3F47F-CCDF-491D-B164-0DC91E99E51C}" type="datetimeFigureOut">
               <a:rPr lang="pl-PL" smtClean="0"/>
-              <a:t>14.10.2018</a:t>
+              <a:t>15.10.2018</a:t>
             </a:fld>
             <a:endParaRPr lang="pl-PL"/>
           </a:p>
@@ -4064,7 +4076,7 @@
           <a:p>
             <a:fld id="{39E3F47F-CCDF-491D-B164-0DC91E99E51C}" type="datetimeFigureOut">
               <a:rPr lang="pl-PL" smtClean="0"/>
-              <a:t>14.10.2018</a:t>
+              <a:t>15.10.2018</a:t>
             </a:fld>
             <a:endParaRPr lang="pl-PL"/>
           </a:p>
@@ -4319,7 +4331,7 @@
           <a:p>
             <a:fld id="{39E3F47F-CCDF-491D-B164-0DC91E99E51C}" type="datetimeFigureOut">
               <a:rPr lang="pl-PL" smtClean="0"/>
-              <a:t>14.10.2018</a:t>
+              <a:t>15.10.2018</a:t>
             </a:fld>
             <a:endParaRPr lang="pl-PL"/>
           </a:p>
@@ -4582,7 +4594,7 @@
           <a:p>
             <a:fld id="{39E3F47F-CCDF-491D-B164-0DC91E99E51C}" type="datetimeFigureOut">
               <a:rPr lang="pl-PL" smtClean="0"/>
-              <a:t>14.10.2018</a:t>
+              <a:t>15.10.2018</a:t>
             </a:fld>
             <a:endParaRPr lang="pl-PL"/>
           </a:p>
@@ -5325,7 +5337,7 @@
           <a:p>
             <a:fld id="{39E3F47F-CCDF-491D-B164-0DC91E99E51C}" type="datetimeFigureOut">
               <a:rPr lang="pl-PL" smtClean="0"/>
-              <a:t>14.10.2018</a:t>
+              <a:t>15.10.2018</a:t>
             </a:fld>
             <a:endParaRPr lang="pl-PL"/>
           </a:p>
@@ -5888,8 +5900,8 @@
           <a:lstStyle/>
           <a:p>
             <a:r>
-              <a:rPr lang="pl-PL" dirty="0" smtClean="0"/>
-              <a:t>xxx</a:t>
+              <a:rPr lang="pl-PL" dirty="0"/>
+              <a:t>Zestawienie skryptów kalkulacyjnych (MDX) dla personalizowanych wdrożeń kostek SSAS</a:t>
             </a:r>
             <a:endParaRPr lang="pl-PL" dirty="0"/>
           </a:p>
@@ -5949,7 +5961,7 @@
           <a:p>
             <a:r>
               <a:rPr lang="pl-PL" dirty="0" smtClean="0"/>
-              <a:t>Attempt #01: DMVs</a:t>
+              <a:t>OLAP</a:t>
             </a:r>
             <a:endParaRPr lang="pl-PL" dirty="0"/>
           </a:p>
@@ -5957,12 +5969,12 @@
       </p:sp>
       <p:sp>
         <p:nvSpPr>
-          <p:cNvPr id="3" name="Text Placeholder 2"/>
-          <p:cNvSpPr>
-            <a:spLocks noGrp="1"/>
-          </p:cNvSpPr>
-          <p:nvPr>
-            <p:ph type="body" idx="1"/>
+          <p:cNvPr id="3" name="Content Placeholder 2"/>
+          <p:cNvSpPr>
+            <a:spLocks noGrp="1"/>
+          </p:cNvSpPr>
+          <p:nvPr>
+            <p:ph idx="1"/>
           </p:nvPr>
         </p:nvSpPr>
         <p:spPr/>
@@ -5970,14 +5982,36 @@
           <a:bodyPr/>
           <a:lstStyle/>
           <a:p>
-            <a:endParaRPr lang="pl-PL"/>
+            <a:r>
+              <a:rPr lang="pl-PL" dirty="0" smtClean="0"/>
+              <a:t>Dimensions</a:t>
+            </a:r>
+          </a:p>
+          <a:p>
+            <a:r>
+              <a:rPr lang="pl-PL" dirty="0" smtClean="0"/>
+              <a:t>Cubes</a:t>
+            </a:r>
+          </a:p>
+          <a:p>
+            <a:r>
+              <a:rPr lang="pl-PL" dirty="0" smtClean="0"/>
+              <a:t>Measure Groups / Measures</a:t>
+            </a:r>
+          </a:p>
+          <a:p>
+            <a:r>
+              <a:rPr lang="pl-PL" b="1" dirty="0" smtClean="0"/>
+              <a:t>Calculation Script</a:t>
+            </a:r>
+            <a:endParaRPr lang="pl-PL" b="1" dirty="0"/>
           </a:p>
         </p:txBody>
       </p:sp>
     </p:spTree>
     <p:extLst>
       <p:ext uri="{BB962C8B-B14F-4D97-AF65-F5344CB8AC3E}">
-        <p14:creationId xmlns:p14="http://schemas.microsoft.com/office/powerpoint/2010/main" val="758217985"/>
+        <p14:creationId xmlns:p14="http://schemas.microsoft.com/office/powerpoint/2010/main" val="373851598"/>
       </p:ext>
     </p:extLst>
   </p:cSld>
@@ -6028,7 +6062,7 @@
           <a:p>
             <a:r>
               <a:rPr lang="pl-PL" dirty="0" smtClean="0"/>
-              <a:t>SSAS DMV</a:t>
+              <a:t>Attempt #01: DMVs</a:t>
             </a:r>
             <a:endParaRPr lang="pl-PL" dirty="0"/>
           </a:p>
@@ -6036,134 +6070,27 @@
       </p:sp>
       <p:sp>
         <p:nvSpPr>
-          <p:cNvPr id="3" name="Content Placeholder 2"/>
-          <p:cNvSpPr>
-            <a:spLocks noGrp="1"/>
-          </p:cNvSpPr>
-          <p:nvPr>
-            <p:ph idx="1"/>
-          </p:nvPr>
-        </p:nvSpPr>
-        <p:spPr>
-          <a:xfrm>
-            <a:off x="677333" y="1930400"/>
-            <a:ext cx="8400763" cy="3086443"/>
-          </a:xfrm>
-        </p:spPr>
-        <p:txBody>
-          <a:bodyPr>
-            <a:normAutofit lnSpcReduction="10000"/>
-          </a:bodyPr>
-          <a:lstStyle/>
-          <a:p>
-            <a:r>
-              <a:rPr lang="en-US" dirty="0"/>
-              <a:t>Analysis Services Dynamic Management Views (DMV) are queries that return information about model objects, server operations, and server health. </a:t>
-            </a:r>
-            <a:endParaRPr lang="pl-PL" dirty="0" smtClean="0"/>
-          </a:p>
-          <a:p>
-            <a:r>
-              <a:rPr lang="en-US" dirty="0" smtClean="0"/>
-              <a:t>The </a:t>
-            </a:r>
-            <a:r>
-              <a:rPr lang="en-US" dirty="0"/>
-              <a:t>query, based on SQL, is an interface to </a:t>
-            </a:r>
-            <a:r>
-              <a:rPr lang="en-US" b="1" i="1" dirty="0"/>
-              <a:t>schema </a:t>
-            </a:r>
-            <a:r>
-              <a:rPr lang="en-US" b="1" i="1" dirty="0" err="1"/>
-              <a:t>rowsets</a:t>
-            </a:r>
-            <a:r>
-              <a:rPr lang="en-US" dirty="0"/>
-              <a:t>. Schema </a:t>
-            </a:r>
-            <a:r>
-              <a:rPr lang="en-US" dirty="0" err="1"/>
-              <a:t>rowsets</a:t>
-            </a:r>
-            <a:r>
-              <a:rPr lang="en-US" dirty="0"/>
-              <a:t> are </a:t>
-            </a:r>
-            <a:r>
-              <a:rPr lang="en-US" dirty="0" err="1"/>
-              <a:t>predescribed</a:t>
-            </a:r>
-            <a:r>
-              <a:rPr lang="en-US" dirty="0"/>
-              <a:t> tables that contain information about Analysis Services objects and server state, including database schema, active sessions, connections, commands, and jobs that are executing on the server.</a:t>
-            </a:r>
-          </a:p>
-          <a:p>
-            <a:r>
-              <a:rPr lang="en-US" dirty="0"/>
-              <a:t>DMV queries are an </a:t>
-            </a:r>
-            <a:r>
-              <a:rPr lang="en-US" b="1" dirty="0"/>
-              <a:t>alternative to running XML/A </a:t>
-            </a:r>
-            <a:r>
-              <a:rPr lang="en-US" dirty="0"/>
-              <a:t>Discover commands. For most administrators, writing a DMV query is simpler because the </a:t>
-            </a:r>
-            <a:r>
-              <a:rPr lang="en-US" b="1" dirty="0"/>
-              <a:t>syntax is based on SQL</a:t>
-            </a:r>
-            <a:r>
-              <a:rPr lang="en-US" dirty="0"/>
-              <a:t>. In addition, the result is </a:t>
-            </a:r>
-            <a:r>
-              <a:rPr lang="en-US" b="1" dirty="0"/>
-              <a:t>returned in a table format </a:t>
-            </a:r>
-            <a:r>
-              <a:rPr lang="en-US" dirty="0"/>
-              <a:t>that is easier to read and copy.</a:t>
-            </a:r>
-          </a:p>
-        </p:txBody>
-      </p:sp>
-      <p:sp>
-        <p:nvSpPr>
-          <p:cNvPr id="4" name="Rectangle 3"/>
-          <p:cNvSpPr/>
-          <p:nvPr/>
-        </p:nvSpPr>
-        <p:spPr>
-          <a:xfrm>
-            <a:off x="677334" y="5399041"/>
-            <a:ext cx="6096000" cy="369332"/>
-          </a:xfrm>
-          <a:prstGeom prst="rect">
-            <a:avLst/>
-          </a:prstGeom>
-        </p:spPr>
-        <p:txBody>
-          <a:bodyPr>
-            <a:spAutoFit/>
-          </a:bodyPr>
-          <a:lstStyle/>
-          <a:p>
-            <a:r>
-              <a:rPr lang="pl-PL" sz="900" dirty="0"/>
-              <a:t>https://docs.microsoft.com/en-us/sql/analysis-services/instances/use-dynamic-management-views-dmvs-to-monitor-analysis-services?view=sql-server-2017</a:t>
-            </a:r>
+          <p:cNvPr id="3" name="Text Placeholder 2"/>
+          <p:cNvSpPr>
+            <a:spLocks noGrp="1"/>
+          </p:cNvSpPr>
+          <p:nvPr>
+            <p:ph type="body" idx="1"/>
+          </p:nvPr>
+        </p:nvSpPr>
+        <p:spPr/>
+        <p:txBody>
+          <a:bodyPr/>
+          <a:lstStyle/>
+          <a:p>
+            <a:endParaRPr lang="pl-PL"/>
           </a:p>
         </p:txBody>
       </p:sp>
     </p:spTree>
     <p:extLst>
       <p:ext uri="{BB962C8B-B14F-4D97-AF65-F5344CB8AC3E}">
-        <p14:creationId xmlns:p14="http://schemas.microsoft.com/office/powerpoint/2010/main" val="3816221553"/>
+        <p14:creationId xmlns:p14="http://schemas.microsoft.com/office/powerpoint/2010/main" val="758217985"/>
       </p:ext>
     </p:extLst>
   </p:cSld>
@@ -6197,34 +6124,159 @@
           <a:chExt cx="0" cy="0"/>
         </a:xfrm>
       </p:grpSpPr>
-      <p:pic>
-        <p:nvPicPr>
-          <p:cNvPr id="2" name="Picture 1"/>
-          <p:cNvPicPr>
-            <a:picLocks noChangeAspect="1"/>
-          </p:cNvPicPr>
+      <p:sp>
+        <p:nvSpPr>
+          <p:cNvPr id="2" name="Title 1"/>
+          <p:cNvSpPr>
+            <a:spLocks noGrp="1"/>
+          </p:cNvSpPr>
+          <p:nvPr>
+            <p:ph type="title"/>
+          </p:nvPr>
+        </p:nvSpPr>
+        <p:spPr/>
+        <p:txBody>
+          <a:bodyPr/>
+          <a:lstStyle/>
+          <a:p>
+            <a:r>
+              <a:rPr lang="pl-PL" dirty="0" smtClean="0"/>
+              <a:t>SSAS DMV</a:t>
+            </a:r>
+            <a:endParaRPr lang="pl-PL" dirty="0"/>
+          </a:p>
+        </p:txBody>
+      </p:sp>
+      <p:sp>
+        <p:nvSpPr>
+          <p:cNvPr id="3" name="Content Placeholder 2"/>
+          <p:cNvSpPr>
+            <a:spLocks noGrp="1"/>
+          </p:cNvSpPr>
+          <p:nvPr>
+            <p:ph idx="1"/>
+          </p:nvPr>
+        </p:nvSpPr>
+        <p:spPr>
+          <a:xfrm>
+            <a:off x="677333" y="1930400"/>
+            <a:ext cx="8400763" cy="3086443"/>
+          </a:xfrm>
+        </p:spPr>
+        <p:txBody>
+          <a:bodyPr>
+            <a:normAutofit lnSpcReduction="10000"/>
+          </a:bodyPr>
+          <a:lstStyle/>
+          <a:p>
+            <a:r>
+              <a:rPr lang="en-US" dirty="0"/>
+              <a:t>Analysis Services Dynamic Management Views (DMV) are queries that return information about model objects, server operations, and server health. </a:t>
+            </a:r>
+            <a:endParaRPr lang="pl-PL" dirty="0" smtClean="0"/>
+          </a:p>
+          <a:p>
+            <a:r>
+              <a:rPr lang="en-US" dirty="0" smtClean="0"/>
+              <a:t>The </a:t>
+            </a:r>
+            <a:r>
+              <a:rPr lang="en-US" dirty="0"/>
+              <a:t>query, based on SQL, is an interface to </a:t>
+            </a:r>
+            <a:r>
+              <a:rPr lang="en-US" b="1" i="1" dirty="0"/>
+              <a:t>schema </a:t>
+            </a:r>
+            <a:r>
+              <a:rPr lang="en-US" b="1" i="1" dirty="0" err="1"/>
+              <a:t>rowsets</a:t>
+            </a:r>
+            <a:r>
+              <a:rPr lang="en-US" dirty="0"/>
+              <a:t>. Schema </a:t>
+            </a:r>
+            <a:r>
+              <a:rPr lang="en-US" dirty="0" err="1"/>
+              <a:t>rowsets</a:t>
+            </a:r>
+            <a:r>
+              <a:rPr lang="en-US" dirty="0"/>
+              <a:t> are </a:t>
+            </a:r>
+            <a:r>
+              <a:rPr lang="en-US" dirty="0" err="1"/>
+              <a:t>predescribed</a:t>
+            </a:r>
+            <a:r>
+              <a:rPr lang="en-US" dirty="0"/>
+              <a:t> tables that contain information about Analysis Services objects and server state, including database schema, active sessions, connections, commands, and jobs that are executing on the server.</a:t>
+            </a:r>
+          </a:p>
+          <a:p>
+            <a:r>
+              <a:rPr lang="en-US" dirty="0"/>
+              <a:t>DMV queries are an </a:t>
+            </a:r>
+            <a:r>
+              <a:rPr lang="en-US" b="1" dirty="0"/>
+              <a:t>alternative to running XML/A </a:t>
+            </a:r>
+            <a:r>
+              <a:rPr lang="en-US" dirty="0"/>
+              <a:t>Discover commands. For most administrators, writing a DMV query is simpler because the </a:t>
+            </a:r>
+            <a:r>
+              <a:rPr lang="en-US" b="1" dirty="0"/>
+              <a:t>syntax is based on SQL</a:t>
+            </a:r>
+            <a:r>
+              <a:rPr lang="en-US" dirty="0"/>
+              <a:t>. In addition, the result is </a:t>
+            </a:r>
+            <a:r>
+              <a:rPr lang="en-US" b="1" dirty="0"/>
+              <a:t>returned in a table format </a:t>
+            </a:r>
+            <a:r>
+              <a:rPr lang="en-US" dirty="0"/>
+              <a:t>that is easier to read and copy.</a:t>
+            </a:r>
+          </a:p>
+        </p:txBody>
+      </p:sp>
+      <p:sp>
+        <p:nvSpPr>
+          <p:cNvPr id="4" name="Rectangle 3"/>
+          <p:cNvSpPr/>
           <p:nvPr/>
-        </p:nvPicPr>
-        <p:blipFill>
-          <a:blip r:embed="rId2"/>
-          <a:stretch>
-            <a:fillRect/>
-          </a:stretch>
-        </p:blipFill>
-        <p:spPr>
-          <a:xfrm>
-            <a:off x="2809103" y="-1"/>
-            <a:ext cx="9382897" cy="6860653"/>
+        </p:nvSpPr>
+        <p:spPr>
+          <a:xfrm>
+            <a:off x="677334" y="5399041"/>
+            <a:ext cx="6096000" cy="369332"/>
           </a:xfrm>
           <a:prstGeom prst="rect">
             <a:avLst/>
           </a:prstGeom>
         </p:spPr>
-      </p:pic>
+        <p:txBody>
+          <a:bodyPr>
+            <a:spAutoFit/>
+          </a:bodyPr>
+          <a:lstStyle/>
+          <a:p>
+            <a:r>
+              <a:rPr lang="pl-PL" sz="900" dirty="0"/>
+              <a:t>https://docs.microsoft.com/en-us/sql/analysis-services/instances/use-dynamic-management-views-dmvs-to-monitor-analysis-services?view=sql-server-2017</a:t>
+            </a:r>
+          </a:p>
+        </p:txBody>
+      </p:sp>
     </p:spTree>
     <p:extLst>
       <p:ext uri="{BB962C8B-B14F-4D97-AF65-F5344CB8AC3E}">
-        <p14:creationId xmlns:p14="http://schemas.microsoft.com/office/powerpoint/2010/main" val="584182787"/>
+        <p14:creationId xmlns:p14="http://schemas.microsoft.com/office/powerpoint/2010/main" val="3816221553"/>
       </p:ext>
     </p:extLst>
   </p:cSld>
@@ -6274,8 +6326,8 @@
         </p:blipFill>
         <p:spPr>
           <a:xfrm>
-            <a:off x="1" y="-5105"/>
-            <a:ext cx="12192000" cy="6863105"/>
+            <a:off x="2809103" y="-1"/>
+            <a:ext cx="9382897" cy="6860653"/>
           </a:xfrm>
           <a:prstGeom prst="rect">
             <a:avLst/>
@@ -6285,7 +6337,7 @@
     </p:spTree>
     <p:extLst>
       <p:ext uri="{BB962C8B-B14F-4D97-AF65-F5344CB8AC3E}">
-        <p14:creationId xmlns:p14="http://schemas.microsoft.com/office/powerpoint/2010/main" val="3651158010"/>
+        <p14:creationId xmlns:p14="http://schemas.microsoft.com/office/powerpoint/2010/main" val="584182787"/>
       </p:ext>
     </p:extLst>
   </p:cSld>
@@ -6319,65 +6371,40 @@
           <a:chExt cx="0" cy="0"/>
         </a:xfrm>
       </p:grpSpPr>
-      <p:sp>
-        <p:nvSpPr>
-          <p:cNvPr id="2" name="Title 1"/>
-          <p:cNvSpPr>
-            <a:spLocks noGrp="1"/>
-          </p:cNvSpPr>
-          <p:nvPr>
-            <p:ph type="title"/>
-          </p:nvPr>
-        </p:nvSpPr>
-        <p:spPr/>
-        <p:txBody>
-          <a:bodyPr/>
-          <a:lstStyle/>
-          <a:p>
-            <a:r>
-              <a:rPr lang="pl-PL" dirty="0" smtClean="0"/>
-              <a:t>demo #01</a:t>
-            </a:r>
-            <a:endParaRPr lang="pl-PL" dirty="0"/>
-          </a:p>
-        </p:txBody>
-      </p:sp>
-      <p:sp>
-        <p:nvSpPr>
-          <p:cNvPr id="3" name="Text Placeholder 2"/>
-          <p:cNvSpPr>
-            <a:spLocks noGrp="1"/>
-          </p:cNvSpPr>
-          <p:nvPr>
-            <p:ph type="body" idx="1"/>
-          </p:nvPr>
-        </p:nvSpPr>
-        <p:spPr/>
-        <p:txBody>
-          <a:bodyPr/>
-          <a:lstStyle/>
-          <a:p>
-            <a:endParaRPr lang="pl-PL"/>
-          </a:p>
-        </p:txBody>
-      </p:sp>
+      <p:pic>
+        <p:nvPicPr>
+          <p:cNvPr id="7" name="Picture 6"/>
+          <p:cNvPicPr>
+            <a:picLocks noChangeAspect="1"/>
+          </p:cNvPicPr>
+          <p:nvPr/>
+        </p:nvPicPr>
+        <p:blipFill>
+          <a:blip r:embed="rId2"/>
+          <a:stretch>
+            <a:fillRect/>
+          </a:stretch>
+        </p:blipFill>
+        <p:spPr>
+          <a:xfrm>
+            <a:off x="0" y="1"/>
+            <a:ext cx="12192000" cy="6858000"/>
+          </a:xfrm>
+          <a:prstGeom prst="rect">
+            <a:avLst/>
+          </a:prstGeom>
+        </p:spPr>
+      </p:pic>
     </p:spTree>
     <p:extLst>
       <p:ext uri="{BB962C8B-B14F-4D97-AF65-F5344CB8AC3E}">
-        <p14:creationId xmlns:p14="http://schemas.microsoft.com/office/powerpoint/2010/main" val="156644176"/>
+        <p14:creationId xmlns:p14="http://schemas.microsoft.com/office/powerpoint/2010/main" val="1583684503"/>
       </p:ext>
     </p:extLst>
   </p:cSld>
   <p:clrMapOvr>
     <a:masterClrMapping/>
   </p:clrMapOvr>
-  <p:timing>
-    <p:tnLst>
-      <p:par>
-        <p:cTn id="1" dur="indefinite" restart="never" nodeType="tmRoot"/>
-      </p:par>
-    </p:tnLst>
-  </p:timing>
 </p:sld>
 </file>
 
@@ -6398,65 +6425,40 @@
           <a:chExt cx="0" cy="0"/>
         </a:xfrm>
       </p:grpSpPr>
-      <p:sp>
-        <p:nvSpPr>
-          <p:cNvPr id="2" name="Title 1"/>
-          <p:cNvSpPr>
-            <a:spLocks noGrp="1"/>
-          </p:cNvSpPr>
-          <p:nvPr>
-            <p:ph type="title"/>
-          </p:nvPr>
-        </p:nvSpPr>
-        <p:spPr/>
-        <p:txBody>
-          <a:bodyPr/>
-          <a:lstStyle/>
-          <a:p>
-            <a:r>
-              <a:rPr lang="pl-PL" dirty="0" smtClean="0"/>
-              <a:t>Attempt #02: AMO</a:t>
-            </a:r>
-            <a:endParaRPr lang="pl-PL" dirty="0"/>
-          </a:p>
-        </p:txBody>
-      </p:sp>
-      <p:sp>
-        <p:nvSpPr>
-          <p:cNvPr id="3" name="Text Placeholder 2"/>
-          <p:cNvSpPr>
-            <a:spLocks noGrp="1"/>
-          </p:cNvSpPr>
-          <p:nvPr>
-            <p:ph type="body" idx="1"/>
-          </p:nvPr>
-        </p:nvSpPr>
-        <p:spPr/>
-        <p:txBody>
-          <a:bodyPr/>
-          <a:lstStyle/>
-          <a:p>
-            <a:endParaRPr lang="pl-PL"/>
-          </a:p>
-        </p:txBody>
-      </p:sp>
+      <p:pic>
+        <p:nvPicPr>
+          <p:cNvPr id="2" name="Picture 1"/>
+          <p:cNvPicPr>
+            <a:picLocks noChangeAspect="1"/>
+          </p:cNvPicPr>
+          <p:nvPr/>
+        </p:nvPicPr>
+        <p:blipFill>
+          <a:blip r:embed="rId2"/>
+          <a:stretch>
+            <a:fillRect/>
+          </a:stretch>
+        </p:blipFill>
+        <p:spPr>
+          <a:xfrm>
+            <a:off x="0" y="0"/>
+            <a:ext cx="12192000" cy="6858000"/>
+          </a:xfrm>
+          <a:prstGeom prst="rect">
+            <a:avLst/>
+          </a:prstGeom>
+        </p:spPr>
+      </p:pic>
     </p:spTree>
     <p:extLst>
       <p:ext uri="{BB962C8B-B14F-4D97-AF65-F5344CB8AC3E}">
-        <p14:creationId xmlns:p14="http://schemas.microsoft.com/office/powerpoint/2010/main" val="587038185"/>
+        <p14:creationId xmlns:p14="http://schemas.microsoft.com/office/powerpoint/2010/main" val="3976387652"/>
       </p:ext>
     </p:extLst>
   </p:cSld>
   <p:clrMapOvr>
     <a:masterClrMapping/>
   </p:clrMapOvr>
-  <p:timing>
-    <p:tnLst>
-      <p:par>
-        <p:cTn id="1" dur="indefinite" restart="never" nodeType="tmRoot"/>
-      </p:par>
-    </p:tnLst>
-  </p:timing>
 </p:sld>
 </file>
 
@@ -6477,164 +6479,40 @@
           <a:chExt cx="0" cy="0"/>
         </a:xfrm>
       </p:grpSpPr>
-      <p:sp>
-        <p:nvSpPr>
-          <p:cNvPr id="2" name="Title 1"/>
-          <p:cNvSpPr>
-            <a:spLocks noGrp="1"/>
-          </p:cNvSpPr>
-          <p:nvPr>
-            <p:ph type="title"/>
-          </p:nvPr>
-        </p:nvSpPr>
-        <p:spPr/>
-        <p:txBody>
-          <a:bodyPr/>
-          <a:lstStyle/>
-          <a:p>
-            <a:r>
-              <a:rPr lang="pl-PL" dirty="0" smtClean="0"/>
-              <a:t>dlls</a:t>
-            </a:r>
-            <a:endParaRPr lang="pl-PL" dirty="0"/>
-          </a:p>
-        </p:txBody>
-      </p:sp>
-      <p:sp>
-        <p:nvSpPr>
-          <p:cNvPr id="3" name="Content Placeholder 2"/>
-          <p:cNvSpPr>
-            <a:spLocks noGrp="1"/>
-          </p:cNvSpPr>
-          <p:nvPr>
-            <p:ph idx="1"/>
-          </p:nvPr>
-        </p:nvSpPr>
-        <p:spPr>
-          <a:xfrm>
-            <a:off x="677334" y="1930400"/>
-            <a:ext cx="5146817" cy="3880773"/>
-          </a:xfrm>
-        </p:spPr>
-        <p:txBody>
-          <a:bodyPr/>
-          <a:lstStyle/>
-          <a:p>
-            <a:pPr marL="0" indent="0">
-              <a:buNone/>
-            </a:pPr>
-            <a:r>
-              <a:rPr lang="en-US" b="1" dirty="0"/>
-              <a:t>Analysis Management Objects (AMO) </a:t>
-            </a:r>
-            <a:endParaRPr lang="pl-PL" b="1" dirty="0" smtClean="0"/>
-          </a:p>
-          <a:p>
-            <a:pPr marL="0" indent="0">
-              <a:buNone/>
-            </a:pPr>
-            <a:r>
-              <a:rPr lang="pl-PL" dirty="0" smtClean="0"/>
-              <a:t>A </a:t>
-            </a:r>
-            <a:r>
-              <a:rPr lang="en-US" dirty="0" smtClean="0"/>
-              <a:t>library </a:t>
-            </a:r>
-            <a:r>
-              <a:rPr lang="en-US" dirty="0"/>
-              <a:t>of classes designed to manage an instance of Microsoft SQL Server Analysis Services from a client application. AMO classes are classes that you will use to administer Analysis Services objects such as databases, dimensions, cubes, mining structures and models, roles and permissions, exceptions, and others</a:t>
-            </a:r>
-            <a:endParaRPr lang="pl-PL" b="1" dirty="0"/>
-          </a:p>
-        </p:txBody>
-      </p:sp>
       <p:pic>
         <p:nvPicPr>
-          <p:cNvPr id="1026" name="Picture 2" descr="Classes reviewed in AMO conceptual topics"/>
+          <p:cNvPr id="3" name="Picture 2"/>
           <p:cNvPicPr>
-            <a:picLocks noChangeAspect="1" noChangeArrowheads="1"/>
+            <a:picLocks noChangeAspect="1"/>
           </p:cNvPicPr>
           <p:nvPr/>
         </p:nvPicPr>
         <p:blipFill>
-          <a:blip r:embed="rId2">
-            <a:extLst>
-              <a:ext uri="{28A0092B-C50C-407E-A947-70E740481C1C}">
-                <a14:useLocalDpi xmlns:a14="http://schemas.microsoft.com/office/drawing/2010/main" val="0"/>
-              </a:ext>
-            </a:extLst>
-          </a:blip>
-          <a:srcRect/>
+          <a:blip r:embed="rId2"/>
           <a:stretch>
             <a:fillRect/>
           </a:stretch>
         </p:blipFill>
-        <p:spPr bwMode="auto">
-          <a:xfrm>
-            <a:off x="6639696" y="609600"/>
-            <a:ext cx="1894605" cy="5164326"/>
+        <p:spPr>
+          <a:xfrm>
+            <a:off x="0" y="1"/>
+            <a:ext cx="12192000" cy="6858000"/>
           </a:xfrm>
           <a:prstGeom prst="rect">
             <a:avLst/>
           </a:prstGeom>
-          <a:noFill/>
-          <a:extLst>
-            <a:ext uri="{909E8E84-426E-40DD-AFC4-6F175D3DCCD1}">
-              <a14:hiddenFill xmlns:a14="http://schemas.microsoft.com/office/drawing/2010/main">
-                <a:solidFill>
-                  <a:srgbClr val="FFFFFF"/>
-                </a:solidFill>
-              </a14:hiddenFill>
-            </a:ext>
-          </a:extLst>
         </p:spPr>
       </p:pic>
-      <p:sp>
-        <p:nvSpPr>
-          <p:cNvPr id="4" name="Rectangle 3"/>
-          <p:cNvSpPr/>
-          <p:nvPr/>
-        </p:nvSpPr>
-        <p:spPr>
-          <a:xfrm>
-            <a:off x="677334" y="5399041"/>
-            <a:ext cx="6096000" cy="369332"/>
-          </a:xfrm>
-          <a:prstGeom prst="rect">
-            <a:avLst/>
-          </a:prstGeom>
-        </p:spPr>
-        <p:txBody>
-          <a:bodyPr>
-            <a:spAutoFit/>
-          </a:bodyPr>
-          <a:lstStyle/>
-          <a:p>
-            <a:r>
-              <a:rPr lang="pl-PL" sz="900" dirty="0"/>
-              <a:t>https://docs.microsoft.com/en-us/sql/analysis-services/multidimensional-models/analysis-management-objects/amo-classes-introduction?view=sql-server-2017</a:t>
-            </a:r>
-          </a:p>
-        </p:txBody>
-      </p:sp>
     </p:spTree>
     <p:extLst>
       <p:ext uri="{BB962C8B-B14F-4D97-AF65-F5344CB8AC3E}">
-        <p14:creationId xmlns:p14="http://schemas.microsoft.com/office/powerpoint/2010/main" val="1405567590"/>
+        <p14:creationId xmlns:p14="http://schemas.microsoft.com/office/powerpoint/2010/main" val="831594063"/>
       </p:ext>
     </p:extLst>
   </p:cSld>
   <p:clrMapOvr>
     <a:masterClrMapping/>
   </p:clrMapOvr>
-  <p:timing>
-    <p:tnLst>
-      <p:par>
-        <p:cTn id="1" dur="indefinite" restart="never" nodeType="tmRoot"/>
-      </p:par>
-    </p:tnLst>
-  </p:timing>
 </p:sld>
 </file>
 
@@ -6655,136 +6533,34 @@
           <a:chExt cx="0" cy="0"/>
         </a:xfrm>
       </p:grpSpPr>
-      <p:sp>
-        <p:nvSpPr>
-          <p:cNvPr id="2" name="Title 1"/>
-          <p:cNvSpPr>
-            <a:spLocks noGrp="1"/>
-          </p:cNvSpPr>
-          <p:nvPr>
-            <p:ph type="title"/>
-          </p:nvPr>
-        </p:nvSpPr>
-        <p:spPr/>
-        <p:txBody>
-          <a:bodyPr/>
-          <a:lstStyle/>
-          <a:p>
-            <a:r>
-              <a:rPr lang="pl-PL" dirty="0" smtClean="0"/>
-              <a:t>dlls</a:t>
-            </a:r>
-            <a:endParaRPr lang="pl-PL" dirty="0"/>
-          </a:p>
-        </p:txBody>
-      </p:sp>
-      <p:sp>
-        <p:nvSpPr>
-          <p:cNvPr id="3" name="Content Placeholder 2"/>
-          <p:cNvSpPr>
-            <a:spLocks noGrp="1"/>
-          </p:cNvSpPr>
-          <p:nvPr>
-            <p:ph idx="1"/>
-          </p:nvPr>
-        </p:nvSpPr>
-        <p:spPr>
-          <a:xfrm>
-            <a:off x="677334" y="1930400"/>
-            <a:ext cx="8334861" cy="3880773"/>
-          </a:xfrm>
-        </p:spPr>
-        <p:txBody>
-          <a:bodyPr/>
-          <a:lstStyle/>
-          <a:p>
-            <a:pPr marL="0" indent="0">
-              <a:buNone/>
-            </a:pPr>
-            <a:r>
-              <a:rPr lang="pl-PL" dirty="0" smtClean="0"/>
-              <a:t>T</a:t>
-            </a:r>
-            <a:r>
-              <a:rPr lang="en-US" dirty="0" smtClean="0"/>
-              <a:t>he </a:t>
-            </a:r>
-            <a:r>
-              <a:rPr lang="en-US" b="1" dirty="0"/>
-              <a:t>ADOMD.NET</a:t>
-            </a:r>
-            <a:r>
-              <a:rPr lang="en-US" dirty="0"/>
-              <a:t> server objects are helper objects that can be used to create user defined functions (UDFs) or stored procedures in Microsoft SQL Server Analysis Services</a:t>
-            </a:r>
-            <a:r>
-              <a:rPr lang="en-US" dirty="0" smtClean="0"/>
-              <a:t>.</a:t>
-            </a:r>
-            <a:endParaRPr lang="pl-PL" dirty="0" smtClean="0"/>
-          </a:p>
-          <a:p>
-            <a:pPr marL="0" indent="0">
-              <a:buNone/>
-            </a:pPr>
-            <a:endParaRPr lang="pl-PL" b="1" dirty="0"/>
-          </a:p>
-          <a:p>
-            <a:pPr marL="0" indent="0">
-              <a:buNone/>
-            </a:pPr>
-            <a:r>
-              <a:rPr lang="pl-PL" dirty="0"/>
-              <a:t>The ADOMD.NET server components of ADOMD.NET reside within the </a:t>
-            </a:r>
-            <a:r>
-              <a:rPr lang="pl-PL" b="1" dirty="0"/>
-              <a:t>Microsoft.AnalysisServices.AdomdServer</a:t>
-            </a:r>
-            <a:r>
-              <a:rPr lang="pl-PL" dirty="0"/>
-              <a:t> namespace (in msmgdsrv.dll). You use these server components to create custom Multidimensional Expressions (MDX) functions and stored procedures that are run on an instance of Microsoft SQL Server Analysis Services.</a:t>
-            </a:r>
-            <a:endParaRPr lang="pl-PL" b="1" dirty="0"/>
-          </a:p>
-        </p:txBody>
-      </p:sp>
-      <p:sp>
-        <p:nvSpPr>
-          <p:cNvPr id="4" name="Rectangle 3"/>
-          <p:cNvSpPr/>
+      <p:pic>
+        <p:nvPicPr>
+          <p:cNvPr id="2" name="Picture 1"/>
+          <p:cNvPicPr>
+            <a:picLocks noChangeAspect="1"/>
+          </p:cNvPicPr>
           <p:nvPr/>
-        </p:nvSpPr>
-        <p:spPr>
-          <a:xfrm>
-            <a:off x="677334" y="5415517"/>
-            <a:ext cx="6096000" cy="392415"/>
+        </p:nvPicPr>
+        <p:blipFill>
+          <a:blip r:embed="rId2"/>
+          <a:stretch>
+            <a:fillRect/>
+          </a:stretch>
+        </p:blipFill>
+        <p:spPr>
+          <a:xfrm>
+            <a:off x="1" y="-5105"/>
+            <a:ext cx="12192000" cy="6863105"/>
           </a:xfrm>
           <a:prstGeom prst="rect">
             <a:avLst/>
           </a:prstGeom>
         </p:spPr>
-        <p:txBody>
-          <a:bodyPr>
-            <a:spAutoFit/>
-          </a:bodyPr>
-          <a:lstStyle/>
-          <a:p>
-            <a:r>
-              <a:rPr lang="pl-PL" sz="1050" dirty="0"/>
-              <a:t>https://</a:t>
-            </a:r>
-            <a:r>
-              <a:rPr lang="pl-PL" sz="900" dirty="0"/>
-              <a:t>docs.microsoft.com/en-us/sql/analysis-services/multidimensional-models-adomd-net-server/adomd-net-server-object-architecture?view=sql-server-2017</a:t>
-            </a:r>
-          </a:p>
-        </p:txBody>
-      </p:sp>
+      </p:pic>
     </p:spTree>
     <p:extLst>
       <p:ext uri="{BB962C8B-B14F-4D97-AF65-F5344CB8AC3E}">
-        <p14:creationId xmlns:p14="http://schemas.microsoft.com/office/powerpoint/2010/main" val="2226700345"/>
+        <p14:creationId xmlns:p14="http://schemas.microsoft.com/office/powerpoint/2010/main" val="3651158010"/>
       </p:ext>
     </p:extLst>
   </p:cSld>
@@ -6835,7 +6611,7 @@
           <a:p>
             <a:r>
               <a:rPr lang="pl-PL" dirty="0" smtClean="0"/>
-              <a:t>Attempt #03: Parser</a:t>
+              <a:t>demo #01</a:t>
             </a:r>
             <a:endParaRPr lang="pl-PL" dirty="0"/>
           </a:p>
@@ -6856,14 +6632,14 @@
           <a:bodyPr/>
           <a:lstStyle/>
           <a:p>
-            <a:endParaRPr lang="pl-PL"/>
+            <a:endParaRPr lang="pl-PL" dirty="0"/>
           </a:p>
         </p:txBody>
       </p:sp>
     </p:spTree>
     <p:extLst>
       <p:ext uri="{BB962C8B-B14F-4D97-AF65-F5344CB8AC3E}">
-        <p14:creationId xmlns:p14="http://schemas.microsoft.com/office/powerpoint/2010/main" val="298595245"/>
+        <p14:creationId xmlns:p14="http://schemas.microsoft.com/office/powerpoint/2010/main" val="156644176"/>
       </p:ext>
     </p:extLst>
   </p:cSld>
@@ -6897,34 +6673,52 @@
           <a:chExt cx="0" cy="0"/>
         </a:xfrm>
       </p:grpSpPr>
-      <p:pic>
-        <p:nvPicPr>
-          <p:cNvPr id="3" name="Picture 2"/>
-          <p:cNvPicPr>
-            <a:picLocks noChangeAspect="1"/>
-          </p:cNvPicPr>
-          <p:nvPr/>
-        </p:nvPicPr>
-        <p:blipFill>
-          <a:blip r:embed="rId2"/>
-          <a:stretch>
-            <a:fillRect/>
-          </a:stretch>
-        </p:blipFill>
-        <p:spPr>
-          <a:xfrm>
-            <a:off x="477793" y="0"/>
-            <a:ext cx="5706337" cy="6858000"/>
-          </a:xfrm>
-          <a:prstGeom prst="rect">
-            <a:avLst/>
-          </a:prstGeom>
-        </p:spPr>
-      </p:pic>
+      <p:sp>
+        <p:nvSpPr>
+          <p:cNvPr id="2" name="Title 1"/>
+          <p:cNvSpPr>
+            <a:spLocks noGrp="1"/>
+          </p:cNvSpPr>
+          <p:nvPr>
+            <p:ph type="title"/>
+          </p:nvPr>
+        </p:nvSpPr>
+        <p:spPr/>
+        <p:txBody>
+          <a:bodyPr/>
+          <a:lstStyle/>
+          <a:p>
+            <a:r>
+              <a:rPr lang="pl-PL" dirty="0" smtClean="0"/>
+              <a:t>Attempt #02: AMO</a:t>
+            </a:r>
+            <a:endParaRPr lang="pl-PL" dirty="0"/>
+          </a:p>
+        </p:txBody>
+      </p:sp>
+      <p:sp>
+        <p:nvSpPr>
+          <p:cNvPr id="3" name="Text Placeholder 2"/>
+          <p:cNvSpPr>
+            <a:spLocks noGrp="1"/>
+          </p:cNvSpPr>
+          <p:nvPr>
+            <p:ph type="body" idx="1"/>
+          </p:nvPr>
+        </p:nvSpPr>
+        <p:spPr/>
+        <p:txBody>
+          <a:bodyPr/>
+          <a:lstStyle/>
+          <a:p>
+            <a:endParaRPr lang="pl-PL"/>
+          </a:p>
+        </p:txBody>
+      </p:sp>
     </p:spTree>
     <p:extLst>
       <p:ext uri="{BB962C8B-B14F-4D97-AF65-F5344CB8AC3E}">
-        <p14:creationId xmlns:p14="http://schemas.microsoft.com/office/powerpoint/2010/main" val="2848127884"/>
+        <p14:creationId xmlns:p14="http://schemas.microsoft.com/office/powerpoint/2010/main" val="587038185"/>
       </p:ext>
     </p:extLst>
   </p:cSld>
@@ -7287,34 +7081,151 @@
           <a:chExt cx="0" cy="0"/>
         </a:xfrm>
       </p:grpSpPr>
+      <p:sp>
+        <p:nvSpPr>
+          <p:cNvPr id="2" name="Title 1"/>
+          <p:cNvSpPr>
+            <a:spLocks noGrp="1"/>
+          </p:cNvSpPr>
+          <p:nvPr>
+            <p:ph type="title"/>
+          </p:nvPr>
+        </p:nvSpPr>
+        <p:spPr/>
+        <p:txBody>
+          <a:bodyPr/>
+          <a:lstStyle/>
+          <a:p>
+            <a:r>
+              <a:rPr lang="pl-PL" dirty="0" smtClean="0"/>
+              <a:t>dlls</a:t>
+            </a:r>
+            <a:endParaRPr lang="pl-PL" dirty="0"/>
+          </a:p>
+        </p:txBody>
+      </p:sp>
+      <p:sp>
+        <p:nvSpPr>
+          <p:cNvPr id="3" name="Content Placeholder 2"/>
+          <p:cNvSpPr>
+            <a:spLocks noGrp="1"/>
+          </p:cNvSpPr>
+          <p:nvPr>
+            <p:ph idx="1"/>
+          </p:nvPr>
+        </p:nvSpPr>
+        <p:spPr>
+          <a:xfrm>
+            <a:off x="677334" y="1930400"/>
+            <a:ext cx="5146817" cy="3880773"/>
+          </a:xfrm>
+        </p:spPr>
+        <p:txBody>
+          <a:bodyPr/>
+          <a:lstStyle/>
+          <a:p>
+            <a:pPr marL="0" indent="0">
+              <a:buNone/>
+            </a:pPr>
+            <a:r>
+              <a:rPr lang="en-US" b="1" dirty="0"/>
+              <a:t>Analysis Management Objects (AMO) </a:t>
+            </a:r>
+            <a:endParaRPr lang="pl-PL" b="1" dirty="0" smtClean="0"/>
+          </a:p>
+          <a:p>
+            <a:pPr marL="0" indent="0">
+              <a:buNone/>
+            </a:pPr>
+            <a:r>
+              <a:rPr lang="pl-PL" dirty="0" smtClean="0"/>
+              <a:t>A </a:t>
+            </a:r>
+            <a:r>
+              <a:rPr lang="en-US" dirty="0" smtClean="0"/>
+              <a:t>library </a:t>
+            </a:r>
+            <a:r>
+              <a:rPr lang="en-US" dirty="0"/>
+              <a:t>of classes designed to manage an instance of Microsoft SQL Server Analysis Services from a client application. AMO classes are classes that you will use to administer Analysis Services objects such as databases, dimensions, cubes, mining structures and models, roles and permissions, exceptions, and others</a:t>
+            </a:r>
+            <a:endParaRPr lang="pl-PL" b="1" dirty="0"/>
+          </a:p>
+        </p:txBody>
+      </p:sp>
       <p:pic>
         <p:nvPicPr>
-          <p:cNvPr id="4" name="Picture 3"/>
+          <p:cNvPr id="1026" name="Picture 2" descr="Classes reviewed in AMO conceptual topics"/>
           <p:cNvPicPr>
-            <a:picLocks noChangeAspect="1"/>
+            <a:picLocks noChangeAspect="1" noChangeArrowheads="1"/>
           </p:cNvPicPr>
           <p:nvPr/>
         </p:nvPicPr>
         <p:blipFill>
-          <a:blip r:embed="rId2"/>
+          <a:blip r:embed="rId2">
+            <a:extLst>
+              <a:ext uri="{28A0092B-C50C-407E-A947-70E740481C1C}">
+                <a14:useLocalDpi xmlns:a14="http://schemas.microsoft.com/office/drawing/2010/main" val="0"/>
+              </a:ext>
+            </a:extLst>
+          </a:blip>
+          <a:srcRect/>
           <a:stretch>
             <a:fillRect/>
           </a:stretch>
         </p:blipFill>
-        <p:spPr>
-          <a:xfrm>
-            <a:off x="626075" y="0"/>
-            <a:ext cx="5468006" cy="6858000"/>
+        <p:spPr bwMode="auto">
+          <a:xfrm>
+            <a:off x="6639696" y="609600"/>
+            <a:ext cx="1894605" cy="5164326"/>
           </a:xfrm>
           <a:prstGeom prst="rect">
             <a:avLst/>
           </a:prstGeom>
+          <a:noFill/>
+          <a:extLst>
+            <a:ext uri="{909E8E84-426E-40DD-AFC4-6F175D3DCCD1}">
+              <a14:hiddenFill xmlns:a14="http://schemas.microsoft.com/office/drawing/2010/main">
+                <a:solidFill>
+                  <a:srgbClr val="FFFFFF"/>
+                </a:solidFill>
+              </a14:hiddenFill>
+            </a:ext>
+          </a:extLst>
         </p:spPr>
       </p:pic>
+      <p:sp>
+        <p:nvSpPr>
+          <p:cNvPr id="4" name="Rectangle 3"/>
+          <p:cNvSpPr/>
+          <p:nvPr/>
+        </p:nvSpPr>
+        <p:spPr>
+          <a:xfrm>
+            <a:off x="677334" y="5399041"/>
+            <a:ext cx="6096000" cy="369332"/>
+          </a:xfrm>
+          <a:prstGeom prst="rect">
+            <a:avLst/>
+          </a:prstGeom>
+        </p:spPr>
+        <p:txBody>
+          <a:bodyPr>
+            <a:spAutoFit/>
+          </a:bodyPr>
+          <a:lstStyle/>
+          <a:p>
+            <a:r>
+              <a:rPr lang="pl-PL" sz="900" dirty="0"/>
+              <a:t>https://docs.microsoft.com/en-us/sql/analysis-services/multidimensional-models/analysis-management-objects/amo-classes-introduction?view=sql-server-2017</a:t>
+            </a:r>
+          </a:p>
+        </p:txBody>
+      </p:sp>
     </p:spTree>
     <p:extLst>
       <p:ext uri="{BB962C8B-B14F-4D97-AF65-F5344CB8AC3E}">
-        <p14:creationId xmlns:p14="http://schemas.microsoft.com/office/powerpoint/2010/main" val="1826160255"/>
+        <p14:creationId xmlns:p14="http://schemas.microsoft.com/office/powerpoint/2010/main" val="1405567590"/>
       </p:ext>
     </p:extLst>
   </p:cSld>
@@ -7348,6 +7259,601 @@
           <a:chExt cx="0" cy="0"/>
         </a:xfrm>
       </p:grpSpPr>
+      <p:sp>
+        <p:nvSpPr>
+          <p:cNvPr id="2" name="Title 1"/>
+          <p:cNvSpPr>
+            <a:spLocks noGrp="1"/>
+          </p:cNvSpPr>
+          <p:nvPr>
+            <p:ph type="title"/>
+          </p:nvPr>
+        </p:nvSpPr>
+        <p:spPr/>
+        <p:txBody>
+          <a:bodyPr/>
+          <a:lstStyle/>
+          <a:p>
+            <a:r>
+              <a:rPr lang="pl-PL" dirty="0" smtClean="0"/>
+              <a:t>dlls</a:t>
+            </a:r>
+            <a:endParaRPr lang="pl-PL" dirty="0"/>
+          </a:p>
+        </p:txBody>
+      </p:sp>
+      <p:sp>
+        <p:nvSpPr>
+          <p:cNvPr id="3" name="Content Placeholder 2"/>
+          <p:cNvSpPr>
+            <a:spLocks noGrp="1"/>
+          </p:cNvSpPr>
+          <p:nvPr>
+            <p:ph idx="1"/>
+          </p:nvPr>
+        </p:nvSpPr>
+        <p:spPr>
+          <a:xfrm>
+            <a:off x="677334" y="1930400"/>
+            <a:ext cx="8334861" cy="3880773"/>
+          </a:xfrm>
+        </p:spPr>
+        <p:txBody>
+          <a:bodyPr/>
+          <a:lstStyle/>
+          <a:p>
+            <a:pPr marL="0" indent="0">
+              <a:buNone/>
+            </a:pPr>
+            <a:r>
+              <a:rPr lang="pl-PL" dirty="0" smtClean="0"/>
+              <a:t>T</a:t>
+            </a:r>
+            <a:r>
+              <a:rPr lang="en-US" dirty="0" smtClean="0"/>
+              <a:t>he </a:t>
+            </a:r>
+            <a:r>
+              <a:rPr lang="en-US" b="1" dirty="0"/>
+              <a:t>ADOMD.NET</a:t>
+            </a:r>
+            <a:r>
+              <a:rPr lang="en-US" dirty="0"/>
+              <a:t> server objects are helper objects that can be used to create user defined functions (UDFs) or stored procedures in Microsoft SQL Server Analysis Services</a:t>
+            </a:r>
+            <a:r>
+              <a:rPr lang="en-US" dirty="0" smtClean="0"/>
+              <a:t>.</a:t>
+            </a:r>
+            <a:endParaRPr lang="pl-PL" dirty="0" smtClean="0"/>
+          </a:p>
+          <a:p>
+            <a:pPr marL="0" indent="0">
+              <a:buNone/>
+            </a:pPr>
+            <a:endParaRPr lang="pl-PL" b="1" dirty="0"/>
+          </a:p>
+          <a:p>
+            <a:pPr marL="0" indent="0">
+              <a:buNone/>
+            </a:pPr>
+            <a:r>
+              <a:rPr lang="pl-PL" dirty="0"/>
+              <a:t>The ADOMD.NET server components of ADOMD.NET reside within the </a:t>
+            </a:r>
+            <a:r>
+              <a:rPr lang="pl-PL" b="1" dirty="0"/>
+              <a:t>Microsoft.AnalysisServices.AdomdServer</a:t>
+            </a:r>
+            <a:r>
+              <a:rPr lang="pl-PL" dirty="0"/>
+              <a:t> namespace (in msmgdsrv.dll). You use these server components to create custom Multidimensional Expressions (MDX) functions and stored procedures that are run on an instance of Microsoft SQL Server Analysis Services.</a:t>
+            </a:r>
+            <a:endParaRPr lang="pl-PL" b="1" dirty="0"/>
+          </a:p>
+        </p:txBody>
+      </p:sp>
+      <p:sp>
+        <p:nvSpPr>
+          <p:cNvPr id="4" name="Rectangle 3"/>
+          <p:cNvSpPr/>
+          <p:nvPr/>
+        </p:nvSpPr>
+        <p:spPr>
+          <a:xfrm>
+            <a:off x="677334" y="5415517"/>
+            <a:ext cx="6096000" cy="392415"/>
+          </a:xfrm>
+          <a:prstGeom prst="rect">
+            <a:avLst/>
+          </a:prstGeom>
+        </p:spPr>
+        <p:txBody>
+          <a:bodyPr>
+            <a:spAutoFit/>
+          </a:bodyPr>
+          <a:lstStyle/>
+          <a:p>
+            <a:r>
+              <a:rPr lang="pl-PL" sz="1050" dirty="0"/>
+              <a:t>https://</a:t>
+            </a:r>
+            <a:r>
+              <a:rPr lang="pl-PL" sz="900" dirty="0"/>
+              <a:t>docs.microsoft.com/en-us/sql/analysis-services/multidimensional-models-adomd-net-server/adomd-net-server-object-architecture?view=sql-server-2017</a:t>
+            </a:r>
+          </a:p>
+        </p:txBody>
+      </p:sp>
+    </p:spTree>
+    <p:extLst>
+      <p:ext uri="{BB962C8B-B14F-4D97-AF65-F5344CB8AC3E}">
+        <p14:creationId xmlns:p14="http://schemas.microsoft.com/office/powerpoint/2010/main" val="2226700345"/>
+      </p:ext>
+    </p:extLst>
+  </p:cSld>
+  <p:clrMapOvr>
+    <a:masterClrMapping/>
+  </p:clrMapOvr>
+  <p:timing>
+    <p:tnLst>
+      <p:par>
+        <p:cTn id="1" dur="indefinite" restart="never" nodeType="tmRoot"/>
+      </p:par>
+    </p:tnLst>
+  </p:timing>
+</p:sld>
+</file>
+
+<file path=ppt/slides/slide22.xml><?xml version="1.0" encoding="utf-8"?>
+<p:sld xmlns:a="http://schemas.openxmlformats.org/drawingml/2006/main" xmlns:r="http://schemas.openxmlformats.org/officeDocument/2006/relationships" xmlns:p="http://schemas.openxmlformats.org/presentationml/2006/main">
+  <p:cSld>
+    <p:spTree>
+      <p:nvGrpSpPr>
+        <p:cNvPr id="1" name=""/>
+        <p:cNvGrpSpPr/>
+        <p:nvPr/>
+      </p:nvGrpSpPr>
+      <p:grpSpPr>
+        <a:xfrm>
+          <a:off x="0" y="0"/>
+          <a:ext cx="0" cy="0"/>
+          <a:chOff x="0" y="0"/>
+          <a:chExt cx="0" cy="0"/>
+        </a:xfrm>
+      </p:grpSpPr>
+      <p:sp>
+        <p:nvSpPr>
+          <p:cNvPr id="2" name="Title 1"/>
+          <p:cNvSpPr>
+            <a:spLocks noGrp="1"/>
+          </p:cNvSpPr>
+          <p:nvPr>
+            <p:ph type="title"/>
+          </p:nvPr>
+        </p:nvSpPr>
+        <p:spPr/>
+        <p:txBody>
+          <a:bodyPr/>
+          <a:lstStyle/>
+          <a:p>
+            <a:r>
+              <a:rPr lang="pl-PL" dirty="0" smtClean="0"/>
+              <a:t>demo #</a:t>
+            </a:r>
+            <a:r>
+              <a:rPr lang="pl-PL" dirty="0" smtClean="0"/>
+              <a:t>02</a:t>
+            </a:r>
+            <a:endParaRPr lang="pl-PL" dirty="0"/>
+          </a:p>
+        </p:txBody>
+      </p:sp>
+      <p:sp>
+        <p:nvSpPr>
+          <p:cNvPr id="3" name="Text Placeholder 2"/>
+          <p:cNvSpPr>
+            <a:spLocks noGrp="1"/>
+          </p:cNvSpPr>
+          <p:nvPr>
+            <p:ph type="body" idx="1"/>
+          </p:nvPr>
+        </p:nvSpPr>
+        <p:spPr/>
+        <p:txBody>
+          <a:bodyPr/>
+          <a:lstStyle/>
+          <a:p>
+            <a:endParaRPr lang="pl-PL" dirty="0"/>
+          </a:p>
+        </p:txBody>
+      </p:sp>
+    </p:spTree>
+    <p:extLst>
+      <p:ext uri="{BB962C8B-B14F-4D97-AF65-F5344CB8AC3E}">
+        <p14:creationId xmlns:p14="http://schemas.microsoft.com/office/powerpoint/2010/main" val="2313947207"/>
+      </p:ext>
+    </p:extLst>
+  </p:cSld>
+  <p:clrMapOvr>
+    <a:masterClrMapping/>
+  </p:clrMapOvr>
+  <p:timing>
+    <p:tnLst>
+      <p:par>
+        <p:cTn id="1" dur="indefinite" restart="never" nodeType="tmRoot"/>
+      </p:par>
+    </p:tnLst>
+  </p:timing>
+</p:sld>
+</file>
+
+<file path=ppt/slides/slide23.xml><?xml version="1.0" encoding="utf-8"?>
+<p:sld xmlns:a="http://schemas.openxmlformats.org/drawingml/2006/main" xmlns:r="http://schemas.openxmlformats.org/officeDocument/2006/relationships" xmlns:p="http://schemas.openxmlformats.org/presentationml/2006/main">
+  <p:cSld>
+    <p:spTree>
+      <p:nvGrpSpPr>
+        <p:cNvPr id="1" name=""/>
+        <p:cNvGrpSpPr/>
+        <p:nvPr/>
+      </p:nvGrpSpPr>
+      <p:grpSpPr>
+        <a:xfrm>
+          <a:off x="0" y="0"/>
+          <a:ext cx="0" cy="0"/>
+          <a:chOff x="0" y="0"/>
+          <a:chExt cx="0" cy="0"/>
+        </a:xfrm>
+      </p:grpSpPr>
+      <p:sp>
+        <p:nvSpPr>
+          <p:cNvPr id="2" name="Title 1"/>
+          <p:cNvSpPr>
+            <a:spLocks noGrp="1"/>
+          </p:cNvSpPr>
+          <p:nvPr>
+            <p:ph type="title"/>
+          </p:nvPr>
+        </p:nvSpPr>
+        <p:spPr/>
+        <p:txBody>
+          <a:bodyPr/>
+          <a:lstStyle/>
+          <a:p>
+            <a:r>
+              <a:rPr lang="pl-PL" dirty="0" smtClean="0"/>
+              <a:t>Attempt #03: Parser</a:t>
+            </a:r>
+            <a:endParaRPr lang="pl-PL" dirty="0"/>
+          </a:p>
+        </p:txBody>
+      </p:sp>
+      <p:sp>
+        <p:nvSpPr>
+          <p:cNvPr id="3" name="Text Placeholder 2"/>
+          <p:cNvSpPr>
+            <a:spLocks noGrp="1"/>
+          </p:cNvSpPr>
+          <p:nvPr>
+            <p:ph type="body" idx="1"/>
+          </p:nvPr>
+        </p:nvSpPr>
+        <p:spPr/>
+        <p:txBody>
+          <a:bodyPr/>
+          <a:lstStyle/>
+          <a:p>
+            <a:endParaRPr lang="pl-PL"/>
+          </a:p>
+        </p:txBody>
+      </p:sp>
+    </p:spTree>
+    <p:extLst>
+      <p:ext uri="{BB962C8B-B14F-4D97-AF65-F5344CB8AC3E}">
+        <p14:creationId xmlns:p14="http://schemas.microsoft.com/office/powerpoint/2010/main" val="298595245"/>
+      </p:ext>
+    </p:extLst>
+  </p:cSld>
+  <p:clrMapOvr>
+    <a:masterClrMapping/>
+  </p:clrMapOvr>
+  <p:timing>
+    <p:tnLst>
+      <p:par>
+        <p:cTn id="1" dur="indefinite" restart="never" nodeType="tmRoot"/>
+      </p:par>
+    </p:tnLst>
+  </p:timing>
+</p:sld>
+</file>
+
+<file path=ppt/slides/slide24.xml><?xml version="1.0" encoding="utf-8"?>
+<p:sld xmlns:a="http://schemas.openxmlformats.org/drawingml/2006/main" xmlns:r="http://schemas.openxmlformats.org/officeDocument/2006/relationships" xmlns:p="http://schemas.openxmlformats.org/presentationml/2006/main">
+  <p:cSld>
+    <p:spTree>
+      <p:nvGrpSpPr>
+        <p:cNvPr id="1" name=""/>
+        <p:cNvGrpSpPr/>
+        <p:nvPr/>
+      </p:nvGrpSpPr>
+      <p:grpSpPr>
+        <a:xfrm>
+          <a:off x="0" y="0"/>
+          <a:ext cx="0" cy="0"/>
+          <a:chOff x="0" y="0"/>
+          <a:chExt cx="0" cy="0"/>
+        </a:xfrm>
+      </p:grpSpPr>
+      <p:sp>
+        <p:nvSpPr>
+          <p:cNvPr id="2" name="Title 1"/>
+          <p:cNvSpPr>
+            <a:spLocks noGrp="1"/>
+          </p:cNvSpPr>
+          <p:nvPr>
+            <p:ph type="title"/>
+          </p:nvPr>
+        </p:nvSpPr>
+        <p:spPr/>
+        <p:txBody>
+          <a:bodyPr/>
+          <a:lstStyle/>
+          <a:p>
+            <a:r>
+              <a:rPr lang="pl-PL" dirty="0"/>
+              <a:t>R</a:t>
+            </a:r>
+            <a:r>
+              <a:rPr lang="pl-PL" dirty="0" smtClean="0"/>
+              <a:t>equirements</a:t>
+            </a:r>
+            <a:endParaRPr lang="pl-PL" dirty="0"/>
+          </a:p>
+        </p:txBody>
+      </p:sp>
+      <p:sp>
+        <p:nvSpPr>
+          <p:cNvPr id="3" name="Content Placeholder 2"/>
+          <p:cNvSpPr>
+            <a:spLocks noGrp="1"/>
+          </p:cNvSpPr>
+          <p:nvPr>
+            <p:ph idx="1"/>
+          </p:nvPr>
+        </p:nvSpPr>
+        <p:spPr/>
+        <p:txBody>
+          <a:bodyPr/>
+          <a:lstStyle/>
+          <a:p>
+            <a:r>
+              <a:rPr lang="pl-PL" dirty="0" smtClean="0"/>
+              <a:t>Extract Measures/KPIs/Actions</a:t>
+            </a:r>
+          </a:p>
+          <a:p>
+            <a:r>
+              <a:rPr lang="pl-PL" dirty="0" smtClean="0"/>
+              <a:t>Extract </a:t>
+            </a:r>
+            <a:r>
+              <a:rPr lang="pl-PL" b="1" u="sng" dirty="0" smtClean="0"/>
+              <a:t>all</a:t>
+            </a:r>
+            <a:r>
+              <a:rPr lang="pl-PL" dirty="0" smtClean="0"/>
+              <a:t> objects and properties from CalculationScript</a:t>
+            </a:r>
+          </a:p>
+          <a:p>
+            <a:pPr lvl="1"/>
+            <a:r>
+              <a:rPr lang="pl-PL" dirty="0" smtClean="0"/>
+              <a:t>Connect to *.cube file (XML)</a:t>
+            </a:r>
+          </a:p>
+          <a:p>
+            <a:pPr lvl="1"/>
+            <a:r>
+              <a:rPr lang="pl-PL" dirty="0" smtClean="0"/>
+              <a:t>Connect to SSAS server</a:t>
+            </a:r>
+            <a:endParaRPr lang="pl-PL" dirty="0" smtClean="0"/>
+          </a:p>
+          <a:p>
+            <a:r>
+              <a:rPr lang="pl-PL" dirty="0" smtClean="0"/>
+              <a:t>Keep results in Database (many projects, cubes + full history)</a:t>
+            </a:r>
+          </a:p>
+          <a:p>
+            <a:r>
+              <a:rPr lang="pl-PL" dirty="0" smtClean="0"/>
+              <a:t>Work in both directions</a:t>
+            </a:r>
+          </a:p>
+          <a:p>
+            <a:pPr lvl="1"/>
+            <a:r>
+              <a:rPr lang="pl-PL" dirty="0" smtClean="0"/>
+              <a:t>MDX script generation (formatting, order, comments)</a:t>
+            </a:r>
+          </a:p>
+          <a:p>
+            <a:pPr lvl="1"/>
+            <a:r>
+              <a:rPr lang="pl-PL" dirty="0" smtClean="0"/>
+              <a:t>Documentation</a:t>
+            </a:r>
+          </a:p>
+          <a:p>
+            <a:r>
+              <a:rPr lang="pl-PL" dirty="0" smtClean="0"/>
+              <a:t>dll's</a:t>
+            </a:r>
+            <a:endParaRPr lang="pl-PL" dirty="0"/>
+          </a:p>
+        </p:txBody>
+      </p:sp>
+    </p:spTree>
+    <p:extLst>
+      <p:ext uri="{BB962C8B-B14F-4D97-AF65-F5344CB8AC3E}">
+        <p14:creationId xmlns:p14="http://schemas.microsoft.com/office/powerpoint/2010/main" val="3031551948"/>
+      </p:ext>
+    </p:extLst>
+  </p:cSld>
+  <p:clrMapOvr>
+    <a:masterClrMapping/>
+  </p:clrMapOvr>
+  <p:timing>
+    <p:tnLst>
+      <p:par>
+        <p:cTn id="1" dur="indefinite" restart="never" nodeType="tmRoot"/>
+      </p:par>
+    </p:tnLst>
+  </p:timing>
+</p:sld>
+</file>
+
+<file path=ppt/slides/slide25.xml><?xml version="1.0" encoding="utf-8"?>
+<p:sld xmlns:a="http://schemas.openxmlformats.org/drawingml/2006/main" xmlns:r="http://schemas.openxmlformats.org/officeDocument/2006/relationships" xmlns:p="http://schemas.openxmlformats.org/presentationml/2006/main">
+  <p:cSld>
+    <p:spTree>
+      <p:nvGrpSpPr>
+        <p:cNvPr id="1" name=""/>
+        <p:cNvGrpSpPr/>
+        <p:nvPr/>
+      </p:nvGrpSpPr>
+      <p:grpSpPr>
+        <a:xfrm>
+          <a:off x="0" y="0"/>
+          <a:ext cx="0" cy="0"/>
+          <a:chOff x="0" y="0"/>
+          <a:chExt cx="0" cy="0"/>
+        </a:xfrm>
+      </p:grpSpPr>
+      <p:pic>
+        <p:nvPicPr>
+          <p:cNvPr id="4" name="Picture 3"/>
+          <p:cNvPicPr>
+            <a:picLocks noChangeAspect="1"/>
+          </p:cNvPicPr>
+          <p:nvPr/>
+        </p:nvPicPr>
+        <p:blipFill>
+          <a:blip r:embed="rId2"/>
+          <a:stretch>
+            <a:fillRect/>
+          </a:stretch>
+        </p:blipFill>
+        <p:spPr>
+          <a:xfrm>
+            <a:off x="626075" y="0"/>
+            <a:ext cx="5468006" cy="6858000"/>
+          </a:xfrm>
+          <a:prstGeom prst="rect">
+            <a:avLst/>
+          </a:prstGeom>
+        </p:spPr>
+      </p:pic>
+    </p:spTree>
+    <p:extLst>
+      <p:ext uri="{BB962C8B-B14F-4D97-AF65-F5344CB8AC3E}">
+        <p14:creationId xmlns:p14="http://schemas.microsoft.com/office/powerpoint/2010/main" val="1826160255"/>
+      </p:ext>
+    </p:extLst>
+  </p:cSld>
+  <p:clrMapOvr>
+    <a:masterClrMapping/>
+  </p:clrMapOvr>
+  <p:timing>
+    <p:tnLst>
+      <p:par>
+        <p:cTn id="1" dur="indefinite" restart="never" nodeType="tmRoot"/>
+      </p:par>
+    </p:tnLst>
+  </p:timing>
+</p:sld>
+</file>
+
+<file path=ppt/slides/slide26.xml><?xml version="1.0" encoding="utf-8"?>
+<p:sld xmlns:a="http://schemas.openxmlformats.org/drawingml/2006/main" xmlns:r="http://schemas.openxmlformats.org/officeDocument/2006/relationships" xmlns:p="http://schemas.openxmlformats.org/presentationml/2006/main">
+  <p:cSld>
+    <p:spTree>
+      <p:nvGrpSpPr>
+        <p:cNvPr id="1" name=""/>
+        <p:cNvGrpSpPr/>
+        <p:nvPr/>
+      </p:nvGrpSpPr>
+      <p:grpSpPr>
+        <a:xfrm>
+          <a:off x="0" y="0"/>
+          <a:ext cx="0" cy="0"/>
+          <a:chOff x="0" y="0"/>
+          <a:chExt cx="0" cy="0"/>
+        </a:xfrm>
+      </p:grpSpPr>
+      <p:pic>
+        <p:nvPicPr>
+          <p:cNvPr id="3" name="Picture 2"/>
+          <p:cNvPicPr>
+            <a:picLocks noChangeAspect="1"/>
+          </p:cNvPicPr>
+          <p:nvPr/>
+        </p:nvPicPr>
+        <p:blipFill>
+          <a:blip r:embed="rId2"/>
+          <a:stretch>
+            <a:fillRect/>
+          </a:stretch>
+        </p:blipFill>
+        <p:spPr>
+          <a:xfrm>
+            <a:off x="477793" y="0"/>
+            <a:ext cx="5706337" cy="6858000"/>
+          </a:xfrm>
+          <a:prstGeom prst="rect">
+            <a:avLst/>
+          </a:prstGeom>
+        </p:spPr>
+      </p:pic>
+    </p:spTree>
+    <p:extLst>
+      <p:ext uri="{BB962C8B-B14F-4D97-AF65-F5344CB8AC3E}">
+        <p14:creationId xmlns:p14="http://schemas.microsoft.com/office/powerpoint/2010/main" val="2848127884"/>
+      </p:ext>
+    </p:extLst>
+  </p:cSld>
+  <p:clrMapOvr>
+    <a:masterClrMapping/>
+  </p:clrMapOvr>
+  <p:timing>
+    <p:tnLst>
+      <p:par>
+        <p:cTn id="1" dur="indefinite" restart="never" nodeType="tmRoot"/>
+      </p:par>
+    </p:tnLst>
+  </p:timing>
+</p:sld>
+</file>
+
+<file path=ppt/slides/slide27.xml><?xml version="1.0" encoding="utf-8"?>
+<p:sld xmlns:a="http://schemas.openxmlformats.org/drawingml/2006/main" xmlns:r="http://schemas.openxmlformats.org/officeDocument/2006/relationships" xmlns:p="http://schemas.openxmlformats.org/presentationml/2006/main">
+  <p:cSld>
+    <p:spTree>
+      <p:nvGrpSpPr>
+        <p:cNvPr id="1" name=""/>
+        <p:cNvGrpSpPr/>
+        <p:nvPr/>
+      </p:nvGrpSpPr>
+      <p:grpSpPr>
+        <a:xfrm>
+          <a:off x="0" y="0"/>
+          <a:ext cx="0" cy="0"/>
+          <a:chOff x="0" y="0"/>
+          <a:chExt cx="0" cy="0"/>
+        </a:xfrm>
+      </p:grpSpPr>
       <p:pic>
         <p:nvPicPr>
           <p:cNvPr id="5" name="Picture 4"/>
@@ -7376,6 +7882,231 @@
     <p:extLst>
       <p:ext uri="{BB962C8B-B14F-4D97-AF65-F5344CB8AC3E}">
         <p14:creationId xmlns:p14="http://schemas.microsoft.com/office/powerpoint/2010/main" val="3627034234"/>
+      </p:ext>
+    </p:extLst>
+  </p:cSld>
+  <p:clrMapOvr>
+    <a:masterClrMapping/>
+  </p:clrMapOvr>
+  <p:timing>
+    <p:tnLst>
+      <p:par>
+        <p:cTn id="1" dur="indefinite" restart="never" nodeType="tmRoot"/>
+      </p:par>
+    </p:tnLst>
+  </p:timing>
+</p:sld>
+</file>
+
+<file path=ppt/slides/slide28.xml><?xml version="1.0" encoding="utf-8"?>
+<p:sld xmlns:a="http://schemas.openxmlformats.org/drawingml/2006/main" xmlns:r="http://schemas.openxmlformats.org/officeDocument/2006/relationships" xmlns:p="http://schemas.openxmlformats.org/presentationml/2006/main">
+  <p:cSld>
+    <p:spTree>
+      <p:nvGrpSpPr>
+        <p:cNvPr id="1" name=""/>
+        <p:cNvGrpSpPr/>
+        <p:nvPr/>
+      </p:nvGrpSpPr>
+      <p:grpSpPr>
+        <a:xfrm>
+          <a:off x="0" y="0"/>
+          <a:ext cx="0" cy="0"/>
+          <a:chOff x="0" y="0"/>
+          <a:chExt cx="0" cy="0"/>
+        </a:xfrm>
+      </p:grpSpPr>
+      <p:pic>
+        <p:nvPicPr>
+          <p:cNvPr id="2" name="Picture 1"/>
+          <p:cNvPicPr>
+            <a:picLocks noChangeAspect="1"/>
+          </p:cNvPicPr>
+          <p:nvPr/>
+        </p:nvPicPr>
+        <p:blipFill>
+          <a:blip r:embed="rId2"/>
+          <a:stretch>
+            <a:fillRect/>
+          </a:stretch>
+        </p:blipFill>
+        <p:spPr>
+          <a:xfrm>
+            <a:off x="755821" y="259750"/>
+            <a:ext cx="5029200" cy="6305550"/>
+          </a:xfrm>
+          <a:prstGeom prst="rect">
+            <a:avLst/>
+          </a:prstGeom>
+        </p:spPr>
+      </p:pic>
+      <p:sp>
+        <p:nvSpPr>
+          <p:cNvPr id="3" name="Right Arrow 2"/>
+          <p:cNvSpPr/>
+          <p:nvPr/>
+        </p:nvSpPr>
+        <p:spPr>
+          <a:xfrm flipH="1">
+            <a:off x="2257166" y="996778"/>
+            <a:ext cx="6203092" cy="815546"/>
+          </a:xfrm>
+          <a:prstGeom prst="rightArrow">
+            <a:avLst/>
+          </a:prstGeom>
+        </p:spPr>
+        <p:style>
+          <a:lnRef idx="2">
+            <a:schemeClr val="accent3">
+              <a:shade val="50000"/>
+            </a:schemeClr>
+          </a:lnRef>
+          <a:fillRef idx="1">
+            <a:schemeClr val="accent3"/>
+          </a:fillRef>
+          <a:effectRef idx="0">
+            <a:schemeClr val="accent3"/>
+          </a:effectRef>
+          <a:fontRef idx="minor">
+            <a:schemeClr val="lt1"/>
+          </a:fontRef>
+        </p:style>
+        <p:txBody>
+          <a:bodyPr rtlCol="0" anchor="ctr"/>
+          <a:lstStyle/>
+          <a:p>
+            <a:pPr algn="ctr"/>
+            <a:r>
+              <a:rPr lang="pl-PL" dirty="0" smtClean="0"/>
+              <a:t>Data Model (EF)</a:t>
+            </a:r>
+            <a:endParaRPr lang="pl-PL" dirty="0"/>
+          </a:p>
+        </p:txBody>
+      </p:sp>
+      <p:sp>
+        <p:nvSpPr>
+          <p:cNvPr id="5" name="Right Arrow 4"/>
+          <p:cNvSpPr/>
+          <p:nvPr/>
+        </p:nvSpPr>
+        <p:spPr>
+          <a:xfrm flipH="1">
+            <a:off x="2257166" y="3941805"/>
+            <a:ext cx="6203092" cy="815546"/>
+          </a:xfrm>
+          <a:prstGeom prst="rightArrow">
+            <a:avLst/>
+          </a:prstGeom>
+        </p:spPr>
+        <p:style>
+          <a:lnRef idx="2">
+            <a:schemeClr val="accent4">
+              <a:shade val="50000"/>
+            </a:schemeClr>
+          </a:lnRef>
+          <a:fillRef idx="1">
+            <a:schemeClr val="accent4"/>
+          </a:fillRef>
+          <a:effectRef idx="0">
+            <a:schemeClr val="accent4"/>
+          </a:effectRef>
+          <a:fontRef idx="minor">
+            <a:schemeClr val="lt1"/>
+          </a:fontRef>
+        </p:style>
+        <p:txBody>
+          <a:bodyPr rtlCol="0" anchor="ctr"/>
+          <a:lstStyle/>
+          <a:p>
+            <a:pPr algn="ctr"/>
+            <a:r>
+              <a:rPr lang="pl-PL" dirty="0" smtClean="0"/>
+              <a:t>Parser</a:t>
+            </a:r>
+            <a:endParaRPr lang="pl-PL" dirty="0"/>
+          </a:p>
+        </p:txBody>
+      </p:sp>
+    </p:spTree>
+    <p:extLst>
+      <p:ext uri="{BB962C8B-B14F-4D97-AF65-F5344CB8AC3E}">
+        <p14:creationId xmlns:p14="http://schemas.microsoft.com/office/powerpoint/2010/main" val="3284619045"/>
+      </p:ext>
+    </p:extLst>
+  </p:cSld>
+  <p:clrMapOvr>
+    <a:masterClrMapping/>
+  </p:clrMapOvr>
+</p:sld>
+</file>
+
+<file path=ppt/slides/slide29.xml><?xml version="1.0" encoding="utf-8"?>
+<p:sld xmlns:a="http://schemas.openxmlformats.org/drawingml/2006/main" xmlns:r="http://schemas.openxmlformats.org/officeDocument/2006/relationships" xmlns:p="http://schemas.openxmlformats.org/presentationml/2006/main">
+  <p:cSld>
+    <p:spTree>
+      <p:nvGrpSpPr>
+        <p:cNvPr id="1" name=""/>
+        <p:cNvGrpSpPr/>
+        <p:nvPr/>
+      </p:nvGrpSpPr>
+      <p:grpSpPr>
+        <a:xfrm>
+          <a:off x="0" y="0"/>
+          <a:ext cx="0" cy="0"/>
+          <a:chOff x="0" y="0"/>
+          <a:chExt cx="0" cy="0"/>
+        </a:xfrm>
+      </p:grpSpPr>
+      <p:sp>
+        <p:nvSpPr>
+          <p:cNvPr id="2" name="Title 1"/>
+          <p:cNvSpPr>
+            <a:spLocks noGrp="1"/>
+          </p:cNvSpPr>
+          <p:nvPr>
+            <p:ph type="title"/>
+          </p:nvPr>
+        </p:nvSpPr>
+        <p:spPr/>
+        <p:txBody>
+          <a:bodyPr/>
+          <a:lstStyle/>
+          <a:p>
+            <a:r>
+              <a:rPr lang="pl-PL" dirty="0" smtClean="0"/>
+              <a:t>demo #</a:t>
+            </a:r>
+            <a:r>
+              <a:rPr lang="pl-PL" dirty="0" smtClean="0"/>
+              <a:t>03</a:t>
+            </a:r>
+            <a:endParaRPr lang="pl-PL" dirty="0"/>
+          </a:p>
+        </p:txBody>
+      </p:sp>
+      <p:sp>
+        <p:nvSpPr>
+          <p:cNvPr id="3" name="Text Placeholder 2"/>
+          <p:cNvSpPr>
+            <a:spLocks noGrp="1"/>
+          </p:cNvSpPr>
+          <p:nvPr>
+            <p:ph type="body" idx="1"/>
+          </p:nvPr>
+        </p:nvSpPr>
+        <p:spPr/>
+        <p:txBody>
+          <a:bodyPr/>
+          <a:lstStyle/>
+          <a:p>
+            <a:endParaRPr lang="pl-PL" dirty="0"/>
+          </a:p>
+        </p:txBody>
+      </p:sp>
+    </p:spTree>
+    <p:extLst>
+      <p:ext uri="{BB962C8B-B14F-4D97-AF65-F5344CB8AC3E}">
+        <p14:creationId xmlns:p14="http://schemas.microsoft.com/office/powerpoint/2010/main" val="1177024990"/>
       </p:ext>
     </p:extLst>
   </p:cSld>
@@ -7806,6 +8537,150 @@
       </p:par>
     </p:tnLst>
   </p:timing>
+</p:sld>
+</file>
+
+<file path=ppt/slides/slide30.xml><?xml version="1.0" encoding="utf-8"?>
+<p:sld xmlns:a="http://schemas.openxmlformats.org/drawingml/2006/main" xmlns:r="http://schemas.openxmlformats.org/officeDocument/2006/relationships" xmlns:p="http://schemas.openxmlformats.org/presentationml/2006/main">
+  <p:cSld>
+    <p:spTree>
+      <p:nvGrpSpPr>
+        <p:cNvPr id="1" name=""/>
+        <p:cNvGrpSpPr/>
+        <p:nvPr/>
+      </p:nvGrpSpPr>
+      <p:grpSpPr>
+        <a:xfrm>
+          <a:off x="0" y="0"/>
+          <a:ext cx="0" cy="0"/>
+          <a:chOff x="0" y="0"/>
+          <a:chExt cx="0" cy="0"/>
+        </a:xfrm>
+      </p:grpSpPr>
+      <p:pic>
+        <p:nvPicPr>
+          <p:cNvPr id="2" name="Picture 1"/>
+          <p:cNvPicPr>
+            <a:picLocks noChangeAspect="1"/>
+          </p:cNvPicPr>
+          <p:nvPr/>
+        </p:nvPicPr>
+        <p:blipFill>
+          <a:blip r:embed="rId2"/>
+          <a:stretch>
+            <a:fillRect/>
+          </a:stretch>
+        </p:blipFill>
+        <p:spPr>
+          <a:xfrm>
+            <a:off x="780406" y="1141970"/>
+            <a:ext cx="3629025" cy="4343400"/>
+          </a:xfrm>
+          <a:prstGeom prst="rect">
+            <a:avLst/>
+          </a:prstGeom>
+        </p:spPr>
+      </p:pic>
+    </p:spTree>
+    <p:extLst>
+      <p:ext uri="{BB962C8B-B14F-4D97-AF65-F5344CB8AC3E}">
+        <p14:creationId xmlns:p14="http://schemas.microsoft.com/office/powerpoint/2010/main" val="734537210"/>
+      </p:ext>
+    </p:extLst>
+  </p:cSld>
+  <p:clrMapOvr>
+    <a:masterClrMapping/>
+  </p:clrMapOvr>
+</p:sld>
+</file>
+
+<file path=ppt/slides/slide31.xml><?xml version="1.0" encoding="utf-8"?>
+<p:sld xmlns:a="http://schemas.openxmlformats.org/drawingml/2006/main" xmlns:r="http://schemas.openxmlformats.org/officeDocument/2006/relationships" xmlns:p="http://schemas.openxmlformats.org/presentationml/2006/main">
+  <p:cSld>
+    <p:spTree>
+      <p:nvGrpSpPr>
+        <p:cNvPr id="1" name=""/>
+        <p:cNvGrpSpPr/>
+        <p:nvPr/>
+      </p:nvGrpSpPr>
+      <p:grpSpPr>
+        <a:xfrm>
+          <a:off x="0" y="0"/>
+          <a:ext cx="0" cy="0"/>
+          <a:chOff x="0" y="0"/>
+          <a:chExt cx="0" cy="0"/>
+        </a:xfrm>
+      </p:grpSpPr>
+    </p:spTree>
+    <p:extLst>
+      <p:ext uri="{BB962C8B-B14F-4D97-AF65-F5344CB8AC3E}">
+        <p14:creationId xmlns:p14="http://schemas.microsoft.com/office/powerpoint/2010/main" val="186425334"/>
+      </p:ext>
+    </p:extLst>
+  </p:cSld>
+  <p:clrMapOvr>
+    <a:masterClrMapping/>
+  </p:clrMapOvr>
+</p:sld>
+</file>
+
+<file path=ppt/slides/slide32.xml><?xml version="1.0" encoding="utf-8"?>
+<p:sld xmlns:a="http://schemas.openxmlformats.org/drawingml/2006/main" xmlns:r="http://schemas.openxmlformats.org/officeDocument/2006/relationships" xmlns:p="http://schemas.openxmlformats.org/presentationml/2006/main">
+  <p:cSld>
+    <p:spTree>
+      <p:nvGrpSpPr>
+        <p:cNvPr id="1" name=""/>
+        <p:cNvGrpSpPr/>
+        <p:nvPr/>
+      </p:nvGrpSpPr>
+      <p:grpSpPr>
+        <a:xfrm>
+          <a:off x="0" y="0"/>
+          <a:ext cx="0" cy="0"/>
+          <a:chOff x="0" y="0"/>
+          <a:chExt cx="0" cy="0"/>
+        </a:xfrm>
+      </p:grpSpPr>
+    </p:spTree>
+    <p:extLst>
+      <p:ext uri="{BB962C8B-B14F-4D97-AF65-F5344CB8AC3E}">
+        <p14:creationId xmlns:p14="http://schemas.microsoft.com/office/powerpoint/2010/main" val="185012458"/>
+      </p:ext>
+    </p:extLst>
+  </p:cSld>
+  <p:clrMapOvr>
+    <a:masterClrMapping/>
+  </p:clrMapOvr>
+</p:sld>
+</file>
+
+<file path=ppt/slides/slide33.xml><?xml version="1.0" encoding="utf-8"?>
+<p:sld xmlns:a="http://schemas.openxmlformats.org/drawingml/2006/main" xmlns:r="http://schemas.openxmlformats.org/officeDocument/2006/relationships" xmlns:p="http://schemas.openxmlformats.org/presentationml/2006/main">
+  <p:cSld>
+    <p:spTree>
+      <p:nvGrpSpPr>
+        <p:cNvPr id="1" name=""/>
+        <p:cNvGrpSpPr/>
+        <p:nvPr/>
+      </p:nvGrpSpPr>
+      <p:grpSpPr>
+        <a:xfrm>
+          <a:off x="0" y="0"/>
+          <a:ext cx="0" cy="0"/>
+          <a:chOff x="0" y="0"/>
+          <a:chExt cx="0" cy="0"/>
+        </a:xfrm>
+      </p:grpSpPr>
+    </p:spTree>
+    <p:extLst>
+      <p:ext uri="{BB962C8B-B14F-4D97-AF65-F5344CB8AC3E}">
+        <p14:creationId xmlns:p14="http://schemas.microsoft.com/office/powerpoint/2010/main" val="784504047"/>
+      </p:ext>
+    </p:extLst>
+  </p:cSld>
+  <p:clrMapOvr>
+    <a:masterClrMapping/>
+  </p:clrMapOvr>
 </p:sld>
 </file>
 
@@ -8483,22 +9358,43 @@
       </p:grpSpPr>
       <p:sp>
         <p:nvSpPr>
-          <p:cNvPr id="2" name="Title 1"/>
-          <p:cNvSpPr>
-            <a:spLocks noGrp="1"/>
-          </p:cNvSpPr>
-          <p:nvPr>
-            <p:ph type="title"/>
-          </p:nvPr>
-        </p:nvSpPr>
-        <p:spPr/>
-        <p:txBody>
-          <a:bodyPr/>
-          <a:lstStyle/>
-          <a:p>
+          <p:cNvPr id="2" name="Cube 1"/>
+          <p:cNvSpPr/>
+          <p:nvPr/>
+        </p:nvSpPr>
+        <p:spPr>
+          <a:xfrm>
+            <a:off x="7797112" y="981362"/>
+            <a:ext cx="1120346" cy="1571365"/>
+          </a:xfrm>
+          <a:prstGeom prst="cube">
+            <a:avLst/>
+          </a:prstGeom>
+        </p:spPr>
+        <p:style>
+          <a:lnRef idx="2">
+            <a:schemeClr val="accent3">
+              <a:shade val="50000"/>
+            </a:schemeClr>
+          </a:lnRef>
+          <a:fillRef idx="1">
+            <a:schemeClr val="accent3"/>
+          </a:fillRef>
+          <a:effectRef idx="0">
+            <a:schemeClr val="accent3"/>
+          </a:effectRef>
+          <a:fontRef idx="minor">
+            <a:schemeClr val="lt1"/>
+          </a:fontRef>
+        </p:style>
+        <p:txBody>
+          <a:bodyPr rtlCol="0" anchor="ctr"/>
+          <a:lstStyle/>
+          <a:p>
+            <a:pPr algn="ctr"/>
             <a:r>
               <a:rPr lang="pl-PL" dirty="0" smtClean="0"/>
-              <a:t>Co trzeba porównać</a:t>
+              <a:t>OLAP MD</a:t>
             </a:r>
             <a:endParaRPr lang="pl-PL" dirty="0"/>
           </a:p>
@@ -8506,55 +9402,582 @@
       </p:sp>
       <p:sp>
         <p:nvSpPr>
-          <p:cNvPr id="3" name="Content Placeholder 2"/>
-          <p:cNvSpPr>
-            <a:spLocks noGrp="1"/>
-          </p:cNvSpPr>
-          <p:nvPr>
-            <p:ph idx="1"/>
-          </p:nvPr>
-        </p:nvSpPr>
-        <p:spPr/>
-        <p:txBody>
-          <a:bodyPr/>
-          <a:lstStyle/>
-          <a:p>
+          <p:cNvPr id="3" name="Can 2"/>
+          <p:cNvSpPr/>
+          <p:nvPr/>
+        </p:nvSpPr>
+        <p:spPr>
+          <a:xfrm>
+            <a:off x="2324599" y="1359083"/>
+            <a:ext cx="1563198" cy="815922"/>
+          </a:xfrm>
+          <a:prstGeom prst="can">
+            <a:avLst/>
+          </a:prstGeom>
+        </p:spPr>
+        <p:style>
+          <a:lnRef idx="2">
+            <a:schemeClr val="accent6">
+              <a:shade val="50000"/>
+            </a:schemeClr>
+          </a:lnRef>
+          <a:fillRef idx="1">
+            <a:schemeClr val="accent6"/>
+          </a:fillRef>
+          <a:effectRef idx="0">
+            <a:schemeClr val="accent6"/>
+          </a:effectRef>
+          <a:fontRef idx="minor">
+            <a:schemeClr val="lt1"/>
+          </a:fontRef>
+        </p:style>
+        <p:txBody>
+          <a:bodyPr rtlCol="0" anchor="ctr"/>
+          <a:lstStyle/>
+          <a:p>
+            <a:pPr algn="ctr"/>
             <a:r>
               <a:rPr lang="pl-PL" dirty="0" smtClean="0"/>
-              <a:t>ETL (source =&gt; staging)</a:t>
-            </a:r>
-          </a:p>
-          <a:p>
+              <a:t>ERP System</a:t>
+            </a:r>
+            <a:endParaRPr lang="pl-PL" dirty="0"/>
+          </a:p>
+        </p:txBody>
+      </p:sp>
+      <p:sp>
+        <p:nvSpPr>
+          <p:cNvPr id="4" name="Can 3"/>
+          <p:cNvSpPr/>
+          <p:nvPr/>
+        </p:nvSpPr>
+        <p:spPr>
+          <a:xfrm>
+            <a:off x="5590434" y="1136821"/>
+            <a:ext cx="1496896" cy="1260449"/>
+          </a:xfrm>
+          <a:prstGeom prst="can">
+            <a:avLst/>
+          </a:prstGeom>
+        </p:spPr>
+        <p:style>
+          <a:lnRef idx="2">
+            <a:schemeClr val="accent1">
+              <a:shade val="50000"/>
+            </a:schemeClr>
+          </a:lnRef>
+          <a:fillRef idx="1">
+            <a:schemeClr val="accent1"/>
+          </a:fillRef>
+          <a:effectRef idx="0">
+            <a:schemeClr val="accent1"/>
+          </a:effectRef>
+          <a:fontRef idx="minor">
+            <a:schemeClr val="lt1"/>
+          </a:fontRef>
+        </p:style>
+        <p:txBody>
+          <a:bodyPr rtlCol="0" anchor="ctr"/>
+          <a:lstStyle/>
+          <a:p>
+            <a:pPr algn="ctr"/>
             <a:r>
               <a:rPr lang="pl-PL" dirty="0" smtClean="0"/>
-              <a:t>Staging DB</a:t>
-            </a:r>
-          </a:p>
-          <a:p>
+              <a:t>Data Mart</a:t>
+            </a:r>
+            <a:endParaRPr lang="pl-PL" dirty="0"/>
+          </a:p>
+        </p:txBody>
+      </p:sp>
+      <p:sp>
+        <p:nvSpPr>
+          <p:cNvPr id="8" name="Right Arrow 7"/>
+          <p:cNvSpPr/>
+          <p:nvPr/>
+        </p:nvSpPr>
+        <p:spPr>
+          <a:xfrm>
+            <a:off x="4013955" y="1530116"/>
+            <a:ext cx="1513634" cy="475921"/>
+          </a:xfrm>
+          <a:prstGeom prst="rightArrow">
+            <a:avLst/>
+          </a:prstGeom>
+        </p:spPr>
+        <p:style>
+          <a:lnRef idx="2">
+            <a:schemeClr val="accent2">
+              <a:shade val="50000"/>
+            </a:schemeClr>
+          </a:lnRef>
+          <a:fillRef idx="1">
+            <a:schemeClr val="accent2"/>
+          </a:fillRef>
+          <a:effectRef idx="0">
+            <a:schemeClr val="accent2"/>
+          </a:effectRef>
+          <a:fontRef idx="minor">
+            <a:schemeClr val="lt1"/>
+          </a:fontRef>
+        </p:style>
+        <p:txBody>
+          <a:bodyPr rtlCol="0" anchor="ctr"/>
+          <a:lstStyle/>
+          <a:p>
+            <a:pPr algn="ctr"/>
             <a:r>
               <a:rPr lang="pl-PL" dirty="0" smtClean="0"/>
-              <a:t>ETL (staging =&gt; DM)</a:t>
-            </a:r>
-          </a:p>
-          <a:p>
+              <a:t>ETL</a:t>
+            </a:r>
+            <a:endParaRPr lang="pl-PL" dirty="0"/>
+          </a:p>
+        </p:txBody>
+      </p:sp>
+      <p:sp>
+        <p:nvSpPr>
+          <p:cNvPr id="5" name="TextBox 4"/>
+          <p:cNvSpPr txBox="1"/>
+          <p:nvPr/>
+        </p:nvSpPr>
+        <p:spPr>
+          <a:xfrm>
+            <a:off x="535460" y="1583410"/>
+            <a:ext cx="2092411" cy="369332"/>
+          </a:xfrm>
+          <a:prstGeom prst="rect">
+            <a:avLst/>
+          </a:prstGeom>
+          <a:noFill/>
+        </p:spPr>
+        <p:txBody>
+          <a:bodyPr wrap="square" rtlCol="0">
+            <a:spAutoFit/>
+          </a:bodyPr>
+          <a:lstStyle/>
+          <a:p>
+            <a:r>
+              <a:rPr lang="pl-PL" b="1" i="1" dirty="0" smtClean="0"/>
+              <a:t>Customer A</a:t>
+            </a:r>
+            <a:endParaRPr lang="pl-PL" b="1" i="1" dirty="0"/>
+          </a:p>
+        </p:txBody>
+      </p:sp>
+      <p:sp>
+        <p:nvSpPr>
+          <p:cNvPr id="21" name="Cube 20"/>
+          <p:cNvSpPr/>
+          <p:nvPr/>
+        </p:nvSpPr>
+        <p:spPr>
+          <a:xfrm>
+            <a:off x="7694139" y="2971798"/>
+            <a:ext cx="1326291" cy="1011257"/>
+          </a:xfrm>
+          <a:prstGeom prst="cube">
+            <a:avLst/>
+          </a:prstGeom>
+        </p:spPr>
+        <p:style>
+          <a:lnRef idx="2">
+            <a:schemeClr val="accent3">
+              <a:shade val="50000"/>
+            </a:schemeClr>
+          </a:lnRef>
+          <a:fillRef idx="1">
+            <a:schemeClr val="accent3"/>
+          </a:fillRef>
+          <a:effectRef idx="0">
+            <a:schemeClr val="accent3"/>
+          </a:effectRef>
+          <a:fontRef idx="minor">
+            <a:schemeClr val="lt1"/>
+          </a:fontRef>
+        </p:style>
+        <p:txBody>
+          <a:bodyPr rtlCol="0" anchor="ctr"/>
+          <a:lstStyle/>
+          <a:p>
+            <a:pPr algn="ctr"/>
             <a:r>
               <a:rPr lang="pl-PL" dirty="0" smtClean="0"/>
-              <a:t>Reports</a:t>
-            </a:r>
-          </a:p>
-          <a:p>
+              <a:t>OLAP MD</a:t>
+            </a:r>
+            <a:endParaRPr lang="pl-PL" dirty="0"/>
+          </a:p>
+        </p:txBody>
+      </p:sp>
+      <p:sp>
+        <p:nvSpPr>
+          <p:cNvPr id="22" name="Can 21"/>
+          <p:cNvSpPr/>
+          <p:nvPr/>
+        </p:nvSpPr>
+        <p:spPr>
+          <a:xfrm>
+            <a:off x="2522307" y="2749376"/>
+            <a:ext cx="1167781" cy="1456100"/>
+          </a:xfrm>
+          <a:prstGeom prst="can">
+            <a:avLst/>
+          </a:prstGeom>
+        </p:spPr>
+        <p:style>
+          <a:lnRef idx="2">
+            <a:schemeClr val="accent6">
+              <a:shade val="50000"/>
+            </a:schemeClr>
+          </a:lnRef>
+          <a:fillRef idx="1">
+            <a:schemeClr val="accent6"/>
+          </a:fillRef>
+          <a:effectRef idx="0">
+            <a:schemeClr val="accent6"/>
+          </a:effectRef>
+          <a:fontRef idx="minor">
+            <a:schemeClr val="lt1"/>
+          </a:fontRef>
+        </p:style>
+        <p:txBody>
+          <a:bodyPr rtlCol="0" anchor="ctr"/>
+          <a:lstStyle/>
+          <a:p>
+            <a:pPr algn="ctr"/>
             <a:r>
               <a:rPr lang="pl-PL" dirty="0" smtClean="0"/>
-              <a:t>OLAP (dimensions, measure groups, MDX Calculation Script)</a:t>
+              <a:t>ERP System</a:t>
             </a:r>
             <a:endParaRPr lang="pl-PL" dirty="0"/>
+          </a:p>
+        </p:txBody>
+      </p:sp>
+      <p:sp>
+        <p:nvSpPr>
+          <p:cNvPr id="23" name="Can 22"/>
+          <p:cNvSpPr/>
+          <p:nvPr/>
+        </p:nvSpPr>
+        <p:spPr>
+          <a:xfrm>
+            <a:off x="5414650" y="2846172"/>
+            <a:ext cx="1848465" cy="1262512"/>
+          </a:xfrm>
+          <a:prstGeom prst="can">
+            <a:avLst/>
+          </a:prstGeom>
+        </p:spPr>
+        <p:style>
+          <a:lnRef idx="2">
+            <a:schemeClr val="accent1">
+              <a:shade val="50000"/>
+            </a:schemeClr>
+          </a:lnRef>
+          <a:fillRef idx="1">
+            <a:schemeClr val="accent1"/>
+          </a:fillRef>
+          <a:effectRef idx="0">
+            <a:schemeClr val="accent1"/>
+          </a:effectRef>
+          <a:fontRef idx="minor">
+            <a:schemeClr val="lt1"/>
+          </a:fontRef>
+        </p:style>
+        <p:txBody>
+          <a:bodyPr rtlCol="0" anchor="ctr"/>
+          <a:lstStyle/>
+          <a:p>
+            <a:pPr algn="ctr"/>
+            <a:r>
+              <a:rPr lang="pl-PL" dirty="0" smtClean="0"/>
+              <a:t>Data Mart</a:t>
+            </a:r>
+            <a:endParaRPr lang="pl-PL" dirty="0"/>
+          </a:p>
+        </p:txBody>
+      </p:sp>
+      <p:sp>
+        <p:nvSpPr>
+          <p:cNvPr id="24" name="Right Arrow 23"/>
+          <p:cNvSpPr/>
+          <p:nvPr/>
+        </p:nvSpPr>
+        <p:spPr>
+          <a:xfrm>
+            <a:off x="4013955" y="3239467"/>
+            <a:ext cx="1324163" cy="475921"/>
+          </a:xfrm>
+          <a:prstGeom prst="rightArrow">
+            <a:avLst/>
+          </a:prstGeom>
+        </p:spPr>
+        <p:style>
+          <a:lnRef idx="2">
+            <a:schemeClr val="accent2">
+              <a:shade val="50000"/>
+            </a:schemeClr>
+          </a:lnRef>
+          <a:fillRef idx="1">
+            <a:schemeClr val="accent2"/>
+          </a:fillRef>
+          <a:effectRef idx="0">
+            <a:schemeClr val="accent2"/>
+          </a:effectRef>
+          <a:fontRef idx="minor">
+            <a:schemeClr val="lt1"/>
+          </a:fontRef>
+        </p:style>
+        <p:txBody>
+          <a:bodyPr rtlCol="0" anchor="ctr"/>
+          <a:lstStyle/>
+          <a:p>
+            <a:pPr algn="ctr"/>
+            <a:r>
+              <a:rPr lang="pl-PL" dirty="0" smtClean="0"/>
+              <a:t>ETL</a:t>
+            </a:r>
+            <a:endParaRPr lang="pl-PL" dirty="0"/>
+          </a:p>
+        </p:txBody>
+      </p:sp>
+      <p:sp>
+        <p:nvSpPr>
+          <p:cNvPr id="25" name="TextBox 24"/>
+          <p:cNvSpPr txBox="1"/>
+          <p:nvPr/>
+        </p:nvSpPr>
+        <p:spPr>
+          <a:xfrm>
+            <a:off x="535460" y="3292761"/>
+            <a:ext cx="2092411" cy="369332"/>
+          </a:xfrm>
+          <a:prstGeom prst="rect">
+            <a:avLst/>
+          </a:prstGeom>
+          <a:noFill/>
+        </p:spPr>
+        <p:txBody>
+          <a:bodyPr wrap="square" rtlCol="0">
+            <a:spAutoFit/>
+          </a:bodyPr>
+          <a:lstStyle/>
+          <a:p>
+            <a:r>
+              <a:rPr lang="pl-PL" b="1" i="1" dirty="0" smtClean="0"/>
+              <a:t>Customer B</a:t>
+            </a:r>
+            <a:endParaRPr lang="pl-PL" b="1" i="1" dirty="0"/>
+          </a:p>
+        </p:txBody>
+      </p:sp>
+      <p:sp>
+        <p:nvSpPr>
+          <p:cNvPr id="26" name="Cube 25"/>
+          <p:cNvSpPr/>
+          <p:nvPr/>
+        </p:nvSpPr>
+        <p:spPr>
+          <a:xfrm>
+            <a:off x="7339646" y="4530804"/>
+            <a:ext cx="1757317" cy="1260449"/>
+          </a:xfrm>
+          <a:prstGeom prst="cube">
+            <a:avLst/>
+          </a:prstGeom>
+        </p:spPr>
+        <p:style>
+          <a:lnRef idx="2">
+            <a:schemeClr val="accent3">
+              <a:shade val="50000"/>
+            </a:schemeClr>
+          </a:lnRef>
+          <a:fillRef idx="1">
+            <a:schemeClr val="accent3"/>
+          </a:fillRef>
+          <a:effectRef idx="0">
+            <a:schemeClr val="accent3"/>
+          </a:effectRef>
+          <a:fontRef idx="minor">
+            <a:schemeClr val="lt1"/>
+          </a:fontRef>
+        </p:style>
+        <p:txBody>
+          <a:bodyPr rtlCol="0" anchor="ctr"/>
+          <a:lstStyle/>
+          <a:p>
+            <a:pPr algn="ctr"/>
+            <a:r>
+              <a:rPr lang="pl-PL" dirty="0" smtClean="0"/>
+              <a:t>OLAP MD</a:t>
+            </a:r>
+            <a:endParaRPr lang="pl-PL" dirty="0"/>
+          </a:p>
+        </p:txBody>
+      </p:sp>
+      <p:sp>
+        <p:nvSpPr>
+          <p:cNvPr id="27" name="Can 26"/>
+          <p:cNvSpPr/>
+          <p:nvPr/>
+        </p:nvSpPr>
+        <p:spPr>
+          <a:xfrm>
+            <a:off x="2386384" y="4555521"/>
+            <a:ext cx="1423154" cy="1262512"/>
+          </a:xfrm>
+          <a:prstGeom prst="can">
+            <a:avLst/>
+          </a:prstGeom>
+        </p:spPr>
+        <p:style>
+          <a:lnRef idx="2">
+            <a:schemeClr val="accent6">
+              <a:shade val="50000"/>
+            </a:schemeClr>
+          </a:lnRef>
+          <a:fillRef idx="1">
+            <a:schemeClr val="accent6"/>
+          </a:fillRef>
+          <a:effectRef idx="0">
+            <a:schemeClr val="accent6"/>
+          </a:effectRef>
+          <a:fontRef idx="minor">
+            <a:schemeClr val="lt1"/>
+          </a:fontRef>
+        </p:style>
+        <p:txBody>
+          <a:bodyPr rtlCol="0" anchor="ctr"/>
+          <a:lstStyle/>
+          <a:p>
+            <a:pPr algn="ctr"/>
+            <a:r>
+              <a:rPr lang="pl-PL" dirty="0" smtClean="0"/>
+              <a:t>ERP System</a:t>
+            </a:r>
+            <a:endParaRPr lang="pl-PL" dirty="0"/>
+          </a:p>
+        </p:txBody>
+      </p:sp>
+      <p:sp>
+        <p:nvSpPr>
+          <p:cNvPr id="28" name="Can 27"/>
+          <p:cNvSpPr/>
+          <p:nvPr/>
+        </p:nvSpPr>
+        <p:spPr>
+          <a:xfrm>
+            <a:off x="5746953" y="4407241"/>
+            <a:ext cx="1183858" cy="1559073"/>
+          </a:xfrm>
+          <a:prstGeom prst="can">
+            <a:avLst/>
+          </a:prstGeom>
+        </p:spPr>
+        <p:style>
+          <a:lnRef idx="2">
+            <a:schemeClr val="accent1">
+              <a:shade val="50000"/>
+            </a:schemeClr>
+          </a:lnRef>
+          <a:fillRef idx="1">
+            <a:schemeClr val="accent1"/>
+          </a:fillRef>
+          <a:effectRef idx="0">
+            <a:schemeClr val="accent1"/>
+          </a:effectRef>
+          <a:fontRef idx="minor">
+            <a:schemeClr val="lt1"/>
+          </a:fontRef>
+        </p:style>
+        <p:txBody>
+          <a:bodyPr rtlCol="0" anchor="ctr"/>
+          <a:lstStyle/>
+          <a:p>
+            <a:pPr algn="ctr"/>
+            <a:r>
+              <a:rPr lang="pl-PL" dirty="0" smtClean="0"/>
+              <a:t>Data Mart</a:t>
+            </a:r>
+            <a:endParaRPr lang="pl-PL" dirty="0"/>
+          </a:p>
+        </p:txBody>
+      </p:sp>
+      <p:sp>
+        <p:nvSpPr>
+          <p:cNvPr id="29" name="Right Arrow 28"/>
+          <p:cNvSpPr/>
+          <p:nvPr/>
+        </p:nvSpPr>
+        <p:spPr>
+          <a:xfrm>
+            <a:off x="4013954" y="4819135"/>
+            <a:ext cx="1513635" cy="671507"/>
+          </a:xfrm>
+          <a:prstGeom prst="rightArrow">
+            <a:avLst/>
+          </a:prstGeom>
+        </p:spPr>
+        <p:style>
+          <a:lnRef idx="2">
+            <a:schemeClr val="accent2">
+              <a:shade val="50000"/>
+            </a:schemeClr>
+          </a:lnRef>
+          <a:fillRef idx="1">
+            <a:schemeClr val="accent2"/>
+          </a:fillRef>
+          <a:effectRef idx="0">
+            <a:schemeClr val="accent2"/>
+          </a:effectRef>
+          <a:fontRef idx="minor">
+            <a:schemeClr val="lt1"/>
+          </a:fontRef>
+        </p:style>
+        <p:txBody>
+          <a:bodyPr rtlCol="0" anchor="ctr"/>
+          <a:lstStyle/>
+          <a:p>
+            <a:pPr algn="ctr"/>
+            <a:r>
+              <a:rPr lang="pl-PL" dirty="0" smtClean="0"/>
+              <a:t>ETL</a:t>
+            </a:r>
+            <a:endParaRPr lang="pl-PL" dirty="0"/>
+          </a:p>
+        </p:txBody>
+      </p:sp>
+      <p:sp>
+        <p:nvSpPr>
+          <p:cNvPr id="30" name="TextBox 29"/>
+          <p:cNvSpPr txBox="1"/>
+          <p:nvPr/>
+        </p:nvSpPr>
+        <p:spPr>
+          <a:xfrm>
+            <a:off x="535460" y="5002112"/>
+            <a:ext cx="2092411" cy="369332"/>
+          </a:xfrm>
+          <a:prstGeom prst="rect">
+            <a:avLst/>
+          </a:prstGeom>
+          <a:noFill/>
+        </p:spPr>
+        <p:txBody>
+          <a:bodyPr wrap="square" rtlCol="0">
+            <a:spAutoFit/>
+          </a:bodyPr>
+          <a:lstStyle/>
+          <a:p>
+            <a:r>
+              <a:rPr lang="pl-PL" b="1" i="1" dirty="0" smtClean="0"/>
+              <a:t>Customer C</a:t>
+            </a:r>
+            <a:endParaRPr lang="pl-PL" b="1" i="1" dirty="0"/>
           </a:p>
         </p:txBody>
       </p:sp>
     </p:spTree>
     <p:extLst>
       <p:ext uri="{BB962C8B-B14F-4D97-AF65-F5344CB8AC3E}">
-        <p14:creationId xmlns:p14="http://schemas.microsoft.com/office/powerpoint/2010/main" val="220720638"/>
+        <p14:creationId xmlns:p14="http://schemas.microsoft.com/office/powerpoint/2010/main" val="216925924"/>
       </p:ext>
     </p:extLst>
   </p:cSld>
@@ -8605,6 +10028,113 @@
           <a:p>
             <a:r>
               <a:rPr lang="pl-PL" dirty="0" smtClean="0"/>
+              <a:t>Co trzeba porównać</a:t>
+            </a:r>
+            <a:endParaRPr lang="pl-PL" dirty="0"/>
+          </a:p>
+        </p:txBody>
+      </p:sp>
+      <p:sp>
+        <p:nvSpPr>
+          <p:cNvPr id="3" name="Content Placeholder 2"/>
+          <p:cNvSpPr>
+            <a:spLocks noGrp="1"/>
+          </p:cNvSpPr>
+          <p:nvPr>
+            <p:ph idx="1"/>
+          </p:nvPr>
+        </p:nvSpPr>
+        <p:spPr/>
+        <p:txBody>
+          <a:bodyPr/>
+          <a:lstStyle/>
+          <a:p>
+            <a:r>
+              <a:rPr lang="pl-PL" dirty="0" smtClean="0"/>
+              <a:t>ETL (source =&gt; staging)</a:t>
+            </a:r>
+          </a:p>
+          <a:p>
+            <a:r>
+              <a:rPr lang="pl-PL" dirty="0" smtClean="0"/>
+              <a:t>Staging DB</a:t>
+            </a:r>
+          </a:p>
+          <a:p>
+            <a:r>
+              <a:rPr lang="pl-PL" dirty="0" smtClean="0"/>
+              <a:t>ETL (staging =&gt; DM)</a:t>
+            </a:r>
+          </a:p>
+          <a:p>
+            <a:r>
+              <a:rPr lang="pl-PL" dirty="0" smtClean="0"/>
+              <a:t>Reports</a:t>
+            </a:r>
+          </a:p>
+          <a:p>
+            <a:r>
+              <a:rPr lang="pl-PL" dirty="0" smtClean="0"/>
+              <a:t>OLAP (dimensions, measure groups, MDX Calculation Script)</a:t>
+            </a:r>
+            <a:endParaRPr lang="pl-PL" dirty="0"/>
+          </a:p>
+        </p:txBody>
+      </p:sp>
+    </p:spTree>
+    <p:extLst>
+      <p:ext uri="{BB962C8B-B14F-4D97-AF65-F5344CB8AC3E}">
+        <p14:creationId xmlns:p14="http://schemas.microsoft.com/office/powerpoint/2010/main" val="220720638"/>
+      </p:ext>
+    </p:extLst>
+  </p:cSld>
+  <p:clrMapOvr>
+    <a:masterClrMapping/>
+  </p:clrMapOvr>
+  <p:timing>
+    <p:tnLst>
+      <p:par>
+        <p:cTn id="1" dur="indefinite" restart="never" nodeType="tmRoot"/>
+      </p:par>
+    </p:tnLst>
+  </p:timing>
+</p:sld>
+</file>
+
+<file path=ppt/slides/slide7.xml><?xml version="1.0" encoding="utf-8"?>
+<p:sld xmlns:a="http://schemas.openxmlformats.org/drawingml/2006/main" xmlns:r="http://schemas.openxmlformats.org/officeDocument/2006/relationships" xmlns:p="http://schemas.openxmlformats.org/presentationml/2006/main">
+  <p:cSld>
+    <p:spTree>
+      <p:nvGrpSpPr>
+        <p:cNvPr id="1" name=""/>
+        <p:cNvGrpSpPr/>
+        <p:nvPr/>
+      </p:nvGrpSpPr>
+      <p:grpSpPr>
+        <a:xfrm>
+          <a:off x="0" y="0"/>
+          <a:ext cx="0" cy="0"/>
+          <a:chOff x="0" y="0"/>
+          <a:chExt cx="0" cy="0"/>
+        </a:xfrm>
+      </p:grpSpPr>
+      <p:sp>
+        <p:nvSpPr>
+          <p:cNvPr id="2" name="Title 1"/>
+          <p:cNvSpPr>
+            <a:spLocks noGrp="1"/>
+          </p:cNvSpPr>
+          <p:nvPr>
+            <p:ph type="title"/>
+          </p:nvPr>
+        </p:nvSpPr>
+        <p:spPr/>
+        <p:txBody>
+          <a:bodyPr/>
+          <a:lstStyle/>
+          <a:p>
+            <a:r>
+              <a:rPr lang="pl-PL" dirty="0" smtClean="0"/>
               <a:t>ETL (staging)</a:t>
             </a:r>
             <a:endParaRPr lang="pl-PL" dirty="0"/>
@@ -8705,7 +10235,7 @@
 </p:sld>
 </file>
 
-<file path=ppt/slides/slide7.xml><?xml version="1.0" encoding="utf-8"?>
+<file path=ppt/slides/slide8.xml><?xml version="1.0" encoding="utf-8"?>
 <p:sld xmlns:a="http://schemas.openxmlformats.org/drawingml/2006/main" xmlns:r="http://schemas.openxmlformats.org/officeDocument/2006/relationships" xmlns:p="http://schemas.openxmlformats.org/presentationml/2006/main">
   <p:cSld>
     <p:spTree>
@@ -9185,102 +10715,6 @@
 </p:sld>
 </file>
 
-<file path=ppt/slides/slide8.xml><?xml version="1.0" encoding="utf-8"?>
-<p:sld xmlns:a="http://schemas.openxmlformats.org/drawingml/2006/main" xmlns:r="http://schemas.openxmlformats.org/officeDocument/2006/relationships" xmlns:p="http://schemas.openxmlformats.org/presentationml/2006/main">
-  <p:cSld>
-    <p:spTree>
-      <p:nvGrpSpPr>
-        <p:cNvPr id="1" name=""/>
-        <p:cNvGrpSpPr/>
-        <p:nvPr/>
-      </p:nvGrpSpPr>
-      <p:grpSpPr>
-        <a:xfrm>
-          <a:off x="0" y="0"/>
-          <a:ext cx="0" cy="0"/>
-          <a:chOff x="0" y="0"/>
-          <a:chExt cx="0" cy="0"/>
-        </a:xfrm>
-      </p:grpSpPr>
-      <p:sp>
-        <p:nvSpPr>
-          <p:cNvPr id="2" name="Title 1"/>
-          <p:cNvSpPr>
-            <a:spLocks noGrp="1"/>
-          </p:cNvSpPr>
-          <p:nvPr>
-            <p:ph type="title"/>
-          </p:nvPr>
-        </p:nvSpPr>
-        <p:spPr/>
-        <p:txBody>
-          <a:bodyPr/>
-          <a:lstStyle/>
-          <a:p>
-            <a:r>
-              <a:rPr lang="pl-PL" dirty="0" smtClean="0"/>
-              <a:t>DB Schema - Schema Compare</a:t>
-            </a:r>
-            <a:endParaRPr lang="pl-PL" dirty="0"/>
-          </a:p>
-        </p:txBody>
-      </p:sp>
-      <p:pic>
-        <p:nvPicPr>
-          <p:cNvPr id="4" name="Content Placeholder 3"/>
-          <p:cNvPicPr>
-            <a:picLocks noGrp="1" noChangeAspect="1"/>
-          </p:cNvPicPr>
-          <p:nvPr>
-            <p:ph idx="1"/>
-          </p:nvPr>
-        </p:nvPicPr>
-        <p:blipFill>
-          <a:blip r:embed="rId2"/>
-          <a:stretch>
-            <a:fillRect/>
-          </a:stretch>
-        </p:blipFill>
-        <p:spPr>
-          <a:xfrm>
-            <a:off x="1664996" y="2160588"/>
-            <a:ext cx="6622046" cy="3881437"/>
-          </a:xfrm>
-          <a:prstGeom prst="rect">
-            <a:avLst/>
-          </a:prstGeom>
-          <a:ln>
-            <a:noFill/>
-          </a:ln>
-          <a:effectLst>
-            <a:outerShdw blurRad="292100" dist="139700" dir="2700000" algn="tl" rotWithShape="0">
-              <a:srgbClr val="333333">
-                <a:alpha val="65000"/>
-              </a:srgbClr>
-            </a:outerShdw>
-          </a:effectLst>
-        </p:spPr>
-      </p:pic>
-    </p:spTree>
-    <p:extLst>
-      <p:ext uri="{BB962C8B-B14F-4D97-AF65-F5344CB8AC3E}">
-        <p14:creationId xmlns:p14="http://schemas.microsoft.com/office/powerpoint/2010/main" val="2999926995"/>
-      </p:ext>
-    </p:extLst>
-  </p:cSld>
-  <p:clrMapOvr>
-    <a:masterClrMapping/>
-  </p:clrMapOvr>
-  <p:timing>
-    <p:tnLst>
-      <p:par>
-        <p:cTn id="1" dur="indefinite" restart="never" nodeType="tmRoot"/>
-      </p:par>
-    </p:tnLst>
-  </p:timing>
-</p:sld>
-</file>
-
 <file path=ppt/slides/slide9.xml><?xml version="1.0" encoding="utf-8"?>
 <p:sld xmlns:a="http://schemas.openxmlformats.org/drawingml/2006/main" xmlns:r="http://schemas.openxmlformats.org/officeDocument/2006/relationships" xmlns:p="http://schemas.openxmlformats.org/presentationml/2006/main">
   <p:cSld>
@@ -9315,57 +10749,52 @@
           <a:p>
             <a:r>
               <a:rPr lang="pl-PL" dirty="0" smtClean="0"/>
-              <a:t>OLAP</a:t>
+              <a:t>DB Schema - Schema Compare</a:t>
             </a:r>
             <a:endParaRPr lang="pl-PL" dirty="0"/>
           </a:p>
         </p:txBody>
       </p:sp>
-      <p:sp>
-        <p:nvSpPr>
-          <p:cNvPr id="3" name="Content Placeholder 2"/>
-          <p:cNvSpPr>
-            <a:spLocks noGrp="1"/>
-          </p:cNvSpPr>
+      <p:pic>
+        <p:nvPicPr>
+          <p:cNvPr id="4" name="Content Placeholder 3"/>
+          <p:cNvPicPr>
+            <a:picLocks noGrp="1" noChangeAspect="1"/>
+          </p:cNvPicPr>
           <p:nvPr>
             <p:ph idx="1"/>
           </p:nvPr>
-        </p:nvSpPr>
-        <p:spPr/>
-        <p:txBody>
-          <a:bodyPr/>
-          <a:lstStyle/>
-          <a:p>
-            <a:r>
-              <a:rPr lang="pl-PL" dirty="0" smtClean="0"/>
-              <a:t>Dimensions</a:t>
-            </a:r>
-          </a:p>
-          <a:p>
-            <a:r>
-              <a:rPr lang="pl-PL" dirty="0" smtClean="0"/>
-              <a:t>Cubes</a:t>
-            </a:r>
-          </a:p>
-          <a:p>
-            <a:r>
-              <a:rPr lang="pl-PL" dirty="0" smtClean="0"/>
-              <a:t>Measure Groups / Measures</a:t>
-            </a:r>
-          </a:p>
-          <a:p>
-            <a:r>
-              <a:rPr lang="pl-PL" b="1" dirty="0" smtClean="0"/>
-              <a:t>Calculation Script</a:t>
-            </a:r>
-            <a:endParaRPr lang="pl-PL" b="1" dirty="0"/>
-          </a:p>
-        </p:txBody>
-      </p:sp>
+        </p:nvPicPr>
+        <p:blipFill>
+          <a:blip r:embed="rId2"/>
+          <a:stretch>
+            <a:fillRect/>
+          </a:stretch>
+        </p:blipFill>
+        <p:spPr>
+          <a:xfrm>
+            <a:off x="1664996" y="2160588"/>
+            <a:ext cx="6622046" cy="3881437"/>
+          </a:xfrm>
+          <a:prstGeom prst="rect">
+            <a:avLst/>
+          </a:prstGeom>
+          <a:ln>
+            <a:noFill/>
+          </a:ln>
+          <a:effectLst>
+            <a:outerShdw blurRad="292100" dist="139700" dir="2700000" algn="tl" rotWithShape="0">
+              <a:srgbClr val="333333">
+                <a:alpha val="65000"/>
+              </a:srgbClr>
+            </a:outerShdw>
+          </a:effectLst>
+        </p:spPr>
+      </p:pic>
     </p:spTree>
     <p:extLst>
       <p:ext uri="{BB962C8B-B14F-4D97-AF65-F5344CB8AC3E}">
-        <p14:creationId xmlns:p14="http://schemas.microsoft.com/office/powerpoint/2010/main" val="373851598"/>
+        <p14:creationId xmlns:p14="http://schemas.microsoft.com/office/powerpoint/2010/main" val="2999926995"/>
       </p:ext>
     </p:extLst>
   </p:cSld>

--- a/_DCDemoFiles/DCSlajdy.pptx
+++ b/_DCDemoFiles/DCSlajdy.pptx
@@ -27,17 +27,18 @@
     <p:sldId id="277" r:id="rId21"/>
     <p:sldId id="278" r:id="rId22"/>
     <p:sldId id="293" r:id="rId23"/>
-    <p:sldId id="276" r:id="rId24"/>
-    <p:sldId id="287" r:id="rId25"/>
-    <p:sldId id="257" r:id="rId26"/>
-    <p:sldId id="260" r:id="rId27"/>
-    <p:sldId id="258" r:id="rId28"/>
-    <p:sldId id="288" r:id="rId29"/>
-    <p:sldId id="294" r:id="rId30"/>
-    <p:sldId id="289" r:id="rId31"/>
-    <p:sldId id="290" r:id="rId32"/>
-    <p:sldId id="291" r:id="rId33"/>
-    <p:sldId id="292" r:id="rId34"/>
+    <p:sldId id="295" r:id="rId24"/>
+    <p:sldId id="276" r:id="rId25"/>
+    <p:sldId id="287" r:id="rId26"/>
+    <p:sldId id="257" r:id="rId27"/>
+    <p:sldId id="260" r:id="rId28"/>
+    <p:sldId id="258" r:id="rId29"/>
+    <p:sldId id="288" r:id="rId30"/>
+    <p:sldId id="294" r:id="rId31"/>
+    <p:sldId id="289" r:id="rId32"/>
+    <p:sldId id="290" r:id="rId33"/>
+    <p:sldId id="291" r:id="rId34"/>
+    <p:sldId id="292" r:id="rId35"/>
   </p:sldIdLst>
   <p:sldSz cx="12192000" cy="6858000"/>
   <p:notesSz cx="6858000" cy="9144000"/>
@@ -866,7 +867,7 @@
           <a:p>
             <a:fld id="{39E3F47F-CCDF-491D-B164-0DC91E99E51C}" type="datetimeFigureOut">
               <a:rPr lang="pl-PL" smtClean="0"/>
-              <a:t>15.10.2018</a:t>
+              <a:t>16.10.2018</a:t>
             </a:fld>
             <a:endParaRPr lang="pl-PL"/>
           </a:p>
@@ -1117,7 +1118,7 @@
           <a:p>
             <a:fld id="{39E3F47F-CCDF-491D-B164-0DC91E99E51C}" type="datetimeFigureOut">
               <a:rPr lang="pl-PL" smtClean="0"/>
-              <a:t>15.10.2018</a:t>
+              <a:t>16.10.2018</a:t>
             </a:fld>
             <a:endParaRPr lang="pl-PL"/>
           </a:p>
@@ -1431,7 +1432,7 @@
           <a:p>
             <a:fld id="{39E3F47F-CCDF-491D-B164-0DC91E99E51C}" type="datetimeFigureOut">
               <a:rPr lang="pl-PL" smtClean="0"/>
-              <a:t>15.10.2018</a:t>
+              <a:t>16.10.2018</a:t>
             </a:fld>
             <a:endParaRPr lang="pl-PL"/>
           </a:p>
@@ -1772,7 +1773,7 @@
           <a:p>
             <a:fld id="{39E3F47F-CCDF-491D-B164-0DC91E99E51C}" type="datetimeFigureOut">
               <a:rPr lang="pl-PL" smtClean="0"/>
-              <a:t>15.10.2018</a:t>
+              <a:t>16.10.2018</a:t>
             </a:fld>
             <a:endParaRPr lang="pl-PL"/>
           </a:p>
@@ -2086,7 +2087,7 @@
           <a:p>
             <a:fld id="{39E3F47F-CCDF-491D-B164-0DC91E99E51C}" type="datetimeFigureOut">
               <a:rPr lang="pl-PL" smtClean="0"/>
-              <a:t>15.10.2018</a:t>
+              <a:t>16.10.2018</a:t>
             </a:fld>
             <a:endParaRPr lang="pl-PL"/>
           </a:p>
@@ -2479,7 +2480,7 @@
           <a:p>
             <a:fld id="{39E3F47F-CCDF-491D-B164-0DC91E99E51C}" type="datetimeFigureOut">
               <a:rPr lang="pl-PL" smtClean="0"/>
-              <a:t>15.10.2018</a:t>
+              <a:t>16.10.2018</a:t>
             </a:fld>
             <a:endParaRPr lang="pl-PL"/>
           </a:p>
@@ -2649,7 +2650,7 @@
           <a:p>
             <a:fld id="{39E3F47F-CCDF-491D-B164-0DC91E99E51C}" type="datetimeFigureOut">
               <a:rPr lang="pl-PL" smtClean="0"/>
-              <a:t>15.10.2018</a:t>
+              <a:t>16.10.2018</a:t>
             </a:fld>
             <a:endParaRPr lang="pl-PL"/>
           </a:p>
@@ -2829,7 +2830,7 @@
           <a:p>
             <a:fld id="{39E3F47F-CCDF-491D-B164-0DC91E99E51C}" type="datetimeFigureOut">
               <a:rPr lang="pl-PL" smtClean="0"/>
-              <a:t>15.10.2018</a:t>
+              <a:t>16.10.2018</a:t>
             </a:fld>
             <a:endParaRPr lang="pl-PL"/>
           </a:p>
@@ -3005,7 +3006,7 @@
           <a:p>
             <a:fld id="{39E3F47F-CCDF-491D-B164-0DC91E99E51C}" type="datetimeFigureOut">
               <a:rPr lang="pl-PL" smtClean="0"/>
-              <a:t>15.10.2018</a:t>
+              <a:t>16.10.2018</a:t>
             </a:fld>
             <a:endParaRPr lang="pl-PL"/>
           </a:p>
@@ -3252,7 +3253,7 @@
           <a:p>
             <a:fld id="{39E3F47F-CCDF-491D-B164-0DC91E99E51C}" type="datetimeFigureOut">
               <a:rPr lang="pl-PL" smtClean="0"/>
-              <a:t>15.10.2018</a:t>
+              <a:t>16.10.2018</a:t>
             </a:fld>
             <a:endParaRPr lang="pl-PL"/>
           </a:p>
@@ -3484,7 +3485,7 @@
           <a:p>
             <a:fld id="{39E3F47F-CCDF-491D-B164-0DC91E99E51C}" type="datetimeFigureOut">
               <a:rPr lang="pl-PL" smtClean="0"/>
-              <a:t>15.10.2018</a:t>
+              <a:t>16.10.2018</a:t>
             </a:fld>
             <a:endParaRPr lang="pl-PL"/>
           </a:p>
@@ -3858,7 +3859,7 @@
           <a:p>
             <a:fld id="{39E3F47F-CCDF-491D-B164-0DC91E99E51C}" type="datetimeFigureOut">
               <a:rPr lang="pl-PL" smtClean="0"/>
-              <a:t>15.10.2018</a:t>
+              <a:t>16.10.2018</a:t>
             </a:fld>
             <a:endParaRPr lang="pl-PL"/>
           </a:p>
@@ -3981,7 +3982,7 @@
           <a:p>
             <a:fld id="{39E3F47F-CCDF-491D-B164-0DC91E99E51C}" type="datetimeFigureOut">
               <a:rPr lang="pl-PL" smtClean="0"/>
-              <a:t>15.10.2018</a:t>
+              <a:t>16.10.2018</a:t>
             </a:fld>
             <a:endParaRPr lang="pl-PL"/>
           </a:p>
@@ -4076,7 +4077,7 @@
           <a:p>
             <a:fld id="{39E3F47F-CCDF-491D-B164-0DC91E99E51C}" type="datetimeFigureOut">
               <a:rPr lang="pl-PL" smtClean="0"/>
-              <a:t>15.10.2018</a:t>
+              <a:t>16.10.2018</a:t>
             </a:fld>
             <a:endParaRPr lang="pl-PL"/>
           </a:p>
@@ -4331,7 +4332,7 @@
           <a:p>
             <a:fld id="{39E3F47F-CCDF-491D-B164-0DC91E99E51C}" type="datetimeFigureOut">
               <a:rPr lang="pl-PL" smtClean="0"/>
-              <a:t>15.10.2018</a:t>
+              <a:t>16.10.2018</a:t>
             </a:fld>
             <a:endParaRPr lang="pl-PL"/>
           </a:p>
@@ -4594,7 +4595,7 @@
           <a:p>
             <a:fld id="{39E3F47F-CCDF-491D-B164-0DC91E99E51C}" type="datetimeFigureOut">
               <a:rPr lang="pl-PL" smtClean="0"/>
-              <a:t>15.10.2018</a:t>
+              <a:t>16.10.2018</a:t>
             </a:fld>
             <a:endParaRPr lang="pl-PL"/>
           </a:p>
@@ -5337,7 +5338,7 @@
           <a:p>
             <a:fld id="{39E3F47F-CCDF-491D-B164-0DC91E99E51C}" type="datetimeFigureOut">
               <a:rPr lang="pl-PL" smtClean="0"/>
-              <a:t>15.10.2018</a:t>
+              <a:t>16.10.2018</a:t>
             </a:fld>
             <a:endParaRPr lang="pl-PL"/>
           </a:p>
@@ -5903,7 +5904,6 @@
               <a:rPr lang="pl-PL" dirty="0"/>
               <a:t>Zestawienie skryptów kalkulacyjnych (MDX) dla personalizowanych wdrożeń kostek SSAS</a:t>
             </a:r>
-            <a:endParaRPr lang="pl-PL" dirty="0"/>
           </a:p>
         </p:txBody>
       </p:sp>
@@ -5996,8 +5996,19 @@
           <a:p>
             <a:r>
               <a:rPr lang="pl-PL" dirty="0" smtClean="0"/>
-              <a:t>Measure Groups / Measures</a:t>
-            </a:r>
+              <a:t>Measure Groups / </a:t>
+            </a:r>
+            <a:r>
+              <a:rPr lang="pl-PL" dirty="0" smtClean="0"/>
+              <a:t>Measures</a:t>
+            </a:r>
+          </a:p>
+          <a:p>
+            <a:r>
+              <a:rPr lang="pl-PL" dirty="0" smtClean="0"/>
+              <a:t>Actions, KPIs</a:t>
+            </a:r>
+            <a:endParaRPr lang="pl-PL" dirty="0" smtClean="0"/>
           </a:p>
           <a:p>
             <a:r>
@@ -6165,13 +6176,21 @@
         </p:spPr>
         <p:txBody>
           <a:bodyPr>
-            <a:normAutofit lnSpcReduction="10000"/>
+            <a:normAutofit fontScale="92500"/>
           </a:bodyPr>
           <a:lstStyle/>
           <a:p>
             <a:r>
               <a:rPr lang="en-US" dirty="0"/>
-              <a:t>Analysis Services Dynamic Management Views (DMV) are queries that return information about model objects, server operations, and server health. </a:t>
+              <a:t>Analysis Services </a:t>
+            </a:r>
+            <a:r>
+              <a:rPr lang="en-US" b="1" dirty="0"/>
+              <a:t>Dynamic Management Views (DMV) </a:t>
+            </a:r>
+            <a:r>
+              <a:rPr lang="en-US" dirty="0"/>
+              <a:t>are queries that return information about model objects, server operations, and server health. </a:t>
             </a:r>
             <a:endParaRPr lang="pl-PL" dirty="0" smtClean="0"/>
           </a:p>
@@ -7439,11 +7458,7 @@
           <a:p>
             <a:r>
               <a:rPr lang="pl-PL" dirty="0" smtClean="0"/>
-              <a:t>demo #</a:t>
-            </a:r>
-            <a:r>
-              <a:rPr lang="pl-PL" dirty="0" smtClean="0"/>
-              <a:t>02</a:t>
+              <a:t>demo #02</a:t>
             </a:r>
             <a:endParaRPr lang="pl-PL" dirty="0"/>
           </a:p>
@@ -7507,50 +7522,159 @@
       </p:grpSpPr>
       <p:sp>
         <p:nvSpPr>
-          <p:cNvPr id="2" name="Title 1"/>
-          <p:cNvSpPr>
-            <a:spLocks noGrp="1"/>
-          </p:cNvSpPr>
-          <p:nvPr>
-            <p:ph type="title"/>
-          </p:nvPr>
-        </p:nvSpPr>
-        <p:spPr/>
-        <p:txBody>
-          <a:bodyPr/>
-          <a:lstStyle/>
-          <a:p>
-            <a:r>
-              <a:rPr lang="pl-PL" dirty="0" smtClean="0"/>
-              <a:t>Attempt #03: Parser</a:t>
-            </a:r>
-            <a:endParaRPr lang="pl-PL" dirty="0"/>
-          </a:p>
-        </p:txBody>
-      </p:sp>
-      <p:sp>
-        <p:nvSpPr>
-          <p:cNvPr id="3" name="Text Placeholder 2"/>
-          <p:cNvSpPr>
-            <a:spLocks noGrp="1"/>
-          </p:cNvSpPr>
-          <p:nvPr>
-            <p:ph type="body" idx="1"/>
-          </p:nvPr>
-        </p:nvSpPr>
-        <p:spPr/>
-        <p:txBody>
-          <a:bodyPr/>
-          <a:lstStyle/>
-          <a:p>
-            <a:endParaRPr lang="pl-PL"/>
-          </a:p>
-        </p:txBody>
-      </p:sp>
+          <p:cNvPr id="4" name="Rectangle 3"/>
+          <p:cNvSpPr/>
+          <p:nvPr/>
+        </p:nvSpPr>
+        <p:spPr>
+          <a:xfrm>
+            <a:off x="677333" y="5415517"/>
+            <a:ext cx="7813523" cy="415498"/>
+          </a:xfrm>
+          <a:prstGeom prst="rect">
+            <a:avLst/>
+          </a:prstGeom>
+        </p:spPr>
+        <p:txBody>
+          <a:bodyPr wrap="square">
+            <a:spAutoFit/>
+          </a:bodyPr>
+          <a:lstStyle/>
+          <a:p>
+            <a:r>
+              <a:rPr lang="pl-PL" sz="1050" dirty="0"/>
+              <a:t>https://social.msdn.microsoft.com/Forums/sqlserver/en-US/f7b161a3-2220-49fe-827e-edb7858c151a/obtaining-calculated-member-names-using-c?forum=sqlanalysisservices</a:t>
+            </a:r>
+            <a:endParaRPr lang="pl-PL" sz="900" dirty="0"/>
+          </a:p>
+        </p:txBody>
+      </p:sp>
+      <p:pic>
+        <p:nvPicPr>
+          <p:cNvPr id="5" name="Picture 4"/>
+          <p:cNvPicPr>
+            <a:picLocks noChangeAspect="1"/>
+          </p:cNvPicPr>
+          <p:nvPr/>
+        </p:nvPicPr>
+        <p:blipFill>
+          <a:blip r:embed="rId2"/>
+          <a:stretch>
+            <a:fillRect/>
+          </a:stretch>
+        </p:blipFill>
+        <p:spPr>
+          <a:xfrm>
+            <a:off x="677333" y="1026367"/>
+            <a:ext cx="4758817" cy="4205287"/>
+          </a:xfrm>
+          <a:prstGeom prst="rect">
+            <a:avLst/>
+          </a:prstGeom>
+          <a:ln>
+            <a:noFill/>
+          </a:ln>
+          <a:effectLst>
+            <a:outerShdw blurRad="292100" dist="139700" dir="2700000" algn="tl" rotWithShape="0">
+              <a:srgbClr val="333333">
+                <a:alpha val="65000"/>
+              </a:srgbClr>
+            </a:outerShdw>
+          </a:effectLst>
+        </p:spPr>
+      </p:pic>
+      <p:grpSp>
+        <p:nvGrpSpPr>
+          <p:cNvPr id="10" name="Group 9"/>
+          <p:cNvGrpSpPr/>
+          <p:nvPr/>
+        </p:nvGrpSpPr>
+        <p:grpSpPr>
+          <a:xfrm>
+            <a:off x="4810925" y="803831"/>
+            <a:ext cx="3924817" cy="3013170"/>
+            <a:chOff x="4810925" y="803831"/>
+            <a:chExt cx="3924817" cy="3013170"/>
+          </a:xfrm>
+        </p:grpSpPr>
+        <p:pic>
+          <p:nvPicPr>
+            <p:cNvPr id="8" name="Picture 7"/>
+            <p:cNvPicPr>
+              <a:picLocks noChangeAspect="1"/>
+            </p:cNvPicPr>
+            <p:nvPr/>
+          </p:nvPicPr>
+          <p:blipFill>
+            <a:blip r:embed="rId3"/>
+            <a:stretch>
+              <a:fillRect/>
+            </a:stretch>
+          </p:blipFill>
+          <p:spPr>
+            <a:xfrm>
+              <a:off x="4810925" y="803831"/>
+              <a:ext cx="3924817" cy="3013170"/>
+            </a:xfrm>
+            <a:prstGeom prst="rect">
+              <a:avLst/>
+            </a:prstGeom>
+            <a:ln>
+              <a:noFill/>
+            </a:ln>
+            <a:effectLst>
+              <a:outerShdw blurRad="292100" dist="139700" dir="2700000" algn="tl" rotWithShape="0">
+                <a:srgbClr val="333333">
+                  <a:alpha val="65000"/>
+                </a:srgbClr>
+              </a:outerShdw>
+            </a:effectLst>
+          </p:spPr>
+        </p:pic>
+        <p:sp>
+          <p:nvSpPr>
+            <p:cNvPr id="9" name="Rectangle 8"/>
+            <p:cNvSpPr/>
+            <p:nvPr/>
+          </p:nvSpPr>
+          <p:spPr>
+            <a:xfrm>
+              <a:off x="5001208" y="2584580"/>
+              <a:ext cx="3666931" cy="401216"/>
+            </a:xfrm>
+            <a:prstGeom prst="rect">
+              <a:avLst/>
+            </a:prstGeom>
+            <a:noFill/>
+          </p:spPr>
+          <p:style>
+            <a:lnRef idx="2">
+              <a:schemeClr val="accent5"/>
+            </a:lnRef>
+            <a:fillRef idx="1">
+              <a:schemeClr val="lt1"/>
+            </a:fillRef>
+            <a:effectRef idx="0">
+              <a:schemeClr val="accent5"/>
+            </a:effectRef>
+            <a:fontRef idx="minor">
+              <a:schemeClr val="dk1"/>
+            </a:fontRef>
+          </p:style>
+          <p:txBody>
+            <a:bodyPr rtlCol="0" anchor="ctr"/>
+            <a:lstStyle/>
+            <a:p>
+              <a:pPr algn="ctr"/>
+              <a:endParaRPr lang="pl-PL"/>
+            </a:p>
+          </p:txBody>
+        </p:sp>
+      </p:grpSp>
     </p:spTree>
     <p:extLst>
       <p:ext uri="{BB962C8B-B14F-4D97-AF65-F5344CB8AC3E}">
-        <p14:creationId xmlns:p14="http://schemas.microsoft.com/office/powerpoint/2010/main" val="298595245"/>
+        <p14:creationId xmlns:p14="http://schemas.microsoft.com/office/powerpoint/2010/main" val="3525322493"/>
       </p:ext>
     </p:extLst>
   </p:cSld>
@@ -7600,12 +7724,8 @@
           <a:lstStyle/>
           <a:p>
             <a:r>
-              <a:rPr lang="pl-PL" dirty="0"/>
-              <a:t>R</a:t>
-            </a:r>
-            <a:r>
               <a:rPr lang="pl-PL" dirty="0" smtClean="0"/>
-              <a:t>equirements</a:t>
+              <a:t>Attempt #03: Parser</a:t>
             </a:r>
             <a:endParaRPr lang="pl-PL" dirty="0"/>
           </a:p>
@@ -7613,12 +7733,12 @@
       </p:sp>
       <p:sp>
         <p:nvSpPr>
-          <p:cNvPr id="3" name="Content Placeholder 2"/>
-          <p:cNvSpPr>
-            <a:spLocks noGrp="1"/>
-          </p:cNvSpPr>
-          <p:nvPr>
-            <p:ph idx="1"/>
+          <p:cNvPr id="3" name="Text Placeholder 2"/>
+          <p:cNvSpPr>
+            <a:spLocks noGrp="1"/>
+          </p:cNvSpPr>
+          <p:nvPr>
+            <p:ph type="body" idx="1"/>
           </p:nvPr>
         </p:nvSpPr>
         <p:spPr/>
@@ -7626,79 +7746,14 @@
           <a:bodyPr/>
           <a:lstStyle/>
           <a:p>
-            <a:r>
-              <a:rPr lang="pl-PL" dirty="0" smtClean="0"/>
-              <a:t>Extract Measures/KPIs/Actions</a:t>
-            </a:r>
-          </a:p>
-          <a:p>
-            <a:r>
-              <a:rPr lang="pl-PL" dirty="0" smtClean="0"/>
-              <a:t>Extract </a:t>
-            </a:r>
-            <a:r>
-              <a:rPr lang="pl-PL" b="1" u="sng" dirty="0" smtClean="0"/>
-              <a:t>all</a:t>
-            </a:r>
-            <a:r>
-              <a:rPr lang="pl-PL" dirty="0" smtClean="0"/>
-              <a:t> objects and properties from CalculationScript</a:t>
-            </a:r>
-          </a:p>
-          <a:p>
-            <a:pPr lvl="1"/>
-            <a:r>
-              <a:rPr lang="pl-PL" dirty="0" smtClean="0"/>
-              <a:t>Connect to *.cube file (XML)</a:t>
-            </a:r>
-          </a:p>
-          <a:p>
-            <a:pPr lvl="1"/>
-            <a:r>
-              <a:rPr lang="pl-PL" dirty="0" smtClean="0"/>
-              <a:t>Connect to SSAS server</a:t>
-            </a:r>
-            <a:endParaRPr lang="pl-PL" dirty="0" smtClean="0"/>
-          </a:p>
-          <a:p>
-            <a:r>
-              <a:rPr lang="pl-PL" dirty="0" smtClean="0"/>
-              <a:t>Keep results in Database (many projects, cubes + full history)</a:t>
-            </a:r>
-          </a:p>
-          <a:p>
-            <a:r>
-              <a:rPr lang="pl-PL" dirty="0" smtClean="0"/>
-              <a:t>Work in both directions</a:t>
-            </a:r>
-          </a:p>
-          <a:p>
-            <a:pPr lvl="1"/>
-            <a:r>
-              <a:rPr lang="pl-PL" dirty="0" smtClean="0"/>
-              <a:t>MDX script generation (formatting, order, comments)</a:t>
-            </a:r>
-          </a:p>
-          <a:p>
-            <a:pPr lvl="1"/>
-            <a:r>
-              <a:rPr lang="pl-PL" dirty="0" smtClean="0"/>
-              <a:t>Documentation</a:t>
-            </a:r>
-          </a:p>
-          <a:p>
-            <a:r>
-              <a:rPr lang="pl-PL" dirty="0" smtClean="0"/>
-              <a:t>dll's</a:t>
-            </a:r>
-            <a:endParaRPr lang="pl-PL" dirty="0"/>
+            <a:endParaRPr lang="pl-PL"/>
           </a:p>
         </p:txBody>
       </p:sp>
     </p:spTree>
     <p:extLst>
       <p:ext uri="{BB962C8B-B14F-4D97-AF65-F5344CB8AC3E}">
-        <p14:creationId xmlns:p14="http://schemas.microsoft.com/office/powerpoint/2010/main" val="3031551948"/>
+        <p14:creationId xmlns:p14="http://schemas.microsoft.com/office/powerpoint/2010/main" val="298595245"/>
       </p:ext>
     </p:extLst>
   </p:cSld>
@@ -7732,34 +7787,120 @@
           <a:chExt cx="0" cy="0"/>
         </a:xfrm>
       </p:grpSpPr>
-      <p:pic>
-        <p:nvPicPr>
-          <p:cNvPr id="4" name="Picture 3"/>
-          <p:cNvPicPr>
-            <a:picLocks noChangeAspect="1"/>
-          </p:cNvPicPr>
-          <p:nvPr/>
-        </p:nvPicPr>
-        <p:blipFill>
-          <a:blip r:embed="rId2"/>
-          <a:stretch>
-            <a:fillRect/>
-          </a:stretch>
-        </p:blipFill>
-        <p:spPr>
-          <a:xfrm>
-            <a:off x="626075" y="0"/>
-            <a:ext cx="5468006" cy="6858000"/>
-          </a:xfrm>
-          <a:prstGeom prst="rect">
-            <a:avLst/>
-          </a:prstGeom>
-        </p:spPr>
-      </p:pic>
+      <p:sp>
+        <p:nvSpPr>
+          <p:cNvPr id="2" name="Title 1"/>
+          <p:cNvSpPr>
+            <a:spLocks noGrp="1"/>
+          </p:cNvSpPr>
+          <p:nvPr>
+            <p:ph type="title"/>
+          </p:nvPr>
+        </p:nvSpPr>
+        <p:spPr/>
+        <p:txBody>
+          <a:bodyPr/>
+          <a:lstStyle/>
+          <a:p>
+            <a:r>
+              <a:rPr lang="pl-PL" dirty="0"/>
+              <a:t>R</a:t>
+            </a:r>
+            <a:r>
+              <a:rPr lang="pl-PL" dirty="0" smtClean="0"/>
+              <a:t>equirements</a:t>
+            </a:r>
+            <a:endParaRPr lang="pl-PL" dirty="0"/>
+          </a:p>
+        </p:txBody>
+      </p:sp>
+      <p:sp>
+        <p:nvSpPr>
+          <p:cNvPr id="3" name="Content Placeholder 2"/>
+          <p:cNvSpPr>
+            <a:spLocks noGrp="1"/>
+          </p:cNvSpPr>
+          <p:nvPr>
+            <p:ph idx="1"/>
+          </p:nvPr>
+        </p:nvSpPr>
+        <p:spPr/>
+        <p:txBody>
+          <a:bodyPr/>
+          <a:lstStyle/>
+          <a:p>
+            <a:r>
+              <a:rPr lang="pl-PL" dirty="0" smtClean="0"/>
+              <a:t>Extract Measures/KPIs/Actions</a:t>
+            </a:r>
+          </a:p>
+          <a:p>
+            <a:r>
+              <a:rPr lang="pl-PL" dirty="0" smtClean="0"/>
+              <a:t>Extract </a:t>
+            </a:r>
+            <a:r>
+              <a:rPr lang="pl-PL" b="1" u="sng" dirty="0" smtClean="0"/>
+              <a:t>all</a:t>
+            </a:r>
+            <a:r>
+              <a:rPr lang="pl-PL" dirty="0" smtClean="0"/>
+              <a:t> objects and properties from CalculationScript</a:t>
+            </a:r>
+          </a:p>
+          <a:p>
+            <a:pPr lvl="1"/>
+            <a:r>
+              <a:rPr lang="pl-PL" dirty="0" smtClean="0"/>
+              <a:t>Connect to *.cube file (XML)</a:t>
+            </a:r>
+          </a:p>
+          <a:p>
+            <a:pPr lvl="1"/>
+            <a:r>
+              <a:rPr lang="pl-PL" dirty="0" smtClean="0"/>
+              <a:t>Connect to SSAS server</a:t>
+            </a:r>
+          </a:p>
+          <a:p>
+            <a:r>
+              <a:rPr lang="pl-PL" dirty="0" smtClean="0"/>
+              <a:t>Keep results in Database (many projects, cubes + full history)</a:t>
+            </a:r>
+          </a:p>
+          <a:p>
+            <a:r>
+              <a:rPr lang="pl-PL" dirty="0" smtClean="0"/>
+              <a:t>Work in both directions</a:t>
+            </a:r>
+          </a:p>
+          <a:p>
+            <a:pPr lvl="1"/>
+            <a:r>
+              <a:rPr lang="pl-PL" dirty="0" smtClean="0"/>
+              <a:t>MDX script generation (formatting, order, comments)</a:t>
+            </a:r>
+          </a:p>
+          <a:p>
+            <a:pPr lvl="1"/>
+            <a:r>
+              <a:rPr lang="pl-PL" dirty="0" smtClean="0"/>
+              <a:t>Documentation</a:t>
+            </a:r>
+          </a:p>
+          <a:p>
+            <a:r>
+              <a:rPr lang="pl-PL" dirty="0" smtClean="0"/>
+              <a:t>dll's</a:t>
+            </a:r>
+            <a:endParaRPr lang="pl-PL" dirty="0"/>
+          </a:p>
+        </p:txBody>
+      </p:sp>
     </p:spTree>
     <p:extLst>
       <p:ext uri="{BB962C8B-B14F-4D97-AF65-F5344CB8AC3E}">
-        <p14:creationId xmlns:p14="http://schemas.microsoft.com/office/powerpoint/2010/main" val="1826160255"/>
+        <p14:creationId xmlns:p14="http://schemas.microsoft.com/office/powerpoint/2010/main" val="3031551948"/>
       </p:ext>
     </p:extLst>
   </p:cSld>
@@ -7795,7 +7936,7 @@
       </p:grpSpPr>
       <p:pic>
         <p:nvPicPr>
-          <p:cNvPr id="3" name="Picture 2"/>
+          <p:cNvPr id="4" name="Picture 3"/>
           <p:cNvPicPr>
             <a:picLocks noChangeAspect="1"/>
           </p:cNvPicPr>
@@ -7809,8 +7950,8 @@
         </p:blipFill>
         <p:spPr>
           <a:xfrm>
-            <a:off x="477793" y="0"/>
-            <a:ext cx="5706337" cy="6858000"/>
+            <a:off x="626075" y="0"/>
+            <a:ext cx="5468006" cy="6858000"/>
           </a:xfrm>
           <a:prstGeom prst="rect">
             <a:avLst/>
@@ -7820,7 +7961,7 @@
     </p:spTree>
     <p:extLst>
       <p:ext uri="{BB962C8B-B14F-4D97-AF65-F5344CB8AC3E}">
-        <p14:creationId xmlns:p14="http://schemas.microsoft.com/office/powerpoint/2010/main" val="2848127884"/>
+        <p14:creationId xmlns:p14="http://schemas.microsoft.com/office/powerpoint/2010/main" val="1826160255"/>
       </p:ext>
     </p:extLst>
   </p:cSld>
@@ -7856,7 +7997,7 @@
       </p:grpSpPr>
       <p:pic>
         <p:nvPicPr>
-          <p:cNvPr id="5" name="Picture 4"/>
+          <p:cNvPr id="3" name="Picture 2"/>
           <p:cNvPicPr>
             <a:picLocks noChangeAspect="1"/>
           </p:cNvPicPr>
@@ -7870,8 +8011,8 @@
         </p:blipFill>
         <p:spPr>
           <a:xfrm>
-            <a:off x="853658" y="1112732"/>
-            <a:ext cx="7915994" cy="4779978"/>
+            <a:off x="477793" y="0"/>
+            <a:ext cx="5706337" cy="6858000"/>
           </a:xfrm>
           <a:prstGeom prst="rect">
             <a:avLst/>
@@ -7881,7 +8022,7 @@
     </p:spTree>
     <p:extLst>
       <p:ext uri="{BB962C8B-B14F-4D97-AF65-F5344CB8AC3E}">
-        <p14:creationId xmlns:p14="http://schemas.microsoft.com/office/powerpoint/2010/main" val="3627034234"/>
+        <p14:creationId xmlns:p14="http://schemas.microsoft.com/office/powerpoint/2010/main" val="2848127884"/>
       </p:ext>
     </p:extLst>
   </p:cSld>
@@ -7917,7 +8058,7 @@
       </p:grpSpPr>
       <p:pic>
         <p:nvPicPr>
-          <p:cNvPr id="2" name="Picture 1"/>
+          <p:cNvPr id="5" name="Picture 4"/>
           <p:cNvPicPr>
             <a:picLocks noChangeAspect="1"/>
           </p:cNvPicPr>
@@ -7931,112 +8072,31 @@
         </p:blipFill>
         <p:spPr>
           <a:xfrm>
-            <a:off x="755821" y="259750"/>
-            <a:ext cx="5029200" cy="6305550"/>
+            <a:off x="853658" y="1112732"/>
+            <a:ext cx="7915994" cy="4779978"/>
           </a:xfrm>
           <a:prstGeom prst="rect">
             <a:avLst/>
           </a:prstGeom>
         </p:spPr>
       </p:pic>
-      <p:sp>
-        <p:nvSpPr>
-          <p:cNvPr id="3" name="Right Arrow 2"/>
-          <p:cNvSpPr/>
-          <p:nvPr/>
-        </p:nvSpPr>
-        <p:spPr>
-          <a:xfrm flipH="1">
-            <a:off x="2257166" y="996778"/>
-            <a:ext cx="6203092" cy="815546"/>
-          </a:xfrm>
-          <a:prstGeom prst="rightArrow">
-            <a:avLst/>
-          </a:prstGeom>
-        </p:spPr>
-        <p:style>
-          <a:lnRef idx="2">
-            <a:schemeClr val="accent3">
-              <a:shade val="50000"/>
-            </a:schemeClr>
-          </a:lnRef>
-          <a:fillRef idx="1">
-            <a:schemeClr val="accent3"/>
-          </a:fillRef>
-          <a:effectRef idx="0">
-            <a:schemeClr val="accent3"/>
-          </a:effectRef>
-          <a:fontRef idx="minor">
-            <a:schemeClr val="lt1"/>
-          </a:fontRef>
-        </p:style>
-        <p:txBody>
-          <a:bodyPr rtlCol="0" anchor="ctr"/>
-          <a:lstStyle/>
-          <a:p>
-            <a:pPr algn="ctr"/>
-            <a:r>
-              <a:rPr lang="pl-PL" dirty="0" smtClean="0"/>
-              <a:t>Data Model (EF)</a:t>
-            </a:r>
-            <a:endParaRPr lang="pl-PL" dirty="0"/>
-          </a:p>
-        </p:txBody>
-      </p:sp>
-      <p:sp>
-        <p:nvSpPr>
-          <p:cNvPr id="5" name="Right Arrow 4"/>
-          <p:cNvSpPr/>
-          <p:nvPr/>
-        </p:nvSpPr>
-        <p:spPr>
-          <a:xfrm flipH="1">
-            <a:off x="2257166" y="3941805"/>
-            <a:ext cx="6203092" cy="815546"/>
-          </a:xfrm>
-          <a:prstGeom prst="rightArrow">
-            <a:avLst/>
-          </a:prstGeom>
-        </p:spPr>
-        <p:style>
-          <a:lnRef idx="2">
-            <a:schemeClr val="accent4">
-              <a:shade val="50000"/>
-            </a:schemeClr>
-          </a:lnRef>
-          <a:fillRef idx="1">
-            <a:schemeClr val="accent4"/>
-          </a:fillRef>
-          <a:effectRef idx="0">
-            <a:schemeClr val="accent4"/>
-          </a:effectRef>
-          <a:fontRef idx="minor">
-            <a:schemeClr val="lt1"/>
-          </a:fontRef>
-        </p:style>
-        <p:txBody>
-          <a:bodyPr rtlCol="0" anchor="ctr"/>
-          <a:lstStyle/>
-          <a:p>
-            <a:pPr algn="ctr"/>
-            <a:r>
-              <a:rPr lang="pl-PL" dirty="0" smtClean="0"/>
-              <a:t>Parser</a:t>
-            </a:r>
-            <a:endParaRPr lang="pl-PL" dirty="0"/>
-          </a:p>
-        </p:txBody>
-      </p:sp>
     </p:spTree>
     <p:extLst>
       <p:ext uri="{BB962C8B-B14F-4D97-AF65-F5344CB8AC3E}">
-        <p14:creationId xmlns:p14="http://schemas.microsoft.com/office/powerpoint/2010/main" val="3284619045"/>
+        <p14:creationId xmlns:p14="http://schemas.microsoft.com/office/powerpoint/2010/main" val="3627034234"/>
       </p:ext>
     </p:extLst>
   </p:cSld>
   <p:clrMapOvr>
     <a:masterClrMapping/>
   </p:clrMapOvr>
+  <p:timing>
+    <p:tnLst>
+      <p:par>
+        <p:cTn id="1" dur="indefinite" restart="never" nodeType="tmRoot"/>
+      </p:par>
+    </p:tnLst>
+  </p:timing>
 </p:sld>
 </file>
 
@@ -8057,48 +8117,114 @@
           <a:chExt cx="0" cy="0"/>
         </a:xfrm>
       </p:grpSpPr>
-      <p:sp>
-        <p:nvSpPr>
-          <p:cNvPr id="2" name="Title 1"/>
-          <p:cNvSpPr>
-            <a:spLocks noGrp="1"/>
-          </p:cNvSpPr>
-          <p:nvPr>
-            <p:ph type="title"/>
-          </p:nvPr>
-        </p:nvSpPr>
-        <p:spPr/>
-        <p:txBody>
-          <a:bodyPr/>
-          <a:lstStyle/>
-          <a:p>
+      <p:pic>
+        <p:nvPicPr>
+          <p:cNvPr id="2" name="Picture 1"/>
+          <p:cNvPicPr>
+            <a:picLocks noChangeAspect="1"/>
+          </p:cNvPicPr>
+          <p:nvPr/>
+        </p:nvPicPr>
+        <p:blipFill>
+          <a:blip r:embed="rId2"/>
+          <a:stretch>
+            <a:fillRect/>
+          </a:stretch>
+        </p:blipFill>
+        <p:spPr>
+          <a:xfrm>
+            <a:off x="755821" y="259750"/>
+            <a:ext cx="5029200" cy="6305550"/>
+          </a:xfrm>
+          <a:prstGeom prst="rect">
+            <a:avLst/>
+          </a:prstGeom>
+        </p:spPr>
+      </p:pic>
+      <p:sp>
+        <p:nvSpPr>
+          <p:cNvPr id="3" name="Right Arrow 2"/>
+          <p:cNvSpPr/>
+          <p:nvPr/>
+        </p:nvSpPr>
+        <p:spPr>
+          <a:xfrm flipH="1">
+            <a:off x="2257166" y="996778"/>
+            <a:ext cx="6203092" cy="815546"/>
+          </a:xfrm>
+          <a:prstGeom prst="rightArrow">
+            <a:avLst/>
+          </a:prstGeom>
+        </p:spPr>
+        <p:style>
+          <a:lnRef idx="2">
+            <a:schemeClr val="accent3">
+              <a:shade val="50000"/>
+            </a:schemeClr>
+          </a:lnRef>
+          <a:fillRef idx="1">
+            <a:schemeClr val="accent3"/>
+          </a:fillRef>
+          <a:effectRef idx="0">
+            <a:schemeClr val="accent3"/>
+          </a:effectRef>
+          <a:fontRef idx="minor">
+            <a:schemeClr val="lt1"/>
+          </a:fontRef>
+        </p:style>
+        <p:txBody>
+          <a:bodyPr rtlCol="0" anchor="ctr"/>
+          <a:lstStyle/>
+          <a:p>
+            <a:pPr algn="ctr"/>
             <a:r>
               <a:rPr lang="pl-PL" dirty="0" smtClean="0"/>
-              <a:t>demo #</a:t>
-            </a:r>
+              <a:t>Data Model (EF)</a:t>
+            </a:r>
+            <a:endParaRPr lang="pl-PL" dirty="0"/>
+          </a:p>
+        </p:txBody>
+      </p:sp>
+      <p:sp>
+        <p:nvSpPr>
+          <p:cNvPr id="5" name="Right Arrow 4"/>
+          <p:cNvSpPr/>
+          <p:nvPr/>
+        </p:nvSpPr>
+        <p:spPr>
+          <a:xfrm flipH="1">
+            <a:off x="2257166" y="3941805"/>
+            <a:ext cx="6203092" cy="815546"/>
+          </a:xfrm>
+          <a:prstGeom prst="rightArrow">
+            <a:avLst/>
+          </a:prstGeom>
+        </p:spPr>
+        <p:style>
+          <a:lnRef idx="2">
+            <a:schemeClr val="accent4">
+              <a:shade val="50000"/>
+            </a:schemeClr>
+          </a:lnRef>
+          <a:fillRef idx="1">
+            <a:schemeClr val="accent4"/>
+          </a:fillRef>
+          <a:effectRef idx="0">
+            <a:schemeClr val="accent4"/>
+          </a:effectRef>
+          <a:fontRef idx="minor">
+            <a:schemeClr val="lt1"/>
+          </a:fontRef>
+        </p:style>
+        <p:txBody>
+          <a:bodyPr rtlCol="0" anchor="ctr"/>
+          <a:lstStyle/>
+          <a:p>
+            <a:pPr algn="ctr"/>
             <a:r>
               <a:rPr lang="pl-PL" dirty="0" smtClean="0"/>
-              <a:t>03</a:t>
-            </a:r>
-            <a:endParaRPr lang="pl-PL" dirty="0"/>
-          </a:p>
-        </p:txBody>
-      </p:sp>
-      <p:sp>
-        <p:nvSpPr>
-          <p:cNvPr id="3" name="Text Placeholder 2"/>
-          <p:cNvSpPr>
-            <a:spLocks noGrp="1"/>
-          </p:cNvSpPr>
-          <p:nvPr>
-            <p:ph type="body" idx="1"/>
-          </p:nvPr>
-        </p:nvSpPr>
-        <p:spPr/>
-        <p:txBody>
-          <a:bodyPr/>
-          <a:lstStyle/>
-          <a:p>
+              <a:t>Parser</a:t>
+            </a:r>
             <a:endParaRPr lang="pl-PL" dirty="0"/>
           </a:p>
         </p:txBody>
@@ -8106,20 +8232,13 @@
     </p:spTree>
     <p:extLst>
       <p:ext uri="{BB962C8B-B14F-4D97-AF65-F5344CB8AC3E}">
-        <p14:creationId xmlns:p14="http://schemas.microsoft.com/office/powerpoint/2010/main" val="1177024990"/>
+        <p14:creationId xmlns:p14="http://schemas.microsoft.com/office/powerpoint/2010/main" val="3284619045"/>
       </p:ext>
     </p:extLst>
   </p:cSld>
   <p:clrMapOvr>
     <a:masterClrMapping/>
   </p:clrMapOvr>
-  <p:timing>
-    <p:tnLst>
-      <p:par>
-        <p:cTn id="1" dur="indefinite" restart="never" nodeType="tmRoot"/>
-      </p:par>
-    </p:tnLst>
-  </p:timing>
 </p:sld>
 </file>
 
@@ -8557,6 +8676,85 @@
           <a:chExt cx="0" cy="0"/>
         </a:xfrm>
       </p:grpSpPr>
+      <p:sp>
+        <p:nvSpPr>
+          <p:cNvPr id="2" name="Title 1"/>
+          <p:cNvSpPr>
+            <a:spLocks noGrp="1"/>
+          </p:cNvSpPr>
+          <p:nvPr>
+            <p:ph type="title"/>
+          </p:nvPr>
+        </p:nvSpPr>
+        <p:spPr/>
+        <p:txBody>
+          <a:bodyPr/>
+          <a:lstStyle/>
+          <a:p>
+            <a:r>
+              <a:rPr lang="pl-PL" dirty="0" smtClean="0"/>
+              <a:t>demo #03</a:t>
+            </a:r>
+            <a:endParaRPr lang="pl-PL" dirty="0"/>
+          </a:p>
+        </p:txBody>
+      </p:sp>
+      <p:sp>
+        <p:nvSpPr>
+          <p:cNvPr id="3" name="Text Placeholder 2"/>
+          <p:cNvSpPr>
+            <a:spLocks noGrp="1"/>
+          </p:cNvSpPr>
+          <p:nvPr>
+            <p:ph type="body" idx="1"/>
+          </p:nvPr>
+        </p:nvSpPr>
+        <p:spPr/>
+        <p:txBody>
+          <a:bodyPr/>
+          <a:lstStyle/>
+          <a:p>
+            <a:endParaRPr lang="pl-PL" dirty="0"/>
+          </a:p>
+        </p:txBody>
+      </p:sp>
+    </p:spTree>
+    <p:extLst>
+      <p:ext uri="{BB962C8B-B14F-4D97-AF65-F5344CB8AC3E}">
+        <p14:creationId xmlns:p14="http://schemas.microsoft.com/office/powerpoint/2010/main" val="1177024990"/>
+      </p:ext>
+    </p:extLst>
+  </p:cSld>
+  <p:clrMapOvr>
+    <a:masterClrMapping/>
+  </p:clrMapOvr>
+  <p:timing>
+    <p:tnLst>
+      <p:par>
+        <p:cTn id="1" dur="indefinite" restart="never" nodeType="tmRoot"/>
+      </p:par>
+    </p:tnLst>
+  </p:timing>
+</p:sld>
+</file>
+
+<file path=ppt/slides/slide31.xml><?xml version="1.0" encoding="utf-8"?>
+<p:sld xmlns:a="http://schemas.openxmlformats.org/drawingml/2006/main" xmlns:r="http://schemas.openxmlformats.org/officeDocument/2006/relationships" xmlns:p="http://schemas.openxmlformats.org/presentationml/2006/main">
+  <p:cSld>
+    <p:spTree>
+      <p:nvGrpSpPr>
+        <p:cNvPr id="1" name=""/>
+        <p:cNvGrpSpPr/>
+        <p:nvPr/>
+      </p:nvGrpSpPr>
+      <p:grpSpPr>
+        <a:xfrm>
+          <a:off x="0" y="0"/>
+          <a:ext cx="0" cy="0"/>
+          <a:chOff x="0" y="0"/>
+          <a:chExt cx="0" cy="0"/>
+        </a:xfrm>
+      </p:grpSpPr>
       <p:pic>
         <p:nvPicPr>
           <p:cNvPr id="2" name="Picture 1"/>
@@ -8594,7 +8792,7 @@
 </p:sld>
 </file>
 
-<file path=ppt/slides/slide31.xml><?xml version="1.0" encoding="utf-8"?>
+<file path=ppt/slides/slide32.xml><?xml version="1.0" encoding="utf-8"?>
 <p:sld xmlns:a="http://schemas.openxmlformats.org/drawingml/2006/main" xmlns:r="http://schemas.openxmlformats.org/officeDocument/2006/relationships" xmlns:p="http://schemas.openxmlformats.org/presentationml/2006/main">
   <p:cSld>
     <p:spTree>
@@ -8624,7 +8822,7 @@
 </p:sld>
 </file>
 
-<file path=ppt/slides/slide32.xml><?xml version="1.0" encoding="utf-8"?>
+<file path=ppt/slides/slide33.xml><?xml version="1.0" encoding="utf-8"?>
 <p:sld xmlns:a="http://schemas.openxmlformats.org/drawingml/2006/main" xmlns:r="http://schemas.openxmlformats.org/officeDocument/2006/relationships" xmlns:p="http://schemas.openxmlformats.org/presentationml/2006/main">
   <p:cSld>
     <p:spTree>
@@ -8654,7 +8852,7 @@
 </p:sld>
 </file>
 
-<file path=ppt/slides/slide33.xml><?xml version="1.0" encoding="utf-8"?>
+<file path=ppt/slides/slide34.xml><?xml version="1.0" encoding="utf-8"?>
 <p:sld xmlns:a="http://schemas.openxmlformats.org/drawingml/2006/main" xmlns:r="http://schemas.openxmlformats.org/officeDocument/2006/relationships" xmlns:p="http://schemas.openxmlformats.org/presentationml/2006/main">
   <p:cSld>
     <p:spTree>
@@ -10028,7 +10226,7 @@
           <a:p>
             <a:r>
               <a:rPr lang="pl-PL" dirty="0" smtClean="0"/>
-              <a:t>Co trzeba porównać</a:t>
+              <a:t>Layers</a:t>
             </a:r>
             <a:endParaRPr lang="pl-PL" dirty="0"/>
           </a:p>

--- a/_DCDemoFiles/DCSlajdy.pptx
+++ b/_DCDemoFiles/DCSlajdy.pptx
@@ -6,39 +6,47 @@
   </p:sldMasterIdLst>
   <p:sldIdLst>
     <p:sldId id="261" r:id="rId2"/>
-    <p:sldId id="262" r:id="rId3"/>
-    <p:sldId id="267" r:id="rId4"/>
-    <p:sldId id="263" r:id="rId5"/>
-    <p:sldId id="286" r:id="rId6"/>
-    <p:sldId id="266" r:id="rId7"/>
-    <p:sldId id="269" r:id="rId8"/>
-    <p:sldId id="270" r:id="rId9"/>
-    <p:sldId id="268" r:id="rId10"/>
-    <p:sldId id="272" r:id="rId11"/>
-    <p:sldId id="274" r:id="rId12"/>
-    <p:sldId id="279" r:id="rId13"/>
-    <p:sldId id="281" r:id="rId14"/>
-    <p:sldId id="283" r:id="rId15"/>
-    <p:sldId id="284" r:id="rId16"/>
-    <p:sldId id="285" r:id="rId17"/>
-    <p:sldId id="273" r:id="rId18"/>
-    <p:sldId id="282" r:id="rId19"/>
-    <p:sldId id="275" r:id="rId20"/>
-    <p:sldId id="277" r:id="rId21"/>
-    <p:sldId id="278" r:id="rId22"/>
-    <p:sldId id="293" r:id="rId23"/>
-    <p:sldId id="295" r:id="rId24"/>
-    <p:sldId id="276" r:id="rId25"/>
-    <p:sldId id="287" r:id="rId26"/>
-    <p:sldId id="257" r:id="rId27"/>
-    <p:sldId id="260" r:id="rId28"/>
-    <p:sldId id="258" r:id="rId29"/>
-    <p:sldId id="288" r:id="rId30"/>
-    <p:sldId id="294" r:id="rId31"/>
-    <p:sldId id="289" r:id="rId32"/>
-    <p:sldId id="290" r:id="rId33"/>
-    <p:sldId id="291" r:id="rId34"/>
-    <p:sldId id="292" r:id="rId35"/>
+    <p:sldId id="296" r:id="rId3"/>
+    <p:sldId id="262" r:id="rId4"/>
+    <p:sldId id="267" r:id="rId5"/>
+    <p:sldId id="263" r:id="rId6"/>
+    <p:sldId id="286" r:id="rId7"/>
+    <p:sldId id="266" r:id="rId8"/>
+    <p:sldId id="269" r:id="rId9"/>
+    <p:sldId id="270" r:id="rId10"/>
+    <p:sldId id="268" r:id="rId11"/>
+    <p:sldId id="272" r:id="rId12"/>
+    <p:sldId id="274" r:id="rId13"/>
+    <p:sldId id="279" r:id="rId14"/>
+    <p:sldId id="281" r:id="rId15"/>
+    <p:sldId id="283" r:id="rId16"/>
+    <p:sldId id="284" r:id="rId17"/>
+    <p:sldId id="285" r:id="rId18"/>
+    <p:sldId id="273" r:id="rId19"/>
+    <p:sldId id="282" r:id="rId20"/>
+    <p:sldId id="275" r:id="rId21"/>
+    <p:sldId id="277" r:id="rId22"/>
+    <p:sldId id="278" r:id="rId23"/>
+    <p:sldId id="293" r:id="rId24"/>
+    <p:sldId id="295" r:id="rId25"/>
+    <p:sldId id="307" r:id="rId26"/>
+    <p:sldId id="276" r:id="rId27"/>
+    <p:sldId id="287" r:id="rId28"/>
+    <p:sldId id="257" r:id="rId29"/>
+    <p:sldId id="260" r:id="rId30"/>
+    <p:sldId id="258" r:id="rId31"/>
+    <p:sldId id="288" r:id="rId32"/>
+    <p:sldId id="294" r:id="rId33"/>
+    <p:sldId id="297" r:id="rId34"/>
+    <p:sldId id="298" r:id="rId35"/>
+    <p:sldId id="299" r:id="rId36"/>
+    <p:sldId id="301" r:id="rId37"/>
+    <p:sldId id="302" r:id="rId38"/>
+    <p:sldId id="300" r:id="rId39"/>
+    <p:sldId id="303" r:id="rId40"/>
+    <p:sldId id="304" r:id="rId41"/>
+    <p:sldId id="305" r:id="rId42"/>
+    <p:sldId id="306" r:id="rId43"/>
   </p:sldIdLst>
   <p:sldSz cx="12192000" cy="6858000"/>
   <p:notesSz cx="6858000" cy="9144000"/>
@@ -867,7 +875,7 @@
           <a:p>
             <a:fld id="{39E3F47F-CCDF-491D-B164-0DC91E99E51C}" type="datetimeFigureOut">
               <a:rPr lang="pl-PL" smtClean="0"/>
-              <a:t>16.10.2018</a:t>
+              <a:t>17.10.2018</a:t>
             </a:fld>
             <a:endParaRPr lang="pl-PL"/>
           </a:p>
@@ -1118,7 +1126,7 @@
           <a:p>
             <a:fld id="{39E3F47F-CCDF-491D-B164-0DC91E99E51C}" type="datetimeFigureOut">
               <a:rPr lang="pl-PL" smtClean="0"/>
-              <a:t>16.10.2018</a:t>
+              <a:t>17.10.2018</a:t>
             </a:fld>
             <a:endParaRPr lang="pl-PL"/>
           </a:p>
@@ -1432,7 +1440,7 @@
           <a:p>
             <a:fld id="{39E3F47F-CCDF-491D-B164-0DC91E99E51C}" type="datetimeFigureOut">
               <a:rPr lang="pl-PL" smtClean="0"/>
-              <a:t>16.10.2018</a:t>
+              <a:t>17.10.2018</a:t>
             </a:fld>
             <a:endParaRPr lang="pl-PL"/>
           </a:p>
@@ -1773,7 +1781,7 @@
           <a:p>
             <a:fld id="{39E3F47F-CCDF-491D-B164-0DC91E99E51C}" type="datetimeFigureOut">
               <a:rPr lang="pl-PL" smtClean="0"/>
-              <a:t>16.10.2018</a:t>
+              <a:t>17.10.2018</a:t>
             </a:fld>
             <a:endParaRPr lang="pl-PL"/>
           </a:p>
@@ -2087,7 +2095,7 @@
           <a:p>
             <a:fld id="{39E3F47F-CCDF-491D-B164-0DC91E99E51C}" type="datetimeFigureOut">
               <a:rPr lang="pl-PL" smtClean="0"/>
-              <a:t>16.10.2018</a:t>
+              <a:t>17.10.2018</a:t>
             </a:fld>
             <a:endParaRPr lang="pl-PL"/>
           </a:p>
@@ -2480,7 +2488,7 @@
           <a:p>
             <a:fld id="{39E3F47F-CCDF-491D-B164-0DC91E99E51C}" type="datetimeFigureOut">
               <a:rPr lang="pl-PL" smtClean="0"/>
-              <a:t>16.10.2018</a:t>
+              <a:t>17.10.2018</a:t>
             </a:fld>
             <a:endParaRPr lang="pl-PL"/>
           </a:p>
@@ -2650,7 +2658,7 @@
           <a:p>
             <a:fld id="{39E3F47F-CCDF-491D-B164-0DC91E99E51C}" type="datetimeFigureOut">
               <a:rPr lang="pl-PL" smtClean="0"/>
-              <a:t>16.10.2018</a:t>
+              <a:t>17.10.2018</a:t>
             </a:fld>
             <a:endParaRPr lang="pl-PL"/>
           </a:p>
@@ -2830,7 +2838,7 @@
           <a:p>
             <a:fld id="{39E3F47F-CCDF-491D-B164-0DC91E99E51C}" type="datetimeFigureOut">
               <a:rPr lang="pl-PL" smtClean="0"/>
-              <a:t>16.10.2018</a:t>
+              <a:t>17.10.2018</a:t>
             </a:fld>
             <a:endParaRPr lang="pl-PL"/>
           </a:p>
@@ -3006,7 +3014,7 @@
           <a:p>
             <a:fld id="{39E3F47F-CCDF-491D-B164-0DC91E99E51C}" type="datetimeFigureOut">
               <a:rPr lang="pl-PL" smtClean="0"/>
-              <a:t>16.10.2018</a:t>
+              <a:t>17.10.2018</a:t>
             </a:fld>
             <a:endParaRPr lang="pl-PL"/>
           </a:p>
@@ -3253,7 +3261,7 @@
           <a:p>
             <a:fld id="{39E3F47F-CCDF-491D-B164-0DC91E99E51C}" type="datetimeFigureOut">
               <a:rPr lang="pl-PL" smtClean="0"/>
-              <a:t>16.10.2018</a:t>
+              <a:t>17.10.2018</a:t>
             </a:fld>
             <a:endParaRPr lang="pl-PL"/>
           </a:p>
@@ -3485,7 +3493,7 @@
           <a:p>
             <a:fld id="{39E3F47F-CCDF-491D-B164-0DC91E99E51C}" type="datetimeFigureOut">
               <a:rPr lang="pl-PL" smtClean="0"/>
-              <a:t>16.10.2018</a:t>
+              <a:t>17.10.2018</a:t>
             </a:fld>
             <a:endParaRPr lang="pl-PL"/>
           </a:p>
@@ -3859,7 +3867,7 @@
           <a:p>
             <a:fld id="{39E3F47F-CCDF-491D-B164-0DC91E99E51C}" type="datetimeFigureOut">
               <a:rPr lang="pl-PL" smtClean="0"/>
-              <a:t>16.10.2018</a:t>
+              <a:t>17.10.2018</a:t>
             </a:fld>
             <a:endParaRPr lang="pl-PL"/>
           </a:p>
@@ -3982,7 +3990,7 @@
           <a:p>
             <a:fld id="{39E3F47F-CCDF-491D-B164-0DC91E99E51C}" type="datetimeFigureOut">
               <a:rPr lang="pl-PL" smtClean="0"/>
-              <a:t>16.10.2018</a:t>
+              <a:t>17.10.2018</a:t>
             </a:fld>
             <a:endParaRPr lang="pl-PL"/>
           </a:p>
@@ -4077,7 +4085,7 @@
           <a:p>
             <a:fld id="{39E3F47F-CCDF-491D-B164-0DC91E99E51C}" type="datetimeFigureOut">
               <a:rPr lang="pl-PL" smtClean="0"/>
-              <a:t>16.10.2018</a:t>
+              <a:t>17.10.2018</a:t>
             </a:fld>
             <a:endParaRPr lang="pl-PL"/>
           </a:p>
@@ -4332,7 +4340,7 @@
           <a:p>
             <a:fld id="{39E3F47F-CCDF-491D-B164-0DC91E99E51C}" type="datetimeFigureOut">
               <a:rPr lang="pl-PL" smtClean="0"/>
-              <a:t>16.10.2018</a:t>
+              <a:t>17.10.2018</a:t>
             </a:fld>
             <a:endParaRPr lang="pl-PL"/>
           </a:p>
@@ -4595,7 +4603,7 @@
           <a:p>
             <a:fld id="{39E3F47F-CCDF-491D-B164-0DC91E99E51C}" type="datetimeFigureOut">
               <a:rPr lang="pl-PL" smtClean="0"/>
-              <a:t>16.10.2018</a:t>
+              <a:t>17.10.2018</a:t>
             </a:fld>
             <a:endParaRPr lang="pl-PL"/>
           </a:p>
@@ -5338,7 +5346,7 @@
           <a:p>
             <a:fld id="{39E3F47F-CCDF-491D-B164-0DC91E99E51C}" type="datetimeFigureOut">
               <a:rPr lang="pl-PL" smtClean="0"/>
-              <a:t>16.10.2018</a:t>
+              <a:t>17.10.2018</a:t>
             </a:fld>
             <a:endParaRPr lang="pl-PL"/>
           </a:p>
@@ -5961,68 +5969,52 @@
           <a:p>
             <a:r>
               <a:rPr lang="pl-PL" dirty="0" smtClean="0"/>
-              <a:t>OLAP</a:t>
+              <a:t>DB Schema - Schema Compare</a:t>
             </a:r>
             <a:endParaRPr lang="pl-PL" dirty="0"/>
           </a:p>
         </p:txBody>
       </p:sp>
-      <p:sp>
-        <p:nvSpPr>
-          <p:cNvPr id="3" name="Content Placeholder 2"/>
-          <p:cNvSpPr>
-            <a:spLocks noGrp="1"/>
-          </p:cNvSpPr>
+      <p:pic>
+        <p:nvPicPr>
+          <p:cNvPr id="4" name="Content Placeholder 3"/>
+          <p:cNvPicPr>
+            <a:picLocks noGrp="1" noChangeAspect="1"/>
+          </p:cNvPicPr>
           <p:nvPr>
             <p:ph idx="1"/>
           </p:nvPr>
-        </p:nvSpPr>
-        <p:spPr/>
-        <p:txBody>
-          <a:bodyPr/>
-          <a:lstStyle/>
-          <a:p>
-            <a:r>
-              <a:rPr lang="pl-PL" dirty="0" smtClean="0"/>
-              <a:t>Dimensions</a:t>
-            </a:r>
-          </a:p>
-          <a:p>
-            <a:r>
-              <a:rPr lang="pl-PL" dirty="0" smtClean="0"/>
-              <a:t>Cubes</a:t>
-            </a:r>
-          </a:p>
-          <a:p>
-            <a:r>
-              <a:rPr lang="pl-PL" dirty="0" smtClean="0"/>
-              <a:t>Measure Groups / </a:t>
-            </a:r>
-            <a:r>
-              <a:rPr lang="pl-PL" dirty="0" smtClean="0"/>
-              <a:t>Measures</a:t>
-            </a:r>
-          </a:p>
-          <a:p>
-            <a:r>
-              <a:rPr lang="pl-PL" dirty="0" smtClean="0"/>
-              <a:t>Actions, KPIs</a:t>
-            </a:r>
-            <a:endParaRPr lang="pl-PL" dirty="0" smtClean="0"/>
-          </a:p>
-          <a:p>
-            <a:r>
-              <a:rPr lang="pl-PL" b="1" dirty="0" smtClean="0"/>
-              <a:t>Calculation Script</a:t>
-            </a:r>
-            <a:endParaRPr lang="pl-PL" b="1" dirty="0"/>
-          </a:p>
-        </p:txBody>
-      </p:sp>
+        </p:nvPicPr>
+        <p:blipFill>
+          <a:blip r:embed="rId2"/>
+          <a:stretch>
+            <a:fillRect/>
+          </a:stretch>
+        </p:blipFill>
+        <p:spPr>
+          <a:xfrm>
+            <a:off x="1664996" y="2160588"/>
+            <a:ext cx="6622046" cy="3881437"/>
+          </a:xfrm>
+          <a:prstGeom prst="rect">
+            <a:avLst/>
+          </a:prstGeom>
+          <a:ln>
+            <a:noFill/>
+          </a:ln>
+          <a:effectLst>
+            <a:outerShdw blurRad="292100" dist="139700" dir="2700000" algn="tl" rotWithShape="0">
+              <a:srgbClr val="333333">
+                <a:alpha val="65000"/>
+              </a:srgbClr>
+            </a:outerShdw>
+          </a:effectLst>
+        </p:spPr>
+      </p:pic>
     </p:spTree>
     <p:extLst>
       <p:ext uri="{BB962C8B-B14F-4D97-AF65-F5344CB8AC3E}">
-        <p14:creationId xmlns:p14="http://schemas.microsoft.com/office/powerpoint/2010/main" val="373851598"/>
+        <p14:creationId xmlns:p14="http://schemas.microsoft.com/office/powerpoint/2010/main" val="2999926995"/>
       </p:ext>
     </p:extLst>
   </p:cSld>
@@ -6073,7 +6065,7 @@
           <a:p>
             <a:r>
               <a:rPr lang="pl-PL" dirty="0" smtClean="0"/>
-              <a:t>Attempt #01: DMVs</a:t>
+              <a:t>OLAP</a:t>
             </a:r>
             <a:endParaRPr lang="pl-PL" dirty="0"/>
           </a:p>
@@ -6081,12 +6073,12 @@
       </p:sp>
       <p:sp>
         <p:nvSpPr>
-          <p:cNvPr id="3" name="Text Placeholder 2"/>
-          <p:cNvSpPr>
-            <a:spLocks noGrp="1"/>
-          </p:cNvSpPr>
-          <p:nvPr>
-            <p:ph type="body" idx="1"/>
+          <p:cNvPr id="3" name="Content Placeholder 2"/>
+          <p:cNvSpPr>
+            <a:spLocks noGrp="1"/>
+          </p:cNvSpPr>
+          <p:nvPr>
+            <p:ph idx="1"/>
           </p:nvPr>
         </p:nvSpPr>
         <p:spPr/>
@@ -6094,14 +6086,42 @@
           <a:bodyPr/>
           <a:lstStyle/>
           <a:p>
-            <a:endParaRPr lang="pl-PL"/>
+            <a:r>
+              <a:rPr lang="pl-PL" dirty="0" smtClean="0"/>
+              <a:t>Dimensions</a:t>
+            </a:r>
+          </a:p>
+          <a:p>
+            <a:r>
+              <a:rPr lang="pl-PL" dirty="0" smtClean="0"/>
+              <a:t>Cubes</a:t>
+            </a:r>
+          </a:p>
+          <a:p>
+            <a:r>
+              <a:rPr lang="pl-PL" dirty="0" smtClean="0"/>
+              <a:t>Measure Groups / Measures</a:t>
+            </a:r>
+          </a:p>
+          <a:p>
+            <a:r>
+              <a:rPr lang="pl-PL" dirty="0" smtClean="0"/>
+              <a:t>Actions, KPIs</a:t>
+            </a:r>
+          </a:p>
+          <a:p>
+            <a:r>
+              <a:rPr lang="pl-PL" b="1" dirty="0" smtClean="0"/>
+              <a:t>Calculation Script</a:t>
+            </a:r>
+            <a:endParaRPr lang="pl-PL" b="1" dirty="0"/>
           </a:p>
         </p:txBody>
       </p:sp>
     </p:spTree>
     <p:extLst>
       <p:ext uri="{BB962C8B-B14F-4D97-AF65-F5344CB8AC3E}">
-        <p14:creationId xmlns:p14="http://schemas.microsoft.com/office/powerpoint/2010/main" val="758217985"/>
+        <p14:creationId xmlns:p14="http://schemas.microsoft.com/office/powerpoint/2010/main" val="373851598"/>
       </p:ext>
     </p:extLst>
   </p:cSld>
@@ -6152,7 +6172,7 @@
           <a:p>
             <a:r>
               <a:rPr lang="pl-PL" dirty="0" smtClean="0"/>
-              <a:t>SSAS DMV</a:t>
+              <a:t>Attempt #01: DMVs</a:t>
             </a:r>
             <a:endParaRPr lang="pl-PL" dirty="0"/>
           </a:p>
@@ -6160,142 +6180,27 @@
       </p:sp>
       <p:sp>
         <p:nvSpPr>
-          <p:cNvPr id="3" name="Content Placeholder 2"/>
-          <p:cNvSpPr>
-            <a:spLocks noGrp="1"/>
-          </p:cNvSpPr>
-          <p:nvPr>
-            <p:ph idx="1"/>
-          </p:nvPr>
-        </p:nvSpPr>
-        <p:spPr>
-          <a:xfrm>
-            <a:off x="677333" y="1930400"/>
-            <a:ext cx="8400763" cy="3086443"/>
-          </a:xfrm>
-        </p:spPr>
-        <p:txBody>
-          <a:bodyPr>
-            <a:normAutofit fontScale="92500"/>
-          </a:bodyPr>
-          <a:lstStyle/>
-          <a:p>
-            <a:r>
-              <a:rPr lang="en-US" dirty="0"/>
-              <a:t>Analysis Services </a:t>
-            </a:r>
-            <a:r>
-              <a:rPr lang="en-US" b="1" dirty="0"/>
-              <a:t>Dynamic Management Views (DMV) </a:t>
-            </a:r>
-            <a:r>
-              <a:rPr lang="en-US" dirty="0"/>
-              <a:t>are queries that return information about model objects, server operations, and server health. </a:t>
-            </a:r>
-            <a:endParaRPr lang="pl-PL" dirty="0" smtClean="0"/>
-          </a:p>
-          <a:p>
-            <a:r>
-              <a:rPr lang="en-US" dirty="0" smtClean="0"/>
-              <a:t>The </a:t>
-            </a:r>
-            <a:r>
-              <a:rPr lang="en-US" dirty="0"/>
-              <a:t>query, based on SQL, is an interface to </a:t>
-            </a:r>
-            <a:r>
-              <a:rPr lang="en-US" b="1" i="1" dirty="0"/>
-              <a:t>schema </a:t>
-            </a:r>
-            <a:r>
-              <a:rPr lang="en-US" b="1" i="1" dirty="0" err="1"/>
-              <a:t>rowsets</a:t>
-            </a:r>
-            <a:r>
-              <a:rPr lang="en-US" dirty="0"/>
-              <a:t>. Schema </a:t>
-            </a:r>
-            <a:r>
-              <a:rPr lang="en-US" dirty="0" err="1"/>
-              <a:t>rowsets</a:t>
-            </a:r>
-            <a:r>
-              <a:rPr lang="en-US" dirty="0"/>
-              <a:t> are </a:t>
-            </a:r>
-            <a:r>
-              <a:rPr lang="en-US" dirty="0" err="1"/>
-              <a:t>predescribed</a:t>
-            </a:r>
-            <a:r>
-              <a:rPr lang="en-US" dirty="0"/>
-              <a:t> tables that contain information about Analysis Services objects and server state, including database schema, active sessions, connections, commands, and jobs that are executing on the server.</a:t>
-            </a:r>
-          </a:p>
-          <a:p>
-            <a:r>
-              <a:rPr lang="en-US" dirty="0"/>
-              <a:t>DMV queries are an </a:t>
-            </a:r>
-            <a:r>
-              <a:rPr lang="en-US" b="1" dirty="0"/>
-              <a:t>alternative to running XML/A </a:t>
-            </a:r>
-            <a:r>
-              <a:rPr lang="en-US" dirty="0"/>
-              <a:t>Discover commands. For most administrators, writing a DMV query is simpler because the </a:t>
-            </a:r>
-            <a:r>
-              <a:rPr lang="en-US" b="1" dirty="0"/>
-              <a:t>syntax is based on SQL</a:t>
-            </a:r>
-            <a:r>
-              <a:rPr lang="en-US" dirty="0"/>
-              <a:t>. In addition, the result is </a:t>
-            </a:r>
-            <a:r>
-              <a:rPr lang="en-US" b="1" dirty="0"/>
-              <a:t>returned in a table format </a:t>
-            </a:r>
-            <a:r>
-              <a:rPr lang="en-US" dirty="0"/>
-              <a:t>that is easier to read and copy.</a:t>
-            </a:r>
-          </a:p>
-        </p:txBody>
-      </p:sp>
-      <p:sp>
-        <p:nvSpPr>
-          <p:cNvPr id="4" name="Rectangle 3"/>
-          <p:cNvSpPr/>
-          <p:nvPr/>
-        </p:nvSpPr>
-        <p:spPr>
-          <a:xfrm>
-            <a:off x="677334" y="5399041"/>
-            <a:ext cx="6096000" cy="369332"/>
-          </a:xfrm>
-          <a:prstGeom prst="rect">
-            <a:avLst/>
-          </a:prstGeom>
-        </p:spPr>
-        <p:txBody>
-          <a:bodyPr>
-            <a:spAutoFit/>
-          </a:bodyPr>
-          <a:lstStyle/>
-          <a:p>
-            <a:r>
-              <a:rPr lang="pl-PL" sz="900" dirty="0"/>
-              <a:t>https://docs.microsoft.com/en-us/sql/analysis-services/instances/use-dynamic-management-views-dmvs-to-monitor-analysis-services?view=sql-server-2017</a:t>
-            </a:r>
+          <p:cNvPr id="3" name="Text Placeholder 2"/>
+          <p:cNvSpPr>
+            <a:spLocks noGrp="1"/>
+          </p:cNvSpPr>
+          <p:nvPr>
+            <p:ph type="body" idx="1"/>
+          </p:nvPr>
+        </p:nvSpPr>
+        <p:spPr/>
+        <p:txBody>
+          <a:bodyPr/>
+          <a:lstStyle/>
+          <a:p>
+            <a:endParaRPr lang="pl-PL"/>
           </a:p>
         </p:txBody>
       </p:sp>
     </p:spTree>
     <p:extLst>
       <p:ext uri="{BB962C8B-B14F-4D97-AF65-F5344CB8AC3E}">
-        <p14:creationId xmlns:p14="http://schemas.microsoft.com/office/powerpoint/2010/main" val="3816221553"/>
+        <p14:creationId xmlns:p14="http://schemas.microsoft.com/office/powerpoint/2010/main" val="758217985"/>
       </p:ext>
     </p:extLst>
   </p:cSld>
@@ -6329,34 +6234,167 @@
           <a:chExt cx="0" cy="0"/>
         </a:xfrm>
       </p:grpSpPr>
-      <p:pic>
-        <p:nvPicPr>
-          <p:cNvPr id="2" name="Picture 1"/>
-          <p:cNvPicPr>
-            <a:picLocks noChangeAspect="1"/>
-          </p:cNvPicPr>
+      <p:sp>
+        <p:nvSpPr>
+          <p:cNvPr id="2" name="Title 1"/>
+          <p:cNvSpPr>
+            <a:spLocks noGrp="1"/>
+          </p:cNvSpPr>
+          <p:nvPr>
+            <p:ph type="title"/>
+          </p:nvPr>
+        </p:nvSpPr>
+        <p:spPr/>
+        <p:txBody>
+          <a:bodyPr/>
+          <a:lstStyle/>
+          <a:p>
+            <a:r>
+              <a:rPr lang="pl-PL" dirty="0" smtClean="0"/>
+              <a:t>SSAS DMV</a:t>
+            </a:r>
+            <a:endParaRPr lang="pl-PL" dirty="0"/>
+          </a:p>
+        </p:txBody>
+      </p:sp>
+      <p:sp>
+        <p:nvSpPr>
+          <p:cNvPr id="3" name="Content Placeholder 2"/>
+          <p:cNvSpPr>
+            <a:spLocks noGrp="1"/>
+          </p:cNvSpPr>
+          <p:nvPr>
+            <p:ph idx="1"/>
+          </p:nvPr>
+        </p:nvSpPr>
+        <p:spPr>
+          <a:xfrm>
+            <a:off x="677333" y="1930400"/>
+            <a:ext cx="8400763" cy="3086443"/>
+          </a:xfrm>
+        </p:spPr>
+        <p:txBody>
+          <a:bodyPr>
+            <a:normAutofit fontScale="92500"/>
+          </a:bodyPr>
+          <a:lstStyle/>
+          <a:p>
+            <a:r>
+              <a:rPr lang="en-US" dirty="0"/>
+              <a:t>Analysis Services </a:t>
+            </a:r>
+            <a:r>
+              <a:rPr lang="en-US" b="1" dirty="0"/>
+              <a:t>Dynamic Management Views (DMV) </a:t>
+            </a:r>
+            <a:r>
+              <a:rPr lang="en-US" dirty="0"/>
+              <a:t>are queries that return information about model objects, server operations, and server health. </a:t>
+            </a:r>
+            <a:endParaRPr lang="pl-PL" dirty="0" smtClean="0"/>
+          </a:p>
+          <a:p>
+            <a:r>
+              <a:rPr lang="en-US" dirty="0" smtClean="0"/>
+              <a:t>The </a:t>
+            </a:r>
+            <a:r>
+              <a:rPr lang="en-US" dirty="0"/>
+              <a:t>query, based on SQL, is an interface to </a:t>
+            </a:r>
+            <a:r>
+              <a:rPr lang="en-US" b="1" i="1" dirty="0"/>
+              <a:t>schema </a:t>
+            </a:r>
+            <a:r>
+              <a:rPr lang="en-US" b="1" i="1" dirty="0" err="1"/>
+              <a:t>rowsets</a:t>
+            </a:r>
+            <a:r>
+              <a:rPr lang="en-US" dirty="0"/>
+              <a:t>. Schema </a:t>
+            </a:r>
+            <a:r>
+              <a:rPr lang="en-US" dirty="0" err="1"/>
+              <a:t>rowsets</a:t>
+            </a:r>
+            <a:r>
+              <a:rPr lang="en-US" dirty="0"/>
+              <a:t> are </a:t>
+            </a:r>
+            <a:r>
+              <a:rPr lang="en-US" dirty="0" err="1"/>
+              <a:t>predescribed</a:t>
+            </a:r>
+            <a:r>
+              <a:rPr lang="en-US" dirty="0"/>
+              <a:t> tables that contain information about Analysis Services objects and server state, including database schema, active sessions, connections, commands, and jobs that are executing on the server.</a:t>
+            </a:r>
+          </a:p>
+          <a:p>
+            <a:r>
+              <a:rPr lang="en-US" dirty="0"/>
+              <a:t>DMV queries are an </a:t>
+            </a:r>
+            <a:r>
+              <a:rPr lang="en-US" b="1" dirty="0"/>
+              <a:t>alternative to running XML/A </a:t>
+            </a:r>
+            <a:r>
+              <a:rPr lang="en-US" dirty="0"/>
+              <a:t>Discover commands. For most administrators, writing a DMV query is simpler because the </a:t>
+            </a:r>
+            <a:r>
+              <a:rPr lang="en-US" b="1" dirty="0"/>
+              <a:t>syntax is based on SQL</a:t>
+            </a:r>
+            <a:r>
+              <a:rPr lang="en-US" dirty="0"/>
+              <a:t>. In addition, the result is </a:t>
+            </a:r>
+            <a:r>
+              <a:rPr lang="en-US" b="1" dirty="0"/>
+              <a:t>returned in a table format </a:t>
+            </a:r>
+            <a:r>
+              <a:rPr lang="en-US" dirty="0"/>
+              <a:t>that is easier to read and copy.</a:t>
+            </a:r>
+          </a:p>
+        </p:txBody>
+      </p:sp>
+      <p:sp>
+        <p:nvSpPr>
+          <p:cNvPr id="4" name="Rectangle 3"/>
+          <p:cNvSpPr/>
           <p:nvPr/>
-        </p:nvPicPr>
-        <p:blipFill>
-          <a:blip r:embed="rId2"/>
-          <a:stretch>
-            <a:fillRect/>
-          </a:stretch>
-        </p:blipFill>
-        <p:spPr>
-          <a:xfrm>
-            <a:off x="2809103" y="-1"/>
-            <a:ext cx="9382897" cy="6860653"/>
+        </p:nvSpPr>
+        <p:spPr>
+          <a:xfrm>
+            <a:off x="677334" y="5399041"/>
+            <a:ext cx="6096000" cy="369332"/>
           </a:xfrm>
           <a:prstGeom prst="rect">
             <a:avLst/>
           </a:prstGeom>
         </p:spPr>
-      </p:pic>
+        <p:txBody>
+          <a:bodyPr>
+            <a:spAutoFit/>
+          </a:bodyPr>
+          <a:lstStyle/>
+          <a:p>
+            <a:r>
+              <a:rPr lang="pl-PL" sz="900" dirty="0"/>
+              <a:t>https://docs.microsoft.com/en-us/sql/analysis-services/instances/use-dynamic-management-views-dmvs-to-monitor-analysis-services?view=sql-server-2017</a:t>
+            </a:r>
+          </a:p>
+        </p:txBody>
+      </p:sp>
     </p:spTree>
     <p:extLst>
       <p:ext uri="{BB962C8B-B14F-4D97-AF65-F5344CB8AC3E}">
-        <p14:creationId xmlns:p14="http://schemas.microsoft.com/office/powerpoint/2010/main" val="584182787"/>
+        <p14:creationId xmlns:p14="http://schemas.microsoft.com/office/powerpoint/2010/main" val="3816221553"/>
       </p:ext>
     </p:extLst>
   </p:cSld>
@@ -6392,6 +6430,67 @@
       </p:grpSpPr>
       <p:pic>
         <p:nvPicPr>
+          <p:cNvPr id="2" name="Picture 1"/>
+          <p:cNvPicPr>
+            <a:picLocks noChangeAspect="1"/>
+          </p:cNvPicPr>
+          <p:nvPr/>
+        </p:nvPicPr>
+        <p:blipFill>
+          <a:blip r:embed="rId2"/>
+          <a:stretch>
+            <a:fillRect/>
+          </a:stretch>
+        </p:blipFill>
+        <p:spPr>
+          <a:xfrm>
+            <a:off x="2809103" y="-1"/>
+            <a:ext cx="9382897" cy="6860653"/>
+          </a:xfrm>
+          <a:prstGeom prst="rect">
+            <a:avLst/>
+          </a:prstGeom>
+        </p:spPr>
+      </p:pic>
+    </p:spTree>
+    <p:extLst>
+      <p:ext uri="{BB962C8B-B14F-4D97-AF65-F5344CB8AC3E}">
+        <p14:creationId xmlns:p14="http://schemas.microsoft.com/office/powerpoint/2010/main" val="584182787"/>
+      </p:ext>
+    </p:extLst>
+  </p:cSld>
+  <p:clrMapOvr>
+    <a:masterClrMapping/>
+  </p:clrMapOvr>
+  <p:timing>
+    <p:tnLst>
+      <p:par>
+        <p:cTn id="1" dur="indefinite" restart="never" nodeType="tmRoot"/>
+      </p:par>
+    </p:tnLst>
+  </p:timing>
+</p:sld>
+</file>
+
+<file path=ppt/slides/slide15.xml><?xml version="1.0" encoding="utf-8"?>
+<p:sld xmlns:a="http://schemas.openxmlformats.org/drawingml/2006/main" xmlns:r="http://schemas.openxmlformats.org/officeDocument/2006/relationships" xmlns:p="http://schemas.openxmlformats.org/presentationml/2006/main">
+  <p:cSld>
+    <p:spTree>
+      <p:nvGrpSpPr>
+        <p:cNvPr id="1" name=""/>
+        <p:cNvGrpSpPr/>
+        <p:nvPr/>
+      </p:nvGrpSpPr>
+      <p:grpSpPr>
+        <a:xfrm>
+          <a:off x="0" y="0"/>
+          <a:ext cx="0" cy="0"/>
+          <a:chOff x="0" y="0"/>
+          <a:chExt cx="0" cy="0"/>
+        </a:xfrm>
+      </p:grpSpPr>
+      <p:pic>
+        <p:nvPicPr>
           <p:cNvPr id="7" name="Picture 6"/>
           <p:cNvPicPr>
             <a:picLocks noChangeAspect="1"/>
@@ -6424,10 +6523,17 @@
   <p:clrMapOvr>
     <a:masterClrMapping/>
   </p:clrMapOvr>
+  <p:timing>
+    <p:tnLst>
+      <p:par>
+        <p:cTn id="1" dur="indefinite" restart="never" nodeType="tmRoot"/>
+      </p:par>
+    </p:tnLst>
+  </p:timing>
 </p:sld>
 </file>
 
-<file path=ppt/slides/slide15.xml><?xml version="1.0" encoding="utf-8"?>
+<file path=ppt/slides/slide16.xml><?xml version="1.0" encoding="utf-8"?>
 <p:sld xmlns:a="http://schemas.openxmlformats.org/drawingml/2006/main" xmlns:r="http://schemas.openxmlformats.org/officeDocument/2006/relationships" xmlns:p="http://schemas.openxmlformats.org/presentationml/2006/main">
   <p:cSld>
     <p:spTree>
@@ -6478,10 +6584,17 @@
   <p:clrMapOvr>
     <a:masterClrMapping/>
   </p:clrMapOvr>
+  <p:timing>
+    <p:tnLst>
+      <p:par>
+        <p:cTn id="1" dur="indefinite" restart="never" nodeType="tmRoot"/>
+      </p:par>
+    </p:tnLst>
+  </p:timing>
 </p:sld>
 </file>
 
-<file path=ppt/slides/slide16.xml><?xml version="1.0" encoding="utf-8"?>
+<file path=ppt/slides/slide17.xml><?xml version="1.0" encoding="utf-8"?>
 <p:sld xmlns:a="http://schemas.openxmlformats.org/drawingml/2006/main" xmlns:r="http://schemas.openxmlformats.org/officeDocument/2006/relationships" xmlns:p="http://schemas.openxmlformats.org/presentationml/2006/main">
   <p:cSld>
     <p:spTree>
@@ -6526,60 +6639,6 @@
     <p:extLst>
       <p:ext uri="{BB962C8B-B14F-4D97-AF65-F5344CB8AC3E}">
         <p14:creationId xmlns:p14="http://schemas.microsoft.com/office/powerpoint/2010/main" val="831594063"/>
-      </p:ext>
-    </p:extLst>
-  </p:cSld>
-  <p:clrMapOvr>
-    <a:masterClrMapping/>
-  </p:clrMapOvr>
-</p:sld>
-</file>
-
-<file path=ppt/slides/slide17.xml><?xml version="1.0" encoding="utf-8"?>
-<p:sld xmlns:a="http://schemas.openxmlformats.org/drawingml/2006/main" xmlns:r="http://schemas.openxmlformats.org/officeDocument/2006/relationships" xmlns:p="http://schemas.openxmlformats.org/presentationml/2006/main">
-  <p:cSld>
-    <p:spTree>
-      <p:nvGrpSpPr>
-        <p:cNvPr id="1" name=""/>
-        <p:cNvGrpSpPr/>
-        <p:nvPr/>
-      </p:nvGrpSpPr>
-      <p:grpSpPr>
-        <a:xfrm>
-          <a:off x="0" y="0"/>
-          <a:ext cx="0" cy="0"/>
-          <a:chOff x="0" y="0"/>
-          <a:chExt cx="0" cy="0"/>
-        </a:xfrm>
-      </p:grpSpPr>
-      <p:pic>
-        <p:nvPicPr>
-          <p:cNvPr id="2" name="Picture 1"/>
-          <p:cNvPicPr>
-            <a:picLocks noChangeAspect="1"/>
-          </p:cNvPicPr>
-          <p:nvPr/>
-        </p:nvPicPr>
-        <p:blipFill>
-          <a:blip r:embed="rId2"/>
-          <a:stretch>
-            <a:fillRect/>
-          </a:stretch>
-        </p:blipFill>
-        <p:spPr>
-          <a:xfrm>
-            <a:off x="1" y="-5105"/>
-            <a:ext cx="12192000" cy="6863105"/>
-          </a:xfrm>
-          <a:prstGeom prst="rect">
-            <a:avLst/>
-          </a:prstGeom>
-        </p:spPr>
-      </p:pic>
-    </p:spTree>
-    <p:extLst>
-      <p:ext uri="{BB962C8B-B14F-4D97-AF65-F5344CB8AC3E}">
-        <p14:creationId xmlns:p14="http://schemas.microsoft.com/office/powerpoint/2010/main" val="3651158010"/>
       </p:ext>
     </p:extLst>
   </p:cSld>
@@ -6613,52 +6672,34 @@
           <a:chExt cx="0" cy="0"/>
         </a:xfrm>
       </p:grpSpPr>
-      <p:sp>
-        <p:nvSpPr>
-          <p:cNvPr id="2" name="Title 1"/>
-          <p:cNvSpPr>
-            <a:spLocks noGrp="1"/>
-          </p:cNvSpPr>
-          <p:nvPr>
-            <p:ph type="title"/>
-          </p:nvPr>
-        </p:nvSpPr>
-        <p:spPr/>
-        <p:txBody>
-          <a:bodyPr/>
-          <a:lstStyle/>
-          <a:p>
-            <a:r>
-              <a:rPr lang="pl-PL" dirty="0" smtClean="0"/>
-              <a:t>demo #01</a:t>
-            </a:r>
-            <a:endParaRPr lang="pl-PL" dirty="0"/>
-          </a:p>
-        </p:txBody>
-      </p:sp>
-      <p:sp>
-        <p:nvSpPr>
-          <p:cNvPr id="3" name="Text Placeholder 2"/>
-          <p:cNvSpPr>
-            <a:spLocks noGrp="1"/>
-          </p:cNvSpPr>
-          <p:nvPr>
-            <p:ph type="body" idx="1"/>
-          </p:nvPr>
-        </p:nvSpPr>
-        <p:spPr/>
-        <p:txBody>
-          <a:bodyPr/>
-          <a:lstStyle/>
-          <a:p>
-            <a:endParaRPr lang="pl-PL" dirty="0"/>
-          </a:p>
-        </p:txBody>
-      </p:sp>
+      <p:pic>
+        <p:nvPicPr>
+          <p:cNvPr id="2" name="Picture 1"/>
+          <p:cNvPicPr>
+            <a:picLocks noChangeAspect="1"/>
+          </p:cNvPicPr>
+          <p:nvPr/>
+        </p:nvPicPr>
+        <p:blipFill>
+          <a:blip r:embed="rId2"/>
+          <a:stretch>
+            <a:fillRect/>
+          </a:stretch>
+        </p:blipFill>
+        <p:spPr>
+          <a:xfrm>
+            <a:off x="1" y="-5105"/>
+            <a:ext cx="12192000" cy="6863105"/>
+          </a:xfrm>
+          <a:prstGeom prst="rect">
+            <a:avLst/>
+          </a:prstGeom>
+        </p:spPr>
+      </p:pic>
     </p:spTree>
     <p:extLst>
       <p:ext uri="{BB962C8B-B14F-4D97-AF65-F5344CB8AC3E}">
-        <p14:creationId xmlns:p14="http://schemas.microsoft.com/office/powerpoint/2010/main" val="156644176"/>
+        <p14:creationId xmlns:p14="http://schemas.microsoft.com/office/powerpoint/2010/main" val="3651158010"/>
       </p:ext>
     </p:extLst>
   </p:cSld>
@@ -6709,7 +6750,7 @@
           <a:p>
             <a:r>
               <a:rPr lang="pl-PL" dirty="0" smtClean="0"/>
-              <a:t>Attempt #02: AMO</a:t>
+              <a:t>demo #01</a:t>
             </a:r>
             <a:endParaRPr lang="pl-PL" dirty="0"/>
           </a:p>
@@ -6730,14 +6771,14 @@
           <a:bodyPr/>
           <a:lstStyle/>
           <a:p>
-            <a:endParaRPr lang="pl-PL"/>
+            <a:endParaRPr lang="pl-PL" dirty="0"/>
           </a:p>
         </p:txBody>
       </p:sp>
     </p:spTree>
     <p:extLst>
       <p:ext uri="{BB962C8B-B14F-4D97-AF65-F5344CB8AC3E}">
-        <p14:creationId xmlns:p14="http://schemas.microsoft.com/office/powerpoint/2010/main" val="587038185"/>
+        <p14:creationId xmlns:p14="http://schemas.microsoft.com/office/powerpoint/2010/main" val="156644176"/>
       </p:ext>
     </p:extLst>
   </p:cSld>
@@ -6771,283 +6812,74 @@
           <a:chExt cx="0" cy="0"/>
         </a:xfrm>
       </p:grpSpPr>
-      <p:sp>
-        <p:nvSpPr>
-          <p:cNvPr id="2" name="Cube 1"/>
-          <p:cNvSpPr/>
+      <p:pic>
+        <p:nvPicPr>
+          <p:cNvPr id="2" name="Picture 2" descr="Obraz moÅ¼e zawieraÄ: 1 osoba, uÅmiecha siÄ">
+            <a:extLst>
+              <a:ext uri="{FF2B5EF4-FFF2-40B4-BE49-F238E27FC236}">
+                <a16:creationId xmlns="" xmlns:a16="http://schemas.microsoft.com/office/drawing/2014/main" id="{59F475D3-B464-481B-9197-2DBADE7ED80B}"/>
+              </a:ext>
+            </a:extLst>
+          </p:cNvPr>
+          <p:cNvPicPr>
+            <a:picLocks noChangeAspect="1" noChangeArrowheads="1"/>
+          </p:cNvPicPr>
           <p:nvPr/>
-        </p:nvSpPr>
-        <p:spPr>
-          <a:xfrm>
-            <a:off x="5511114" y="4563760"/>
-            <a:ext cx="1532237" cy="1375719"/>
-          </a:xfrm>
-          <a:prstGeom prst="cube">
-            <a:avLst/>
-          </a:prstGeom>
-        </p:spPr>
-        <p:style>
-          <a:lnRef idx="2">
-            <a:schemeClr val="accent3">
-              <a:shade val="50000"/>
-            </a:schemeClr>
-          </a:lnRef>
-          <a:fillRef idx="1">
-            <a:schemeClr val="accent3"/>
-          </a:fillRef>
-          <a:effectRef idx="0">
-            <a:schemeClr val="accent3"/>
-          </a:effectRef>
-          <a:fontRef idx="minor">
-            <a:schemeClr val="lt1"/>
-          </a:fontRef>
-        </p:style>
-        <p:txBody>
-          <a:bodyPr rtlCol="0" anchor="ctr"/>
-          <a:lstStyle/>
-          <a:p>
-            <a:pPr algn="ctr"/>
-            <a:r>
-              <a:rPr lang="pl-PL" dirty="0" smtClean="0"/>
-              <a:t>OLAP MD</a:t>
-            </a:r>
-            <a:endParaRPr lang="pl-PL" dirty="0"/>
-          </a:p>
-        </p:txBody>
-      </p:sp>
-      <p:sp>
-        <p:nvSpPr>
-          <p:cNvPr id="3" name="Can 2"/>
-          <p:cNvSpPr/>
-          <p:nvPr/>
-        </p:nvSpPr>
-        <p:spPr>
-          <a:xfrm>
-            <a:off x="593125" y="2776149"/>
-            <a:ext cx="1540476" cy="1573427"/>
-          </a:xfrm>
-          <a:prstGeom prst="can">
-            <a:avLst/>
-          </a:prstGeom>
-        </p:spPr>
-        <p:style>
-          <a:lnRef idx="2">
-            <a:schemeClr val="accent6">
-              <a:shade val="50000"/>
-            </a:schemeClr>
-          </a:lnRef>
-          <a:fillRef idx="1">
-            <a:schemeClr val="accent6"/>
-          </a:fillRef>
-          <a:effectRef idx="0">
-            <a:schemeClr val="accent6"/>
-          </a:effectRef>
-          <a:fontRef idx="minor">
-            <a:schemeClr val="lt1"/>
-          </a:fontRef>
-        </p:style>
-        <p:txBody>
-          <a:bodyPr rtlCol="0" anchor="ctr"/>
-          <a:lstStyle/>
-          <a:p>
-            <a:pPr algn="ctr"/>
-            <a:r>
-              <a:rPr lang="pl-PL" dirty="0" smtClean="0"/>
-              <a:t>ERP System</a:t>
-            </a:r>
-            <a:endParaRPr lang="pl-PL" dirty="0"/>
-          </a:p>
-        </p:txBody>
-      </p:sp>
-      <p:sp>
-        <p:nvSpPr>
-          <p:cNvPr id="4" name="Can 3"/>
-          <p:cNvSpPr/>
-          <p:nvPr/>
-        </p:nvSpPr>
-        <p:spPr>
-          <a:xfrm>
-            <a:off x="4291914" y="2776149"/>
-            <a:ext cx="2438400" cy="1573427"/>
-          </a:xfrm>
-          <a:prstGeom prst="can">
-            <a:avLst/>
-          </a:prstGeom>
-        </p:spPr>
-        <p:style>
-          <a:lnRef idx="2">
-            <a:schemeClr val="accent1">
-              <a:shade val="50000"/>
-            </a:schemeClr>
-          </a:lnRef>
-          <a:fillRef idx="1">
-            <a:schemeClr val="accent1"/>
-          </a:fillRef>
-          <a:effectRef idx="0">
-            <a:schemeClr val="accent1"/>
-          </a:effectRef>
-          <a:fontRef idx="minor">
-            <a:schemeClr val="lt1"/>
-          </a:fontRef>
-        </p:style>
-        <p:txBody>
-          <a:bodyPr rtlCol="0" anchor="ctr"/>
-          <a:lstStyle/>
-          <a:p>
-            <a:pPr algn="ctr"/>
-            <a:r>
-              <a:rPr lang="pl-PL" dirty="0" smtClean="0"/>
-              <a:t>Data Mart</a:t>
-            </a:r>
-            <a:endParaRPr lang="pl-PL" dirty="0"/>
-          </a:p>
-        </p:txBody>
-      </p:sp>
-      <p:sp>
-        <p:nvSpPr>
-          <p:cNvPr id="8" name="Right Arrow 7"/>
-          <p:cNvSpPr/>
-          <p:nvPr/>
-        </p:nvSpPr>
-        <p:spPr>
-          <a:xfrm>
-            <a:off x="2549611" y="3266299"/>
-            <a:ext cx="1326292" cy="593125"/>
-          </a:xfrm>
-          <a:prstGeom prst="rightArrow">
-            <a:avLst/>
-          </a:prstGeom>
-        </p:spPr>
-        <p:style>
-          <a:lnRef idx="2">
-            <a:schemeClr val="accent2">
-              <a:shade val="50000"/>
-            </a:schemeClr>
-          </a:lnRef>
-          <a:fillRef idx="1">
-            <a:schemeClr val="accent2"/>
-          </a:fillRef>
-          <a:effectRef idx="0">
-            <a:schemeClr val="accent2"/>
-          </a:effectRef>
-          <a:fontRef idx="minor">
-            <a:schemeClr val="lt1"/>
-          </a:fontRef>
-        </p:style>
-        <p:txBody>
-          <a:bodyPr rtlCol="0" anchor="ctr"/>
-          <a:lstStyle/>
-          <a:p>
-            <a:pPr algn="ctr"/>
-            <a:r>
-              <a:rPr lang="pl-PL" dirty="0" smtClean="0"/>
-              <a:t>ETL</a:t>
-            </a:r>
-            <a:endParaRPr lang="pl-PL" dirty="0"/>
-          </a:p>
-        </p:txBody>
-      </p:sp>
-      <p:sp>
-        <p:nvSpPr>
-          <p:cNvPr id="9" name="Flowchart: Multidocument 8"/>
-          <p:cNvSpPr/>
-          <p:nvPr/>
-        </p:nvSpPr>
-        <p:spPr>
-          <a:xfrm>
-            <a:off x="7265773" y="3486664"/>
-            <a:ext cx="1746421" cy="1725824"/>
-          </a:xfrm>
-          <a:prstGeom prst="flowChartMultidocument">
-            <a:avLst/>
-          </a:prstGeom>
-        </p:spPr>
-        <p:style>
-          <a:lnRef idx="2">
-            <a:schemeClr val="accent4">
-              <a:shade val="50000"/>
-            </a:schemeClr>
-          </a:lnRef>
-          <a:fillRef idx="1">
-            <a:schemeClr val="accent4"/>
-          </a:fillRef>
-          <a:effectRef idx="0">
-            <a:schemeClr val="accent4"/>
-          </a:effectRef>
-          <a:fontRef idx="minor">
-            <a:schemeClr val="lt1"/>
-          </a:fontRef>
-        </p:style>
-        <p:txBody>
-          <a:bodyPr rtlCol="0" anchor="ctr"/>
-          <a:lstStyle/>
-          <a:p>
-            <a:pPr algn="ctr"/>
-            <a:r>
-              <a:rPr lang="pl-PL" dirty="0" smtClean="0"/>
-              <a:t>SSRS/ PBI/ XLS</a:t>
-            </a:r>
-            <a:endParaRPr lang="pl-PL" dirty="0"/>
-          </a:p>
-        </p:txBody>
-      </p:sp>
-      <p:sp>
-        <p:nvSpPr>
-          <p:cNvPr id="11" name="Right Brace 10"/>
-          <p:cNvSpPr/>
-          <p:nvPr/>
-        </p:nvSpPr>
-        <p:spPr>
-          <a:xfrm rot="16200000">
-            <a:off x="5416379" y="-947352"/>
-            <a:ext cx="729048" cy="6462583"/>
-          </a:xfrm>
-          <a:prstGeom prst="rightBrace">
-            <a:avLst>
-              <a:gd name="adj1" fmla="val 53531"/>
-              <a:gd name="adj2" fmla="val 68100"/>
-            </a:avLst>
-          </a:prstGeom>
-          <a:ln w="28575"/>
-        </p:spPr>
-        <p:style>
-          <a:lnRef idx="1">
-            <a:schemeClr val="accent1"/>
-          </a:lnRef>
-          <a:fillRef idx="0">
-            <a:schemeClr val="accent1"/>
-          </a:fillRef>
-          <a:effectRef idx="0">
-            <a:schemeClr val="accent1"/>
-          </a:effectRef>
-          <a:fontRef idx="minor">
-            <a:schemeClr val="tx1"/>
-          </a:fontRef>
-        </p:style>
-        <p:txBody>
-          <a:bodyPr rtlCol="0" anchor="ctr"/>
-          <a:lstStyle/>
-          <a:p>
-            <a:pPr algn="ctr"/>
-            <a:endParaRPr lang="pl-PL"/>
-          </a:p>
-        </p:txBody>
-      </p:sp>
-      <p:sp>
-        <p:nvSpPr>
-          <p:cNvPr id="12" name="TextBox 11"/>
-          <p:cNvSpPr txBox="1"/>
-          <p:nvPr/>
-        </p:nvSpPr>
-        <p:spPr>
-          <a:xfrm>
-            <a:off x="6384324" y="1335899"/>
-            <a:ext cx="2627870" cy="369332"/>
+        </p:nvPicPr>
+        <p:blipFill>
+          <a:blip r:embed="rId2" cstate="print">
+            <a:extLst>
+              <a:ext uri="{28A0092B-C50C-407E-A947-70E740481C1C}">
+                <a14:useLocalDpi xmlns:a14="http://schemas.microsoft.com/office/drawing/2010/main" val="0"/>
+              </a:ext>
+            </a:extLst>
+          </a:blip>
+          <a:srcRect/>
+          <a:stretch>
+            <a:fillRect/>
+          </a:stretch>
+        </p:blipFill>
+        <p:spPr bwMode="auto">
+          <a:xfrm>
+            <a:off x="913534" y="3156338"/>
+            <a:ext cx="3162301" cy="3162301"/>
           </a:xfrm>
           <a:prstGeom prst="rect">
             <a:avLst/>
           </a:prstGeom>
           <a:noFill/>
+          <a:extLst>
+            <a:ext uri="{909E8E84-426E-40DD-AFC4-6F175D3DCCD1}">
+              <a14:hiddenFill xmlns:a14="http://schemas.microsoft.com/office/drawing/2010/main">
+                <a:solidFill>
+                  <a:srgbClr val="FFFFFF"/>
+                </a:solidFill>
+              </a14:hiddenFill>
+            </a:ext>
+          </a:extLst>
+        </p:spPr>
+      </p:pic>
+      <p:sp>
+        <p:nvSpPr>
+          <p:cNvPr id="3" name="pole tekstowe 2">
+            <a:extLst>
+              <a:ext uri="{FF2B5EF4-FFF2-40B4-BE49-F238E27FC236}">
+                <a16:creationId xmlns="" xmlns:a16="http://schemas.microsoft.com/office/drawing/2014/main" id="{4C5A1006-024D-4E32-BF71-E482DB13051E}"/>
+              </a:ext>
+            </a:extLst>
+          </p:cNvPr>
+          <p:cNvSpPr txBox="1"/>
+          <p:nvPr/>
+        </p:nvSpPr>
+        <p:spPr>
+          <a:xfrm>
+            <a:off x="913534" y="615661"/>
+            <a:ext cx="5953125" cy="2031325"/>
+          </a:xfrm>
+          <a:prstGeom prst="rect">
+            <a:avLst/>
+          </a:prstGeom>
+          <a:noFill/>
         </p:spPr>
         <p:txBody>
           <a:bodyPr wrap="square" rtlCol="0">
@@ -7056,17 +6888,56 @@
           <a:lstStyle/>
           <a:p>
             <a:r>
-              <a:rPr lang="pl-PL" b="1" dirty="0" smtClean="0"/>
-              <a:t>BI Module</a:t>
-            </a:r>
-            <a:endParaRPr lang="pl-PL" b="1" dirty="0"/>
+              <a:rPr lang="pl-PL" b="1" dirty="0"/>
+              <a:t>Tomasz Kostyrka</a:t>
+            </a:r>
+          </a:p>
+          <a:p>
+            <a:r>
+              <a:rPr lang="pl-PL" dirty="0"/>
+              <a:t>Senior BI Developer @</a:t>
+            </a:r>
+            <a:r>
+              <a:rPr lang="pl-PL" dirty="0" err="1"/>
+              <a:t>tieto</a:t>
+            </a:r>
+            <a:endParaRPr lang="pl-PL" dirty="0"/>
+          </a:p>
+          <a:p>
+            <a:r>
+              <a:rPr lang="pl-PL" dirty="0"/>
+              <a:t>Assistant @</a:t>
+            </a:r>
+            <a:r>
+              <a:rPr lang="pl-PL" dirty="0" err="1"/>
+              <a:t>wsei</a:t>
+            </a:r>
+            <a:endParaRPr lang="pl-PL" dirty="0"/>
+          </a:p>
+          <a:p>
+            <a:endParaRPr lang="pl-PL" dirty="0"/>
+          </a:p>
+          <a:p>
+            <a:r>
+              <a:rPr lang="pl-PL" dirty="0"/>
+              <a:t>tomek.kostyrka@gmail.com</a:t>
+            </a:r>
+          </a:p>
+          <a:p>
+            <a:r>
+              <a:rPr lang="pl-PL" dirty="0"/>
+              <a:t>https://github.com/TKostyrkaWSEI/SSISPGen</a:t>
+            </a:r>
+          </a:p>
+          <a:p>
+            <a:endParaRPr lang="pl-PL" dirty="0"/>
           </a:p>
         </p:txBody>
       </p:sp>
     </p:spTree>
     <p:extLst>
       <p:ext uri="{BB962C8B-B14F-4D97-AF65-F5344CB8AC3E}">
-        <p14:creationId xmlns:p14="http://schemas.microsoft.com/office/powerpoint/2010/main" val="262424219"/>
+        <p14:creationId xmlns:p14="http://schemas.microsoft.com/office/powerpoint/2010/main" val="663337160"/>
       </p:ext>
     </p:extLst>
   </p:cSld>
@@ -7117,7 +6988,7 @@
           <a:p>
             <a:r>
               <a:rPr lang="pl-PL" dirty="0" smtClean="0"/>
-              <a:t>dlls</a:t>
+              <a:t>Attempt #02: AMO</a:t>
             </a:r>
             <a:endParaRPr lang="pl-PL" dirty="0"/>
           </a:p>
@@ -7125,126 +6996,27 @@
       </p:sp>
       <p:sp>
         <p:nvSpPr>
-          <p:cNvPr id="3" name="Content Placeholder 2"/>
-          <p:cNvSpPr>
-            <a:spLocks noGrp="1"/>
-          </p:cNvSpPr>
-          <p:nvPr>
-            <p:ph idx="1"/>
-          </p:nvPr>
-        </p:nvSpPr>
-        <p:spPr>
-          <a:xfrm>
-            <a:off x="677334" y="1930400"/>
-            <a:ext cx="5146817" cy="3880773"/>
-          </a:xfrm>
-        </p:spPr>
+          <p:cNvPr id="3" name="Text Placeholder 2"/>
+          <p:cNvSpPr>
+            <a:spLocks noGrp="1"/>
+          </p:cNvSpPr>
+          <p:nvPr>
+            <p:ph type="body" idx="1"/>
+          </p:nvPr>
+        </p:nvSpPr>
+        <p:spPr/>
         <p:txBody>
           <a:bodyPr/>
           <a:lstStyle/>
           <a:p>
-            <a:pPr marL="0" indent="0">
-              <a:buNone/>
-            </a:pPr>
-            <a:r>
-              <a:rPr lang="en-US" b="1" dirty="0"/>
-              <a:t>Analysis Management Objects (AMO) </a:t>
-            </a:r>
-            <a:endParaRPr lang="pl-PL" b="1" dirty="0" smtClean="0"/>
-          </a:p>
-          <a:p>
-            <a:pPr marL="0" indent="0">
-              <a:buNone/>
-            </a:pPr>
-            <a:r>
-              <a:rPr lang="pl-PL" dirty="0" smtClean="0"/>
-              <a:t>A </a:t>
-            </a:r>
-            <a:r>
-              <a:rPr lang="en-US" dirty="0" smtClean="0"/>
-              <a:t>library </a:t>
-            </a:r>
-            <a:r>
-              <a:rPr lang="en-US" dirty="0"/>
-              <a:t>of classes designed to manage an instance of Microsoft SQL Server Analysis Services from a client application. AMO classes are classes that you will use to administer Analysis Services objects such as databases, dimensions, cubes, mining structures and models, roles and permissions, exceptions, and others</a:t>
-            </a:r>
-            <a:endParaRPr lang="pl-PL" b="1" dirty="0"/>
-          </a:p>
-        </p:txBody>
-      </p:sp>
-      <p:pic>
-        <p:nvPicPr>
-          <p:cNvPr id="1026" name="Picture 2" descr="Classes reviewed in AMO conceptual topics"/>
-          <p:cNvPicPr>
-            <a:picLocks noChangeAspect="1" noChangeArrowheads="1"/>
-          </p:cNvPicPr>
-          <p:nvPr/>
-        </p:nvPicPr>
-        <p:blipFill>
-          <a:blip r:embed="rId2">
-            <a:extLst>
-              <a:ext uri="{28A0092B-C50C-407E-A947-70E740481C1C}">
-                <a14:useLocalDpi xmlns:a14="http://schemas.microsoft.com/office/drawing/2010/main" val="0"/>
-              </a:ext>
-            </a:extLst>
-          </a:blip>
-          <a:srcRect/>
-          <a:stretch>
-            <a:fillRect/>
-          </a:stretch>
-        </p:blipFill>
-        <p:spPr bwMode="auto">
-          <a:xfrm>
-            <a:off x="6639696" y="609600"/>
-            <a:ext cx="1894605" cy="5164326"/>
-          </a:xfrm>
-          <a:prstGeom prst="rect">
-            <a:avLst/>
-          </a:prstGeom>
-          <a:noFill/>
-          <a:extLst>
-            <a:ext uri="{909E8E84-426E-40DD-AFC4-6F175D3DCCD1}">
-              <a14:hiddenFill xmlns:a14="http://schemas.microsoft.com/office/drawing/2010/main">
-                <a:solidFill>
-                  <a:srgbClr val="FFFFFF"/>
-                </a:solidFill>
-              </a14:hiddenFill>
-            </a:ext>
-          </a:extLst>
-        </p:spPr>
-      </p:pic>
-      <p:sp>
-        <p:nvSpPr>
-          <p:cNvPr id="4" name="Rectangle 3"/>
-          <p:cNvSpPr/>
-          <p:nvPr/>
-        </p:nvSpPr>
-        <p:spPr>
-          <a:xfrm>
-            <a:off x="677334" y="5399041"/>
-            <a:ext cx="6096000" cy="369332"/>
-          </a:xfrm>
-          <a:prstGeom prst="rect">
-            <a:avLst/>
-          </a:prstGeom>
-        </p:spPr>
-        <p:txBody>
-          <a:bodyPr>
-            <a:spAutoFit/>
-          </a:bodyPr>
-          <a:lstStyle/>
-          <a:p>
-            <a:r>
-              <a:rPr lang="pl-PL" sz="900" dirty="0"/>
-              <a:t>https://docs.microsoft.com/en-us/sql/analysis-services/multidimensional-models/analysis-management-objects/amo-classes-introduction?view=sql-server-2017</a:t>
-            </a:r>
+            <a:endParaRPr lang="pl-PL"/>
           </a:p>
         </p:txBody>
       </p:sp>
     </p:spTree>
     <p:extLst>
       <p:ext uri="{BB962C8B-B14F-4D97-AF65-F5344CB8AC3E}">
-        <p14:creationId xmlns:p14="http://schemas.microsoft.com/office/powerpoint/2010/main" val="1405567590"/>
+        <p14:creationId xmlns:p14="http://schemas.microsoft.com/office/powerpoint/2010/main" val="587038185"/>
       </p:ext>
     </p:extLst>
   </p:cSld>
@@ -7314,7 +7086,7 @@
         <p:spPr>
           <a:xfrm>
             <a:off x="677334" y="1930400"/>
-            <a:ext cx="8334861" cy="3880773"/>
+            <a:ext cx="5146817" cy="3880773"/>
           </a:xfrm>
         </p:spPr>
         <p:txBody>
@@ -7325,53 +7097,72 @@
               <a:buNone/>
             </a:pPr>
             <a:r>
+              <a:rPr lang="en-US" b="1" dirty="0"/>
+              <a:t>Analysis Management Objects (AMO) </a:t>
+            </a:r>
+            <a:endParaRPr lang="pl-PL" b="1" dirty="0" smtClean="0"/>
+          </a:p>
+          <a:p>
+            <a:pPr marL="0" indent="0">
+              <a:buNone/>
+            </a:pPr>
+            <a:r>
               <a:rPr lang="pl-PL" dirty="0" smtClean="0"/>
-              <a:t>T</a:t>
+              <a:t>A </a:t>
             </a:r>
             <a:r>
               <a:rPr lang="en-US" dirty="0" smtClean="0"/>
-              <a:t>he </a:t>
-            </a:r>
-            <a:r>
-              <a:rPr lang="en-US" b="1" dirty="0"/>
-              <a:t>ADOMD.NET</a:t>
+              <a:t>library </a:t>
             </a:r>
             <a:r>
               <a:rPr lang="en-US" dirty="0"/>
-              <a:t> server objects are helper objects that can be used to create user defined functions (UDFs) or stored procedures in Microsoft SQL Server Analysis Services</a:t>
-            </a:r>
-            <a:r>
-              <a:rPr lang="en-US" dirty="0" smtClean="0"/>
-              <a:t>.</a:t>
-            </a:r>
-            <a:endParaRPr lang="pl-PL" dirty="0" smtClean="0"/>
-          </a:p>
-          <a:p>
-            <a:pPr marL="0" indent="0">
-              <a:buNone/>
-            </a:pPr>
+              <a:t>of classes designed to manage an instance of Microsoft SQL Server Analysis Services from a client application. AMO classes are classes that you will use to administer Analysis Services objects such as databases, dimensions, cubes, mining structures and models, roles and permissions, exceptions, and others</a:t>
+            </a:r>
             <a:endParaRPr lang="pl-PL" b="1" dirty="0"/>
           </a:p>
-          <a:p>
-            <a:pPr marL="0" indent="0">
-              <a:buNone/>
-            </a:pPr>
-            <a:r>
-              <a:rPr lang="pl-PL" dirty="0"/>
-              <a:t>The ADOMD.NET server components of ADOMD.NET reside within the </a:t>
-            </a:r>
-            <a:r>
-              <a:rPr lang="pl-PL" b="1" dirty="0"/>
-              <a:t>Microsoft.AnalysisServices.AdomdServer</a:t>
-            </a:r>
-            <a:r>
-              <a:rPr lang="pl-PL" dirty="0"/>
-              <a:t> namespace (in msmgdsrv.dll). You use these server components to create custom Multidimensional Expressions (MDX) functions and stored procedures that are run on an instance of Microsoft SQL Server Analysis Services.</a:t>
-            </a:r>
-            <a:endParaRPr lang="pl-PL" b="1" dirty="0"/>
-          </a:p>
-        </p:txBody>
-      </p:sp>
+        </p:txBody>
+      </p:sp>
+      <p:pic>
+        <p:nvPicPr>
+          <p:cNvPr id="1026" name="Picture 2" descr="Classes reviewed in AMO conceptual topics"/>
+          <p:cNvPicPr>
+            <a:picLocks noChangeAspect="1" noChangeArrowheads="1"/>
+          </p:cNvPicPr>
+          <p:nvPr/>
+        </p:nvPicPr>
+        <p:blipFill>
+          <a:blip r:embed="rId2">
+            <a:extLst>
+              <a:ext uri="{28A0092B-C50C-407E-A947-70E740481C1C}">
+                <a14:useLocalDpi xmlns:a14="http://schemas.microsoft.com/office/drawing/2010/main" val="0"/>
+              </a:ext>
+            </a:extLst>
+          </a:blip>
+          <a:srcRect/>
+          <a:stretch>
+            <a:fillRect/>
+          </a:stretch>
+        </p:blipFill>
+        <p:spPr bwMode="auto">
+          <a:xfrm>
+            <a:off x="6639696" y="609600"/>
+            <a:ext cx="1894605" cy="5164326"/>
+          </a:xfrm>
+          <a:prstGeom prst="rect">
+            <a:avLst/>
+          </a:prstGeom>
+          <a:noFill/>
+          <a:extLst>
+            <a:ext uri="{909E8E84-426E-40DD-AFC4-6F175D3DCCD1}">
+              <a14:hiddenFill xmlns:a14="http://schemas.microsoft.com/office/drawing/2010/main">
+                <a:solidFill>
+                  <a:srgbClr val="FFFFFF"/>
+                </a:solidFill>
+              </a14:hiddenFill>
+            </a:ext>
+          </a:extLst>
+        </p:spPr>
+      </p:pic>
       <p:sp>
         <p:nvSpPr>
           <p:cNvPr id="4" name="Rectangle 3"/>
@@ -7380,8 +7171,8 @@
         </p:nvSpPr>
         <p:spPr>
           <a:xfrm>
-            <a:off x="677334" y="5415517"/>
-            <a:ext cx="6096000" cy="392415"/>
+            <a:off x="677334" y="5399041"/>
+            <a:ext cx="6096000" cy="369332"/>
           </a:xfrm>
           <a:prstGeom prst="rect">
             <a:avLst/>
@@ -7394,12 +7185,8 @@
           <a:lstStyle/>
           <a:p>
             <a:r>
-              <a:rPr lang="pl-PL" sz="1050" dirty="0"/>
-              <a:t>https://</a:t>
-            </a:r>
-            <a:r>
               <a:rPr lang="pl-PL" sz="900" dirty="0"/>
-              <a:t>docs.microsoft.com/en-us/sql/analysis-services/multidimensional-models-adomd-net-server/adomd-net-server-object-architecture?view=sql-server-2017</a:t>
+              <a:t>https://docs.microsoft.com/en-us/sql/analysis-services/multidimensional-models/analysis-management-objects/amo-classes-introduction?view=sql-server-2017</a:t>
             </a:r>
           </a:p>
         </p:txBody>
@@ -7407,7 +7194,7 @@
     </p:spTree>
     <p:extLst>
       <p:ext uri="{BB962C8B-B14F-4D97-AF65-F5344CB8AC3E}">
-        <p14:creationId xmlns:p14="http://schemas.microsoft.com/office/powerpoint/2010/main" val="2226700345"/>
+        <p14:creationId xmlns:p14="http://schemas.microsoft.com/office/powerpoint/2010/main" val="1405567590"/>
       </p:ext>
     </p:extLst>
   </p:cSld>
@@ -7458,6 +7245,169 @@
           <a:p>
             <a:r>
               <a:rPr lang="pl-PL" dirty="0" smtClean="0"/>
+              <a:t>dlls</a:t>
+            </a:r>
+            <a:endParaRPr lang="pl-PL" dirty="0"/>
+          </a:p>
+        </p:txBody>
+      </p:sp>
+      <p:sp>
+        <p:nvSpPr>
+          <p:cNvPr id="3" name="Content Placeholder 2"/>
+          <p:cNvSpPr>
+            <a:spLocks noGrp="1"/>
+          </p:cNvSpPr>
+          <p:nvPr>
+            <p:ph idx="1"/>
+          </p:nvPr>
+        </p:nvSpPr>
+        <p:spPr>
+          <a:xfrm>
+            <a:off x="677334" y="1930400"/>
+            <a:ext cx="8334861" cy="3880773"/>
+          </a:xfrm>
+        </p:spPr>
+        <p:txBody>
+          <a:bodyPr/>
+          <a:lstStyle/>
+          <a:p>
+            <a:pPr marL="0" indent="0">
+              <a:buNone/>
+            </a:pPr>
+            <a:r>
+              <a:rPr lang="pl-PL" dirty="0" smtClean="0"/>
+              <a:t>T</a:t>
+            </a:r>
+            <a:r>
+              <a:rPr lang="en-US" dirty="0" smtClean="0"/>
+              <a:t>he </a:t>
+            </a:r>
+            <a:r>
+              <a:rPr lang="en-US" b="1" dirty="0"/>
+              <a:t>ADOMD.NET</a:t>
+            </a:r>
+            <a:r>
+              <a:rPr lang="en-US" dirty="0"/>
+              <a:t> server objects are helper objects that can be used to create user defined functions (UDFs) or stored procedures in Microsoft SQL Server Analysis Services</a:t>
+            </a:r>
+            <a:r>
+              <a:rPr lang="en-US" dirty="0" smtClean="0"/>
+              <a:t>.</a:t>
+            </a:r>
+            <a:endParaRPr lang="pl-PL" dirty="0" smtClean="0"/>
+          </a:p>
+          <a:p>
+            <a:pPr marL="0" indent="0">
+              <a:buNone/>
+            </a:pPr>
+            <a:endParaRPr lang="pl-PL" b="1" dirty="0"/>
+          </a:p>
+          <a:p>
+            <a:pPr marL="0" indent="0">
+              <a:buNone/>
+            </a:pPr>
+            <a:r>
+              <a:rPr lang="pl-PL" dirty="0"/>
+              <a:t>The ADOMD.NET server components of ADOMD.NET reside within the </a:t>
+            </a:r>
+            <a:r>
+              <a:rPr lang="pl-PL" b="1" dirty="0"/>
+              <a:t>Microsoft.AnalysisServices.AdomdServer</a:t>
+            </a:r>
+            <a:r>
+              <a:rPr lang="pl-PL" dirty="0"/>
+              <a:t> namespace (in msmgdsrv.dll). You use these server components to create custom Multidimensional Expressions (MDX) functions and stored procedures that are run on an instance of Microsoft SQL Server Analysis Services.</a:t>
+            </a:r>
+            <a:endParaRPr lang="pl-PL" b="1" dirty="0"/>
+          </a:p>
+        </p:txBody>
+      </p:sp>
+      <p:sp>
+        <p:nvSpPr>
+          <p:cNvPr id="4" name="Rectangle 3"/>
+          <p:cNvSpPr/>
+          <p:nvPr/>
+        </p:nvSpPr>
+        <p:spPr>
+          <a:xfrm>
+            <a:off x="677334" y="5415517"/>
+            <a:ext cx="6096000" cy="392415"/>
+          </a:xfrm>
+          <a:prstGeom prst="rect">
+            <a:avLst/>
+          </a:prstGeom>
+        </p:spPr>
+        <p:txBody>
+          <a:bodyPr>
+            <a:spAutoFit/>
+          </a:bodyPr>
+          <a:lstStyle/>
+          <a:p>
+            <a:r>
+              <a:rPr lang="pl-PL" sz="1050" dirty="0"/>
+              <a:t>https://</a:t>
+            </a:r>
+            <a:r>
+              <a:rPr lang="pl-PL" sz="900" dirty="0"/>
+              <a:t>docs.microsoft.com/en-us/sql/analysis-services/multidimensional-models-adomd-net-server/adomd-net-server-object-architecture?view=sql-server-2017</a:t>
+            </a:r>
+          </a:p>
+        </p:txBody>
+      </p:sp>
+    </p:spTree>
+    <p:extLst>
+      <p:ext uri="{BB962C8B-B14F-4D97-AF65-F5344CB8AC3E}">
+        <p14:creationId xmlns:p14="http://schemas.microsoft.com/office/powerpoint/2010/main" val="2226700345"/>
+      </p:ext>
+    </p:extLst>
+  </p:cSld>
+  <p:clrMapOvr>
+    <a:masterClrMapping/>
+  </p:clrMapOvr>
+  <p:timing>
+    <p:tnLst>
+      <p:par>
+        <p:cTn id="1" dur="indefinite" restart="never" nodeType="tmRoot"/>
+      </p:par>
+    </p:tnLst>
+  </p:timing>
+</p:sld>
+</file>
+
+<file path=ppt/slides/slide23.xml><?xml version="1.0" encoding="utf-8"?>
+<p:sld xmlns:a="http://schemas.openxmlformats.org/drawingml/2006/main" xmlns:r="http://schemas.openxmlformats.org/officeDocument/2006/relationships" xmlns:p="http://schemas.openxmlformats.org/presentationml/2006/main">
+  <p:cSld>
+    <p:spTree>
+      <p:nvGrpSpPr>
+        <p:cNvPr id="1" name=""/>
+        <p:cNvGrpSpPr/>
+        <p:nvPr/>
+      </p:nvGrpSpPr>
+      <p:grpSpPr>
+        <a:xfrm>
+          <a:off x="0" y="0"/>
+          <a:ext cx="0" cy="0"/>
+          <a:chOff x="0" y="0"/>
+          <a:chExt cx="0" cy="0"/>
+        </a:xfrm>
+      </p:grpSpPr>
+      <p:sp>
+        <p:nvSpPr>
+          <p:cNvPr id="2" name="Title 1"/>
+          <p:cNvSpPr>
+            <a:spLocks noGrp="1"/>
+          </p:cNvSpPr>
+          <p:nvPr>
+            <p:ph type="title"/>
+          </p:nvPr>
+        </p:nvSpPr>
+        <p:spPr/>
+        <p:txBody>
+          <a:bodyPr/>
+          <a:lstStyle/>
+          <a:p>
+            <a:r>
+              <a:rPr lang="pl-PL" dirty="0" smtClean="0"/>
               <a:t>demo #02</a:t>
             </a:r>
             <a:endParaRPr lang="pl-PL" dirty="0"/>
@@ -7503,7 +7453,7 @@
 </p:sld>
 </file>
 
-<file path=ppt/slides/slide23.xml><?xml version="1.0" encoding="utf-8"?>
+<file path=ppt/slides/slide24.xml><?xml version="1.0" encoding="utf-8"?>
 <p:sld xmlns:a="http://schemas.openxmlformats.org/drawingml/2006/main" xmlns:r="http://schemas.openxmlformats.org/officeDocument/2006/relationships" xmlns:p="http://schemas.openxmlformats.org/presentationml/2006/main">
   <p:cSld>
     <p:spTree>
@@ -7691,85 +7641,6 @@
 </p:sld>
 </file>
 
-<file path=ppt/slides/slide24.xml><?xml version="1.0" encoding="utf-8"?>
-<p:sld xmlns:a="http://schemas.openxmlformats.org/drawingml/2006/main" xmlns:r="http://schemas.openxmlformats.org/officeDocument/2006/relationships" xmlns:p="http://schemas.openxmlformats.org/presentationml/2006/main">
-  <p:cSld>
-    <p:spTree>
-      <p:nvGrpSpPr>
-        <p:cNvPr id="1" name=""/>
-        <p:cNvGrpSpPr/>
-        <p:nvPr/>
-      </p:nvGrpSpPr>
-      <p:grpSpPr>
-        <a:xfrm>
-          <a:off x="0" y="0"/>
-          <a:ext cx="0" cy="0"/>
-          <a:chOff x="0" y="0"/>
-          <a:chExt cx="0" cy="0"/>
-        </a:xfrm>
-      </p:grpSpPr>
-      <p:sp>
-        <p:nvSpPr>
-          <p:cNvPr id="2" name="Title 1"/>
-          <p:cNvSpPr>
-            <a:spLocks noGrp="1"/>
-          </p:cNvSpPr>
-          <p:nvPr>
-            <p:ph type="title"/>
-          </p:nvPr>
-        </p:nvSpPr>
-        <p:spPr/>
-        <p:txBody>
-          <a:bodyPr/>
-          <a:lstStyle/>
-          <a:p>
-            <a:r>
-              <a:rPr lang="pl-PL" dirty="0" smtClean="0"/>
-              <a:t>Attempt #03: Parser</a:t>
-            </a:r>
-            <a:endParaRPr lang="pl-PL" dirty="0"/>
-          </a:p>
-        </p:txBody>
-      </p:sp>
-      <p:sp>
-        <p:nvSpPr>
-          <p:cNvPr id="3" name="Text Placeholder 2"/>
-          <p:cNvSpPr>
-            <a:spLocks noGrp="1"/>
-          </p:cNvSpPr>
-          <p:nvPr>
-            <p:ph type="body" idx="1"/>
-          </p:nvPr>
-        </p:nvSpPr>
-        <p:spPr/>
-        <p:txBody>
-          <a:bodyPr/>
-          <a:lstStyle/>
-          <a:p>
-            <a:endParaRPr lang="pl-PL"/>
-          </a:p>
-        </p:txBody>
-      </p:sp>
-    </p:spTree>
-    <p:extLst>
-      <p:ext uri="{BB962C8B-B14F-4D97-AF65-F5344CB8AC3E}">
-        <p14:creationId xmlns:p14="http://schemas.microsoft.com/office/powerpoint/2010/main" val="298595245"/>
-      </p:ext>
-    </p:extLst>
-  </p:cSld>
-  <p:clrMapOvr>
-    <a:masterClrMapping/>
-  </p:clrMapOvr>
-  <p:timing>
-    <p:tnLst>
-      <p:par>
-        <p:cTn id="1" dur="indefinite" restart="never" nodeType="tmRoot"/>
-      </p:par>
-    </p:tnLst>
-  </p:timing>
-</p:sld>
-</file>
-
 <file path=ppt/slides/slide25.xml><?xml version="1.0" encoding="utf-8"?>
 <p:sld xmlns:a="http://schemas.openxmlformats.org/drawingml/2006/main" xmlns:r="http://schemas.openxmlformats.org/officeDocument/2006/relationships" xmlns:p="http://schemas.openxmlformats.org/presentationml/2006/main">
   <p:cSld>
@@ -7787,120 +7658,40 @@
           <a:chExt cx="0" cy="0"/>
         </a:xfrm>
       </p:grpSpPr>
-      <p:sp>
-        <p:nvSpPr>
-          <p:cNvPr id="2" name="Title 1"/>
-          <p:cNvSpPr>
-            <a:spLocks noGrp="1"/>
-          </p:cNvSpPr>
-          <p:nvPr>
-            <p:ph type="title"/>
-          </p:nvPr>
-        </p:nvSpPr>
-        <p:spPr/>
-        <p:txBody>
-          <a:bodyPr/>
-          <a:lstStyle/>
-          <a:p>
-            <a:r>
-              <a:rPr lang="pl-PL" dirty="0"/>
-              <a:t>R</a:t>
-            </a:r>
-            <a:r>
-              <a:rPr lang="pl-PL" dirty="0" smtClean="0"/>
-              <a:t>equirements</a:t>
-            </a:r>
-            <a:endParaRPr lang="pl-PL" dirty="0"/>
-          </a:p>
-        </p:txBody>
-      </p:sp>
-      <p:sp>
-        <p:nvSpPr>
-          <p:cNvPr id="3" name="Content Placeholder 2"/>
-          <p:cNvSpPr>
-            <a:spLocks noGrp="1"/>
-          </p:cNvSpPr>
-          <p:nvPr>
-            <p:ph idx="1"/>
-          </p:nvPr>
-        </p:nvSpPr>
-        <p:spPr/>
-        <p:txBody>
-          <a:bodyPr/>
-          <a:lstStyle/>
-          <a:p>
-            <a:r>
-              <a:rPr lang="pl-PL" dirty="0" smtClean="0"/>
-              <a:t>Extract Measures/KPIs/Actions</a:t>
-            </a:r>
-          </a:p>
-          <a:p>
-            <a:r>
-              <a:rPr lang="pl-PL" dirty="0" smtClean="0"/>
-              <a:t>Extract </a:t>
-            </a:r>
-            <a:r>
-              <a:rPr lang="pl-PL" b="1" u="sng" dirty="0" smtClean="0"/>
-              <a:t>all</a:t>
-            </a:r>
-            <a:r>
-              <a:rPr lang="pl-PL" dirty="0" smtClean="0"/>
-              <a:t> objects and properties from CalculationScript</a:t>
-            </a:r>
-          </a:p>
-          <a:p>
-            <a:pPr lvl="1"/>
-            <a:r>
-              <a:rPr lang="pl-PL" dirty="0" smtClean="0"/>
-              <a:t>Connect to *.cube file (XML)</a:t>
-            </a:r>
-          </a:p>
-          <a:p>
-            <a:pPr lvl="1"/>
-            <a:r>
-              <a:rPr lang="pl-PL" dirty="0" smtClean="0"/>
-              <a:t>Connect to SSAS server</a:t>
-            </a:r>
-          </a:p>
-          <a:p>
-            <a:r>
-              <a:rPr lang="pl-PL" dirty="0" smtClean="0"/>
-              <a:t>Keep results in Database (many projects, cubes + full history)</a:t>
-            </a:r>
-          </a:p>
-          <a:p>
-            <a:r>
-              <a:rPr lang="pl-PL" dirty="0" smtClean="0"/>
-              <a:t>Work in both directions</a:t>
-            </a:r>
-          </a:p>
-          <a:p>
-            <a:pPr lvl="1"/>
-            <a:r>
-              <a:rPr lang="pl-PL" dirty="0" smtClean="0"/>
-              <a:t>MDX script generation (formatting, order, comments)</a:t>
-            </a:r>
-          </a:p>
-          <a:p>
-            <a:pPr lvl="1"/>
-            <a:r>
-              <a:rPr lang="pl-PL" dirty="0" smtClean="0"/>
-              <a:t>Documentation</a:t>
-            </a:r>
-          </a:p>
-          <a:p>
-            <a:r>
-              <a:rPr lang="pl-PL" dirty="0" smtClean="0"/>
-              <a:t>dll's</a:t>
-            </a:r>
-            <a:endParaRPr lang="pl-PL" dirty="0"/>
-          </a:p>
-        </p:txBody>
-      </p:sp>
+      <p:pic>
+        <p:nvPicPr>
+          <p:cNvPr id="4" name="Picture 3"/>
+          <p:cNvPicPr>
+            <a:picLocks noChangeAspect="1"/>
+          </p:cNvPicPr>
+          <p:nvPr/>
+        </p:nvPicPr>
+        <p:blipFill>
+          <a:blip r:embed="rId2">
+            <a:extLst>
+              <a:ext uri="{28A0092B-C50C-407E-A947-70E740481C1C}">
+                <a14:useLocalDpi xmlns:a14="http://schemas.microsoft.com/office/drawing/2010/main" val="0"/>
+              </a:ext>
+            </a:extLst>
+          </a:blip>
+          <a:stretch>
+            <a:fillRect/>
+          </a:stretch>
+        </p:blipFill>
+        <p:spPr>
+          <a:xfrm>
+            <a:off x="1773383" y="1301536"/>
+            <a:ext cx="6530686" cy="4384889"/>
+          </a:xfrm>
+          <a:prstGeom prst="rect">
+            <a:avLst/>
+          </a:prstGeom>
+        </p:spPr>
+      </p:pic>
     </p:spTree>
     <p:extLst>
       <p:ext uri="{BB962C8B-B14F-4D97-AF65-F5344CB8AC3E}">
-        <p14:creationId xmlns:p14="http://schemas.microsoft.com/office/powerpoint/2010/main" val="3031551948"/>
+        <p14:creationId xmlns:p14="http://schemas.microsoft.com/office/powerpoint/2010/main" val="3162829565"/>
       </p:ext>
     </p:extLst>
   </p:cSld>
@@ -7934,34 +7725,52 @@
           <a:chExt cx="0" cy="0"/>
         </a:xfrm>
       </p:grpSpPr>
-      <p:pic>
-        <p:nvPicPr>
-          <p:cNvPr id="4" name="Picture 3"/>
-          <p:cNvPicPr>
-            <a:picLocks noChangeAspect="1"/>
-          </p:cNvPicPr>
-          <p:nvPr/>
-        </p:nvPicPr>
-        <p:blipFill>
-          <a:blip r:embed="rId2"/>
-          <a:stretch>
-            <a:fillRect/>
-          </a:stretch>
-        </p:blipFill>
-        <p:spPr>
-          <a:xfrm>
-            <a:off x="626075" y="0"/>
-            <a:ext cx="5468006" cy="6858000"/>
-          </a:xfrm>
-          <a:prstGeom prst="rect">
-            <a:avLst/>
-          </a:prstGeom>
-        </p:spPr>
-      </p:pic>
+      <p:sp>
+        <p:nvSpPr>
+          <p:cNvPr id="2" name="Title 1"/>
+          <p:cNvSpPr>
+            <a:spLocks noGrp="1"/>
+          </p:cNvSpPr>
+          <p:nvPr>
+            <p:ph type="title"/>
+          </p:nvPr>
+        </p:nvSpPr>
+        <p:spPr/>
+        <p:txBody>
+          <a:bodyPr/>
+          <a:lstStyle/>
+          <a:p>
+            <a:r>
+              <a:rPr lang="pl-PL" dirty="0" smtClean="0"/>
+              <a:t>Attempt #03: Parser</a:t>
+            </a:r>
+            <a:endParaRPr lang="pl-PL" dirty="0"/>
+          </a:p>
+        </p:txBody>
+      </p:sp>
+      <p:sp>
+        <p:nvSpPr>
+          <p:cNvPr id="3" name="Text Placeholder 2"/>
+          <p:cNvSpPr>
+            <a:spLocks noGrp="1"/>
+          </p:cNvSpPr>
+          <p:nvPr>
+            <p:ph type="body" idx="1"/>
+          </p:nvPr>
+        </p:nvSpPr>
+        <p:spPr/>
+        <p:txBody>
+          <a:bodyPr/>
+          <a:lstStyle/>
+          <a:p>
+            <a:endParaRPr lang="pl-PL"/>
+          </a:p>
+        </p:txBody>
+      </p:sp>
     </p:spTree>
     <p:extLst>
       <p:ext uri="{BB962C8B-B14F-4D97-AF65-F5344CB8AC3E}">
-        <p14:creationId xmlns:p14="http://schemas.microsoft.com/office/powerpoint/2010/main" val="1826160255"/>
+        <p14:creationId xmlns:p14="http://schemas.microsoft.com/office/powerpoint/2010/main" val="298595245"/>
       </p:ext>
     </p:extLst>
   </p:cSld>
@@ -7995,34 +7804,120 @@
           <a:chExt cx="0" cy="0"/>
         </a:xfrm>
       </p:grpSpPr>
-      <p:pic>
-        <p:nvPicPr>
-          <p:cNvPr id="3" name="Picture 2"/>
-          <p:cNvPicPr>
-            <a:picLocks noChangeAspect="1"/>
-          </p:cNvPicPr>
-          <p:nvPr/>
-        </p:nvPicPr>
-        <p:blipFill>
-          <a:blip r:embed="rId2"/>
-          <a:stretch>
-            <a:fillRect/>
-          </a:stretch>
-        </p:blipFill>
-        <p:spPr>
-          <a:xfrm>
-            <a:off x="477793" y="0"/>
-            <a:ext cx="5706337" cy="6858000"/>
-          </a:xfrm>
-          <a:prstGeom prst="rect">
-            <a:avLst/>
-          </a:prstGeom>
-        </p:spPr>
-      </p:pic>
+      <p:sp>
+        <p:nvSpPr>
+          <p:cNvPr id="2" name="Title 1"/>
+          <p:cNvSpPr>
+            <a:spLocks noGrp="1"/>
+          </p:cNvSpPr>
+          <p:nvPr>
+            <p:ph type="title"/>
+          </p:nvPr>
+        </p:nvSpPr>
+        <p:spPr/>
+        <p:txBody>
+          <a:bodyPr/>
+          <a:lstStyle/>
+          <a:p>
+            <a:r>
+              <a:rPr lang="pl-PL" dirty="0"/>
+              <a:t>R</a:t>
+            </a:r>
+            <a:r>
+              <a:rPr lang="pl-PL" dirty="0" smtClean="0"/>
+              <a:t>equirements</a:t>
+            </a:r>
+            <a:endParaRPr lang="pl-PL" dirty="0"/>
+          </a:p>
+        </p:txBody>
+      </p:sp>
+      <p:sp>
+        <p:nvSpPr>
+          <p:cNvPr id="3" name="Content Placeholder 2"/>
+          <p:cNvSpPr>
+            <a:spLocks noGrp="1"/>
+          </p:cNvSpPr>
+          <p:nvPr>
+            <p:ph idx="1"/>
+          </p:nvPr>
+        </p:nvSpPr>
+        <p:spPr/>
+        <p:txBody>
+          <a:bodyPr/>
+          <a:lstStyle/>
+          <a:p>
+            <a:r>
+              <a:rPr lang="pl-PL" dirty="0" smtClean="0"/>
+              <a:t>Extract Measures/KPIs/Actions</a:t>
+            </a:r>
+          </a:p>
+          <a:p>
+            <a:r>
+              <a:rPr lang="pl-PL" dirty="0" smtClean="0"/>
+              <a:t>Extract </a:t>
+            </a:r>
+            <a:r>
+              <a:rPr lang="pl-PL" b="1" u="sng" dirty="0" smtClean="0"/>
+              <a:t>all</a:t>
+            </a:r>
+            <a:r>
+              <a:rPr lang="pl-PL" dirty="0" smtClean="0"/>
+              <a:t> objects and properties from CalculationScript</a:t>
+            </a:r>
+          </a:p>
+          <a:p>
+            <a:pPr lvl="1"/>
+            <a:r>
+              <a:rPr lang="pl-PL" dirty="0" smtClean="0"/>
+              <a:t>Connect to *.cube file (XML)</a:t>
+            </a:r>
+          </a:p>
+          <a:p>
+            <a:pPr lvl="1"/>
+            <a:r>
+              <a:rPr lang="pl-PL" dirty="0" smtClean="0"/>
+              <a:t>Connect to SSAS server</a:t>
+            </a:r>
+          </a:p>
+          <a:p>
+            <a:r>
+              <a:rPr lang="pl-PL" dirty="0" smtClean="0"/>
+              <a:t>Keep results in Database (many projects, cubes + full history)</a:t>
+            </a:r>
+          </a:p>
+          <a:p>
+            <a:r>
+              <a:rPr lang="pl-PL" dirty="0" smtClean="0"/>
+              <a:t>Work in both directions</a:t>
+            </a:r>
+          </a:p>
+          <a:p>
+            <a:pPr lvl="1"/>
+            <a:r>
+              <a:rPr lang="pl-PL" dirty="0" smtClean="0"/>
+              <a:t>MDX script generation (formatting, order, comments)</a:t>
+            </a:r>
+          </a:p>
+          <a:p>
+            <a:pPr lvl="1"/>
+            <a:r>
+              <a:rPr lang="pl-PL" dirty="0" smtClean="0"/>
+              <a:t>Documentation</a:t>
+            </a:r>
+          </a:p>
+          <a:p>
+            <a:r>
+              <a:rPr lang="pl-PL" dirty="0" smtClean="0"/>
+              <a:t>dll's</a:t>
+            </a:r>
+            <a:endParaRPr lang="pl-PL" dirty="0"/>
+          </a:p>
+        </p:txBody>
+      </p:sp>
     </p:spTree>
     <p:extLst>
       <p:ext uri="{BB962C8B-B14F-4D97-AF65-F5344CB8AC3E}">
-        <p14:creationId xmlns:p14="http://schemas.microsoft.com/office/powerpoint/2010/main" val="2848127884"/>
+        <p14:creationId xmlns:p14="http://schemas.microsoft.com/office/powerpoint/2010/main" val="3031551948"/>
       </p:ext>
     </p:extLst>
   </p:cSld>
@@ -8058,7 +7953,7 @@
       </p:grpSpPr>
       <p:pic>
         <p:nvPicPr>
-          <p:cNvPr id="5" name="Picture 4"/>
+          <p:cNvPr id="4" name="Picture 3"/>
           <p:cNvPicPr>
             <a:picLocks noChangeAspect="1"/>
           </p:cNvPicPr>
@@ -8072,8 +7967,8 @@
         </p:blipFill>
         <p:spPr>
           <a:xfrm>
-            <a:off x="853658" y="1112732"/>
-            <a:ext cx="7915994" cy="4779978"/>
+            <a:off x="626075" y="0"/>
+            <a:ext cx="5468006" cy="6858000"/>
           </a:xfrm>
           <a:prstGeom prst="rect">
             <a:avLst/>
@@ -8083,7 +7978,7 @@
     </p:spTree>
     <p:extLst>
       <p:ext uri="{BB962C8B-B14F-4D97-AF65-F5344CB8AC3E}">
-        <p14:creationId xmlns:p14="http://schemas.microsoft.com/office/powerpoint/2010/main" val="3627034234"/>
+        <p14:creationId xmlns:p14="http://schemas.microsoft.com/office/powerpoint/2010/main" val="1826160255"/>
       </p:ext>
     </p:extLst>
   </p:cSld>
@@ -8119,7 +8014,7 @@
       </p:grpSpPr>
       <p:pic>
         <p:nvPicPr>
-          <p:cNvPr id="2" name="Picture 1"/>
+          <p:cNvPr id="3" name="Picture 2"/>
           <p:cNvPicPr>
             <a:picLocks noChangeAspect="1"/>
           </p:cNvPicPr>
@@ -8133,112 +8028,31 @@
         </p:blipFill>
         <p:spPr>
           <a:xfrm>
-            <a:off x="755821" y="259750"/>
-            <a:ext cx="5029200" cy="6305550"/>
+            <a:off x="477793" y="0"/>
+            <a:ext cx="5706337" cy="6858000"/>
           </a:xfrm>
           <a:prstGeom prst="rect">
             <a:avLst/>
           </a:prstGeom>
         </p:spPr>
       </p:pic>
-      <p:sp>
-        <p:nvSpPr>
-          <p:cNvPr id="3" name="Right Arrow 2"/>
-          <p:cNvSpPr/>
-          <p:nvPr/>
-        </p:nvSpPr>
-        <p:spPr>
-          <a:xfrm flipH="1">
-            <a:off x="2257166" y="996778"/>
-            <a:ext cx="6203092" cy="815546"/>
-          </a:xfrm>
-          <a:prstGeom prst="rightArrow">
-            <a:avLst/>
-          </a:prstGeom>
-        </p:spPr>
-        <p:style>
-          <a:lnRef idx="2">
-            <a:schemeClr val="accent3">
-              <a:shade val="50000"/>
-            </a:schemeClr>
-          </a:lnRef>
-          <a:fillRef idx="1">
-            <a:schemeClr val="accent3"/>
-          </a:fillRef>
-          <a:effectRef idx="0">
-            <a:schemeClr val="accent3"/>
-          </a:effectRef>
-          <a:fontRef idx="minor">
-            <a:schemeClr val="lt1"/>
-          </a:fontRef>
-        </p:style>
-        <p:txBody>
-          <a:bodyPr rtlCol="0" anchor="ctr"/>
-          <a:lstStyle/>
-          <a:p>
-            <a:pPr algn="ctr"/>
-            <a:r>
-              <a:rPr lang="pl-PL" dirty="0" smtClean="0"/>
-              <a:t>Data Model (EF)</a:t>
-            </a:r>
-            <a:endParaRPr lang="pl-PL" dirty="0"/>
-          </a:p>
-        </p:txBody>
-      </p:sp>
-      <p:sp>
-        <p:nvSpPr>
-          <p:cNvPr id="5" name="Right Arrow 4"/>
-          <p:cNvSpPr/>
-          <p:nvPr/>
-        </p:nvSpPr>
-        <p:spPr>
-          <a:xfrm flipH="1">
-            <a:off x="2257166" y="3941805"/>
-            <a:ext cx="6203092" cy="815546"/>
-          </a:xfrm>
-          <a:prstGeom prst="rightArrow">
-            <a:avLst/>
-          </a:prstGeom>
-        </p:spPr>
-        <p:style>
-          <a:lnRef idx="2">
-            <a:schemeClr val="accent4">
-              <a:shade val="50000"/>
-            </a:schemeClr>
-          </a:lnRef>
-          <a:fillRef idx="1">
-            <a:schemeClr val="accent4"/>
-          </a:fillRef>
-          <a:effectRef idx="0">
-            <a:schemeClr val="accent4"/>
-          </a:effectRef>
-          <a:fontRef idx="minor">
-            <a:schemeClr val="lt1"/>
-          </a:fontRef>
-        </p:style>
-        <p:txBody>
-          <a:bodyPr rtlCol="0" anchor="ctr"/>
-          <a:lstStyle/>
-          <a:p>
-            <a:pPr algn="ctr"/>
-            <a:r>
-              <a:rPr lang="pl-PL" dirty="0" smtClean="0"/>
-              <a:t>Parser</a:t>
-            </a:r>
-            <a:endParaRPr lang="pl-PL" dirty="0"/>
-          </a:p>
-        </p:txBody>
-      </p:sp>
     </p:spTree>
     <p:extLst>
       <p:ext uri="{BB962C8B-B14F-4D97-AF65-F5344CB8AC3E}">
-        <p14:creationId xmlns:p14="http://schemas.microsoft.com/office/powerpoint/2010/main" val="3284619045"/>
+        <p14:creationId xmlns:p14="http://schemas.microsoft.com/office/powerpoint/2010/main" val="2848127884"/>
       </p:ext>
     </p:extLst>
   </p:cSld>
   <p:clrMapOvr>
     <a:masterClrMapping/>
   </p:clrMapOvr>
+  <p:timing>
+    <p:tnLst>
+      <p:par>
+        <p:cTn id="1" dur="indefinite" restart="never" nodeType="tmRoot"/>
+      </p:par>
+    </p:tnLst>
+  </p:timing>
 </p:sld>
 </file>
 
@@ -8267,7 +8081,7 @@
         </p:nvSpPr>
         <p:spPr>
           <a:xfrm>
-            <a:off x="7238999" y="4563759"/>
+            <a:off x="5511114" y="4563760"/>
             <a:ext cx="1532237" cy="1375719"/>
           </a:xfrm>
           <a:prstGeom prst="cube">
@@ -8355,8 +8169,8 @@
         </p:nvSpPr>
         <p:spPr>
           <a:xfrm>
-            <a:off x="5997145" y="2776147"/>
-            <a:ext cx="1581665" cy="1573427"/>
+            <a:off x="4291914" y="2776149"/>
+            <a:ext cx="2438400" cy="1573427"/>
           </a:xfrm>
           <a:prstGeom prst="can">
             <a:avLst/>
@@ -8399,8 +8213,8 @@
         </p:nvSpPr>
         <p:spPr>
           <a:xfrm>
-            <a:off x="2275705" y="3266297"/>
-            <a:ext cx="893805" cy="593125"/>
+            <a:off x="2549611" y="3266299"/>
+            <a:ext cx="1326292" cy="593125"/>
           </a:xfrm>
           <a:prstGeom prst="rightArrow">
             <a:avLst/>
@@ -8443,7 +8257,7 @@
         </p:nvSpPr>
         <p:spPr>
           <a:xfrm>
-            <a:off x="5123934" y="4563759"/>
+            <a:off x="7265773" y="3486664"/>
             <a:ext cx="1746421" cy="1725824"/>
           </a:xfrm>
           <a:prstGeom prst="flowChartMultidocument">
@@ -8487,8 +8301,8 @@
         </p:nvSpPr>
         <p:spPr>
           <a:xfrm rot="16200000">
-            <a:off x="5279427" y="-1084305"/>
-            <a:ext cx="729048" cy="6736490"/>
+            <a:off x="5416379" y="-947352"/>
+            <a:ext cx="729048" cy="6462583"/>
           </a:xfrm>
           <a:prstGeom prst="rightBrace">
             <a:avLst>
@@ -8551,98 +8365,10 @@
           </a:p>
         </p:txBody>
       </p:sp>
-      <p:sp>
-        <p:nvSpPr>
-          <p:cNvPr id="10" name="Can 9"/>
-          <p:cNvSpPr/>
-          <p:nvPr/>
-        </p:nvSpPr>
-        <p:spPr>
-          <a:xfrm>
-            <a:off x="3311614" y="2776147"/>
-            <a:ext cx="1581665" cy="1573427"/>
-          </a:xfrm>
-          <a:prstGeom prst="can">
-            <a:avLst/>
-          </a:prstGeom>
-        </p:spPr>
-        <p:style>
-          <a:lnRef idx="2">
-            <a:schemeClr val="accent1">
-              <a:shade val="50000"/>
-            </a:schemeClr>
-          </a:lnRef>
-          <a:fillRef idx="1">
-            <a:schemeClr val="accent1"/>
-          </a:fillRef>
-          <a:effectRef idx="0">
-            <a:schemeClr val="accent1"/>
-          </a:effectRef>
-          <a:fontRef idx="minor">
-            <a:schemeClr val="lt1"/>
-          </a:fontRef>
-        </p:style>
-        <p:txBody>
-          <a:bodyPr rtlCol="0" anchor="ctr"/>
-          <a:lstStyle/>
-          <a:p>
-            <a:pPr algn="ctr"/>
-            <a:r>
-              <a:rPr lang="pl-PL" dirty="0" smtClean="0"/>
-              <a:t>Staging</a:t>
-            </a:r>
-            <a:endParaRPr lang="pl-PL" dirty="0"/>
-          </a:p>
-        </p:txBody>
-      </p:sp>
-      <p:sp>
-        <p:nvSpPr>
-          <p:cNvPr id="14" name="Right Arrow 13"/>
-          <p:cNvSpPr/>
-          <p:nvPr/>
-        </p:nvSpPr>
-        <p:spPr>
-          <a:xfrm>
-            <a:off x="4998309" y="3266297"/>
-            <a:ext cx="893805" cy="593125"/>
-          </a:xfrm>
-          <a:prstGeom prst="rightArrow">
-            <a:avLst/>
-          </a:prstGeom>
-        </p:spPr>
-        <p:style>
-          <a:lnRef idx="2">
-            <a:schemeClr val="accent2">
-              <a:shade val="50000"/>
-            </a:schemeClr>
-          </a:lnRef>
-          <a:fillRef idx="1">
-            <a:schemeClr val="accent2"/>
-          </a:fillRef>
-          <a:effectRef idx="0">
-            <a:schemeClr val="accent2"/>
-          </a:effectRef>
-          <a:fontRef idx="minor">
-            <a:schemeClr val="lt1"/>
-          </a:fontRef>
-        </p:style>
-        <p:txBody>
-          <a:bodyPr rtlCol="0" anchor="ctr"/>
-          <a:lstStyle/>
-          <a:p>
-            <a:pPr algn="ctr"/>
-            <a:r>
-              <a:rPr lang="pl-PL" dirty="0" smtClean="0"/>
-              <a:t>ETL</a:t>
-            </a:r>
-            <a:endParaRPr lang="pl-PL" dirty="0"/>
-          </a:p>
-        </p:txBody>
-      </p:sp>
     </p:spTree>
     <p:extLst>
       <p:ext uri="{BB962C8B-B14F-4D97-AF65-F5344CB8AC3E}">
-        <p14:creationId xmlns:p14="http://schemas.microsoft.com/office/powerpoint/2010/main" val="1518493766"/>
+        <p14:creationId xmlns:p14="http://schemas.microsoft.com/office/powerpoint/2010/main" val="262424219"/>
       </p:ext>
     </p:extLst>
   </p:cSld>
@@ -8676,52 +8402,34 @@
           <a:chExt cx="0" cy="0"/>
         </a:xfrm>
       </p:grpSpPr>
-      <p:sp>
-        <p:nvSpPr>
-          <p:cNvPr id="2" name="Title 1"/>
-          <p:cNvSpPr>
-            <a:spLocks noGrp="1"/>
-          </p:cNvSpPr>
-          <p:nvPr>
-            <p:ph type="title"/>
-          </p:nvPr>
-        </p:nvSpPr>
-        <p:spPr/>
-        <p:txBody>
-          <a:bodyPr/>
-          <a:lstStyle/>
-          <a:p>
-            <a:r>
-              <a:rPr lang="pl-PL" dirty="0" smtClean="0"/>
-              <a:t>demo #03</a:t>
-            </a:r>
-            <a:endParaRPr lang="pl-PL" dirty="0"/>
-          </a:p>
-        </p:txBody>
-      </p:sp>
-      <p:sp>
-        <p:nvSpPr>
-          <p:cNvPr id="3" name="Text Placeholder 2"/>
-          <p:cNvSpPr>
-            <a:spLocks noGrp="1"/>
-          </p:cNvSpPr>
-          <p:nvPr>
-            <p:ph type="body" idx="1"/>
-          </p:nvPr>
-        </p:nvSpPr>
-        <p:spPr/>
-        <p:txBody>
-          <a:bodyPr/>
-          <a:lstStyle/>
-          <a:p>
-            <a:endParaRPr lang="pl-PL" dirty="0"/>
-          </a:p>
-        </p:txBody>
-      </p:sp>
+      <p:pic>
+        <p:nvPicPr>
+          <p:cNvPr id="5" name="Picture 4"/>
+          <p:cNvPicPr>
+            <a:picLocks noChangeAspect="1"/>
+          </p:cNvPicPr>
+          <p:nvPr/>
+        </p:nvPicPr>
+        <p:blipFill>
+          <a:blip r:embed="rId2"/>
+          <a:stretch>
+            <a:fillRect/>
+          </a:stretch>
+        </p:blipFill>
+        <p:spPr>
+          <a:xfrm>
+            <a:off x="853658" y="1112732"/>
+            <a:ext cx="7915994" cy="4779978"/>
+          </a:xfrm>
+          <a:prstGeom prst="rect">
+            <a:avLst/>
+          </a:prstGeom>
+        </p:spPr>
+      </p:pic>
     </p:spTree>
     <p:extLst>
       <p:ext uri="{BB962C8B-B14F-4D97-AF65-F5344CB8AC3E}">
-        <p14:creationId xmlns:p14="http://schemas.microsoft.com/office/powerpoint/2010/main" val="1177024990"/>
+        <p14:creationId xmlns:p14="http://schemas.microsoft.com/office/powerpoint/2010/main" val="3627034234"/>
       </p:ext>
     </p:extLst>
   </p:cSld>
@@ -8771,24 +8479,119 @@
         </p:blipFill>
         <p:spPr>
           <a:xfrm>
-            <a:off x="780406" y="1141970"/>
-            <a:ext cx="3629025" cy="4343400"/>
+            <a:off x="755821" y="259750"/>
+            <a:ext cx="5029200" cy="6305550"/>
           </a:xfrm>
           <a:prstGeom prst="rect">
             <a:avLst/>
           </a:prstGeom>
         </p:spPr>
       </p:pic>
+      <p:sp>
+        <p:nvSpPr>
+          <p:cNvPr id="3" name="Right Arrow 2"/>
+          <p:cNvSpPr/>
+          <p:nvPr/>
+        </p:nvSpPr>
+        <p:spPr>
+          <a:xfrm flipH="1">
+            <a:off x="2257166" y="996778"/>
+            <a:ext cx="6203092" cy="815546"/>
+          </a:xfrm>
+          <a:prstGeom prst="rightArrow">
+            <a:avLst/>
+          </a:prstGeom>
+        </p:spPr>
+        <p:style>
+          <a:lnRef idx="2">
+            <a:schemeClr val="accent3">
+              <a:shade val="50000"/>
+            </a:schemeClr>
+          </a:lnRef>
+          <a:fillRef idx="1">
+            <a:schemeClr val="accent3"/>
+          </a:fillRef>
+          <a:effectRef idx="0">
+            <a:schemeClr val="accent3"/>
+          </a:effectRef>
+          <a:fontRef idx="minor">
+            <a:schemeClr val="lt1"/>
+          </a:fontRef>
+        </p:style>
+        <p:txBody>
+          <a:bodyPr rtlCol="0" anchor="ctr"/>
+          <a:lstStyle/>
+          <a:p>
+            <a:pPr algn="ctr"/>
+            <a:r>
+              <a:rPr lang="pl-PL" dirty="0" smtClean="0"/>
+              <a:t>Data Model (EF)</a:t>
+            </a:r>
+            <a:endParaRPr lang="pl-PL" dirty="0"/>
+          </a:p>
+        </p:txBody>
+      </p:sp>
+      <p:sp>
+        <p:nvSpPr>
+          <p:cNvPr id="5" name="Right Arrow 4"/>
+          <p:cNvSpPr/>
+          <p:nvPr/>
+        </p:nvSpPr>
+        <p:spPr>
+          <a:xfrm flipH="1">
+            <a:off x="2257166" y="3941805"/>
+            <a:ext cx="6203092" cy="815546"/>
+          </a:xfrm>
+          <a:prstGeom prst="rightArrow">
+            <a:avLst/>
+          </a:prstGeom>
+        </p:spPr>
+        <p:style>
+          <a:lnRef idx="2">
+            <a:schemeClr val="accent4">
+              <a:shade val="50000"/>
+            </a:schemeClr>
+          </a:lnRef>
+          <a:fillRef idx="1">
+            <a:schemeClr val="accent4"/>
+          </a:fillRef>
+          <a:effectRef idx="0">
+            <a:schemeClr val="accent4"/>
+          </a:effectRef>
+          <a:fontRef idx="minor">
+            <a:schemeClr val="lt1"/>
+          </a:fontRef>
+        </p:style>
+        <p:txBody>
+          <a:bodyPr rtlCol="0" anchor="ctr"/>
+          <a:lstStyle/>
+          <a:p>
+            <a:pPr algn="ctr"/>
+            <a:r>
+              <a:rPr lang="pl-PL" dirty="0" smtClean="0"/>
+              <a:t>Parser</a:t>
+            </a:r>
+            <a:endParaRPr lang="pl-PL" dirty="0"/>
+          </a:p>
+        </p:txBody>
+      </p:sp>
     </p:spTree>
     <p:extLst>
       <p:ext uri="{BB962C8B-B14F-4D97-AF65-F5344CB8AC3E}">
-        <p14:creationId xmlns:p14="http://schemas.microsoft.com/office/powerpoint/2010/main" val="734537210"/>
+        <p14:creationId xmlns:p14="http://schemas.microsoft.com/office/powerpoint/2010/main" val="3284619045"/>
       </p:ext>
     </p:extLst>
   </p:cSld>
   <p:clrMapOvr>
     <a:masterClrMapping/>
   </p:clrMapOvr>
+  <p:timing>
+    <p:tnLst>
+      <p:par>
+        <p:cTn id="1" dur="indefinite" restart="never" nodeType="tmRoot"/>
+      </p:par>
+    </p:tnLst>
+  </p:timing>
 </p:sld>
 </file>
 
@@ -8809,16 +8612,65 @@
           <a:chExt cx="0" cy="0"/>
         </a:xfrm>
       </p:grpSpPr>
+      <p:sp>
+        <p:nvSpPr>
+          <p:cNvPr id="2" name="Title 1"/>
+          <p:cNvSpPr>
+            <a:spLocks noGrp="1"/>
+          </p:cNvSpPr>
+          <p:nvPr>
+            <p:ph type="title"/>
+          </p:nvPr>
+        </p:nvSpPr>
+        <p:spPr/>
+        <p:txBody>
+          <a:bodyPr/>
+          <a:lstStyle/>
+          <a:p>
+            <a:r>
+              <a:rPr lang="pl-PL" dirty="0" smtClean="0"/>
+              <a:t>demo #03</a:t>
+            </a:r>
+            <a:endParaRPr lang="pl-PL" dirty="0"/>
+          </a:p>
+        </p:txBody>
+      </p:sp>
+      <p:sp>
+        <p:nvSpPr>
+          <p:cNvPr id="3" name="Text Placeholder 2"/>
+          <p:cNvSpPr>
+            <a:spLocks noGrp="1"/>
+          </p:cNvSpPr>
+          <p:nvPr>
+            <p:ph type="body" idx="1"/>
+          </p:nvPr>
+        </p:nvSpPr>
+        <p:spPr/>
+        <p:txBody>
+          <a:bodyPr/>
+          <a:lstStyle/>
+          <a:p>
+            <a:endParaRPr lang="pl-PL" dirty="0"/>
+          </a:p>
+        </p:txBody>
+      </p:sp>
     </p:spTree>
     <p:extLst>
       <p:ext uri="{BB962C8B-B14F-4D97-AF65-F5344CB8AC3E}">
-        <p14:creationId xmlns:p14="http://schemas.microsoft.com/office/powerpoint/2010/main" val="186425334"/>
+        <p14:creationId xmlns:p14="http://schemas.microsoft.com/office/powerpoint/2010/main" val="1177024990"/>
       </p:ext>
     </p:extLst>
   </p:cSld>
   <p:clrMapOvr>
     <a:masterClrMapping/>
   </p:clrMapOvr>
+  <p:timing>
+    <p:tnLst>
+      <p:par>
+        <p:cTn id="1" dur="indefinite" restart="never" nodeType="tmRoot"/>
+      </p:par>
+    </p:tnLst>
+  </p:timing>
 </p:sld>
 </file>
 
@@ -8839,16 +8691,72 @@
           <a:chExt cx="0" cy="0"/>
         </a:xfrm>
       </p:grpSpPr>
+      <p:sp>
+        <p:nvSpPr>
+          <p:cNvPr id="2" name="Title 1"/>
+          <p:cNvSpPr>
+            <a:spLocks noGrp="1"/>
+          </p:cNvSpPr>
+          <p:nvPr>
+            <p:ph type="title"/>
+          </p:nvPr>
+        </p:nvSpPr>
+        <p:spPr/>
+        <p:txBody>
+          <a:bodyPr/>
+          <a:lstStyle/>
+          <a:p>
+            <a:r>
+              <a:rPr lang="pl-PL" dirty="0" smtClean="0"/>
+              <a:t>Loader</a:t>
+            </a:r>
+            <a:endParaRPr lang="pl-PL" dirty="0"/>
+          </a:p>
+        </p:txBody>
+      </p:sp>
+      <p:pic>
+        <p:nvPicPr>
+          <p:cNvPr id="4" name="Content Placeholder 3"/>
+          <p:cNvPicPr>
+            <a:picLocks noGrp="1" noChangeAspect="1"/>
+          </p:cNvPicPr>
+          <p:nvPr>
+            <p:ph idx="1"/>
+          </p:nvPr>
+        </p:nvPicPr>
+        <p:blipFill>
+          <a:blip r:embed="rId2"/>
+          <a:stretch>
+            <a:fillRect/>
+          </a:stretch>
+        </p:blipFill>
+        <p:spPr>
+          <a:xfrm>
+            <a:off x="677334" y="1270000"/>
+            <a:ext cx="7905570" cy="4690194"/>
+          </a:xfrm>
+          <a:prstGeom prst="rect">
+            <a:avLst/>
+          </a:prstGeom>
+        </p:spPr>
+      </p:pic>
     </p:spTree>
     <p:extLst>
       <p:ext uri="{BB962C8B-B14F-4D97-AF65-F5344CB8AC3E}">
-        <p14:creationId xmlns:p14="http://schemas.microsoft.com/office/powerpoint/2010/main" val="185012458"/>
+        <p14:creationId xmlns:p14="http://schemas.microsoft.com/office/powerpoint/2010/main" val="3113803229"/>
       </p:ext>
     </p:extLst>
   </p:cSld>
   <p:clrMapOvr>
     <a:masterClrMapping/>
   </p:clrMapOvr>
+  <p:timing>
+    <p:tnLst>
+      <p:par>
+        <p:cTn id="1" dur="indefinite" restart="never" nodeType="tmRoot"/>
+      </p:par>
+    </p:tnLst>
+  </p:timing>
 </p:sld>
 </file>
 
@@ -8869,16 +8777,506 @@
           <a:chExt cx="0" cy="0"/>
         </a:xfrm>
       </p:grpSpPr>
+      <p:sp>
+        <p:nvSpPr>
+          <p:cNvPr id="2" name="Title 1"/>
+          <p:cNvSpPr>
+            <a:spLocks noGrp="1"/>
+          </p:cNvSpPr>
+          <p:nvPr>
+            <p:ph type="title"/>
+          </p:nvPr>
+        </p:nvSpPr>
+        <p:spPr/>
+        <p:txBody>
+          <a:bodyPr/>
+          <a:lstStyle/>
+          <a:p>
+            <a:r>
+              <a:rPr lang="pl-PL" dirty="0" smtClean="0"/>
+              <a:t>Extractor</a:t>
+            </a:r>
+            <a:endParaRPr lang="pl-PL" dirty="0"/>
+          </a:p>
+        </p:txBody>
+      </p:sp>
+      <p:pic>
+        <p:nvPicPr>
+          <p:cNvPr id="4" name="Content Placeholder 3"/>
+          <p:cNvPicPr>
+            <a:picLocks noGrp="1" noChangeAspect="1"/>
+          </p:cNvPicPr>
+          <p:nvPr>
+            <p:ph idx="1"/>
+          </p:nvPr>
+        </p:nvPicPr>
+        <p:blipFill>
+          <a:blip r:embed="rId2"/>
+          <a:stretch>
+            <a:fillRect/>
+          </a:stretch>
+        </p:blipFill>
+        <p:spPr>
+          <a:xfrm>
+            <a:off x="677333" y="1270000"/>
+            <a:ext cx="8393583" cy="4479636"/>
+          </a:xfrm>
+          <a:prstGeom prst="rect">
+            <a:avLst/>
+          </a:prstGeom>
+        </p:spPr>
+      </p:pic>
     </p:spTree>
     <p:extLst>
       <p:ext uri="{BB962C8B-B14F-4D97-AF65-F5344CB8AC3E}">
-        <p14:creationId xmlns:p14="http://schemas.microsoft.com/office/powerpoint/2010/main" val="784504047"/>
+        <p14:creationId xmlns:p14="http://schemas.microsoft.com/office/powerpoint/2010/main" val="1204903021"/>
       </p:ext>
     </p:extLst>
   </p:cSld>
   <p:clrMapOvr>
     <a:masterClrMapping/>
   </p:clrMapOvr>
+  <p:timing>
+    <p:tnLst>
+      <p:par>
+        <p:cTn id="1" dur="indefinite" restart="never" nodeType="tmRoot"/>
+      </p:par>
+    </p:tnLst>
+  </p:timing>
+</p:sld>
+</file>
+
+<file path=ppt/slides/slide35.xml><?xml version="1.0" encoding="utf-8"?>
+<p:sld xmlns:a="http://schemas.openxmlformats.org/drawingml/2006/main" xmlns:r="http://schemas.openxmlformats.org/officeDocument/2006/relationships" xmlns:p="http://schemas.openxmlformats.org/presentationml/2006/main">
+  <p:cSld>
+    <p:spTree>
+      <p:nvGrpSpPr>
+        <p:cNvPr id="1" name=""/>
+        <p:cNvGrpSpPr/>
+        <p:nvPr/>
+      </p:nvGrpSpPr>
+      <p:grpSpPr>
+        <a:xfrm>
+          <a:off x="0" y="0"/>
+          <a:ext cx="0" cy="0"/>
+          <a:chOff x="0" y="0"/>
+          <a:chExt cx="0" cy="0"/>
+        </a:xfrm>
+      </p:grpSpPr>
+      <p:sp>
+        <p:nvSpPr>
+          <p:cNvPr id="2" name="Title 1"/>
+          <p:cNvSpPr>
+            <a:spLocks noGrp="1"/>
+          </p:cNvSpPr>
+          <p:nvPr>
+            <p:ph type="title"/>
+          </p:nvPr>
+        </p:nvSpPr>
+        <p:spPr/>
+        <p:txBody>
+          <a:bodyPr/>
+          <a:lstStyle/>
+          <a:p>
+            <a:r>
+              <a:rPr lang="pl-PL" dirty="0" smtClean="0"/>
+              <a:t>Divider</a:t>
+            </a:r>
+            <a:endParaRPr lang="pl-PL" dirty="0"/>
+          </a:p>
+        </p:txBody>
+      </p:sp>
+      <p:pic>
+        <p:nvPicPr>
+          <p:cNvPr id="4" name="Content Placeholder 3"/>
+          <p:cNvPicPr>
+            <a:picLocks noGrp="1" noChangeAspect="1"/>
+          </p:cNvPicPr>
+          <p:nvPr>
+            <p:ph idx="1"/>
+          </p:nvPr>
+        </p:nvPicPr>
+        <p:blipFill>
+          <a:blip r:embed="rId2"/>
+          <a:stretch>
+            <a:fillRect/>
+          </a:stretch>
+        </p:blipFill>
+        <p:spPr>
+          <a:xfrm>
+            <a:off x="677333" y="1270000"/>
+            <a:ext cx="8581319" cy="4493491"/>
+          </a:xfrm>
+          <a:prstGeom prst="rect">
+            <a:avLst/>
+          </a:prstGeom>
+        </p:spPr>
+      </p:pic>
+    </p:spTree>
+    <p:extLst>
+      <p:ext uri="{BB962C8B-B14F-4D97-AF65-F5344CB8AC3E}">
+        <p14:creationId xmlns:p14="http://schemas.microsoft.com/office/powerpoint/2010/main" val="2216575860"/>
+      </p:ext>
+    </p:extLst>
+  </p:cSld>
+  <p:clrMapOvr>
+    <a:masterClrMapping/>
+  </p:clrMapOvr>
+  <p:timing>
+    <p:tnLst>
+      <p:par>
+        <p:cTn id="1" dur="indefinite" restart="never" nodeType="tmRoot"/>
+      </p:par>
+    </p:tnLst>
+  </p:timing>
+</p:sld>
+</file>
+
+<file path=ppt/slides/slide36.xml><?xml version="1.0" encoding="utf-8"?>
+<p:sld xmlns:a="http://schemas.openxmlformats.org/drawingml/2006/main" xmlns:r="http://schemas.openxmlformats.org/officeDocument/2006/relationships" xmlns:p="http://schemas.openxmlformats.org/presentationml/2006/main">
+  <p:cSld>
+    <p:spTree>
+      <p:nvGrpSpPr>
+        <p:cNvPr id="1" name=""/>
+        <p:cNvGrpSpPr/>
+        <p:nvPr/>
+      </p:nvGrpSpPr>
+      <p:grpSpPr>
+        <a:xfrm>
+          <a:off x="0" y="0"/>
+          <a:ext cx="0" cy="0"/>
+          <a:chOff x="0" y="0"/>
+          <a:chExt cx="0" cy="0"/>
+        </a:xfrm>
+      </p:grpSpPr>
+      <p:sp>
+        <p:nvSpPr>
+          <p:cNvPr id="2" name="Title 1"/>
+          <p:cNvSpPr>
+            <a:spLocks noGrp="1"/>
+          </p:cNvSpPr>
+          <p:nvPr>
+            <p:ph type="title"/>
+          </p:nvPr>
+        </p:nvSpPr>
+        <p:spPr/>
+        <p:txBody>
+          <a:bodyPr/>
+          <a:lstStyle/>
+          <a:p>
+            <a:r>
+              <a:rPr lang="pl-PL" dirty="0" smtClean="0"/>
+              <a:t>Calculation</a:t>
+            </a:r>
+            <a:endParaRPr lang="pl-PL" dirty="0"/>
+          </a:p>
+        </p:txBody>
+      </p:sp>
+      <p:pic>
+        <p:nvPicPr>
+          <p:cNvPr id="4" name="Content Placeholder 3"/>
+          <p:cNvPicPr>
+            <a:picLocks noGrp="1" noChangeAspect="1"/>
+          </p:cNvPicPr>
+          <p:nvPr>
+            <p:ph idx="1"/>
+          </p:nvPr>
+        </p:nvPicPr>
+        <p:blipFill>
+          <a:blip r:embed="rId2"/>
+          <a:stretch>
+            <a:fillRect/>
+          </a:stretch>
+        </p:blipFill>
+        <p:spPr>
+          <a:xfrm>
+            <a:off x="677334" y="1370879"/>
+            <a:ext cx="8573812" cy="4226357"/>
+          </a:xfrm>
+          <a:prstGeom prst="rect">
+            <a:avLst/>
+          </a:prstGeom>
+        </p:spPr>
+      </p:pic>
+    </p:spTree>
+    <p:extLst>
+      <p:ext uri="{BB962C8B-B14F-4D97-AF65-F5344CB8AC3E}">
+        <p14:creationId xmlns:p14="http://schemas.microsoft.com/office/powerpoint/2010/main" val="3737925880"/>
+      </p:ext>
+    </p:extLst>
+  </p:cSld>
+  <p:clrMapOvr>
+    <a:masterClrMapping/>
+  </p:clrMapOvr>
+  <p:timing>
+    <p:tnLst>
+      <p:par>
+        <p:cTn id="1" dur="indefinite" restart="never" nodeType="tmRoot"/>
+      </p:par>
+    </p:tnLst>
+  </p:timing>
+</p:sld>
+</file>
+
+<file path=ppt/slides/slide37.xml><?xml version="1.0" encoding="utf-8"?>
+<p:sld xmlns:a="http://schemas.openxmlformats.org/drawingml/2006/main" xmlns:r="http://schemas.openxmlformats.org/officeDocument/2006/relationships" xmlns:p="http://schemas.openxmlformats.org/presentationml/2006/main">
+  <p:cSld>
+    <p:spTree>
+      <p:nvGrpSpPr>
+        <p:cNvPr id="1" name=""/>
+        <p:cNvGrpSpPr/>
+        <p:nvPr/>
+      </p:nvGrpSpPr>
+      <p:grpSpPr>
+        <a:xfrm>
+          <a:off x="0" y="0"/>
+          <a:ext cx="0" cy="0"/>
+          <a:chOff x="0" y="0"/>
+          <a:chExt cx="0" cy="0"/>
+        </a:xfrm>
+      </p:grpSpPr>
+      <p:sp>
+        <p:nvSpPr>
+          <p:cNvPr id="2" name="Title 1"/>
+          <p:cNvSpPr>
+            <a:spLocks noGrp="1"/>
+          </p:cNvSpPr>
+          <p:nvPr>
+            <p:ph type="title"/>
+          </p:nvPr>
+        </p:nvSpPr>
+        <p:spPr/>
+        <p:txBody>
+          <a:bodyPr/>
+          <a:lstStyle/>
+          <a:p>
+            <a:r>
+              <a:rPr lang="pl-PL" dirty="0" smtClean="0"/>
+              <a:t>Extractor (Measures)</a:t>
+            </a:r>
+            <a:endParaRPr lang="pl-PL" dirty="0"/>
+          </a:p>
+        </p:txBody>
+      </p:sp>
+      <p:pic>
+        <p:nvPicPr>
+          <p:cNvPr id="4" name="Content Placeholder 3"/>
+          <p:cNvPicPr>
+            <a:picLocks noGrp="1" noChangeAspect="1"/>
+          </p:cNvPicPr>
+          <p:nvPr>
+            <p:ph idx="1"/>
+          </p:nvPr>
+        </p:nvPicPr>
+        <p:blipFill>
+          <a:blip r:embed="rId2"/>
+          <a:stretch>
+            <a:fillRect/>
+          </a:stretch>
+        </p:blipFill>
+        <p:spPr>
+          <a:xfrm>
+            <a:off x="677334" y="1370879"/>
+            <a:ext cx="8201196" cy="4378757"/>
+          </a:xfrm>
+          <a:prstGeom prst="rect">
+            <a:avLst/>
+          </a:prstGeom>
+        </p:spPr>
+      </p:pic>
+    </p:spTree>
+    <p:extLst>
+      <p:ext uri="{BB962C8B-B14F-4D97-AF65-F5344CB8AC3E}">
+        <p14:creationId xmlns:p14="http://schemas.microsoft.com/office/powerpoint/2010/main" val="898451355"/>
+      </p:ext>
+    </p:extLst>
+  </p:cSld>
+  <p:clrMapOvr>
+    <a:masterClrMapping/>
+  </p:clrMapOvr>
+  <p:timing>
+    <p:tnLst>
+      <p:par>
+        <p:cTn id="1" dur="indefinite" restart="never" nodeType="tmRoot"/>
+      </p:par>
+    </p:tnLst>
+  </p:timing>
+</p:sld>
+</file>
+
+<file path=ppt/slides/slide38.xml><?xml version="1.0" encoding="utf-8"?>
+<p:sld xmlns:a="http://schemas.openxmlformats.org/drawingml/2006/main" xmlns:r="http://schemas.openxmlformats.org/officeDocument/2006/relationships" xmlns:p="http://schemas.openxmlformats.org/presentationml/2006/main">
+  <p:cSld>
+    <p:spTree>
+      <p:nvGrpSpPr>
+        <p:cNvPr id="1" name=""/>
+        <p:cNvGrpSpPr/>
+        <p:nvPr/>
+      </p:nvGrpSpPr>
+      <p:grpSpPr>
+        <a:xfrm>
+          <a:off x="0" y="0"/>
+          <a:ext cx="0" cy="0"/>
+          <a:chOff x="0" y="0"/>
+          <a:chExt cx="0" cy="0"/>
+        </a:xfrm>
+      </p:grpSpPr>
+      <p:sp>
+        <p:nvSpPr>
+          <p:cNvPr id="2" name="Title 1"/>
+          <p:cNvSpPr>
+            <a:spLocks noGrp="1"/>
+          </p:cNvSpPr>
+          <p:nvPr>
+            <p:ph type="title"/>
+          </p:nvPr>
+        </p:nvSpPr>
+        <p:spPr/>
+        <p:txBody>
+          <a:bodyPr/>
+          <a:lstStyle/>
+          <a:p>
+            <a:r>
+              <a:rPr lang="pl-PL" dirty="0"/>
+              <a:t>Extractor </a:t>
+            </a:r>
+            <a:r>
+              <a:rPr lang="pl-PL" dirty="0" smtClean="0"/>
+              <a:t>(Scopes)</a:t>
+            </a:r>
+            <a:endParaRPr lang="pl-PL" dirty="0"/>
+          </a:p>
+        </p:txBody>
+      </p:sp>
+      <p:pic>
+        <p:nvPicPr>
+          <p:cNvPr id="4" name="Content Placeholder 3"/>
+          <p:cNvPicPr>
+            <a:picLocks noGrp="1" noChangeAspect="1"/>
+          </p:cNvPicPr>
+          <p:nvPr>
+            <p:ph idx="1"/>
+          </p:nvPr>
+        </p:nvPicPr>
+        <p:blipFill>
+          <a:blip r:embed="rId2"/>
+          <a:stretch>
+            <a:fillRect/>
+          </a:stretch>
+        </p:blipFill>
+        <p:spPr>
+          <a:xfrm>
+            <a:off x="677334" y="1270000"/>
+            <a:ext cx="7589298" cy="4784436"/>
+          </a:xfrm>
+          <a:prstGeom prst="rect">
+            <a:avLst/>
+          </a:prstGeom>
+        </p:spPr>
+      </p:pic>
+    </p:spTree>
+    <p:extLst>
+      <p:ext uri="{BB962C8B-B14F-4D97-AF65-F5344CB8AC3E}">
+        <p14:creationId xmlns:p14="http://schemas.microsoft.com/office/powerpoint/2010/main" val="2416913570"/>
+      </p:ext>
+    </p:extLst>
+  </p:cSld>
+  <p:clrMapOvr>
+    <a:masterClrMapping/>
+  </p:clrMapOvr>
+  <p:timing>
+    <p:tnLst>
+      <p:par>
+        <p:cTn id="1" dur="indefinite" restart="never" nodeType="tmRoot"/>
+      </p:par>
+    </p:tnLst>
+  </p:timing>
+</p:sld>
+</file>
+
+<file path=ppt/slides/slide39.xml><?xml version="1.0" encoding="utf-8"?>
+<p:sld xmlns:a="http://schemas.openxmlformats.org/drawingml/2006/main" xmlns:r="http://schemas.openxmlformats.org/officeDocument/2006/relationships" xmlns:p="http://schemas.openxmlformats.org/presentationml/2006/main">
+  <p:cSld>
+    <p:spTree>
+      <p:nvGrpSpPr>
+        <p:cNvPr id="1" name=""/>
+        <p:cNvGrpSpPr/>
+        <p:nvPr/>
+      </p:nvGrpSpPr>
+      <p:grpSpPr>
+        <a:xfrm>
+          <a:off x="0" y="0"/>
+          <a:ext cx="0" cy="0"/>
+          <a:chOff x="0" y="0"/>
+          <a:chExt cx="0" cy="0"/>
+        </a:xfrm>
+      </p:grpSpPr>
+      <p:sp>
+        <p:nvSpPr>
+          <p:cNvPr id="2" name="Title 1"/>
+          <p:cNvSpPr>
+            <a:spLocks noGrp="1"/>
+          </p:cNvSpPr>
+          <p:nvPr>
+            <p:ph type="title"/>
+          </p:nvPr>
+        </p:nvSpPr>
+        <p:spPr/>
+        <p:txBody>
+          <a:bodyPr/>
+          <a:lstStyle/>
+          <a:p>
+            <a:r>
+              <a:rPr lang="pl-PL" dirty="0" smtClean="0"/>
+              <a:t>DBCommunication</a:t>
+            </a:r>
+            <a:endParaRPr lang="pl-PL" dirty="0"/>
+          </a:p>
+        </p:txBody>
+      </p:sp>
+      <p:pic>
+        <p:nvPicPr>
+          <p:cNvPr id="4" name="Content Placeholder 3"/>
+          <p:cNvPicPr>
+            <a:picLocks noGrp="1" noChangeAspect="1"/>
+          </p:cNvPicPr>
+          <p:nvPr>
+            <p:ph idx="1"/>
+          </p:nvPr>
+        </p:nvPicPr>
+        <p:blipFill>
+          <a:blip r:embed="rId2"/>
+          <a:stretch>
+            <a:fillRect/>
+          </a:stretch>
+        </p:blipFill>
+        <p:spPr>
+          <a:xfrm>
+            <a:off x="677334" y="1270000"/>
+            <a:ext cx="7715734" cy="4950691"/>
+          </a:xfrm>
+          <a:prstGeom prst="rect">
+            <a:avLst/>
+          </a:prstGeom>
+        </p:spPr>
+      </p:pic>
+    </p:spTree>
+    <p:extLst>
+      <p:ext uri="{BB962C8B-B14F-4D97-AF65-F5344CB8AC3E}">
+        <p14:creationId xmlns:p14="http://schemas.microsoft.com/office/powerpoint/2010/main" val="1689931912"/>
+      </p:ext>
+    </p:extLst>
+  </p:cSld>
+  <p:clrMapOvr>
+    <a:masterClrMapping/>
+  </p:clrMapOvr>
+  <p:timing>
+    <p:tnLst>
+      <p:par>
+        <p:cTn id="1" dur="indefinite" restart="never" nodeType="tmRoot"/>
+      </p:par>
+    </p:tnLst>
+  </p:timing>
 </p:sld>
 </file>
 
@@ -8907,8 +9305,8 @@
         </p:nvSpPr>
         <p:spPr>
           <a:xfrm>
-            <a:off x="7694141" y="1138884"/>
-            <a:ext cx="1326291" cy="1260449"/>
+            <a:off x="7238999" y="4563759"/>
+            <a:ext cx="1532237" cy="1375719"/>
           </a:xfrm>
           <a:prstGeom prst="cube">
             <a:avLst/>
@@ -8951,8 +9349,8 @@
         </p:nvSpPr>
         <p:spPr>
           <a:xfrm>
-            <a:off x="2767914" y="1136821"/>
-            <a:ext cx="1167781" cy="1262512"/>
+            <a:off x="593125" y="2776149"/>
+            <a:ext cx="1540476" cy="1573427"/>
           </a:xfrm>
           <a:prstGeom prst="can">
             <a:avLst/>
@@ -8995,8 +9393,8 @@
         </p:nvSpPr>
         <p:spPr>
           <a:xfrm>
-            <a:off x="5414650" y="1136821"/>
-            <a:ext cx="1848465" cy="1262512"/>
+            <a:off x="5997145" y="2776147"/>
+            <a:ext cx="1581665" cy="1573427"/>
           </a:xfrm>
           <a:prstGeom prst="can">
             <a:avLst/>
@@ -9039,8 +9437,8 @@
         </p:nvSpPr>
         <p:spPr>
           <a:xfrm>
-            <a:off x="4013955" y="1530116"/>
-            <a:ext cx="1324163" cy="475921"/>
+            <a:off x="2275705" y="3266297"/>
+            <a:ext cx="893805" cy="593125"/>
           </a:xfrm>
           <a:prstGeom prst="rightArrow">
             <a:avLst/>
@@ -9077,60 +9475,30 @@
       </p:sp>
       <p:sp>
         <p:nvSpPr>
-          <p:cNvPr id="5" name="TextBox 4"/>
-          <p:cNvSpPr txBox="1"/>
+          <p:cNvPr id="9" name="Flowchart: Multidocument 8"/>
+          <p:cNvSpPr/>
           <p:nvPr/>
         </p:nvSpPr>
         <p:spPr>
           <a:xfrm>
-            <a:off x="535460" y="1583410"/>
-            <a:ext cx="2092411" cy="369332"/>
-          </a:xfrm>
-          <a:prstGeom prst="rect">
+            <a:off x="5123934" y="4563759"/>
+            <a:ext cx="1746421" cy="1725824"/>
+          </a:xfrm>
+          <a:prstGeom prst="flowChartMultidocument">
             <a:avLst/>
           </a:prstGeom>
-          <a:noFill/>
-        </p:spPr>
-        <p:txBody>
-          <a:bodyPr wrap="square" rtlCol="0">
-            <a:spAutoFit/>
-          </a:bodyPr>
-          <a:lstStyle/>
-          <a:p>
-            <a:r>
-              <a:rPr lang="pl-PL" b="1" i="1" dirty="0" smtClean="0"/>
-              <a:t>Customer A</a:t>
-            </a:r>
-            <a:endParaRPr lang="pl-PL" b="1" i="1" dirty="0"/>
-          </a:p>
-        </p:txBody>
-      </p:sp>
-      <p:sp>
-        <p:nvSpPr>
-          <p:cNvPr id="21" name="Cube 20"/>
-          <p:cNvSpPr/>
-          <p:nvPr/>
-        </p:nvSpPr>
-        <p:spPr>
-          <a:xfrm>
-            <a:off x="7694141" y="2848235"/>
-            <a:ext cx="1326291" cy="1260449"/>
-          </a:xfrm>
-          <a:prstGeom prst="cube">
-            <a:avLst/>
-          </a:prstGeom>
         </p:spPr>
         <p:style>
           <a:lnRef idx="2">
-            <a:schemeClr val="accent3">
+            <a:schemeClr val="accent4">
               <a:shade val="50000"/>
             </a:schemeClr>
           </a:lnRef>
           <a:fillRef idx="1">
-            <a:schemeClr val="accent3"/>
+            <a:schemeClr val="accent4"/>
           </a:fillRef>
           <a:effectRef idx="0">
-            <a:schemeClr val="accent3"/>
+            <a:schemeClr val="accent4"/>
           </a:effectRef>
           <a:fontRef idx="minor">
             <a:schemeClr val="lt1"/>
@@ -9143,7 +9511,7 @@
             <a:pPr algn="ctr"/>
             <a:r>
               <a:rPr lang="pl-PL" dirty="0" smtClean="0"/>
-              <a:t>OLAP MD</a:t>
+              <a:t>SSRS/ PBI/ XLS</a:t>
             </a:r>
             <a:endParaRPr lang="pl-PL" dirty="0"/>
           </a:p>
@@ -9151,58 +9519,86 @@
       </p:sp>
       <p:sp>
         <p:nvSpPr>
-          <p:cNvPr id="22" name="Can 21"/>
+          <p:cNvPr id="11" name="Right Brace 10"/>
           <p:cNvSpPr/>
           <p:nvPr/>
         </p:nvSpPr>
         <p:spPr>
-          <a:xfrm>
-            <a:off x="2767914" y="2846172"/>
-            <a:ext cx="1167781" cy="1262512"/>
-          </a:xfrm>
-          <a:prstGeom prst="can">
+          <a:xfrm rot="16200000">
+            <a:off x="5279427" y="-1084305"/>
+            <a:ext cx="729048" cy="6736490"/>
+          </a:xfrm>
+          <a:prstGeom prst="rightBrace">
+            <a:avLst>
+              <a:gd name="adj1" fmla="val 53531"/>
+              <a:gd name="adj2" fmla="val 68100"/>
+            </a:avLst>
+          </a:prstGeom>
+          <a:ln w="28575"/>
+        </p:spPr>
+        <p:style>
+          <a:lnRef idx="1">
+            <a:schemeClr val="accent1"/>
+          </a:lnRef>
+          <a:fillRef idx="0">
+            <a:schemeClr val="accent1"/>
+          </a:fillRef>
+          <a:effectRef idx="0">
+            <a:schemeClr val="accent1"/>
+          </a:effectRef>
+          <a:fontRef idx="minor">
+            <a:schemeClr val="tx1"/>
+          </a:fontRef>
+        </p:style>
+        <p:txBody>
+          <a:bodyPr rtlCol="0" anchor="ctr"/>
+          <a:lstStyle/>
+          <a:p>
+            <a:pPr algn="ctr"/>
+            <a:endParaRPr lang="pl-PL"/>
+          </a:p>
+        </p:txBody>
+      </p:sp>
+      <p:sp>
+        <p:nvSpPr>
+          <p:cNvPr id="12" name="TextBox 11"/>
+          <p:cNvSpPr txBox="1"/>
+          <p:nvPr/>
+        </p:nvSpPr>
+        <p:spPr>
+          <a:xfrm>
+            <a:off x="6384324" y="1335899"/>
+            <a:ext cx="2627870" cy="369332"/>
+          </a:xfrm>
+          <a:prstGeom prst="rect">
             <a:avLst/>
           </a:prstGeom>
-        </p:spPr>
-        <p:style>
-          <a:lnRef idx="2">
-            <a:schemeClr val="accent6">
-              <a:shade val="50000"/>
-            </a:schemeClr>
-          </a:lnRef>
-          <a:fillRef idx="1">
-            <a:schemeClr val="accent6"/>
-          </a:fillRef>
-          <a:effectRef idx="0">
-            <a:schemeClr val="accent6"/>
-          </a:effectRef>
-          <a:fontRef idx="minor">
-            <a:schemeClr val="lt1"/>
-          </a:fontRef>
-        </p:style>
-        <p:txBody>
-          <a:bodyPr rtlCol="0" anchor="ctr"/>
-          <a:lstStyle/>
-          <a:p>
-            <a:pPr algn="ctr"/>
-            <a:r>
-              <a:rPr lang="pl-PL" dirty="0" smtClean="0"/>
-              <a:t>ERP System</a:t>
-            </a:r>
-            <a:endParaRPr lang="pl-PL" dirty="0"/>
-          </a:p>
-        </p:txBody>
-      </p:sp>
-      <p:sp>
-        <p:nvSpPr>
-          <p:cNvPr id="23" name="Can 22"/>
+          <a:noFill/>
+        </p:spPr>
+        <p:txBody>
+          <a:bodyPr wrap="square" rtlCol="0">
+            <a:spAutoFit/>
+          </a:bodyPr>
+          <a:lstStyle/>
+          <a:p>
+            <a:r>
+              <a:rPr lang="pl-PL" b="1" dirty="0" smtClean="0"/>
+              <a:t>BI Module</a:t>
+            </a:r>
+            <a:endParaRPr lang="pl-PL" b="1" dirty="0"/>
+          </a:p>
+        </p:txBody>
+      </p:sp>
+      <p:sp>
+        <p:nvSpPr>
+          <p:cNvPr id="10" name="Can 9"/>
           <p:cNvSpPr/>
           <p:nvPr/>
         </p:nvSpPr>
         <p:spPr>
           <a:xfrm>
-            <a:off x="5414650" y="2846172"/>
-            <a:ext cx="1848465" cy="1262512"/>
+            <a:off x="3311614" y="2776147"/>
+            <a:ext cx="1581665" cy="1573427"/>
           </a:xfrm>
           <a:prstGeom prst="can">
             <a:avLst/>
@@ -9231,7 +9627,7 @@
             <a:pPr algn="ctr"/>
             <a:r>
               <a:rPr lang="pl-PL" dirty="0" smtClean="0"/>
-              <a:t>Data Mart</a:t>
+              <a:t>Staging</a:t>
             </a:r>
             <a:endParaRPr lang="pl-PL" dirty="0"/>
           </a:p>
@@ -9239,14 +9635,14 @@
       </p:sp>
       <p:sp>
         <p:nvSpPr>
-          <p:cNvPr id="24" name="Right Arrow 23"/>
+          <p:cNvPr id="14" name="Right Arrow 13"/>
           <p:cNvSpPr/>
           <p:nvPr/>
         </p:nvSpPr>
         <p:spPr>
           <a:xfrm>
-            <a:off x="4013955" y="3239467"/>
-            <a:ext cx="1324163" cy="475921"/>
+            <a:off x="4998309" y="3266297"/>
+            <a:ext cx="893805" cy="593125"/>
           </a:xfrm>
           <a:prstGeom prst="rightArrow">
             <a:avLst/>
@@ -9281,246 +9677,10 @@
           </a:p>
         </p:txBody>
       </p:sp>
-      <p:sp>
-        <p:nvSpPr>
-          <p:cNvPr id="25" name="TextBox 24"/>
-          <p:cNvSpPr txBox="1"/>
-          <p:nvPr/>
-        </p:nvSpPr>
-        <p:spPr>
-          <a:xfrm>
-            <a:off x="535460" y="3292761"/>
-            <a:ext cx="2092411" cy="369332"/>
-          </a:xfrm>
-          <a:prstGeom prst="rect">
-            <a:avLst/>
-          </a:prstGeom>
-          <a:noFill/>
-        </p:spPr>
-        <p:txBody>
-          <a:bodyPr wrap="square" rtlCol="0">
-            <a:spAutoFit/>
-          </a:bodyPr>
-          <a:lstStyle/>
-          <a:p>
-            <a:r>
-              <a:rPr lang="pl-PL" b="1" i="1" dirty="0" smtClean="0"/>
-              <a:t>Customer B</a:t>
-            </a:r>
-            <a:endParaRPr lang="pl-PL" b="1" i="1" dirty="0"/>
-          </a:p>
-        </p:txBody>
-      </p:sp>
-      <p:sp>
-        <p:nvSpPr>
-          <p:cNvPr id="26" name="Cube 25"/>
-          <p:cNvSpPr/>
-          <p:nvPr/>
-        </p:nvSpPr>
-        <p:spPr>
-          <a:xfrm>
-            <a:off x="7694141" y="4557586"/>
-            <a:ext cx="1326291" cy="1260449"/>
-          </a:xfrm>
-          <a:prstGeom prst="cube">
-            <a:avLst/>
-          </a:prstGeom>
-        </p:spPr>
-        <p:style>
-          <a:lnRef idx="2">
-            <a:schemeClr val="accent3">
-              <a:shade val="50000"/>
-            </a:schemeClr>
-          </a:lnRef>
-          <a:fillRef idx="1">
-            <a:schemeClr val="accent3"/>
-          </a:fillRef>
-          <a:effectRef idx="0">
-            <a:schemeClr val="accent3"/>
-          </a:effectRef>
-          <a:fontRef idx="minor">
-            <a:schemeClr val="lt1"/>
-          </a:fontRef>
-        </p:style>
-        <p:txBody>
-          <a:bodyPr rtlCol="0" anchor="ctr"/>
-          <a:lstStyle/>
-          <a:p>
-            <a:pPr algn="ctr"/>
-            <a:r>
-              <a:rPr lang="pl-PL" dirty="0" smtClean="0"/>
-              <a:t>OLAP MD</a:t>
-            </a:r>
-            <a:endParaRPr lang="pl-PL" dirty="0"/>
-          </a:p>
-        </p:txBody>
-      </p:sp>
-      <p:sp>
-        <p:nvSpPr>
-          <p:cNvPr id="27" name="Can 26"/>
-          <p:cNvSpPr/>
-          <p:nvPr/>
-        </p:nvSpPr>
-        <p:spPr>
-          <a:xfrm>
-            <a:off x="2767914" y="4555523"/>
-            <a:ext cx="1167781" cy="1262512"/>
-          </a:xfrm>
-          <a:prstGeom prst="can">
-            <a:avLst/>
-          </a:prstGeom>
-        </p:spPr>
-        <p:style>
-          <a:lnRef idx="2">
-            <a:schemeClr val="accent6">
-              <a:shade val="50000"/>
-            </a:schemeClr>
-          </a:lnRef>
-          <a:fillRef idx="1">
-            <a:schemeClr val="accent6"/>
-          </a:fillRef>
-          <a:effectRef idx="0">
-            <a:schemeClr val="accent6"/>
-          </a:effectRef>
-          <a:fontRef idx="minor">
-            <a:schemeClr val="lt1"/>
-          </a:fontRef>
-        </p:style>
-        <p:txBody>
-          <a:bodyPr rtlCol="0" anchor="ctr"/>
-          <a:lstStyle/>
-          <a:p>
-            <a:pPr algn="ctr"/>
-            <a:r>
-              <a:rPr lang="pl-PL" dirty="0" smtClean="0"/>
-              <a:t>ERP System</a:t>
-            </a:r>
-            <a:endParaRPr lang="pl-PL" dirty="0"/>
-          </a:p>
-        </p:txBody>
-      </p:sp>
-      <p:sp>
-        <p:nvSpPr>
-          <p:cNvPr id="28" name="Can 27"/>
-          <p:cNvSpPr/>
-          <p:nvPr/>
-        </p:nvSpPr>
-        <p:spPr>
-          <a:xfrm>
-            <a:off x="5414650" y="4555523"/>
-            <a:ext cx="1848465" cy="1262512"/>
-          </a:xfrm>
-          <a:prstGeom prst="can">
-            <a:avLst/>
-          </a:prstGeom>
-        </p:spPr>
-        <p:style>
-          <a:lnRef idx="2">
-            <a:schemeClr val="accent1">
-              <a:shade val="50000"/>
-            </a:schemeClr>
-          </a:lnRef>
-          <a:fillRef idx="1">
-            <a:schemeClr val="accent1"/>
-          </a:fillRef>
-          <a:effectRef idx="0">
-            <a:schemeClr val="accent1"/>
-          </a:effectRef>
-          <a:fontRef idx="minor">
-            <a:schemeClr val="lt1"/>
-          </a:fontRef>
-        </p:style>
-        <p:txBody>
-          <a:bodyPr rtlCol="0" anchor="ctr"/>
-          <a:lstStyle/>
-          <a:p>
-            <a:pPr algn="ctr"/>
-            <a:r>
-              <a:rPr lang="pl-PL" dirty="0" smtClean="0"/>
-              <a:t>Data Mart</a:t>
-            </a:r>
-            <a:endParaRPr lang="pl-PL" dirty="0"/>
-          </a:p>
-        </p:txBody>
-      </p:sp>
-      <p:sp>
-        <p:nvSpPr>
-          <p:cNvPr id="29" name="Right Arrow 28"/>
-          <p:cNvSpPr/>
-          <p:nvPr/>
-        </p:nvSpPr>
-        <p:spPr>
-          <a:xfrm>
-            <a:off x="4013955" y="4948818"/>
-            <a:ext cx="1324163" cy="475921"/>
-          </a:xfrm>
-          <a:prstGeom prst="rightArrow">
-            <a:avLst/>
-          </a:prstGeom>
-        </p:spPr>
-        <p:style>
-          <a:lnRef idx="2">
-            <a:schemeClr val="accent2">
-              <a:shade val="50000"/>
-            </a:schemeClr>
-          </a:lnRef>
-          <a:fillRef idx="1">
-            <a:schemeClr val="accent2"/>
-          </a:fillRef>
-          <a:effectRef idx="0">
-            <a:schemeClr val="accent2"/>
-          </a:effectRef>
-          <a:fontRef idx="minor">
-            <a:schemeClr val="lt1"/>
-          </a:fontRef>
-        </p:style>
-        <p:txBody>
-          <a:bodyPr rtlCol="0" anchor="ctr"/>
-          <a:lstStyle/>
-          <a:p>
-            <a:pPr algn="ctr"/>
-            <a:r>
-              <a:rPr lang="pl-PL" dirty="0" smtClean="0"/>
-              <a:t>ETL</a:t>
-            </a:r>
-            <a:endParaRPr lang="pl-PL" dirty="0"/>
-          </a:p>
-        </p:txBody>
-      </p:sp>
-      <p:sp>
-        <p:nvSpPr>
-          <p:cNvPr id="30" name="TextBox 29"/>
-          <p:cNvSpPr txBox="1"/>
-          <p:nvPr/>
-        </p:nvSpPr>
-        <p:spPr>
-          <a:xfrm>
-            <a:off x="535460" y="5002112"/>
-            <a:ext cx="2092411" cy="369332"/>
-          </a:xfrm>
-          <a:prstGeom prst="rect">
-            <a:avLst/>
-          </a:prstGeom>
-          <a:noFill/>
-        </p:spPr>
-        <p:txBody>
-          <a:bodyPr wrap="square" rtlCol="0">
-            <a:spAutoFit/>
-          </a:bodyPr>
-          <a:lstStyle/>
-          <a:p>
-            <a:r>
-              <a:rPr lang="pl-PL" b="1" i="1" dirty="0" smtClean="0"/>
-              <a:t>Customer C</a:t>
-            </a:r>
-            <a:endParaRPr lang="pl-PL" b="1" i="1" dirty="0"/>
-          </a:p>
-        </p:txBody>
-      </p:sp>
     </p:spTree>
     <p:extLst>
       <p:ext uri="{BB962C8B-B14F-4D97-AF65-F5344CB8AC3E}">
-        <p14:creationId xmlns:p14="http://schemas.microsoft.com/office/powerpoint/2010/main" val="3213652944"/>
+        <p14:creationId xmlns:p14="http://schemas.microsoft.com/office/powerpoint/2010/main" val="1518493766"/>
       </p:ext>
     </p:extLst>
   </p:cSld>
@@ -9534,6 +9694,354 @@
       </p:par>
     </p:tnLst>
   </p:timing>
+</p:sld>
+</file>
+
+<file path=ppt/slides/slide40.xml><?xml version="1.0" encoding="utf-8"?>
+<p:sld xmlns:a="http://schemas.openxmlformats.org/drawingml/2006/main" xmlns:r="http://schemas.openxmlformats.org/officeDocument/2006/relationships" xmlns:p="http://schemas.openxmlformats.org/presentationml/2006/main">
+  <p:cSld>
+    <p:spTree>
+      <p:nvGrpSpPr>
+        <p:cNvPr id="1" name=""/>
+        <p:cNvGrpSpPr/>
+        <p:nvPr/>
+      </p:nvGrpSpPr>
+      <p:grpSpPr>
+        <a:xfrm>
+          <a:off x="0" y="0"/>
+          <a:ext cx="0" cy="0"/>
+          <a:chOff x="0" y="0"/>
+          <a:chExt cx="0" cy="0"/>
+        </a:xfrm>
+      </p:grpSpPr>
+      <p:sp>
+        <p:nvSpPr>
+          <p:cNvPr id="2" name="Title 1"/>
+          <p:cNvSpPr>
+            <a:spLocks noGrp="1"/>
+          </p:cNvSpPr>
+          <p:nvPr>
+            <p:ph type="title"/>
+          </p:nvPr>
+        </p:nvSpPr>
+        <p:spPr/>
+        <p:txBody>
+          <a:bodyPr/>
+          <a:lstStyle/>
+          <a:p>
+            <a:r>
+              <a:rPr lang="pl-PL" dirty="0" smtClean="0"/>
+              <a:t>Processor</a:t>
+            </a:r>
+            <a:endParaRPr lang="pl-PL" dirty="0"/>
+          </a:p>
+        </p:txBody>
+      </p:sp>
+      <p:pic>
+        <p:nvPicPr>
+          <p:cNvPr id="4" name="Picture 3"/>
+          <p:cNvPicPr>
+            <a:picLocks noChangeAspect="1"/>
+          </p:cNvPicPr>
+          <p:nvPr/>
+        </p:nvPicPr>
+        <p:blipFill>
+          <a:blip r:embed="rId2"/>
+          <a:stretch>
+            <a:fillRect/>
+          </a:stretch>
+        </p:blipFill>
+        <p:spPr>
+          <a:xfrm>
+            <a:off x="724726" y="1384734"/>
+            <a:ext cx="8501884" cy="3916361"/>
+          </a:xfrm>
+          <a:prstGeom prst="rect">
+            <a:avLst/>
+          </a:prstGeom>
+        </p:spPr>
+      </p:pic>
+    </p:spTree>
+    <p:extLst>
+      <p:ext uri="{BB962C8B-B14F-4D97-AF65-F5344CB8AC3E}">
+        <p14:creationId xmlns:p14="http://schemas.microsoft.com/office/powerpoint/2010/main" val="3170176035"/>
+      </p:ext>
+    </p:extLst>
+  </p:cSld>
+  <p:clrMapOvr>
+    <a:masterClrMapping/>
+  </p:clrMapOvr>
+</p:sld>
+</file>
+
+<file path=ppt/slides/slide41.xml><?xml version="1.0" encoding="utf-8"?>
+<p:sld xmlns:a="http://schemas.openxmlformats.org/drawingml/2006/main" xmlns:r="http://schemas.openxmlformats.org/officeDocument/2006/relationships" xmlns:p="http://schemas.openxmlformats.org/presentationml/2006/main">
+  <p:cSld>
+    <p:spTree>
+      <p:nvGrpSpPr>
+        <p:cNvPr id="1" name=""/>
+        <p:cNvGrpSpPr/>
+        <p:nvPr/>
+      </p:nvGrpSpPr>
+      <p:grpSpPr>
+        <a:xfrm>
+          <a:off x="0" y="0"/>
+          <a:ext cx="0" cy="0"/>
+          <a:chOff x="0" y="0"/>
+          <a:chExt cx="0" cy="0"/>
+        </a:xfrm>
+      </p:grpSpPr>
+      <p:sp>
+        <p:nvSpPr>
+          <p:cNvPr id="2" name="Title 1"/>
+          <p:cNvSpPr>
+            <a:spLocks noGrp="1"/>
+          </p:cNvSpPr>
+          <p:nvPr>
+            <p:ph type="title"/>
+          </p:nvPr>
+        </p:nvSpPr>
+        <p:spPr/>
+        <p:txBody>
+          <a:bodyPr/>
+          <a:lstStyle/>
+          <a:p>
+            <a:r>
+              <a:rPr lang="pl-PL" dirty="0" smtClean="0"/>
+              <a:t>App</a:t>
+            </a:r>
+            <a:endParaRPr lang="pl-PL" dirty="0"/>
+          </a:p>
+        </p:txBody>
+      </p:sp>
+      <p:pic>
+        <p:nvPicPr>
+          <p:cNvPr id="4" name="Content Placeholder 3"/>
+          <p:cNvPicPr>
+            <a:picLocks noGrp="1" noChangeAspect="1"/>
+          </p:cNvPicPr>
+          <p:nvPr>
+            <p:ph idx="1"/>
+          </p:nvPr>
+        </p:nvPicPr>
+        <p:blipFill>
+          <a:blip r:embed="rId2"/>
+          <a:stretch>
+            <a:fillRect/>
+          </a:stretch>
+        </p:blipFill>
+        <p:spPr>
+          <a:xfrm>
+            <a:off x="677334" y="1269999"/>
+            <a:ext cx="6984230" cy="4971214"/>
+          </a:xfrm>
+          <a:prstGeom prst="rect">
+            <a:avLst/>
+          </a:prstGeom>
+        </p:spPr>
+      </p:pic>
+      <p:sp>
+        <p:nvSpPr>
+          <p:cNvPr id="5" name="Right Arrow 4"/>
+          <p:cNvSpPr/>
+          <p:nvPr/>
+        </p:nvSpPr>
+        <p:spPr>
+          <a:xfrm rot="19745466" flipH="1">
+            <a:off x="6123706" y="1950227"/>
+            <a:ext cx="2854037" cy="743527"/>
+          </a:xfrm>
+          <a:prstGeom prst="rightArrow">
+            <a:avLst/>
+          </a:prstGeom>
+        </p:spPr>
+        <p:style>
+          <a:lnRef idx="2">
+            <a:schemeClr val="accent4">
+              <a:shade val="50000"/>
+            </a:schemeClr>
+          </a:lnRef>
+          <a:fillRef idx="1">
+            <a:schemeClr val="accent4"/>
+          </a:fillRef>
+          <a:effectRef idx="0">
+            <a:schemeClr val="accent4"/>
+          </a:effectRef>
+          <a:fontRef idx="minor">
+            <a:schemeClr val="lt1"/>
+          </a:fontRef>
+        </p:style>
+        <p:txBody>
+          <a:bodyPr rtlCol="0" anchor="ctr"/>
+          <a:lstStyle/>
+          <a:p>
+            <a:pPr algn="ctr"/>
+            <a:r>
+              <a:rPr lang="pl-PL" dirty="0" smtClean="0"/>
+              <a:t>config path</a:t>
+            </a:r>
+            <a:endParaRPr lang="pl-PL" dirty="0"/>
+          </a:p>
+        </p:txBody>
+      </p:sp>
+      <p:sp>
+        <p:nvSpPr>
+          <p:cNvPr id="6" name="Right Arrow 5"/>
+          <p:cNvSpPr/>
+          <p:nvPr/>
+        </p:nvSpPr>
+        <p:spPr>
+          <a:xfrm flipH="1">
+            <a:off x="6234545" y="4064070"/>
+            <a:ext cx="2854037" cy="743527"/>
+          </a:xfrm>
+          <a:prstGeom prst="rightArrow">
+            <a:avLst/>
+          </a:prstGeom>
+        </p:spPr>
+        <p:style>
+          <a:lnRef idx="2">
+            <a:schemeClr val="accent4">
+              <a:shade val="50000"/>
+            </a:schemeClr>
+          </a:lnRef>
+          <a:fillRef idx="1">
+            <a:schemeClr val="accent4"/>
+          </a:fillRef>
+          <a:effectRef idx="0">
+            <a:schemeClr val="accent4"/>
+          </a:effectRef>
+          <a:fontRef idx="minor">
+            <a:schemeClr val="lt1"/>
+          </a:fontRef>
+        </p:style>
+        <p:txBody>
+          <a:bodyPr rtlCol="0" anchor="ctr"/>
+          <a:lstStyle/>
+          <a:p>
+            <a:pPr algn="ctr"/>
+            <a:r>
+              <a:rPr lang="pl-PL" dirty="0" smtClean="0"/>
+              <a:t>deserialize json</a:t>
+            </a:r>
+            <a:endParaRPr lang="pl-PL" dirty="0"/>
+          </a:p>
+        </p:txBody>
+      </p:sp>
+      <p:sp>
+        <p:nvSpPr>
+          <p:cNvPr id="7" name="Right Arrow 6"/>
+          <p:cNvSpPr/>
+          <p:nvPr/>
+        </p:nvSpPr>
+        <p:spPr>
+          <a:xfrm rot="1258465" flipH="1">
+            <a:off x="2937162" y="5156340"/>
+            <a:ext cx="2854037" cy="743527"/>
+          </a:xfrm>
+          <a:prstGeom prst="rightArrow">
+            <a:avLst/>
+          </a:prstGeom>
+        </p:spPr>
+        <p:style>
+          <a:lnRef idx="2">
+            <a:schemeClr val="accent4">
+              <a:shade val="50000"/>
+            </a:schemeClr>
+          </a:lnRef>
+          <a:fillRef idx="1">
+            <a:schemeClr val="accent4"/>
+          </a:fillRef>
+          <a:effectRef idx="0">
+            <a:schemeClr val="accent4"/>
+          </a:effectRef>
+          <a:fontRef idx="minor">
+            <a:schemeClr val="lt1"/>
+          </a:fontRef>
+        </p:style>
+        <p:txBody>
+          <a:bodyPr rtlCol="0" anchor="ctr"/>
+          <a:lstStyle/>
+          <a:p>
+            <a:pPr algn="ctr"/>
+            <a:r>
+              <a:rPr lang="pl-PL" dirty="0" smtClean="0"/>
+              <a:t>processor</a:t>
+            </a:r>
+            <a:endParaRPr lang="pl-PL" dirty="0"/>
+          </a:p>
+        </p:txBody>
+      </p:sp>
+    </p:spTree>
+    <p:extLst>
+      <p:ext uri="{BB962C8B-B14F-4D97-AF65-F5344CB8AC3E}">
+        <p14:creationId xmlns:p14="http://schemas.microsoft.com/office/powerpoint/2010/main" val="3916453220"/>
+      </p:ext>
+    </p:extLst>
+  </p:cSld>
+  <p:clrMapOvr>
+    <a:masterClrMapping/>
+  </p:clrMapOvr>
+  <p:timing>
+    <p:tnLst>
+      <p:par>
+        <p:cTn id="1" dur="indefinite" restart="never" nodeType="tmRoot"/>
+      </p:par>
+    </p:tnLst>
+  </p:timing>
+</p:sld>
+</file>
+
+<file path=ppt/slides/slide42.xml><?xml version="1.0" encoding="utf-8"?>
+<p:sld xmlns:a="http://schemas.openxmlformats.org/drawingml/2006/main" xmlns:r="http://schemas.openxmlformats.org/officeDocument/2006/relationships" xmlns:p="http://schemas.openxmlformats.org/presentationml/2006/main">
+  <p:cSld>
+    <p:spTree>
+      <p:nvGrpSpPr>
+        <p:cNvPr id="1" name=""/>
+        <p:cNvGrpSpPr/>
+        <p:nvPr/>
+      </p:nvGrpSpPr>
+      <p:grpSpPr>
+        <a:xfrm>
+          <a:off x="0" y="0"/>
+          <a:ext cx="0" cy="0"/>
+          <a:chOff x="0" y="0"/>
+          <a:chExt cx="0" cy="0"/>
+        </a:xfrm>
+      </p:grpSpPr>
+      <p:sp>
+        <p:nvSpPr>
+          <p:cNvPr id="2" name="Title 1"/>
+          <p:cNvSpPr>
+            <a:spLocks noGrp="1"/>
+          </p:cNvSpPr>
+          <p:nvPr>
+            <p:ph type="title"/>
+          </p:nvPr>
+        </p:nvSpPr>
+        <p:spPr/>
+        <p:txBody>
+          <a:bodyPr/>
+          <a:lstStyle/>
+          <a:p>
+            <a:r>
+              <a:rPr lang="pl-PL" dirty="0" smtClean="0"/>
+              <a:t>Thanks!</a:t>
+            </a:r>
+            <a:endParaRPr lang="pl-PL" dirty="0"/>
+          </a:p>
+        </p:txBody>
+      </p:sp>
+    </p:spTree>
+    <p:extLst>
+      <p:ext uri="{BB962C8B-B14F-4D97-AF65-F5344CB8AC3E}">
+        <p14:creationId xmlns:p14="http://schemas.microsoft.com/office/powerpoint/2010/main" val="504271720"/>
+      </p:ext>
+    </p:extLst>
+  </p:cSld>
+  <p:clrMapOvr>
+    <a:masterClrMapping/>
+  </p:clrMapOvr>
 </p:sld>
 </file>
 
@@ -9562,8 +10070,8 @@
         </p:nvSpPr>
         <p:spPr>
           <a:xfrm>
-            <a:off x="7797112" y="981362"/>
-            <a:ext cx="1120346" cy="1571365"/>
+            <a:off x="7694141" y="1138884"/>
+            <a:ext cx="1326291" cy="1260449"/>
           </a:xfrm>
           <a:prstGeom prst="cube">
             <a:avLst/>
@@ -9606,8 +10114,8 @@
         </p:nvSpPr>
         <p:spPr>
           <a:xfrm>
-            <a:off x="2324599" y="1359083"/>
-            <a:ext cx="1563198" cy="815922"/>
+            <a:off x="2767914" y="1136821"/>
+            <a:ext cx="1167781" cy="1262512"/>
           </a:xfrm>
           <a:prstGeom prst="can">
             <a:avLst/>
@@ -9650,8 +10158,8 @@
         </p:nvSpPr>
         <p:spPr>
           <a:xfrm>
-            <a:off x="5590434" y="1136821"/>
-            <a:ext cx="1496896" cy="1260449"/>
+            <a:off x="5414650" y="1136821"/>
+            <a:ext cx="1848465" cy="1262512"/>
           </a:xfrm>
           <a:prstGeom prst="can">
             <a:avLst/>
@@ -9695,7 +10203,7 @@
         <p:spPr>
           <a:xfrm>
             <a:off x="4013955" y="1530116"/>
-            <a:ext cx="1513634" cy="475921"/>
+            <a:ext cx="1324163" cy="475921"/>
           </a:xfrm>
           <a:prstGeom prst="rightArrow">
             <a:avLst/>
@@ -9768,8 +10276,8 @@
         </p:nvSpPr>
         <p:spPr>
           <a:xfrm>
-            <a:off x="7694139" y="2971798"/>
-            <a:ext cx="1326291" cy="1011257"/>
+            <a:off x="7694141" y="2848235"/>
+            <a:ext cx="1326291" cy="1260449"/>
           </a:xfrm>
           <a:prstGeom prst="cube">
             <a:avLst/>
@@ -9812,8 +10320,8 @@
         </p:nvSpPr>
         <p:spPr>
           <a:xfrm>
-            <a:off x="2522307" y="2749376"/>
-            <a:ext cx="1167781" cy="1456100"/>
+            <a:off x="2767914" y="2846172"/>
+            <a:ext cx="1167781" cy="1262512"/>
           </a:xfrm>
           <a:prstGeom prst="can">
             <a:avLst/>
@@ -9974,8 +10482,8 @@
         </p:nvSpPr>
         <p:spPr>
           <a:xfrm>
-            <a:off x="7339646" y="4530804"/>
-            <a:ext cx="1757317" cy="1260449"/>
+            <a:off x="7694141" y="4557586"/>
+            <a:ext cx="1326291" cy="1260449"/>
           </a:xfrm>
           <a:prstGeom prst="cube">
             <a:avLst/>
@@ -10018,8 +10526,8 @@
         </p:nvSpPr>
         <p:spPr>
           <a:xfrm>
-            <a:off x="2386384" y="4555521"/>
-            <a:ext cx="1423154" cy="1262512"/>
+            <a:off x="2767914" y="4555523"/>
+            <a:ext cx="1167781" cy="1262512"/>
           </a:xfrm>
           <a:prstGeom prst="can">
             <a:avLst/>
@@ -10062,8 +10570,8 @@
         </p:nvSpPr>
         <p:spPr>
           <a:xfrm>
-            <a:off x="5746953" y="4407241"/>
-            <a:ext cx="1183858" cy="1559073"/>
+            <a:off x="5414650" y="4555523"/>
+            <a:ext cx="1848465" cy="1262512"/>
           </a:xfrm>
           <a:prstGeom prst="can">
             <a:avLst/>
@@ -10106,8 +10614,8 @@
         </p:nvSpPr>
         <p:spPr>
           <a:xfrm>
-            <a:off x="4013954" y="4819135"/>
-            <a:ext cx="1513635" cy="671507"/>
+            <a:off x="4013955" y="4948818"/>
+            <a:ext cx="1324163" cy="475921"/>
           </a:xfrm>
           <a:prstGeom prst="rightArrow">
             <a:avLst/>
@@ -10175,7 +10683,7 @@
     </p:spTree>
     <p:extLst>
       <p:ext uri="{BB962C8B-B14F-4D97-AF65-F5344CB8AC3E}">
-        <p14:creationId xmlns:p14="http://schemas.microsoft.com/office/powerpoint/2010/main" val="216925924"/>
+        <p14:creationId xmlns:p14="http://schemas.microsoft.com/office/powerpoint/2010/main" val="3213652944"/>
       </p:ext>
     </p:extLst>
   </p:cSld>
@@ -10211,22 +10719,43 @@
       </p:grpSpPr>
       <p:sp>
         <p:nvSpPr>
-          <p:cNvPr id="2" name="Title 1"/>
-          <p:cNvSpPr>
-            <a:spLocks noGrp="1"/>
-          </p:cNvSpPr>
-          <p:nvPr>
-            <p:ph type="title"/>
-          </p:nvPr>
-        </p:nvSpPr>
-        <p:spPr/>
-        <p:txBody>
-          <a:bodyPr/>
-          <a:lstStyle/>
-          <a:p>
+          <p:cNvPr id="2" name="Cube 1"/>
+          <p:cNvSpPr/>
+          <p:nvPr/>
+        </p:nvSpPr>
+        <p:spPr>
+          <a:xfrm>
+            <a:off x="7797112" y="981362"/>
+            <a:ext cx="1120346" cy="1571365"/>
+          </a:xfrm>
+          <a:prstGeom prst="cube">
+            <a:avLst/>
+          </a:prstGeom>
+        </p:spPr>
+        <p:style>
+          <a:lnRef idx="2">
+            <a:schemeClr val="accent3">
+              <a:shade val="50000"/>
+            </a:schemeClr>
+          </a:lnRef>
+          <a:fillRef idx="1">
+            <a:schemeClr val="accent3"/>
+          </a:fillRef>
+          <a:effectRef idx="0">
+            <a:schemeClr val="accent3"/>
+          </a:effectRef>
+          <a:fontRef idx="minor">
+            <a:schemeClr val="lt1"/>
+          </a:fontRef>
+        </p:style>
+        <p:txBody>
+          <a:bodyPr rtlCol="0" anchor="ctr"/>
+          <a:lstStyle/>
+          <a:p>
+            <a:pPr algn="ctr"/>
             <a:r>
               <a:rPr lang="pl-PL" dirty="0" smtClean="0"/>
-              <a:t>Layers</a:t>
+              <a:t>OLAP MD</a:t>
             </a:r>
             <a:endParaRPr lang="pl-PL" dirty="0"/>
           </a:p>
@@ -10234,55 +10763,582 @@
       </p:sp>
       <p:sp>
         <p:nvSpPr>
-          <p:cNvPr id="3" name="Content Placeholder 2"/>
-          <p:cNvSpPr>
-            <a:spLocks noGrp="1"/>
-          </p:cNvSpPr>
-          <p:nvPr>
-            <p:ph idx="1"/>
-          </p:nvPr>
-        </p:nvSpPr>
-        <p:spPr/>
-        <p:txBody>
-          <a:bodyPr/>
-          <a:lstStyle/>
-          <a:p>
+          <p:cNvPr id="3" name="Can 2"/>
+          <p:cNvSpPr/>
+          <p:nvPr/>
+        </p:nvSpPr>
+        <p:spPr>
+          <a:xfrm>
+            <a:off x="2324599" y="1359083"/>
+            <a:ext cx="1563198" cy="815922"/>
+          </a:xfrm>
+          <a:prstGeom prst="can">
+            <a:avLst/>
+          </a:prstGeom>
+        </p:spPr>
+        <p:style>
+          <a:lnRef idx="2">
+            <a:schemeClr val="accent6">
+              <a:shade val="50000"/>
+            </a:schemeClr>
+          </a:lnRef>
+          <a:fillRef idx="1">
+            <a:schemeClr val="accent6"/>
+          </a:fillRef>
+          <a:effectRef idx="0">
+            <a:schemeClr val="accent6"/>
+          </a:effectRef>
+          <a:fontRef idx="minor">
+            <a:schemeClr val="lt1"/>
+          </a:fontRef>
+        </p:style>
+        <p:txBody>
+          <a:bodyPr rtlCol="0" anchor="ctr"/>
+          <a:lstStyle/>
+          <a:p>
+            <a:pPr algn="ctr"/>
             <a:r>
               <a:rPr lang="pl-PL" dirty="0" smtClean="0"/>
-              <a:t>ETL (source =&gt; staging)</a:t>
-            </a:r>
-          </a:p>
-          <a:p>
+              <a:t>ERP System</a:t>
+            </a:r>
+            <a:endParaRPr lang="pl-PL" dirty="0"/>
+          </a:p>
+        </p:txBody>
+      </p:sp>
+      <p:sp>
+        <p:nvSpPr>
+          <p:cNvPr id="4" name="Can 3"/>
+          <p:cNvSpPr/>
+          <p:nvPr/>
+        </p:nvSpPr>
+        <p:spPr>
+          <a:xfrm>
+            <a:off x="5590434" y="1136821"/>
+            <a:ext cx="1496896" cy="1260449"/>
+          </a:xfrm>
+          <a:prstGeom prst="can">
+            <a:avLst/>
+          </a:prstGeom>
+        </p:spPr>
+        <p:style>
+          <a:lnRef idx="2">
+            <a:schemeClr val="accent1">
+              <a:shade val="50000"/>
+            </a:schemeClr>
+          </a:lnRef>
+          <a:fillRef idx="1">
+            <a:schemeClr val="accent1"/>
+          </a:fillRef>
+          <a:effectRef idx="0">
+            <a:schemeClr val="accent1"/>
+          </a:effectRef>
+          <a:fontRef idx="minor">
+            <a:schemeClr val="lt1"/>
+          </a:fontRef>
+        </p:style>
+        <p:txBody>
+          <a:bodyPr rtlCol="0" anchor="ctr"/>
+          <a:lstStyle/>
+          <a:p>
+            <a:pPr algn="ctr"/>
             <a:r>
               <a:rPr lang="pl-PL" dirty="0" smtClean="0"/>
-              <a:t>Staging DB</a:t>
-            </a:r>
-          </a:p>
-          <a:p>
+              <a:t>Data Mart</a:t>
+            </a:r>
+            <a:endParaRPr lang="pl-PL" dirty="0"/>
+          </a:p>
+        </p:txBody>
+      </p:sp>
+      <p:sp>
+        <p:nvSpPr>
+          <p:cNvPr id="8" name="Right Arrow 7"/>
+          <p:cNvSpPr/>
+          <p:nvPr/>
+        </p:nvSpPr>
+        <p:spPr>
+          <a:xfrm>
+            <a:off x="4013955" y="1530116"/>
+            <a:ext cx="1513634" cy="475921"/>
+          </a:xfrm>
+          <a:prstGeom prst="rightArrow">
+            <a:avLst/>
+          </a:prstGeom>
+        </p:spPr>
+        <p:style>
+          <a:lnRef idx="2">
+            <a:schemeClr val="accent2">
+              <a:shade val="50000"/>
+            </a:schemeClr>
+          </a:lnRef>
+          <a:fillRef idx="1">
+            <a:schemeClr val="accent2"/>
+          </a:fillRef>
+          <a:effectRef idx="0">
+            <a:schemeClr val="accent2"/>
+          </a:effectRef>
+          <a:fontRef idx="minor">
+            <a:schemeClr val="lt1"/>
+          </a:fontRef>
+        </p:style>
+        <p:txBody>
+          <a:bodyPr rtlCol="0" anchor="ctr"/>
+          <a:lstStyle/>
+          <a:p>
+            <a:pPr algn="ctr"/>
             <a:r>
               <a:rPr lang="pl-PL" dirty="0" smtClean="0"/>
-              <a:t>ETL (staging =&gt; DM)</a:t>
-            </a:r>
-          </a:p>
-          <a:p>
+              <a:t>ETL</a:t>
+            </a:r>
+            <a:endParaRPr lang="pl-PL" dirty="0"/>
+          </a:p>
+        </p:txBody>
+      </p:sp>
+      <p:sp>
+        <p:nvSpPr>
+          <p:cNvPr id="5" name="TextBox 4"/>
+          <p:cNvSpPr txBox="1"/>
+          <p:nvPr/>
+        </p:nvSpPr>
+        <p:spPr>
+          <a:xfrm>
+            <a:off x="535460" y="1583410"/>
+            <a:ext cx="2092411" cy="369332"/>
+          </a:xfrm>
+          <a:prstGeom prst="rect">
+            <a:avLst/>
+          </a:prstGeom>
+          <a:noFill/>
+        </p:spPr>
+        <p:txBody>
+          <a:bodyPr wrap="square" rtlCol="0">
+            <a:spAutoFit/>
+          </a:bodyPr>
+          <a:lstStyle/>
+          <a:p>
+            <a:r>
+              <a:rPr lang="pl-PL" b="1" i="1" dirty="0" smtClean="0"/>
+              <a:t>Customer A</a:t>
+            </a:r>
+            <a:endParaRPr lang="pl-PL" b="1" i="1" dirty="0"/>
+          </a:p>
+        </p:txBody>
+      </p:sp>
+      <p:sp>
+        <p:nvSpPr>
+          <p:cNvPr id="21" name="Cube 20"/>
+          <p:cNvSpPr/>
+          <p:nvPr/>
+        </p:nvSpPr>
+        <p:spPr>
+          <a:xfrm>
+            <a:off x="7694139" y="2971798"/>
+            <a:ext cx="1326291" cy="1011257"/>
+          </a:xfrm>
+          <a:prstGeom prst="cube">
+            <a:avLst/>
+          </a:prstGeom>
+        </p:spPr>
+        <p:style>
+          <a:lnRef idx="2">
+            <a:schemeClr val="accent3">
+              <a:shade val="50000"/>
+            </a:schemeClr>
+          </a:lnRef>
+          <a:fillRef idx="1">
+            <a:schemeClr val="accent3"/>
+          </a:fillRef>
+          <a:effectRef idx="0">
+            <a:schemeClr val="accent3"/>
+          </a:effectRef>
+          <a:fontRef idx="minor">
+            <a:schemeClr val="lt1"/>
+          </a:fontRef>
+        </p:style>
+        <p:txBody>
+          <a:bodyPr rtlCol="0" anchor="ctr"/>
+          <a:lstStyle/>
+          <a:p>
+            <a:pPr algn="ctr"/>
             <a:r>
               <a:rPr lang="pl-PL" dirty="0" smtClean="0"/>
-              <a:t>Reports</a:t>
-            </a:r>
-          </a:p>
-          <a:p>
+              <a:t>OLAP MD</a:t>
+            </a:r>
+            <a:endParaRPr lang="pl-PL" dirty="0"/>
+          </a:p>
+        </p:txBody>
+      </p:sp>
+      <p:sp>
+        <p:nvSpPr>
+          <p:cNvPr id="22" name="Can 21"/>
+          <p:cNvSpPr/>
+          <p:nvPr/>
+        </p:nvSpPr>
+        <p:spPr>
+          <a:xfrm>
+            <a:off x="2522307" y="2749376"/>
+            <a:ext cx="1167781" cy="1456100"/>
+          </a:xfrm>
+          <a:prstGeom prst="can">
+            <a:avLst/>
+          </a:prstGeom>
+        </p:spPr>
+        <p:style>
+          <a:lnRef idx="2">
+            <a:schemeClr val="accent6">
+              <a:shade val="50000"/>
+            </a:schemeClr>
+          </a:lnRef>
+          <a:fillRef idx="1">
+            <a:schemeClr val="accent6"/>
+          </a:fillRef>
+          <a:effectRef idx="0">
+            <a:schemeClr val="accent6"/>
+          </a:effectRef>
+          <a:fontRef idx="minor">
+            <a:schemeClr val="lt1"/>
+          </a:fontRef>
+        </p:style>
+        <p:txBody>
+          <a:bodyPr rtlCol="0" anchor="ctr"/>
+          <a:lstStyle/>
+          <a:p>
+            <a:pPr algn="ctr"/>
             <a:r>
               <a:rPr lang="pl-PL" dirty="0" smtClean="0"/>
-              <a:t>OLAP (dimensions, measure groups, MDX Calculation Script)</a:t>
+              <a:t>ERP System</a:t>
             </a:r>
             <a:endParaRPr lang="pl-PL" dirty="0"/>
+          </a:p>
+        </p:txBody>
+      </p:sp>
+      <p:sp>
+        <p:nvSpPr>
+          <p:cNvPr id="23" name="Can 22"/>
+          <p:cNvSpPr/>
+          <p:nvPr/>
+        </p:nvSpPr>
+        <p:spPr>
+          <a:xfrm>
+            <a:off x="5414650" y="2846172"/>
+            <a:ext cx="1848465" cy="1262512"/>
+          </a:xfrm>
+          <a:prstGeom prst="can">
+            <a:avLst/>
+          </a:prstGeom>
+        </p:spPr>
+        <p:style>
+          <a:lnRef idx="2">
+            <a:schemeClr val="accent1">
+              <a:shade val="50000"/>
+            </a:schemeClr>
+          </a:lnRef>
+          <a:fillRef idx="1">
+            <a:schemeClr val="accent1"/>
+          </a:fillRef>
+          <a:effectRef idx="0">
+            <a:schemeClr val="accent1"/>
+          </a:effectRef>
+          <a:fontRef idx="minor">
+            <a:schemeClr val="lt1"/>
+          </a:fontRef>
+        </p:style>
+        <p:txBody>
+          <a:bodyPr rtlCol="0" anchor="ctr"/>
+          <a:lstStyle/>
+          <a:p>
+            <a:pPr algn="ctr"/>
+            <a:r>
+              <a:rPr lang="pl-PL" dirty="0" smtClean="0"/>
+              <a:t>Data Mart</a:t>
+            </a:r>
+            <a:endParaRPr lang="pl-PL" dirty="0"/>
+          </a:p>
+        </p:txBody>
+      </p:sp>
+      <p:sp>
+        <p:nvSpPr>
+          <p:cNvPr id="24" name="Right Arrow 23"/>
+          <p:cNvSpPr/>
+          <p:nvPr/>
+        </p:nvSpPr>
+        <p:spPr>
+          <a:xfrm>
+            <a:off x="4013955" y="3239467"/>
+            <a:ext cx="1324163" cy="475921"/>
+          </a:xfrm>
+          <a:prstGeom prst="rightArrow">
+            <a:avLst/>
+          </a:prstGeom>
+        </p:spPr>
+        <p:style>
+          <a:lnRef idx="2">
+            <a:schemeClr val="accent2">
+              <a:shade val="50000"/>
+            </a:schemeClr>
+          </a:lnRef>
+          <a:fillRef idx="1">
+            <a:schemeClr val="accent2"/>
+          </a:fillRef>
+          <a:effectRef idx="0">
+            <a:schemeClr val="accent2"/>
+          </a:effectRef>
+          <a:fontRef idx="minor">
+            <a:schemeClr val="lt1"/>
+          </a:fontRef>
+        </p:style>
+        <p:txBody>
+          <a:bodyPr rtlCol="0" anchor="ctr"/>
+          <a:lstStyle/>
+          <a:p>
+            <a:pPr algn="ctr"/>
+            <a:r>
+              <a:rPr lang="pl-PL" dirty="0" smtClean="0"/>
+              <a:t>ETL</a:t>
+            </a:r>
+            <a:endParaRPr lang="pl-PL" dirty="0"/>
+          </a:p>
+        </p:txBody>
+      </p:sp>
+      <p:sp>
+        <p:nvSpPr>
+          <p:cNvPr id="25" name="TextBox 24"/>
+          <p:cNvSpPr txBox="1"/>
+          <p:nvPr/>
+        </p:nvSpPr>
+        <p:spPr>
+          <a:xfrm>
+            <a:off x="535460" y="3292761"/>
+            <a:ext cx="2092411" cy="369332"/>
+          </a:xfrm>
+          <a:prstGeom prst="rect">
+            <a:avLst/>
+          </a:prstGeom>
+          <a:noFill/>
+        </p:spPr>
+        <p:txBody>
+          <a:bodyPr wrap="square" rtlCol="0">
+            <a:spAutoFit/>
+          </a:bodyPr>
+          <a:lstStyle/>
+          <a:p>
+            <a:r>
+              <a:rPr lang="pl-PL" b="1" i="1" dirty="0" smtClean="0"/>
+              <a:t>Customer B</a:t>
+            </a:r>
+            <a:endParaRPr lang="pl-PL" b="1" i="1" dirty="0"/>
+          </a:p>
+        </p:txBody>
+      </p:sp>
+      <p:sp>
+        <p:nvSpPr>
+          <p:cNvPr id="26" name="Cube 25"/>
+          <p:cNvSpPr/>
+          <p:nvPr/>
+        </p:nvSpPr>
+        <p:spPr>
+          <a:xfrm>
+            <a:off x="7339646" y="4530804"/>
+            <a:ext cx="1757317" cy="1260449"/>
+          </a:xfrm>
+          <a:prstGeom prst="cube">
+            <a:avLst/>
+          </a:prstGeom>
+        </p:spPr>
+        <p:style>
+          <a:lnRef idx="2">
+            <a:schemeClr val="accent3">
+              <a:shade val="50000"/>
+            </a:schemeClr>
+          </a:lnRef>
+          <a:fillRef idx="1">
+            <a:schemeClr val="accent3"/>
+          </a:fillRef>
+          <a:effectRef idx="0">
+            <a:schemeClr val="accent3"/>
+          </a:effectRef>
+          <a:fontRef idx="minor">
+            <a:schemeClr val="lt1"/>
+          </a:fontRef>
+        </p:style>
+        <p:txBody>
+          <a:bodyPr rtlCol="0" anchor="ctr"/>
+          <a:lstStyle/>
+          <a:p>
+            <a:pPr algn="ctr"/>
+            <a:r>
+              <a:rPr lang="pl-PL" dirty="0" smtClean="0"/>
+              <a:t>OLAP MD</a:t>
+            </a:r>
+            <a:endParaRPr lang="pl-PL" dirty="0"/>
+          </a:p>
+        </p:txBody>
+      </p:sp>
+      <p:sp>
+        <p:nvSpPr>
+          <p:cNvPr id="27" name="Can 26"/>
+          <p:cNvSpPr/>
+          <p:nvPr/>
+        </p:nvSpPr>
+        <p:spPr>
+          <a:xfrm>
+            <a:off x="2386384" y="4555521"/>
+            <a:ext cx="1423154" cy="1262512"/>
+          </a:xfrm>
+          <a:prstGeom prst="can">
+            <a:avLst/>
+          </a:prstGeom>
+        </p:spPr>
+        <p:style>
+          <a:lnRef idx="2">
+            <a:schemeClr val="accent6">
+              <a:shade val="50000"/>
+            </a:schemeClr>
+          </a:lnRef>
+          <a:fillRef idx="1">
+            <a:schemeClr val="accent6"/>
+          </a:fillRef>
+          <a:effectRef idx="0">
+            <a:schemeClr val="accent6"/>
+          </a:effectRef>
+          <a:fontRef idx="minor">
+            <a:schemeClr val="lt1"/>
+          </a:fontRef>
+        </p:style>
+        <p:txBody>
+          <a:bodyPr rtlCol="0" anchor="ctr"/>
+          <a:lstStyle/>
+          <a:p>
+            <a:pPr algn="ctr"/>
+            <a:r>
+              <a:rPr lang="pl-PL" dirty="0" smtClean="0"/>
+              <a:t>ERP System</a:t>
+            </a:r>
+            <a:endParaRPr lang="pl-PL" dirty="0"/>
+          </a:p>
+        </p:txBody>
+      </p:sp>
+      <p:sp>
+        <p:nvSpPr>
+          <p:cNvPr id="28" name="Can 27"/>
+          <p:cNvSpPr/>
+          <p:nvPr/>
+        </p:nvSpPr>
+        <p:spPr>
+          <a:xfrm>
+            <a:off x="5746953" y="4407241"/>
+            <a:ext cx="1183858" cy="1559073"/>
+          </a:xfrm>
+          <a:prstGeom prst="can">
+            <a:avLst/>
+          </a:prstGeom>
+        </p:spPr>
+        <p:style>
+          <a:lnRef idx="2">
+            <a:schemeClr val="accent1">
+              <a:shade val="50000"/>
+            </a:schemeClr>
+          </a:lnRef>
+          <a:fillRef idx="1">
+            <a:schemeClr val="accent1"/>
+          </a:fillRef>
+          <a:effectRef idx="0">
+            <a:schemeClr val="accent1"/>
+          </a:effectRef>
+          <a:fontRef idx="minor">
+            <a:schemeClr val="lt1"/>
+          </a:fontRef>
+        </p:style>
+        <p:txBody>
+          <a:bodyPr rtlCol="0" anchor="ctr"/>
+          <a:lstStyle/>
+          <a:p>
+            <a:pPr algn="ctr"/>
+            <a:r>
+              <a:rPr lang="pl-PL" dirty="0" smtClean="0"/>
+              <a:t>Data Mart</a:t>
+            </a:r>
+            <a:endParaRPr lang="pl-PL" dirty="0"/>
+          </a:p>
+        </p:txBody>
+      </p:sp>
+      <p:sp>
+        <p:nvSpPr>
+          <p:cNvPr id="29" name="Right Arrow 28"/>
+          <p:cNvSpPr/>
+          <p:nvPr/>
+        </p:nvSpPr>
+        <p:spPr>
+          <a:xfrm>
+            <a:off x="4013954" y="4819135"/>
+            <a:ext cx="1513635" cy="671507"/>
+          </a:xfrm>
+          <a:prstGeom prst="rightArrow">
+            <a:avLst/>
+          </a:prstGeom>
+        </p:spPr>
+        <p:style>
+          <a:lnRef idx="2">
+            <a:schemeClr val="accent2">
+              <a:shade val="50000"/>
+            </a:schemeClr>
+          </a:lnRef>
+          <a:fillRef idx="1">
+            <a:schemeClr val="accent2"/>
+          </a:fillRef>
+          <a:effectRef idx="0">
+            <a:schemeClr val="accent2"/>
+          </a:effectRef>
+          <a:fontRef idx="minor">
+            <a:schemeClr val="lt1"/>
+          </a:fontRef>
+        </p:style>
+        <p:txBody>
+          <a:bodyPr rtlCol="0" anchor="ctr"/>
+          <a:lstStyle/>
+          <a:p>
+            <a:pPr algn="ctr"/>
+            <a:r>
+              <a:rPr lang="pl-PL" dirty="0" smtClean="0"/>
+              <a:t>ETL</a:t>
+            </a:r>
+            <a:endParaRPr lang="pl-PL" dirty="0"/>
+          </a:p>
+        </p:txBody>
+      </p:sp>
+      <p:sp>
+        <p:nvSpPr>
+          <p:cNvPr id="30" name="TextBox 29"/>
+          <p:cNvSpPr txBox="1"/>
+          <p:nvPr/>
+        </p:nvSpPr>
+        <p:spPr>
+          <a:xfrm>
+            <a:off x="535460" y="5002112"/>
+            <a:ext cx="2092411" cy="369332"/>
+          </a:xfrm>
+          <a:prstGeom prst="rect">
+            <a:avLst/>
+          </a:prstGeom>
+          <a:noFill/>
+        </p:spPr>
+        <p:txBody>
+          <a:bodyPr wrap="square" rtlCol="0">
+            <a:spAutoFit/>
+          </a:bodyPr>
+          <a:lstStyle/>
+          <a:p>
+            <a:r>
+              <a:rPr lang="pl-PL" b="1" i="1" dirty="0" smtClean="0"/>
+              <a:t>Customer C</a:t>
+            </a:r>
+            <a:endParaRPr lang="pl-PL" b="1" i="1" dirty="0"/>
           </a:p>
         </p:txBody>
       </p:sp>
     </p:spTree>
     <p:extLst>
       <p:ext uri="{BB962C8B-B14F-4D97-AF65-F5344CB8AC3E}">
-        <p14:creationId xmlns:p14="http://schemas.microsoft.com/office/powerpoint/2010/main" val="220720638"/>
+        <p14:creationId xmlns:p14="http://schemas.microsoft.com/office/powerpoint/2010/main" val="216925924"/>
       </p:ext>
     </p:extLst>
   </p:cSld>
@@ -10333,7 +11389,7 @@
           <a:p>
             <a:r>
               <a:rPr lang="pl-PL" dirty="0" smtClean="0"/>
-              <a:t>ETL (staging)</a:t>
+              <a:t>Layers</a:t>
             </a:r>
             <a:endParaRPr lang="pl-PL" dirty="0"/>
           </a:p>
@@ -10349,74 +11405,47 @@
             <p:ph idx="1"/>
           </p:nvPr>
         </p:nvSpPr>
-        <p:spPr>
-          <a:xfrm>
-            <a:off x="677334" y="1930400"/>
-            <a:ext cx="8596668" cy="3880773"/>
-          </a:xfrm>
-        </p:spPr>
+        <p:spPr/>
         <p:txBody>
           <a:bodyPr/>
           <a:lstStyle/>
           <a:p>
             <a:r>
               <a:rPr lang="pl-PL" dirty="0" smtClean="0"/>
-              <a:t>Simplified</a:t>
+              <a:t>ETL (source =&gt; staging)</a:t>
             </a:r>
           </a:p>
           <a:p>
             <a:r>
               <a:rPr lang="pl-PL" dirty="0" smtClean="0"/>
-              <a:t>Standardised</a:t>
+              <a:t>Staging DB</a:t>
             </a:r>
           </a:p>
           <a:p>
             <a:r>
               <a:rPr lang="pl-PL" dirty="0" smtClean="0"/>
-              <a:t>Generated</a:t>
+              <a:t>ETL (staging =&gt; DM)</a:t>
+            </a:r>
+          </a:p>
+          <a:p>
+            <a:r>
+              <a:rPr lang="pl-PL" dirty="0" smtClean="0"/>
+              <a:t>Reports</a:t>
+            </a:r>
+          </a:p>
+          <a:p>
+            <a:r>
+              <a:rPr lang="pl-PL" dirty="0" smtClean="0"/>
+              <a:t>OLAP (dimensions, measure groups, MDX Calculation Script)</a:t>
             </a:r>
             <a:endParaRPr lang="pl-PL" dirty="0"/>
           </a:p>
         </p:txBody>
       </p:sp>
-      <p:pic>
-        <p:nvPicPr>
-          <p:cNvPr id="4" name="Picture 3"/>
-          <p:cNvPicPr>
-            <a:picLocks noChangeAspect="1"/>
-          </p:cNvPicPr>
-          <p:nvPr/>
-        </p:nvPicPr>
-        <p:blipFill>
-          <a:blip r:embed="rId2"/>
-          <a:stretch>
-            <a:fillRect/>
-          </a:stretch>
-        </p:blipFill>
-        <p:spPr>
-          <a:xfrm>
-            <a:off x="677334" y="3649362"/>
-            <a:ext cx="6442224" cy="2793785"/>
-          </a:xfrm>
-          <a:prstGeom prst="rect">
-            <a:avLst/>
-          </a:prstGeom>
-          <a:ln>
-            <a:noFill/>
-          </a:ln>
-          <a:effectLst>
-            <a:outerShdw blurRad="292100" dist="139700" dir="2700000" algn="tl" rotWithShape="0">
-              <a:srgbClr val="333333">
-                <a:alpha val="65000"/>
-              </a:srgbClr>
-            </a:outerShdw>
-          </a:effectLst>
-        </p:spPr>
-      </p:pic>
     </p:spTree>
     <p:extLst>
       <p:ext uri="{BB962C8B-B14F-4D97-AF65-F5344CB8AC3E}">
-        <p14:creationId xmlns:p14="http://schemas.microsoft.com/office/powerpoint/2010/main" val="2077867804"/>
+        <p14:creationId xmlns:p14="http://schemas.microsoft.com/office/powerpoint/2010/main" val="220720638"/>
       </p:ext>
     </p:extLst>
   </p:cSld>
@@ -10467,7 +11496,7 @@
           <a:p>
             <a:r>
               <a:rPr lang="pl-PL" dirty="0" smtClean="0"/>
-              <a:t>ETL (DM)</a:t>
+              <a:t>ETL (staging)</a:t>
             </a:r>
             <a:endParaRPr lang="pl-PL" dirty="0"/>
           </a:p>
@@ -10475,428 +11504,82 @@
       </p:sp>
       <p:sp>
         <p:nvSpPr>
-          <p:cNvPr id="5" name="Can 4"/>
-          <p:cNvSpPr/>
+          <p:cNvPr id="3" name="Content Placeholder 2"/>
+          <p:cNvSpPr>
+            <a:spLocks noGrp="1"/>
+          </p:cNvSpPr>
+          <p:nvPr>
+            <p:ph idx="1"/>
+          </p:nvPr>
+        </p:nvSpPr>
+        <p:spPr>
+          <a:xfrm>
+            <a:off x="677334" y="1930400"/>
+            <a:ext cx="8596668" cy="3880773"/>
+          </a:xfrm>
+        </p:spPr>
+        <p:txBody>
+          <a:bodyPr/>
+          <a:lstStyle/>
+          <a:p>
+            <a:r>
+              <a:rPr lang="pl-PL" dirty="0" smtClean="0"/>
+              <a:t>Simplified</a:t>
+            </a:r>
+          </a:p>
+          <a:p>
+            <a:r>
+              <a:rPr lang="pl-PL" dirty="0" smtClean="0"/>
+              <a:t>Standardised</a:t>
+            </a:r>
+          </a:p>
+          <a:p>
+            <a:r>
+              <a:rPr lang="pl-PL" dirty="0" smtClean="0"/>
+              <a:t>Generated</a:t>
+            </a:r>
+            <a:endParaRPr lang="pl-PL" dirty="0"/>
+          </a:p>
+        </p:txBody>
+      </p:sp>
+      <p:pic>
+        <p:nvPicPr>
+          <p:cNvPr id="4" name="Picture 3"/>
+          <p:cNvPicPr>
+            <a:picLocks noChangeAspect="1"/>
+          </p:cNvPicPr>
           <p:nvPr/>
-        </p:nvSpPr>
-        <p:spPr>
-          <a:xfrm>
-            <a:off x="677334" y="2512540"/>
-            <a:ext cx="1738183" cy="2339547"/>
-          </a:xfrm>
-          <a:prstGeom prst="can">
-            <a:avLst/>
-          </a:prstGeom>
-        </p:spPr>
-        <p:style>
-          <a:lnRef idx="2">
-            <a:schemeClr val="accent1">
-              <a:shade val="50000"/>
-            </a:schemeClr>
-          </a:lnRef>
-          <a:fillRef idx="1">
-            <a:schemeClr val="accent1"/>
-          </a:fillRef>
-          <a:effectRef idx="0">
-            <a:schemeClr val="accent1"/>
-          </a:effectRef>
-          <a:fontRef idx="minor">
-            <a:schemeClr val="lt1"/>
-          </a:fontRef>
-        </p:style>
-        <p:txBody>
-          <a:bodyPr rtlCol="0" anchor="ctr"/>
-          <a:lstStyle/>
-          <a:p>
-            <a:pPr algn="ctr"/>
-            <a:r>
-              <a:rPr lang="pl-PL" dirty="0" smtClean="0"/>
-              <a:t>Staging</a:t>
-            </a:r>
-            <a:endParaRPr lang="pl-PL" dirty="0"/>
-          </a:p>
-        </p:txBody>
-      </p:sp>
-      <p:sp>
-        <p:nvSpPr>
-          <p:cNvPr id="6" name="Flowchart: Multidocument 5"/>
-          <p:cNvSpPr/>
-          <p:nvPr/>
-        </p:nvSpPr>
-        <p:spPr>
-          <a:xfrm>
-            <a:off x="1641161" y="4222249"/>
-            <a:ext cx="1006607" cy="1124107"/>
-          </a:xfrm>
-          <a:prstGeom prst="flowChartMultidocument">
-            <a:avLst/>
-          </a:prstGeom>
-        </p:spPr>
-        <p:style>
-          <a:lnRef idx="2">
-            <a:schemeClr val="accent1">
-              <a:shade val="50000"/>
-            </a:schemeClr>
-          </a:lnRef>
-          <a:fillRef idx="1">
-            <a:schemeClr val="accent1"/>
-          </a:fillRef>
-          <a:effectRef idx="0">
-            <a:schemeClr val="accent1"/>
-          </a:effectRef>
-          <a:fontRef idx="minor">
-            <a:schemeClr val="lt1"/>
-          </a:fontRef>
-        </p:style>
-        <p:txBody>
-          <a:bodyPr rtlCol="0" anchor="ctr"/>
-          <a:lstStyle/>
-          <a:p>
-            <a:pPr algn="ctr"/>
-            <a:r>
-              <a:rPr lang="pl-PL" dirty="0" smtClean="0"/>
-              <a:t>Tables</a:t>
-            </a:r>
-            <a:endParaRPr lang="pl-PL" dirty="0"/>
-          </a:p>
-        </p:txBody>
-      </p:sp>
-      <p:sp>
-        <p:nvSpPr>
-          <p:cNvPr id="7" name="Rectangle 6"/>
-          <p:cNvSpPr/>
-          <p:nvPr/>
-        </p:nvSpPr>
-        <p:spPr>
-          <a:xfrm>
-            <a:off x="2647768" y="3211592"/>
-            <a:ext cx="1209130" cy="941439"/>
+        </p:nvPicPr>
+        <p:blipFill>
+          <a:blip r:embed="rId2"/>
+          <a:stretch>
+            <a:fillRect/>
+          </a:stretch>
+        </p:blipFill>
+        <p:spPr>
+          <a:xfrm>
+            <a:off x="677334" y="3649362"/>
+            <a:ext cx="6442224" cy="2793785"/>
           </a:xfrm>
           <a:prstGeom prst="rect">
             <a:avLst/>
           </a:prstGeom>
-        </p:spPr>
-        <p:style>
-          <a:lnRef idx="2">
-            <a:schemeClr val="accent1">
-              <a:shade val="50000"/>
-            </a:schemeClr>
-          </a:lnRef>
-          <a:fillRef idx="1">
-            <a:schemeClr val="accent1"/>
-          </a:fillRef>
-          <a:effectRef idx="0">
-            <a:schemeClr val="accent1"/>
-          </a:effectRef>
-          <a:fontRef idx="minor">
-            <a:schemeClr val="lt1"/>
-          </a:fontRef>
-        </p:style>
-        <p:txBody>
-          <a:bodyPr rtlCol="0" anchor="ctr"/>
-          <a:lstStyle/>
-          <a:p>
-            <a:pPr algn="ctr"/>
-            <a:r>
-              <a:rPr lang="pl-PL" dirty="0" smtClean="0"/>
-              <a:t>View</a:t>
-            </a:r>
-            <a:endParaRPr lang="pl-PL" dirty="0"/>
-          </a:p>
-        </p:txBody>
-      </p:sp>
-      <p:sp>
-        <p:nvSpPr>
-          <p:cNvPr id="9" name="Rectangle 8"/>
-          <p:cNvSpPr/>
-          <p:nvPr/>
-        </p:nvSpPr>
-        <p:spPr>
-          <a:xfrm>
-            <a:off x="6259626" y="3211592"/>
-            <a:ext cx="1209130" cy="941439"/>
-          </a:xfrm>
-          <a:prstGeom prst="rect">
-            <a:avLst/>
-          </a:prstGeom>
-        </p:spPr>
-        <p:style>
-          <a:lnRef idx="2">
-            <a:schemeClr val="accent3">
-              <a:shade val="50000"/>
-            </a:schemeClr>
-          </a:lnRef>
-          <a:fillRef idx="1">
-            <a:schemeClr val="accent3"/>
-          </a:fillRef>
-          <a:effectRef idx="0">
-            <a:schemeClr val="accent3"/>
-          </a:effectRef>
-          <a:fontRef idx="minor">
-            <a:schemeClr val="lt1"/>
-          </a:fontRef>
-        </p:style>
-        <p:txBody>
-          <a:bodyPr rtlCol="0" anchor="ctr"/>
-          <a:lstStyle/>
-          <a:p>
-            <a:pPr algn="ctr"/>
-            <a:r>
-              <a:rPr lang="pl-PL" dirty="0" smtClean="0"/>
-              <a:t>Table</a:t>
-            </a:r>
-            <a:endParaRPr lang="pl-PL" dirty="0"/>
-          </a:p>
-        </p:txBody>
-      </p:sp>
-      <p:sp>
-        <p:nvSpPr>
-          <p:cNvPr id="10" name="Can 9"/>
-          <p:cNvSpPr/>
-          <p:nvPr/>
-        </p:nvSpPr>
-        <p:spPr>
-          <a:xfrm>
-            <a:off x="7675377" y="2512540"/>
-            <a:ext cx="1738183" cy="2339547"/>
-          </a:xfrm>
-          <a:prstGeom prst="can">
-            <a:avLst/>
-          </a:prstGeom>
-        </p:spPr>
-        <p:style>
-          <a:lnRef idx="2">
-            <a:schemeClr val="accent3">
-              <a:shade val="50000"/>
-            </a:schemeClr>
-          </a:lnRef>
-          <a:fillRef idx="1">
-            <a:schemeClr val="accent3"/>
-          </a:fillRef>
-          <a:effectRef idx="0">
-            <a:schemeClr val="accent3"/>
-          </a:effectRef>
-          <a:fontRef idx="minor">
-            <a:schemeClr val="lt1"/>
-          </a:fontRef>
-        </p:style>
-        <p:txBody>
-          <a:bodyPr rtlCol="0" anchor="ctr"/>
-          <a:lstStyle/>
-          <a:p>
-            <a:pPr algn="ctr"/>
-            <a:r>
-              <a:rPr lang="pl-PL" dirty="0" smtClean="0"/>
-              <a:t>DataMart</a:t>
-            </a:r>
-            <a:endParaRPr lang="pl-PL" dirty="0"/>
-          </a:p>
-        </p:txBody>
-      </p:sp>
-      <p:sp>
-        <p:nvSpPr>
-          <p:cNvPr id="11" name="Right Arrow 10"/>
-          <p:cNvSpPr/>
-          <p:nvPr/>
-        </p:nvSpPr>
-        <p:spPr>
-          <a:xfrm>
-            <a:off x="4014478" y="3443413"/>
-            <a:ext cx="2141838" cy="477795"/>
-          </a:xfrm>
-          <a:prstGeom prst="rightArrow">
-            <a:avLst/>
-          </a:prstGeom>
-        </p:spPr>
-        <p:style>
-          <a:lnRef idx="2">
-            <a:schemeClr val="accent5">
-              <a:shade val="50000"/>
-            </a:schemeClr>
-          </a:lnRef>
-          <a:fillRef idx="1">
-            <a:schemeClr val="accent5"/>
-          </a:fillRef>
-          <a:effectRef idx="0">
-            <a:schemeClr val="accent5"/>
-          </a:effectRef>
-          <a:fontRef idx="minor">
-            <a:schemeClr val="lt1"/>
-          </a:fontRef>
-        </p:style>
-        <p:txBody>
-          <a:bodyPr rtlCol="0" anchor="ctr"/>
-          <a:lstStyle/>
-          <a:p>
-            <a:pPr algn="ctr"/>
-            <a:r>
-              <a:rPr lang="pl-PL" dirty="0" smtClean="0"/>
-              <a:t>ETL</a:t>
-            </a:r>
-            <a:endParaRPr lang="pl-PL" dirty="0"/>
-          </a:p>
-        </p:txBody>
-      </p:sp>
-      <p:sp>
-        <p:nvSpPr>
-          <p:cNvPr id="13" name="Rectangle 12"/>
-          <p:cNvSpPr/>
-          <p:nvPr/>
-        </p:nvSpPr>
-        <p:spPr>
-          <a:xfrm>
-            <a:off x="3789404" y="1524000"/>
-            <a:ext cx="1688757" cy="406400"/>
-          </a:xfrm>
-          <a:prstGeom prst="rect">
-            <a:avLst/>
-          </a:prstGeom>
-        </p:spPr>
-        <p:style>
-          <a:lnRef idx="2">
-            <a:schemeClr val="dk1"/>
-          </a:lnRef>
-          <a:fillRef idx="1">
-            <a:schemeClr val="lt1"/>
-          </a:fillRef>
-          <a:effectRef idx="0">
-            <a:schemeClr val="dk1"/>
-          </a:effectRef>
-          <a:fontRef idx="minor">
-            <a:schemeClr val="dk1"/>
-          </a:fontRef>
-        </p:style>
-        <p:txBody>
-          <a:bodyPr rtlCol="0" anchor="ctr"/>
-          <a:lstStyle/>
-          <a:p>
-            <a:pPr algn="ctr"/>
-            <a:r>
-              <a:rPr lang="pl-PL" sz="1400" i="1" dirty="0" smtClean="0"/>
-              <a:t>Business Logic</a:t>
-            </a:r>
-            <a:endParaRPr lang="pl-PL" sz="1400" i="1" dirty="0"/>
-          </a:p>
-        </p:txBody>
-      </p:sp>
-      <p:cxnSp>
-        <p:nvCxnSpPr>
-          <p:cNvPr id="15" name="Straight Connector 14"/>
-          <p:cNvCxnSpPr>
-            <a:stCxn id="13" idx="2"/>
-            <a:endCxn id="7" idx="0"/>
-          </p:cNvCxnSpPr>
-          <p:nvPr/>
-        </p:nvCxnSpPr>
-        <p:spPr>
-          <a:xfrm flipH="1">
-            <a:off x="3252333" y="1930400"/>
-            <a:ext cx="1381450" cy="1281192"/>
-          </a:xfrm>
-          <a:prstGeom prst="line">
-            <a:avLst/>
-          </a:prstGeom>
-          <a:ln w="9525"/>
-        </p:spPr>
-        <p:style>
-          <a:lnRef idx="1">
-            <a:schemeClr val="dk1"/>
-          </a:lnRef>
-          <a:fillRef idx="0">
-            <a:schemeClr val="dk1"/>
-          </a:fillRef>
-          <a:effectRef idx="0">
-            <a:schemeClr val="dk1"/>
-          </a:effectRef>
-          <a:fontRef idx="minor">
-            <a:schemeClr val="tx1"/>
-          </a:fontRef>
-        </p:style>
-      </p:cxnSp>
-      <p:sp>
-        <p:nvSpPr>
-          <p:cNvPr id="17" name="Rectangle 16"/>
-          <p:cNvSpPr/>
-          <p:nvPr/>
-        </p:nvSpPr>
-        <p:spPr>
-          <a:xfrm>
-            <a:off x="4241018" y="5143155"/>
-            <a:ext cx="2018608" cy="689233"/>
-          </a:xfrm>
-          <a:prstGeom prst="rect">
-            <a:avLst/>
-          </a:prstGeom>
-        </p:spPr>
-        <p:style>
-          <a:lnRef idx="2">
-            <a:schemeClr val="dk1"/>
-          </a:lnRef>
-          <a:fillRef idx="1">
-            <a:schemeClr val="lt1"/>
-          </a:fillRef>
-          <a:effectRef idx="0">
-            <a:schemeClr val="dk1"/>
-          </a:effectRef>
-          <a:fontRef idx="minor">
-            <a:schemeClr val="dk1"/>
-          </a:fontRef>
-        </p:style>
-        <p:txBody>
-          <a:bodyPr rtlCol="0" anchor="ctr"/>
-          <a:lstStyle/>
-          <a:p>
-            <a:pPr algn="ctr"/>
-            <a:r>
-              <a:rPr lang="pl-PL" sz="1400" i="1" dirty="0" smtClean="0"/>
-              <a:t>Simple Logic (select + lookups)</a:t>
-            </a:r>
-            <a:endParaRPr lang="pl-PL" sz="1400" i="1" dirty="0"/>
-          </a:p>
-        </p:txBody>
-      </p:sp>
-      <p:cxnSp>
-        <p:nvCxnSpPr>
-          <p:cNvPr id="19" name="Straight Connector 18"/>
-          <p:cNvCxnSpPr>
-            <a:stCxn id="17" idx="0"/>
-            <a:endCxn id="11" idx="2"/>
-          </p:cNvCxnSpPr>
-          <p:nvPr/>
-        </p:nvCxnSpPr>
-        <p:spPr>
-          <a:xfrm flipV="1">
-            <a:off x="5250322" y="3921208"/>
-            <a:ext cx="667097" cy="1221947"/>
-          </a:xfrm>
-          <a:prstGeom prst="line">
-            <a:avLst/>
-          </a:prstGeom>
-          <a:ln w="9525">
-            <a:solidFill>
-              <a:schemeClr val="tx1"/>
-            </a:solidFill>
+          <a:ln>
+            <a:noFill/>
           </a:ln>
-        </p:spPr>
-        <p:style>
-          <a:lnRef idx="1">
-            <a:schemeClr val="accent1"/>
-          </a:lnRef>
-          <a:fillRef idx="0">
-            <a:schemeClr val="accent1"/>
-          </a:fillRef>
-          <a:effectRef idx="0">
-            <a:schemeClr val="accent1"/>
-          </a:effectRef>
-          <a:fontRef idx="minor">
-            <a:schemeClr val="tx1"/>
-          </a:fontRef>
-        </p:style>
-      </p:cxnSp>
+          <a:effectLst>
+            <a:outerShdw blurRad="292100" dist="139700" dir="2700000" algn="tl" rotWithShape="0">
+              <a:srgbClr val="333333">
+                <a:alpha val="65000"/>
+              </a:srgbClr>
+            </a:outerShdw>
+          </a:effectLst>
+        </p:spPr>
+      </p:pic>
     </p:spTree>
     <p:extLst>
       <p:ext uri="{BB962C8B-B14F-4D97-AF65-F5344CB8AC3E}">
-        <p14:creationId xmlns:p14="http://schemas.microsoft.com/office/powerpoint/2010/main" val="747540146"/>
+        <p14:creationId xmlns:p14="http://schemas.microsoft.com/office/powerpoint/2010/main" val="2077867804"/>
       </p:ext>
     </p:extLst>
   </p:cSld>
@@ -10947,52 +11630,436 @@
           <a:p>
             <a:r>
               <a:rPr lang="pl-PL" dirty="0" smtClean="0"/>
-              <a:t>DB Schema - Schema Compare</a:t>
+              <a:t>ETL (DM)</a:t>
             </a:r>
             <a:endParaRPr lang="pl-PL" dirty="0"/>
           </a:p>
         </p:txBody>
       </p:sp>
-      <p:pic>
-        <p:nvPicPr>
-          <p:cNvPr id="4" name="Content Placeholder 3"/>
-          <p:cNvPicPr>
-            <a:picLocks noGrp="1" noChangeAspect="1"/>
-          </p:cNvPicPr>
-          <p:nvPr>
-            <p:ph idx="1"/>
-          </p:nvPr>
-        </p:nvPicPr>
-        <p:blipFill>
-          <a:blip r:embed="rId2"/>
-          <a:stretch>
-            <a:fillRect/>
-          </a:stretch>
-        </p:blipFill>
-        <p:spPr>
-          <a:xfrm>
-            <a:off x="1664996" y="2160588"/>
-            <a:ext cx="6622046" cy="3881437"/>
+      <p:sp>
+        <p:nvSpPr>
+          <p:cNvPr id="5" name="Can 4"/>
+          <p:cNvSpPr/>
+          <p:nvPr/>
+        </p:nvSpPr>
+        <p:spPr>
+          <a:xfrm>
+            <a:off x="677334" y="2512540"/>
+            <a:ext cx="1738183" cy="2339547"/>
+          </a:xfrm>
+          <a:prstGeom prst="can">
+            <a:avLst/>
+          </a:prstGeom>
+        </p:spPr>
+        <p:style>
+          <a:lnRef idx="2">
+            <a:schemeClr val="accent1">
+              <a:shade val="50000"/>
+            </a:schemeClr>
+          </a:lnRef>
+          <a:fillRef idx="1">
+            <a:schemeClr val="accent1"/>
+          </a:fillRef>
+          <a:effectRef idx="0">
+            <a:schemeClr val="accent1"/>
+          </a:effectRef>
+          <a:fontRef idx="minor">
+            <a:schemeClr val="lt1"/>
+          </a:fontRef>
+        </p:style>
+        <p:txBody>
+          <a:bodyPr rtlCol="0" anchor="ctr"/>
+          <a:lstStyle/>
+          <a:p>
+            <a:pPr algn="ctr"/>
+            <a:r>
+              <a:rPr lang="pl-PL" dirty="0" smtClean="0"/>
+              <a:t>Staging</a:t>
+            </a:r>
+            <a:endParaRPr lang="pl-PL" dirty="0"/>
+          </a:p>
+        </p:txBody>
+      </p:sp>
+      <p:sp>
+        <p:nvSpPr>
+          <p:cNvPr id="6" name="Flowchart: Multidocument 5"/>
+          <p:cNvSpPr/>
+          <p:nvPr/>
+        </p:nvSpPr>
+        <p:spPr>
+          <a:xfrm>
+            <a:off x="1641161" y="4222249"/>
+            <a:ext cx="1006607" cy="1124107"/>
+          </a:xfrm>
+          <a:prstGeom prst="flowChartMultidocument">
+            <a:avLst/>
+          </a:prstGeom>
+        </p:spPr>
+        <p:style>
+          <a:lnRef idx="2">
+            <a:schemeClr val="accent1">
+              <a:shade val="50000"/>
+            </a:schemeClr>
+          </a:lnRef>
+          <a:fillRef idx="1">
+            <a:schemeClr val="accent1"/>
+          </a:fillRef>
+          <a:effectRef idx="0">
+            <a:schemeClr val="accent1"/>
+          </a:effectRef>
+          <a:fontRef idx="minor">
+            <a:schemeClr val="lt1"/>
+          </a:fontRef>
+        </p:style>
+        <p:txBody>
+          <a:bodyPr rtlCol="0" anchor="ctr"/>
+          <a:lstStyle/>
+          <a:p>
+            <a:pPr algn="ctr"/>
+            <a:r>
+              <a:rPr lang="pl-PL" dirty="0" smtClean="0"/>
+              <a:t>Tables</a:t>
+            </a:r>
+            <a:endParaRPr lang="pl-PL" dirty="0"/>
+          </a:p>
+        </p:txBody>
+      </p:sp>
+      <p:sp>
+        <p:nvSpPr>
+          <p:cNvPr id="7" name="Rectangle 6"/>
+          <p:cNvSpPr/>
+          <p:nvPr/>
+        </p:nvSpPr>
+        <p:spPr>
+          <a:xfrm>
+            <a:off x="2647768" y="3211592"/>
+            <a:ext cx="1209130" cy="941439"/>
           </a:xfrm>
           <a:prstGeom prst="rect">
             <a:avLst/>
           </a:prstGeom>
-          <a:ln>
-            <a:noFill/>
+        </p:spPr>
+        <p:style>
+          <a:lnRef idx="2">
+            <a:schemeClr val="accent1">
+              <a:shade val="50000"/>
+            </a:schemeClr>
+          </a:lnRef>
+          <a:fillRef idx="1">
+            <a:schemeClr val="accent1"/>
+          </a:fillRef>
+          <a:effectRef idx="0">
+            <a:schemeClr val="accent1"/>
+          </a:effectRef>
+          <a:fontRef idx="minor">
+            <a:schemeClr val="lt1"/>
+          </a:fontRef>
+        </p:style>
+        <p:txBody>
+          <a:bodyPr rtlCol="0" anchor="ctr"/>
+          <a:lstStyle/>
+          <a:p>
+            <a:pPr algn="ctr"/>
+            <a:r>
+              <a:rPr lang="pl-PL" dirty="0" smtClean="0"/>
+              <a:t>View</a:t>
+            </a:r>
+            <a:endParaRPr lang="pl-PL" dirty="0"/>
+          </a:p>
+        </p:txBody>
+      </p:sp>
+      <p:sp>
+        <p:nvSpPr>
+          <p:cNvPr id="9" name="Rectangle 8"/>
+          <p:cNvSpPr/>
+          <p:nvPr/>
+        </p:nvSpPr>
+        <p:spPr>
+          <a:xfrm>
+            <a:off x="6259626" y="3211592"/>
+            <a:ext cx="1209130" cy="941439"/>
+          </a:xfrm>
+          <a:prstGeom prst="rect">
+            <a:avLst/>
+          </a:prstGeom>
+        </p:spPr>
+        <p:style>
+          <a:lnRef idx="2">
+            <a:schemeClr val="accent3">
+              <a:shade val="50000"/>
+            </a:schemeClr>
+          </a:lnRef>
+          <a:fillRef idx="1">
+            <a:schemeClr val="accent3"/>
+          </a:fillRef>
+          <a:effectRef idx="0">
+            <a:schemeClr val="accent3"/>
+          </a:effectRef>
+          <a:fontRef idx="minor">
+            <a:schemeClr val="lt1"/>
+          </a:fontRef>
+        </p:style>
+        <p:txBody>
+          <a:bodyPr rtlCol="0" anchor="ctr"/>
+          <a:lstStyle/>
+          <a:p>
+            <a:pPr algn="ctr"/>
+            <a:r>
+              <a:rPr lang="pl-PL" dirty="0" smtClean="0"/>
+              <a:t>Table</a:t>
+            </a:r>
+            <a:endParaRPr lang="pl-PL" dirty="0"/>
+          </a:p>
+        </p:txBody>
+      </p:sp>
+      <p:sp>
+        <p:nvSpPr>
+          <p:cNvPr id="10" name="Can 9"/>
+          <p:cNvSpPr/>
+          <p:nvPr/>
+        </p:nvSpPr>
+        <p:spPr>
+          <a:xfrm>
+            <a:off x="7675377" y="2512540"/>
+            <a:ext cx="1738183" cy="2339547"/>
+          </a:xfrm>
+          <a:prstGeom prst="can">
+            <a:avLst/>
+          </a:prstGeom>
+        </p:spPr>
+        <p:style>
+          <a:lnRef idx="2">
+            <a:schemeClr val="accent3">
+              <a:shade val="50000"/>
+            </a:schemeClr>
+          </a:lnRef>
+          <a:fillRef idx="1">
+            <a:schemeClr val="accent3"/>
+          </a:fillRef>
+          <a:effectRef idx="0">
+            <a:schemeClr val="accent3"/>
+          </a:effectRef>
+          <a:fontRef idx="minor">
+            <a:schemeClr val="lt1"/>
+          </a:fontRef>
+        </p:style>
+        <p:txBody>
+          <a:bodyPr rtlCol="0" anchor="ctr"/>
+          <a:lstStyle/>
+          <a:p>
+            <a:pPr algn="ctr"/>
+            <a:r>
+              <a:rPr lang="pl-PL" dirty="0" smtClean="0"/>
+              <a:t>DataMart</a:t>
+            </a:r>
+            <a:endParaRPr lang="pl-PL" dirty="0"/>
+          </a:p>
+        </p:txBody>
+      </p:sp>
+      <p:sp>
+        <p:nvSpPr>
+          <p:cNvPr id="11" name="Right Arrow 10"/>
+          <p:cNvSpPr/>
+          <p:nvPr/>
+        </p:nvSpPr>
+        <p:spPr>
+          <a:xfrm>
+            <a:off x="4014478" y="3443413"/>
+            <a:ext cx="2141838" cy="477795"/>
+          </a:xfrm>
+          <a:prstGeom prst="rightArrow">
+            <a:avLst/>
+          </a:prstGeom>
+        </p:spPr>
+        <p:style>
+          <a:lnRef idx="2">
+            <a:schemeClr val="accent5">
+              <a:shade val="50000"/>
+            </a:schemeClr>
+          </a:lnRef>
+          <a:fillRef idx="1">
+            <a:schemeClr val="accent5"/>
+          </a:fillRef>
+          <a:effectRef idx="0">
+            <a:schemeClr val="accent5"/>
+          </a:effectRef>
+          <a:fontRef idx="minor">
+            <a:schemeClr val="lt1"/>
+          </a:fontRef>
+        </p:style>
+        <p:txBody>
+          <a:bodyPr rtlCol="0" anchor="ctr"/>
+          <a:lstStyle/>
+          <a:p>
+            <a:pPr algn="ctr"/>
+            <a:r>
+              <a:rPr lang="pl-PL" dirty="0" smtClean="0"/>
+              <a:t>ETL</a:t>
+            </a:r>
+            <a:endParaRPr lang="pl-PL" dirty="0"/>
+          </a:p>
+        </p:txBody>
+      </p:sp>
+      <p:sp>
+        <p:nvSpPr>
+          <p:cNvPr id="13" name="Rectangle 12"/>
+          <p:cNvSpPr/>
+          <p:nvPr/>
+        </p:nvSpPr>
+        <p:spPr>
+          <a:xfrm>
+            <a:off x="3789404" y="1524000"/>
+            <a:ext cx="1688757" cy="406400"/>
+          </a:xfrm>
+          <a:prstGeom prst="rect">
+            <a:avLst/>
+          </a:prstGeom>
+        </p:spPr>
+        <p:style>
+          <a:lnRef idx="2">
+            <a:schemeClr val="dk1"/>
+          </a:lnRef>
+          <a:fillRef idx="1">
+            <a:schemeClr val="lt1"/>
+          </a:fillRef>
+          <a:effectRef idx="0">
+            <a:schemeClr val="dk1"/>
+          </a:effectRef>
+          <a:fontRef idx="minor">
+            <a:schemeClr val="dk1"/>
+          </a:fontRef>
+        </p:style>
+        <p:txBody>
+          <a:bodyPr rtlCol="0" anchor="ctr"/>
+          <a:lstStyle/>
+          <a:p>
+            <a:pPr algn="ctr"/>
+            <a:r>
+              <a:rPr lang="pl-PL" sz="1400" i="1" dirty="0" smtClean="0"/>
+              <a:t>Business Logic</a:t>
+            </a:r>
+            <a:endParaRPr lang="pl-PL" sz="1400" i="1" dirty="0"/>
+          </a:p>
+        </p:txBody>
+      </p:sp>
+      <p:cxnSp>
+        <p:nvCxnSpPr>
+          <p:cNvPr id="15" name="Straight Connector 14"/>
+          <p:cNvCxnSpPr>
+            <a:stCxn id="13" idx="2"/>
+            <a:endCxn id="7" idx="0"/>
+          </p:cNvCxnSpPr>
+          <p:nvPr/>
+        </p:nvCxnSpPr>
+        <p:spPr>
+          <a:xfrm flipH="1">
+            <a:off x="3252333" y="1930400"/>
+            <a:ext cx="1381450" cy="1281192"/>
+          </a:xfrm>
+          <a:prstGeom prst="line">
+            <a:avLst/>
+          </a:prstGeom>
+          <a:ln w="9525"/>
+        </p:spPr>
+        <p:style>
+          <a:lnRef idx="1">
+            <a:schemeClr val="dk1"/>
+          </a:lnRef>
+          <a:fillRef idx="0">
+            <a:schemeClr val="dk1"/>
+          </a:fillRef>
+          <a:effectRef idx="0">
+            <a:schemeClr val="dk1"/>
+          </a:effectRef>
+          <a:fontRef idx="minor">
+            <a:schemeClr val="tx1"/>
+          </a:fontRef>
+        </p:style>
+      </p:cxnSp>
+      <p:sp>
+        <p:nvSpPr>
+          <p:cNvPr id="17" name="Rectangle 16"/>
+          <p:cNvSpPr/>
+          <p:nvPr/>
+        </p:nvSpPr>
+        <p:spPr>
+          <a:xfrm>
+            <a:off x="4241018" y="5143155"/>
+            <a:ext cx="2018608" cy="689233"/>
+          </a:xfrm>
+          <a:prstGeom prst="rect">
+            <a:avLst/>
+          </a:prstGeom>
+        </p:spPr>
+        <p:style>
+          <a:lnRef idx="2">
+            <a:schemeClr val="dk1"/>
+          </a:lnRef>
+          <a:fillRef idx="1">
+            <a:schemeClr val="lt1"/>
+          </a:fillRef>
+          <a:effectRef idx="0">
+            <a:schemeClr val="dk1"/>
+          </a:effectRef>
+          <a:fontRef idx="minor">
+            <a:schemeClr val="dk1"/>
+          </a:fontRef>
+        </p:style>
+        <p:txBody>
+          <a:bodyPr rtlCol="0" anchor="ctr"/>
+          <a:lstStyle/>
+          <a:p>
+            <a:pPr algn="ctr"/>
+            <a:r>
+              <a:rPr lang="pl-PL" sz="1400" i="1" dirty="0" smtClean="0"/>
+              <a:t>Simple Logic (select + lookups)</a:t>
+            </a:r>
+            <a:endParaRPr lang="pl-PL" sz="1400" i="1" dirty="0"/>
+          </a:p>
+        </p:txBody>
+      </p:sp>
+      <p:cxnSp>
+        <p:nvCxnSpPr>
+          <p:cNvPr id="19" name="Straight Connector 18"/>
+          <p:cNvCxnSpPr>
+            <a:stCxn id="17" idx="0"/>
+            <a:endCxn id="11" idx="2"/>
+          </p:cNvCxnSpPr>
+          <p:nvPr/>
+        </p:nvCxnSpPr>
+        <p:spPr>
+          <a:xfrm flipV="1">
+            <a:off x="5250322" y="3921208"/>
+            <a:ext cx="667097" cy="1221947"/>
+          </a:xfrm>
+          <a:prstGeom prst="line">
+            <a:avLst/>
+          </a:prstGeom>
+          <a:ln w="9525">
+            <a:solidFill>
+              <a:schemeClr val="tx1"/>
+            </a:solidFill>
           </a:ln>
-          <a:effectLst>
-            <a:outerShdw blurRad="292100" dist="139700" dir="2700000" algn="tl" rotWithShape="0">
-              <a:srgbClr val="333333">
-                <a:alpha val="65000"/>
-              </a:srgbClr>
-            </a:outerShdw>
-          </a:effectLst>
-        </p:spPr>
-      </p:pic>
+        </p:spPr>
+        <p:style>
+          <a:lnRef idx="1">
+            <a:schemeClr val="accent1"/>
+          </a:lnRef>
+          <a:fillRef idx="0">
+            <a:schemeClr val="accent1"/>
+          </a:fillRef>
+          <a:effectRef idx="0">
+            <a:schemeClr val="accent1"/>
+          </a:effectRef>
+          <a:fontRef idx="minor">
+            <a:schemeClr val="tx1"/>
+          </a:fontRef>
+        </p:style>
+      </p:cxnSp>
     </p:spTree>
     <p:extLst>
       <p:ext uri="{BB962C8B-B14F-4D97-AF65-F5344CB8AC3E}">
-        <p14:creationId xmlns:p14="http://schemas.microsoft.com/office/powerpoint/2010/main" val="2999926995"/>
+        <p14:creationId xmlns:p14="http://schemas.microsoft.com/office/powerpoint/2010/main" val="747540146"/>
       </p:ext>
     </p:extLst>
   </p:cSld>

--- a/_DCDemoFiles/DCSlajdy.pptx
+++ b/_DCDemoFiles/DCSlajdy.pptx
@@ -6817,7 +6817,7 @@
           <p:cNvPr id="2" name="Picture 2" descr="Obraz moÅ¼e zawieraÄ: 1 osoba, uÅmiecha siÄ">
             <a:extLst>
               <a:ext uri="{FF2B5EF4-FFF2-40B4-BE49-F238E27FC236}">
-                <a16:creationId xmlns="" xmlns:a16="http://schemas.microsoft.com/office/drawing/2014/main" id="{59F475D3-B464-481B-9197-2DBADE7ED80B}"/>
+                <a16:creationId xmlns:a16="http://schemas.microsoft.com/office/drawing/2014/main" xmlns="" id="{59F475D3-B464-481B-9197-2DBADE7ED80B}"/>
               </a:ext>
             </a:extLst>
           </p:cNvPr>
@@ -6864,7 +6864,7 @@
           <p:cNvPr id="3" name="pole tekstowe 2">
             <a:extLst>
               <a:ext uri="{FF2B5EF4-FFF2-40B4-BE49-F238E27FC236}">
-                <a16:creationId xmlns="" xmlns:a16="http://schemas.microsoft.com/office/drawing/2014/main" id="{4C5A1006-024D-4E32-BF71-E482DB13051E}"/>
+                <a16:creationId xmlns:a16="http://schemas.microsoft.com/office/drawing/2014/main" xmlns="" id="{4C5A1006-024D-4E32-BF71-E482DB13051E}"/>
               </a:ext>
             </a:extLst>
           </p:cNvPr>
@@ -6926,8 +6926,13 @@
           <a:p>
             <a:r>
               <a:rPr lang="pl-PL" dirty="0"/>
-              <a:t>https://github.com/TKostyrkaWSEI/SSISPGen</a:t>
-            </a:r>
+              <a:t>https://</a:t>
+            </a:r>
+            <a:r>
+              <a:rPr lang="pl-PL" dirty="0" smtClean="0"/>
+              <a:t>github.com/TKostyrkaWSEI</a:t>
+            </a:r>
+            <a:endParaRPr lang="pl-PL" dirty="0"/>
           </a:p>
           <a:p>
             <a:endParaRPr lang="pl-PL" dirty="0"/>
